--- a/KommunikationVerteilteSysteme.pptx
+++ b/KommunikationVerteilteSysteme.pptx
@@ -5,30 +5,31 @@
     <p:sldMasterId id="2147483660" r:id="rId1"/>
   </p:sldMasterIdLst>
   <p:notesMasterIdLst>
-    <p:notesMasterId r:id="rId15"/>
+    <p:notesMasterId r:id="rId16"/>
   </p:notesMasterIdLst>
   <p:handoutMasterIdLst>
-    <p:handoutMasterId r:id="rId16"/>
+    <p:handoutMasterId r:id="rId17"/>
   </p:handoutMasterIdLst>
   <p:sldIdLst>
     <p:sldId id="257" r:id="rId2"/>
     <p:sldId id="262" r:id="rId3"/>
     <p:sldId id="261" r:id="rId4"/>
-    <p:sldId id="271" r:id="rId5"/>
-    <p:sldId id="267" r:id="rId6"/>
-    <p:sldId id="266" r:id="rId7"/>
-    <p:sldId id="263" r:id="rId8"/>
-    <p:sldId id="273" r:id="rId9"/>
-    <p:sldId id="264" r:id="rId10"/>
-    <p:sldId id="265" r:id="rId11"/>
-    <p:sldId id="268" r:id="rId12"/>
-    <p:sldId id="274" r:id="rId13"/>
-    <p:sldId id="269" r:id="rId14"/>
+    <p:sldId id="275" r:id="rId5"/>
+    <p:sldId id="271" r:id="rId6"/>
+    <p:sldId id="267" r:id="rId7"/>
+    <p:sldId id="266" r:id="rId8"/>
+    <p:sldId id="263" r:id="rId9"/>
+    <p:sldId id="273" r:id="rId10"/>
+    <p:sldId id="264" r:id="rId11"/>
+    <p:sldId id="265" r:id="rId12"/>
+    <p:sldId id="268" r:id="rId13"/>
+    <p:sldId id="274" r:id="rId14"/>
+    <p:sldId id="269" r:id="rId15"/>
   </p:sldIdLst>
   <p:sldSz cx="9144000" cy="5143500" type="screen16x9"/>
   <p:notesSz cx="6858000" cy="9144000"/>
   <p:custDataLst>
-    <p:tags r:id="rId17"/>
+    <p:tags r:id="rId18"/>
   </p:custDataLst>
   <p:defaultTextStyle>
     <a:defPPr>
@@ -241,7 +242,7 @@
           <a:p>
             <a:fld id="{9A0B111F-537A-A44D-9077-472A5CE198C7}" type="datetimeFigureOut">
               <a:rPr lang="de-DE" smtClean="0"/>
-              <a:t>13.09.2022</a:t>
+              <a:t>15.09.2022</a:t>
             </a:fld>
             <a:endParaRPr lang="de-DE"/>
           </a:p>
@@ -418,7 +419,7 @@
           <a:p>
             <a:fld id="{89DA1E77-5117-B348-899E-C7E9C4D9F712}" type="datetimeFigureOut">
               <a:rPr lang="de-DE" smtClean="0"/>
-              <a:t>13.09.2022</a:t>
+              <a:t>15.09.2022</a:t>
             </a:fld>
             <a:endParaRPr lang="de-DE"/>
           </a:p>
@@ -685,6 +686,182 @@
 </p:notesMaster>
 </file>
 
+<file path=ppt/notesSlides/notesSlide1.xml><?xml version="1.0" encoding="utf-8"?>
+<p:notes xmlns:a="http://schemas.openxmlformats.org/drawingml/2006/main" xmlns:r="http://schemas.openxmlformats.org/officeDocument/2006/relationships" xmlns:p="http://schemas.openxmlformats.org/presentationml/2006/main">
+  <p:cSld>
+    <p:spTree>
+      <p:nvGrpSpPr>
+        <p:cNvPr id="1" name=""/>
+        <p:cNvGrpSpPr/>
+        <p:nvPr/>
+      </p:nvGrpSpPr>
+      <p:grpSpPr>
+        <a:xfrm>
+          <a:off x="0" y="0"/>
+          <a:ext cx="0" cy="0"/>
+          <a:chOff x="0" y="0"/>
+          <a:chExt cx="0" cy="0"/>
+        </a:xfrm>
+      </p:grpSpPr>
+      <p:sp>
+        <p:nvSpPr>
+          <p:cNvPr id="2" name="Folienbildplatzhalter 1"/>
+          <p:cNvSpPr>
+            <a:spLocks noGrp="1" noRot="1" noChangeAspect="1"/>
+          </p:cNvSpPr>
+          <p:nvPr>
+            <p:ph type="sldImg"/>
+          </p:nvPr>
+        </p:nvSpPr>
+        <p:spPr/>
+      </p:sp>
+      <p:sp>
+        <p:nvSpPr>
+          <p:cNvPr id="3" name="Notizenplatzhalter 2"/>
+          <p:cNvSpPr>
+            <a:spLocks noGrp="1"/>
+          </p:cNvSpPr>
+          <p:nvPr>
+            <p:ph type="body" idx="1"/>
+          </p:nvPr>
+        </p:nvSpPr>
+        <p:spPr/>
+        <p:txBody>
+          <a:bodyPr/>
+          <a:lstStyle/>
+          <a:p>
+            <a:r>
+              <a:rPr lang="en-GB" dirty="0"/>
+              <a:t>test</a:t>
+            </a:r>
+            <a:endParaRPr lang="de-DE" dirty="0"/>
+          </a:p>
+        </p:txBody>
+      </p:sp>
+      <p:sp>
+        <p:nvSpPr>
+          <p:cNvPr id="4" name="Foliennummernplatzhalter 3"/>
+          <p:cNvSpPr>
+            <a:spLocks noGrp="1"/>
+          </p:cNvSpPr>
+          <p:nvPr>
+            <p:ph type="sldNum" sz="quarter" idx="5"/>
+          </p:nvPr>
+        </p:nvSpPr>
+        <p:spPr/>
+        <p:txBody>
+          <a:bodyPr/>
+          <a:lstStyle/>
+          <a:p>
+            <a:fld id="{B8489D3D-26F7-E94A-85B1-4DC7A85B894E}" type="slidenum">
+              <a:rPr lang="de-DE" smtClean="0"/>
+              <a:t>3</a:t>
+            </a:fld>
+            <a:endParaRPr lang="de-DE"/>
+          </a:p>
+        </p:txBody>
+      </p:sp>
+    </p:spTree>
+    <p:extLst>
+      <p:ext uri="{BB962C8B-B14F-4D97-AF65-F5344CB8AC3E}">
+        <p14:creationId xmlns:p14="http://schemas.microsoft.com/office/powerpoint/2010/main" val="1649292659"/>
+      </p:ext>
+    </p:extLst>
+  </p:cSld>
+  <p:clrMapOvr>
+    <a:masterClrMapping/>
+  </p:clrMapOvr>
+</p:notes>
+</file>
+
+<file path=ppt/notesSlides/notesSlide2.xml><?xml version="1.0" encoding="utf-8"?>
+<p:notes xmlns:a="http://schemas.openxmlformats.org/drawingml/2006/main" xmlns:r="http://schemas.openxmlformats.org/officeDocument/2006/relationships" xmlns:p="http://schemas.openxmlformats.org/presentationml/2006/main">
+  <p:cSld>
+    <p:spTree>
+      <p:nvGrpSpPr>
+        <p:cNvPr id="1" name=""/>
+        <p:cNvGrpSpPr/>
+        <p:nvPr/>
+      </p:nvGrpSpPr>
+      <p:grpSpPr>
+        <a:xfrm>
+          <a:off x="0" y="0"/>
+          <a:ext cx="0" cy="0"/>
+          <a:chOff x="0" y="0"/>
+          <a:chExt cx="0" cy="0"/>
+        </a:xfrm>
+      </p:grpSpPr>
+      <p:sp>
+        <p:nvSpPr>
+          <p:cNvPr id="2" name="Folienbildplatzhalter 1"/>
+          <p:cNvSpPr>
+            <a:spLocks noGrp="1" noRot="1" noChangeAspect="1"/>
+          </p:cNvSpPr>
+          <p:nvPr>
+            <p:ph type="sldImg"/>
+          </p:nvPr>
+        </p:nvSpPr>
+        <p:spPr/>
+      </p:sp>
+      <p:sp>
+        <p:nvSpPr>
+          <p:cNvPr id="3" name="Notizenplatzhalter 2"/>
+          <p:cNvSpPr>
+            <a:spLocks noGrp="1"/>
+          </p:cNvSpPr>
+          <p:nvPr>
+            <p:ph type="body" idx="1"/>
+          </p:nvPr>
+        </p:nvSpPr>
+        <p:spPr/>
+        <p:txBody>
+          <a:bodyPr/>
+          <a:lstStyle/>
+          <a:p>
+            <a:r>
+              <a:rPr lang="en-GB" dirty="0"/>
+              <a:t>test</a:t>
+            </a:r>
+            <a:endParaRPr lang="de-DE" dirty="0"/>
+          </a:p>
+        </p:txBody>
+      </p:sp>
+      <p:sp>
+        <p:nvSpPr>
+          <p:cNvPr id="4" name="Foliennummernplatzhalter 3"/>
+          <p:cNvSpPr>
+            <a:spLocks noGrp="1"/>
+          </p:cNvSpPr>
+          <p:nvPr>
+            <p:ph type="sldNum" sz="quarter" idx="5"/>
+          </p:nvPr>
+        </p:nvSpPr>
+        <p:spPr/>
+        <p:txBody>
+          <a:bodyPr/>
+          <a:lstStyle/>
+          <a:p>
+            <a:fld id="{B8489D3D-26F7-E94A-85B1-4DC7A85B894E}" type="slidenum">
+              <a:rPr lang="de-DE" smtClean="0"/>
+              <a:t>4</a:t>
+            </a:fld>
+            <a:endParaRPr lang="de-DE"/>
+          </a:p>
+        </p:txBody>
+      </p:sp>
+    </p:spTree>
+    <p:extLst>
+      <p:ext uri="{BB962C8B-B14F-4D97-AF65-F5344CB8AC3E}">
+        <p14:creationId xmlns:p14="http://schemas.microsoft.com/office/powerpoint/2010/main" val="949230767"/>
+      </p:ext>
+    </p:extLst>
+  </p:cSld>
+  <p:clrMapOvr>
+    <a:masterClrMapping/>
+  </p:clrMapOvr>
+</p:notes>
+</file>
+
 <file path=ppt/slideLayouts/slideLayout1.xml><?xml version="1.0" encoding="utf-8"?>
 <p:sldLayout xmlns:a="http://schemas.openxmlformats.org/drawingml/2006/main" xmlns:r="http://schemas.openxmlformats.org/officeDocument/2006/relationships" xmlns:p="http://schemas.openxmlformats.org/presentationml/2006/main" preserve="1" userDrawn="1">
   <p:cSld name="2_Titelfolie_Hintergrund-Bild">
@@ -1431,7 +1608,7 @@
           <a:p>
             <a:fld id="{3DB23B1A-9187-4AC2-A6E8-256A7CA6F393}" type="datetime1">
               <a:rPr lang="de-DE" smtClean="0"/>
-              <a:t>13.09.2022</a:t>
+              <a:t>15.09.2022</a:t>
             </a:fld>
             <a:endParaRPr lang="de-DE" dirty="0"/>
           </a:p>
@@ -1935,7 +2112,7 @@
           <a:p>
             <a:fld id="{37A493B6-C0AD-49FB-AEAE-DFD93FEC1EA3}" type="datetime1">
               <a:rPr lang="de-DE" smtClean="0"/>
-              <a:t>13.09.2022</a:t>
+              <a:t>15.09.2022</a:t>
             </a:fld>
             <a:endParaRPr lang="de-DE" dirty="0"/>
           </a:p>
@@ -2913,7 +3090,7 @@
           <a:p>
             <a:fld id="{2904B3CD-E2B2-4C2D-A136-AD33C9D4D7F8}" type="datetime1">
               <a:rPr lang="de-DE" smtClean="0"/>
-              <a:t>13.09.2022</a:t>
+              <a:t>15.09.2022</a:t>
             </a:fld>
             <a:endParaRPr lang="de-DE" dirty="0"/>
           </a:p>
@@ -3114,7 +3291,7 @@
           <a:p>
             <a:fld id="{18C6B73E-2377-4D37-834F-82F854251A1A}" type="datetime1">
               <a:rPr lang="de-DE" smtClean="0"/>
-              <a:t>13.09.2022</a:t>
+              <a:t>15.09.2022</a:t>
             </a:fld>
             <a:endParaRPr lang="de-DE" dirty="0"/>
           </a:p>
@@ -3891,7 +4068,7 @@
           <a:p>
             <a:fld id="{859BCDE9-D454-4ABF-8A21-98EC818B1C6E}" type="datetime1">
               <a:rPr lang="de-DE" smtClean="0"/>
-              <a:t>13.09.2022</a:t>
+              <a:t>15.09.2022</a:t>
             </a:fld>
             <a:endParaRPr lang="de-DE" dirty="0"/>
           </a:p>
@@ -4284,7 +4461,7 @@
           <a:p>
             <a:fld id="{F9F6D2D9-B26A-4B4B-8DEB-E3F0C9E6586D}" type="datetime1">
               <a:rPr lang="de-DE" smtClean="0"/>
-              <a:t>13.09.2022</a:t>
+              <a:t>15.09.2022</a:t>
             </a:fld>
             <a:endParaRPr lang="de-DE" dirty="0"/>
           </a:p>
@@ -4725,7 +4902,7 @@
           <a:p>
             <a:fld id="{EF2D43E2-33BF-41E2-8988-8978FB7BE6F8}" type="datetime1">
               <a:rPr lang="de-DE" smtClean="0"/>
-              <a:t>13.09.2022</a:t>
+              <a:t>15.09.2022</a:t>
             </a:fld>
             <a:endParaRPr lang="de-DE" dirty="0"/>
           </a:p>
@@ -5247,7 +5424,7 @@
           <a:p>
             <a:fld id="{02F0AE24-04D3-4F60-9ADA-A27FD34B1EA1}" type="datetime1">
               <a:rPr lang="de-DE" smtClean="0"/>
-              <a:t>13.09.2022</a:t>
+              <a:t>15.09.2022</a:t>
             </a:fld>
             <a:endParaRPr lang="de-DE" dirty="0"/>
           </a:p>
@@ -6075,7 +6252,7 @@
           <a:p>
             <a:fld id="{0EE36181-0326-44FE-B68A-1FC7A46D2DC6}" type="datetime1">
               <a:rPr lang="de-DE" smtClean="0"/>
-              <a:t>13.09.2022</a:t>
+              <a:t>15.09.2022</a:t>
             </a:fld>
             <a:endParaRPr lang="de-DE" dirty="0"/>
           </a:p>
@@ -6721,7 +6898,7 @@
           <a:p>
             <a:fld id="{0802C932-8694-4D47-8036-E73AF92D3C8E}" type="datetime1">
               <a:rPr lang="de-DE" smtClean="0"/>
-              <a:t>13.09.2022</a:t>
+              <a:t>15.09.2022</a:t>
             </a:fld>
             <a:endParaRPr lang="de-DE" dirty="0"/>
           </a:p>
@@ -7312,7 +7489,7 @@
           <a:p>
             <a:fld id="{F6737BBE-2145-4442-A559-CD3E1292DF16}" type="datetime1">
               <a:rPr lang="de-DE" smtClean="0"/>
-              <a:t>13.09.2022</a:t>
+              <a:t>15.09.2022</a:t>
             </a:fld>
             <a:endParaRPr lang="de-DE" dirty="0"/>
           </a:p>
@@ -7465,7 +7642,7 @@
           <a:p>
             <a:fld id="{D522FE2C-A6D9-4590-A1CE-B501E99953F5}" type="datetime1">
               <a:rPr lang="de-DE" smtClean="0"/>
-              <a:t>13.09.2022</a:t>
+              <a:t>15.09.2022</a:t>
             </a:fld>
             <a:endParaRPr lang="de-DE" dirty="0"/>
           </a:p>
@@ -7839,7 +8016,7 @@
           <a:p>
             <a:fld id="{FB1A39E2-7EE3-42EC-8CB1-72ADC3F9EF04}" type="datetime1">
               <a:rPr lang="de-DE" smtClean="0"/>
-              <a:t>13.09.2022</a:t>
+              <a:t>15.09.2022</a:t>
             </a:fld>
             <a:endParaRPr lang="de-DE" dirty="0"/>
           </a:p>
@@ -9381,7 +9558,7 @@
           <a:p>
             <a:fld id="{E2FC5787-D3CC-4D24-A6E3-B654BBD1545E}" type="datetime1">
               <a:rPr lang="de-DE" smtClean="0"/>
-              <a:t>13.09.2022</a:t>
+              <a:t>15.09.2022</a:t>
             </a:fld>
             <a:endParaRPr lang="de-DE" dirty="0"/>
           </a:p>
@@ -10219,7 +10396,7 @@
           <a:p>
             <a:fld id="{17FE8F99-BF54-414D-A3A4-1FE3CA29B8C5}" type="datetime1">
               <a:rPr lang="de-DE" smtClean="0"/>
-              <a:t>13.09.2022</a:t>
+              <a:t>15.09.2022</a:t>
             </a:fld>
             <a:endParaRPr lang="de-DE" dirty="0"/>
           </a:p>
@@ -10450,7 +10627,7 @@
           <a:p>
             <a:fld id="{6FC3921D-598D-4DEE-9314-C280C5FEF300}" type="datetime1">
               <a:rPr lang="de-DE" smtClean="0"/>
-              <a:t>13.09.2022</a:t>
+              <a:t>15.09.2022</a:t>
             </a:fld>
             <a:endParaRPr lang="de-DE" dirty="0"/>
           </a:p>
@@ -11124,7 +11301,7 @@
           <a:p>
             <a:fld id="{DEE87DF2-97F1-4A98-89F4-0A565A96BBE4}" type="datetime1">
               <a:rPr lang="de-DE" smtClean="0"/>
-              <a:t>13.09.2022</a:t>
+              <a:t>15.09.2022</a:t>
             </a:fld>
             <a:endParaRPr lang="de-DE" dirty="0"/>
           </a:p>
@@ -11996,7 +12173,7 @@
           <a:p>
             <a:fld id="{1247FDAF-1059-452B-A4FA-AC0A95C3AC7E}" type="datetime1">
               <a:rPr lang="de-DE" smtClean="0"/>
-              <a:t>13.09.2022</a:t>
+              <a:t>15.09.2022</a:t>
             </a:fld>
             <a:endParaRPr lang="de-DE" dirty="0"/>
           </a:p>
@@ -12303,7 +12480,7 @@
           <a:p>
             <a:fld id="{2DB813F1-33A0-4D4E-87AF-EB69B557B9DE}" type="datetime1">
               <a:rPr lang="de-DE" smtClean="0"/>
-              <a:t>13.09.2022</a:t>
+              <a:t>15.09.2022</a:t>
             </a:fld>
             <a:endParaRPr lang="de-DE" dirty="0"/>
           </a:p>
@@ -12812,7 +12989,7 @@
           <a:p>
             <a:fld id="{99396A89-394F-4BFD-A33E-ED7AC701A9EA}" type="datetime1">
               <a:rPr lang="de-DE" smtClean="0"/>
-              <a:t>13.09.2022</a:t>
+              <a:t>15.09.2022</a:t>
             </a:fld>
             <a:endParaRPr lang="de-DE" dirty="0"/>
           </a:p>
@@ -13001,7 +13178,7 @@
           <a:p>
             <a:fld id="{507815C9-6D4B-42D1-9120-5557FAD46A0C}" type="datetime1">
               <a:rPr lang="de-DE" smtClean="0"/>
-              <a:t>13.09.2022</a:t>
+              <a:t>15.09.2022</a:t>
             </a:fld>
             <a:endParaRPr lang="de-DE" dirty="0"/>
           </a:p>
@@ -13424,7 +13601,7 @@
           <a:p>
             <a:fld id="{82DCE2A8-B364-4B6D-B82B-40BD3869BAE8}" type="datetime1">
               <a:rPr lang="de-DE" smtClean="0"/>
-              <a:t>13.09.2022</a:t>
+              <a:t>15.09.2022</a:t>
             </a:fld>
             <a:endParaRPr lang="de-DE" dirty="0"/>
           </a:p>
@@ -13559,7 +13736,7 @@
           <a:p>
             <a:fld id="{7D171584-8549-427D-8281-AC5E9F4029DF}" type="datetime1">
               <a:rPr lang="de-DE" smtClean="0"/>
-              <a:t>13.09.2022</a:t>
+              <a:t>15.09.2022</a:t>
             </a:fld>
             <a:endParaRPr lang="de-DE" dirty="0"/>
           </a:p>
@@ -14442,7 +14619,7 @@
           <a:p>
             <a:fld id="{76EC861C-3A26-4872-9641-990BBEB07C8D}" type="datetime1">
               <a:rPr lang="de-DE" smtClean="0"/>
-              <a:t>13.09.2022</a:t>
+              <a:t>15.09.2022</a:t>
             </a:fld>
             <a:endParaRPr lang="de-DE" dirty="0"/>
           </a:p>
@@ -14754,7 +14931,7 @@
           <a:p>
             <a:fld id="{CE999999-6EB5-48ED-9AE9-22C113A6BD0A}" type="datetime1">
               <a:rPr lang="de-DE" smtClean="0"/>
-              <a:t>13.09.2022</a:t>
+              <a:t>15.09.2022</a:t>
             </a:fld>
             <a:endParaRPr lang="de-DE" dirty="0"/>
           </a:p>
@@ -15147,7 +15324,7 @@
           <a:p>
             <a:fld id="{C0BB70FC-68C5-4D4E-BCBA-6FAB730D8949}" type="datetime1">
               <a:rPr lang="de-DE" smtClean="0"/>
-              <a:t>13.09.2022</a:t>
+              <a:t>15.09.2022</a:t>
             </a:fld>
             <a:endParaRPr lang="de-DE" dirty="0"/>
           </a:p>
@@ -15381,7 +15558,7 @@
           <a:p>
             <a:fld id="{F8AE4F14-8A05-4228-9389-6559A886F105}" type="datetime1">
               <a:rPr lang="de-DE" smtClean="0"/>
-              <a:t>13.09.2022</a:t>
+              <a:t>15.09.2022</a:t>
             </a:fld>
             <a:endParaRPr lang="de-DE" dirty="0"/>
           </a:p>
@@ -15953,7 +16130,7 @@
           <a:p>
             <a:fld id="{EA0FD884-5FA7-4586-98D5-450AD5274F6B}" type="datetime1">
               <a:rPr lang="de-DE" smtClean="0"/>
-              <a:t>13.09.2022</a:t>
+              <a:t>15.09.2022</a:t>
             </a:fld>
             <a:endParaRPr lang="de-DE" dirty="0"/>
           </a:p>
@@ -16472,7 +16649,7 @@
           <a:p>
             <a:fld id="{4E73BE5B-6839-400E-8096-642BB331A383}" type="datetime1">
               <a:rPr lang="de-DE" smtClean="0"/>
-              <a:t>13.09.2022</a:t>
+              <a:t>15.09.2022</a:t>
             </a:fld>
             <a:endParaRPr lang="de-DE" dirty="0"/>
           </a:p>
@@ -16557,7 +16734,7 @@
           </p:cNvGraphicFramePr>
           <p:nvPr>
             <p:custDataLst>
-              <p:tags r:id="rId36"/>
+              <p:tags r:id="rId35"/>
             </p:custDataLst>
             <p:extLst>
               <p:ext uri="{D42A27DB-BD31-4B8C-83A1-F6EECF244321}">
@@ -16574,12 +16751,12 @@
           <a:graphicData uri="http://schemas.openxmlformats.org/presentationml/2006/ole">
             <mc:AlternateContent xmlns:mc="http://schemas.openxmlformats.org/markup-compatibility/2006">
               <mc:Choice xmlns:v="urn:schemas-microsoft-com:vml" Requires="v">
-                <p:oleObj spid="_x0000_s1081" name="think-cell Folie" r:id="rId37" imgW="338" imgH="344" progId="TCLayout.ActiveDocument.1">
+                <p:oleObj name="think-cell Folie" r:id="rId36" imgW="338" imgH="344" progId="TCLayout.ActiveDocument.1">
                   <p:embed/>
                 </p:oleObj>
               </mc:Choice>
               <mc:Fallback>
-                <p:oleObj name="think-cell Folie" r:id="rId37" imgW="338" imgH="344" progId="TCLayout.ActiveDocument.1">
+                <p:oleObj name="think-cell Folie" r:id="rId36" imgW="338" imgH="344" progId="TCLayout.ActiveDocument.1">
                   <p:embed/>
                   <p:pic>
                     <p:nvPicPr>
@@ -16588,7 +16765,7 @@
                       <p:nvPr/>
                     </p:nvPicPr>
                     <p:blipFill>
-                      <a:blip r:embed="rId38"/>
+                      <a:blip r:embed="rId37"/>
                       <a:stretch>
                         <a:fillRect/>
                       </a:stretch>
@@ -16871,7 +17048,7 @@
           <a:p>
             <a:fld id="{EC1613B2-C89F-499A-8C0D-E7D39129207B}" type="datetime1">
               <a:rPr lang="de-DE" smtClean="0"/>
-              <a:t>13.09.2022</a:t>
+              <a:t>15.09.2022</a:t>
             </a:fld>
             <a:endParaRPr lang="de-DE" dirty="0"/>
           </a:p>
@@ -16883,6 +17060,42 @@
             <a:extLst>
               <a:ext uri="{FF2B5EF4-FFF2-40B4-BE49-F238E27FC236}">
                 <a16:creationId xmlns:a16="http://schemas.microsoft.com/office/drawing/2014/main" id="{C1BB55B9-2489-1E42-AA09-640E6326C25B}"/>
+              </a:ext>
+            </a:extLst>
+          </p:cNvPr>
+          <p:cNvPicPr>
+            <a:picLocks noChangeAspect="1"/>
+          </p:cNvPicPr>
+          <p:nvPr/>
+        </p:nvPicPr>
+        <p:blipFill>
+          <a:blip r:embed="rId38" cstate="print">
+            <a:extLst>
+              <a:ext uri="{28A0092B-C50C-407E-A947-70E740481C1C}">
+                <a14:useLocalDpi xmlns:a14="http://schemas.microsoft.com/office/drawing/2010/main"/>
+              </a:ext>
+            </a:extLst>
+          </a:blip>
+          <a:stretch>
+            <a:fillRect/>
+          </a:stretch>
+        </p:blipFill>
+        <p:spPr>
+          <a:xfrm>
+            <a:off x="6421935" y="4846916"/>
+            <a:ext cx="1138042" cy="162000"/>
+          </a:xfrm>
+          <a:prstGeom prst="rect">
+            <a:avLst/>
+          </a:prstGeom>
+        </p:spPr>
+      </p:pic>
+      <p:pic>
+        <p:nvPicPr>
+          <p:cNvPr id="15" name="Grafik 14">
+            <a:extLst>
+              <a:ext uri="{FF2B5EF4-FFF2-40B4-BE49-F238E27FC236}">
+                <a16:creationId xmlns:a16="http://schemas.microsoft.com/office/drawing/2014/main" id="{6F13192C-9A02-4848-9F45-ECE48C28E23A}"/>
               </a:ext>
             </a:extLst>
           </p:cNvPr>
@@ -16893,42 +17106,6 @@
         </p:nvPicPr>
         <p:blipFill>
           <a:blip r:embed="rId39" cstate="print">
-            <a:extLst>
-              <a:ext uri="{28A0092B-C50C-407E-A947-70E740481C1C}">
-                <a14:useLocalDpi xmlns:a14="http://schemas.microsoft.com/office/drawing/2010/main"/>
-              </a:ext>
-            </a:extLst>
-          </a:blip>
-          <a:stretch>
-            <a:fillRect/>
-          </a:stretch>
-        </p:blipFill>
-        <p:spPr>
-          <a:xfrm>
-            <a:off x="6421935" y="4846916"/>
-            <a:ext cx="1138042" cy="162000"/>
-          </a:xfrm>
-          <a:prstGeom prst="rect">
-            <a:avLst/>
-          </a:prstGeom>
-        </p:spPr>
-      </p:pic>
-      <p:pic>
-        <p:nvPicPr>
-          <p:cNvPr id="15" name="Grafik 14">
-            <a:extLst>
-              <a:ext uri="{FF2B5EF4-FFF2-40B4-BE49-F238E27FC236}">
-                <a16:creationId xmlns:a16="http://schemas.microsoft.com/office/drawing/2014/main" id="{6F13192C-9A02-4848-9F45-ECE48C28E23A}"/>
-              </a:ext>
-            </a:extLst>
-          </p:cNvPr>
-          <p:cNvPicPr>
-            <a:picLocks noChangeAspect="1"/>
-          </p:cNvPicPr>
-          <p:nvPr/>
-        </p:nvPicPr>
-        <p:blipFill>
-          <a:blip r:embed="rId40" cstate="print">
             <a:extLst>
               <a:ext uri="{28A0092B-C50C-407E-A947-70E740481C1C}">
                 <a14:useLocalDpi xmlns:a14="http://schemas.microsoft.com/office/drawing/2010/main"/>
@@ -16958,7 +17135,7 @@
           <p:nvPr/>
         </p:nvPicPr>
         <p:blipFill>
-          <a:blip r:embed="rId41" cstate="print">
+          <a:blip r:embed="rId40" cstate="print">
             <a:extLst>
               <a:ext uri="{28A0092B-C50C-407E-A947-70E740481C1C}">
                 <a14:useLocalDpi xmlns:a14="http://schemas.microsoft.com/office/drawing/2010/main"/>
@@ -17485,8 +17662,13 @@
           <a:p>
             <a:r>
               <a:rPr lang="de-DE" dirty="0"/>
-              <a:t>Szenario : Virtual Topic</a:t>
-            </a:r>
+              <a:t>Asynchrone Kommunikation : publish/</a:t>
+            </a:r>
+            <a:r>
+              <a:rPr lang="de-DE" dirty="0" err="1"/>
+              <a:t>subscribe</a:t>
+            </a:r>
+            <a:endParaRPr lang="de-DE" dirty="0"/>
           </a:p>
         </p:txBody>
       </p:sp>
@@ -17513,7 +17695,912 @@
           <a:p>
             <a:fld id="{F6737BBE-2145-4442-A559-CD3E1292DF16}" type="datetime1">
               <a:rPr lang="de-DE" smtClean="0"/>
-              <a:t>13.09.2022</a:t>
+              <a:t>15.09.2022</a:t>
+            </a:fld>
+            <a:endParaRPr lang="de-DE" dirty="0"/>
+          </a:p>
+        </p:txBody>
+      </p:sp>
+      <p:sp>
+        <p:nvSpPr>
+          <p:cNvPr id="9" name="Fußzeilenplatzhalter 8">
+            <a:extLst>
+              <a:ext uri="{FF2B5EF4-FFF2-40B4-BE49-F238E27FC236}">
+                <a16:creationId xmlns:a16="http://schemas.microsoft.com/office/drawing/2014/main" id="{4FB570F9-91F6-4813-9B0A-9B89BAC606AE}"/>
+              </a:ext>
+            </a:extLst>
+          </p:cNvPr>
+          <p:cNvSpPr>
+            <a:spLocks noGrp="1"/>
+          </p:cNvSpPr>
+          <p:nvPr>
+            <p:ph type="ftr" sz="quarter" idx="3"/>
+          </p:nvPr>
+        </p:nvSpPr>
+        <p:spPr/>
+        <p:txBody>
+          <a:bodyPr/>
+          <a:lstStyle/>
+          <a:p>
+            <a:endParaRPr lang="de-DE" dirty="0"/>
+          </a:p>
+        </p:txBody>
+      </p:sp>
+      <p:sp>
+        <p:nvSpPr>
+          <p:cNvPr id="12" name="Rechteck 11">
+            <a:extLst>
+              <a:ext uri="{FF2B5EF4-FFF2-40B4-BE49-F238E27FC236}">
+                <a16:creationId xmlns:a16="http://schemas.microsoft.com/office/drawing/2014/main" id="{EC87BBAA-6FA5-4AAF-B603-766955BEC8F3}"/>
+              </a:ext>
+            </a:extLst>
+          </p:cNvPr>
+          <p:cNvSpPr/>
+          <p:nvPr/>
+        </p:nvSpPr>
+        <p:spPr>
+          <a:xfrm>
+            <a:off x="1409700" y="1486689"/>
+            <a:ext cx="4244340" cy="2742411"/>
+          </a:xfrm>
+          <a:prstGeom prst="rect">
+            <a:avLst/>
+          </a:prstGeom>
+          <a:noFill/>
+          <a:ln w="38100" cap="flat" cmpd="sng" algn="ctr">
+            <a:solidFill>
+              <a:schemeClr val="accent2">
+                <a:lumMod val="60000"/>
+                <a:lumOff val="40000"/>
+              </a:schemeClr>
+            </a:solidFill>
+            <a:prstDash val="solid"/>
+            <a:round/>
+            <a:headEnd type="none" w="med" len="med"/>
+            <a:tailEnd type="none" w="med" len="med"/>
+          </a:ln>
+        </p:spPr>
+        <p:style>
+          <a:lnRef idx="0">
+            <a:scrgbClr r="0" g="0" b="0"/>
+          </a:lnRef>
+          <a:fillRef idx="0">
+            <a:scrgbClr r="0" g="0" b="0"/>
+          </a:fillRef>
+          <a:effectRef idx="0">
+            <a:scrgbClr r="0" g="0" b="0"/>
+          </a:effectRef>
+          <a:fontRef idx="minor">
+            <a:schemeClr val="dk1"/>
+          </a:fontRef>
+        </p:style>
+        <p:txBody>
+          <a:bodyPr rtlCol="0" anchor="ctr"/>
+          <a:lstStyle/>
+          <a:p>
+            <a:pPr algn="ctr"/>
+            <a:endParaRPr lang="de-DE"/>
+          </a:p>
+        </p:txBody>
+      </p:sp>
+      <p:sp>
+        <p:nvSpPr>
+          <p:cNvPr id="17" name="Pfeil: nach links 16">
+            <a:extLst>
+              <a:ext uri="{FF2B5EF4-FFF2-40B4-BE49-F238E27FC236}">
+                <a16:creationId xmlns:a16="http://schemas.microsoft.com/office/drawing/2014/main" id="{CAC0CE91-EECD-4914-8DF3-EEDC898C42E4}"/>
+              </a:ext>
+            </a:extLst>
+          </p:cNvPr>
+          <p:cNvSpPr/>
+          <p:nvPr/>
+        </p:nvSpPr>
+        <p:spPr>
+          <a:xfrm>
+            <a:off x="5494123" y="2639520"/>
+            <a:ext cx="891540" cy="327660"/>
+          </a:xfrm>
+          <a:prstGeom prst="leftArrow">
+            <a:avLst/>
+          </a:prstGeom>
+          <a:solidFill>
+            <a:srgbClr val="FF0000"/>
+          </a:solidFill>
+          <a:ln>
+            <a:solidFill>
+              <a:srgbClr val="C00000"/>
+            </a:solidFill>
+          </a:ln>
+        </p:spPr>
+        <p:style>
+          <a:lnRef idx="1">
+            <a:schemeClr val="accent1"/>
+          </a:lnRef>
+          <a:fillRef idx="3">
+            <a:schemeClr val="accent1"/>
+          </a:fillRef>
+          <a:effectRef idx="2">
+            <a:schemeClr val="accent1"/>
+          </a:effectRef>
+          <a:fontRef idx="minor">
+            <a:schemeClr val="lt1"/>
+          </a:fontRef>
+        </p:style>
+        <p:txBody>
+          <a:bodyPr rtlCol="0" anchor="ctr"/>
+          <a:lstStyle/>
+          <a:p>
+            <a:pPr algn="ctr"/>
+            <a:r>
+              <a:rPr lang="de-DE" sz="1200" dirty="0"/>
+              <a:t>Topic</a:t>
+            </a:r>
+          </a:p>
+        </p:txBody>
+      </p:sp>
+      <p:sp>
+        <p:nvSpPr>
+          <p:cNvPr id="10" name="Textfeld 9">
+            <a:extLst>
+              <a:ext uri="{FF2B5EF4-FFF2-40B4-BE49-F238E27FC236}">
+                <a16:creationId xmlns:a16="http://schemas.microsoft.com/office/drawing/2014/main" id="{465E413E-938D-4A69-BCE6-9F74C150BEC9}"/>
+              </a:ext>
+            </a:extLst>
+          </p:cNvPr>
+          <p:cNvSpPr txBox="1"/>
+          <p:nvPr/>
+        </p:nvSpPr>
+        <p:spPr>
+          <a:xfrm>
+            <a:off x="1806575" y="1855580"/>
+            <a:ext cx="1784350" cy="830997"/>
+          </a:xfrm>
+          <a:prstGeom prst="rect">
+            <a:avLst/>
+          </a:prstGeom>
+          <a:solidFill>
+            <a:srgbClr val="2C00E6"/>
+          </a:solidFill>
+          <a:ln w="50800" cap="rnd">
+            <a:solidFill>
+              <a:srgbClr val="2800D2"/>
+            </a:solidFill>
+          </a:ln>
+        </p:spPr>
+        <p:txBody>
+          <a:bodyPr wrap="square" rtlCol="0">
+            <a:spAutoFit/>
+          </a:bodyPr>
+          <a:lstStyle/>
+          <a:p>
+            <a:pPr algn="ctr"/>
+            <a:r>
+              <a:rPr lang="de-DE" dirty="0" err="1">
+                <a:solidFill>
+                  <a:schemeClr val="bg1"/>
+                </a:solidFill>
+              </a:rPr>
+              <a:t>AlarmIT</a:t>
+            </a:r>
+            <a:endParaRPr lang="de-DE" dirty="0">
+              <a:solidFill>
+                <a:schemeClr val="bg1"/>
+              </a:solidFill>
+            </a:endParaRPr>
+          </a:p>
+          <a:p>
+            <a:pPr algn="ctr"/>
+            <a:r>
+              <a:rPr lang="de-DE" sz="2000" dirty="0">
+                <a:solidFill>
+                  <a:schemeClr val="bg1"/>
+                </a:solidFill>
+              </a:rPr>
+              <a:t>Instanz 1</a:t>
+            </a:r>
+          </a:p>
+          <a:p>
+            <a:pPr algn="ctr"/>
+            <a:endParaRPr lang="de-DE" dirty="0">
+              <a:solidFill>
+                <a:schemeClr val="bg1"/>
+              </a:solidFill>
+            </a:endParaRPr>
+          </a:p>
+        </p:txBody>
+      </p:sp>
+      <p:sp>
+        <p:nvSpPr>
+          <p:cNvPr id="11" name="Textfeld 10">
+            <a:extLst>
+              <a:ext uri="{FF2B5EF4-FFF2-40B4-BE49-F238E27FC236}">
+                <a16:creationId xmlns:a16="http://schemas.microsoft.com/office/drawing/2014/main" id="{11040457-F383-4E65-8B52-884373FE2801}"/>
+              </a:ext>
+            </a:extLst>
+          </p:cNvPr>
+          <p:cNvSpPr txBox="1"/>
+          <p:nvPr/>
+        </p:nvSpPr>
+        <p:spPr>
+          <a:xfrm>
+            <a:off x="1784927" y="3055468"/>
+            <a:ext cx="1784350" cy="830997"/>
+          </a:xfrm>
+          <a:prstGeom prst="rect">
+            <a:avLst/>
+          </a:prstGeom>
+          <a:solidFill>
+            <a:srgbClr val="2C00E6"/>
+          </a:solidFill>
+          <a:ln w="50800" cap="rnd">
+            <a:solidFill>
+              <a:srgbClr val="2800D2"/>
+            </a:solidFill>
+          </a:ln>
+        </p:spPr>
+        <p:txBody>
+          <a:bodyPr wrap="square" rtlCol="0">
+            <a:spAutoFit/>
+          </a:bodyPr>
+          <a:lstStyle/>
+          <a:p>
+            <a:pPr algn="ctr"/>
+            <a:r>
+              <a:rPr lang="de-DE" dirty="0" err="1">
+                <a:solidFill>
+                  <a:schemeClr val="bg1"/>
+                </a:solidFill>
+              </a:rPr>
+              <a:t>AlarmIT</a:t>
+            </a:r>
+            <a:endParaRPr lang="de-DE" dirty="0">
+              <a:solidFill>
+                <a:schemeClr val="bg1"/>
+              </a:solidFill>
+            </a:endParaRPr>
+          </a:p>
+          <a:p>
+            <a:pPr algn="ctr"/>
+            <a:r>
+              <a:rPr lang="de-DE" sz="2000" dirty="0">
+                <a:solidFill>
+                  <a:schemeClr val="bg1"/>
+                </a:solidFill>
+              </a:rPr>
+              <a:t>Instanz 2</a:t>
+            </a:r>
+          </a:p>
+          <a:p>
+            <a:pPr algn="ctr"/>
+            <a:endParaRPr lang="de-DE" dirty="0">
+              <a:solidFill>
+                <a:schemeClr val="bg1"/>
+              </a:solidFill>
+            </a:endParaRPr>
+          </a:p>
+        </p:txBody>
+      </p:sp>
+      <p:pic>
+        <p:nvPicPr>
+          <p:cNvPr id="21" name="Picture 6" descr="Was ist Docker? | AWS">
+            <a:extLst>
+              <a:ext uri="{FF2B5EF4-FFF2-40B4-BE49-F238E27FC236}">
+                <a16:creationId xmlns:a16="http://schemas.microsoft.com/office/drawing/2014/main" id="{3CF49483-D8B6-4C58-A610-0051DF2F38A8}"/>
+              </a:ext>
+            </a:extLst>
+          </p:cNvPr>
+          <p:cNvPicPr>
+            <a:picLocks noChangeAspect="1" noChangeArrowheads="1"/>
+          </p:cNvPicPr>
+          <p:nvPr/>
+        </p:nvPicPr>
+        <p:blipFill>
+          <a:blip r:embed="rId2">
+            <a:extLst>
+              <a:ext uri="{28A0092B-C50C-407E-A947-70E740481C1C}">
+                <a14:useLocalDpi xmlns:a14="http://schemas.microsoft.com/office/drawing/2010/main" val="0"/>
+              </a:ext>
+            </a:extLst>
+          </a:blip>
+          <a:srcRect/>
+          <a:stretch>
+            <a:fillRect/>
+          </a:stretch>
+        </p:blipFill>
+        <p:spPr bwMode="auto">
+          <a:xfrm>
+            <a:off x="115544" y="1504289"/>
+            <a:ext cx="1272061" cy="597276"/>
+          </a:xfrm>
+          <a:prstGeom prst="rect">
+            <a:avLst/>
+          </a:prstGeom>
+          <a:noFill/>
+          <a:ln w="38100">
+            <a:solidFill>
+              <a:schemeClr val="accent2">
+                <a:lumMod val="60000"/>
+                <a:lumOff val="40000"/>
+              </a:schemeClr>
+            </a:solidFill>
+          </a:ln>
+          <a:extLst>
+            <a:ext uri="{909E8E84-426E-40DD-AFC4-6F175D3DCCD1}">
+              <a14:hiddenFill xmlns:a14="http://schemas.microsoft.com/office/drawing/2010/main">
+                <a:solidFill>
+                  <a:srgbClr val="FFFFFF"/>
+                </a:solidFill>
+              </a14:hiddenFill>
+            </a:ext>
+          </a:extLst>
+        </p:spPr>
+      </p:pic>
+      <p:pic>
+        <p:nvPicPr>
+          <p:cNvPr id="25" name="Picture 6" descr="Apache ActiveMQ – Wikipedia">
+            <a:extLst>
+              <a:ext uri="{FF2B5EF4-FFF2-40B4-BE49-F238E27FC236}">
+                <a16:creationId xmlns:a16="http://schemas.microsoft.com/office/drawing/2014/main" id="{3492889B-2052-4FE3-81D4-203355532B6A}"/>
+              </a:ext>
+            </a:extLst>
+          </p:cNvPr>
+          <p:cNvPicPr>
+            <a:picLocks noChangeAspect="1" noChangeArrowheads="1"/>
+          </p:cNvPicPr>
+          <p:nvPr/>
+        </p:nvPicPr>
+        <p:blipFill>
+          <a:blip r:embed="rId3">
+            <a:extLst>
+              <a:ext uri="{28A0092B-C50C-407E-A947-70E740481C1C}">
+                <a14:useLocalDpi xmlns:a14="http://schemas.microsoft.com/office/drawing/2010/main" val="0"/>
+              </a:ext>
+            </a:extLst>
+          </a:blip>
+          <a:srcRect/>
+          <a:stretch>
+            <a:fillRect/>
+          </a:stretch>
+        </p:blipFill>
+        <p:spPr bwMode="auto">
+          <a:xfrm>
+            <a:off x="4293954" y="2377540"/>
+            <a:ext cx="1200169" cy="978251"/>
+          </a:xfrm>
+          <a:prstGeom prst="rect">
+            <a:avLst/>
+          </a:prstGeom>
+          <a:noFill/>
+          <a:extLst>
+            <a:ext uri="{909E8E84-426E-40DD-AFC4-6F175D3DCCD1}">
+              <a14:hiddenFill xmlns:a14="http://schemas.microsoft.com/office/drawing/2010/main">
+                <a:solidFill>
+                  <a:srgbClr val="FFFFFF"/>
+                </a:solidFill>
+              </a14:hiddenFill>
+            </a:ext>
+          </a:extLst>
+        </p:spPr>
+      </p:pic>
+      <p:sp>
+        <p:nvSpPr>
+          <p:cNvPr id="27" name="Rechteck 26">
+            <a:extLst>
+              <a:ext uri="{FF2B5EF4-FFF2-40B4-BE49-F238E27FC236}">
+                <a16:creationId xmlns:a16="http://schemas.microsoft.com/office/drawing/2014/main" id="{90978F04-0B16-48DA-B0ED-1AC480427DD1}"/>
+              </a:ext>
+            </a:extLst>
+          </p:cNvPr>
+          <p:cNvSpPr/>
+          <p:nvPr/>
+        </p:nvSpPr>
+        <p:spPr>
+          <a:xfrm>
+            <a:off x="6749099" y="2390240"/>
+            <a:ext cx="1673465" cy="826676"/>
+          </a:xfrm>
+          <a:prstGeom prst="rect">
+            <a:avLst/>
+          </a:prstGeom>
+        </p:spPr>
+        <p:style>
+          <a:lnRef idx="2">
+            <a:schemeClr val="accent1">
+              <a:shade val="50000"/>
+            </a:schemeClr>
+          </a:lnRef>
+          <a:fillRef idx="1">
+            <a:schemeClr val="accent1"/>
+          </a:fillRef>
+          <a:effectRef idx="0">
+            <a:schemeClr val="accent1"/>
+          </a:effectRef>
+          <a:fontRef idx="minor">
+            <a:schemeClr val="lt1"/>
+          </a:fontRef>
+        </p:style>
+        <p:txBody>
+          <a:bodyPr rtlCol="0" anchor="ctr"/>
+          <a:lstStyle/>
+          <a:p>
+            <a:pPr algn="ctr"/>
+            <a:r>
+              <a:rPr lang="de-DE" dirty="0"/>
+              <a:t>Level 1</a:t>
+            </a:r>
+          </a:p>
+        </p:txBody>
+      </p:sp>
+      <p:sp>
+        <p:nvSpPr>
+          <p:cNvPr id="28" name="Pfeil: nach unten 27">
+            <a:extLst>
+              <a:ext uri="{FF2B5EF4-FFF2-40B4-BE49-F238E27FC236}">
+                <a16:creationId xmlns:a16="http://schemas.microsoft.com/office/drawing/2014/main" id="{EBF16410-41CA-46F5-A01F-C274C8D468B5}"/>
+              </a:ext>
+            </a:extLst>
+          </p:cNvPr>
+          <p:cNvSpPr/>
+          <p:nvPr/>
+        </p:nvSpPr>
+        <p:spPr>
+          <a:xfrm rot="3678140">
+            <a:off x="3945351" y="2760187"/>
+            <a:ext cx="162206" cy="764639"/>
+          </a:xfrm>
+          <a:prstGeom prst="downArrow">
+            <a:avLst/>
+          </a:prstGeom>
+          <a:solidFill>
+            <a:srgbClr val="FF0000"/>
+          </a:solidFill>
+        </p:spPr>
+        <p:style>
+          <a:lnRef idx="2">
+            <a:schemeClr val="accent1">
+              <a:shade val="50000"/>
+            </a:schemeClr>
+          </a:lnRef>
+          <a:fillRef idx="1">
+            <a:schemeClr val="accent1"/>
+          </a:fillRef>
+          <a:effectRef idx="0">
+            <a:schemeClr val="accent1"/>
+          </a:effectRef>
+          <a:fontRef idx="minor">
+            <a:schemeClr val="lt1"/>
+          </a:fontRef>
+        </p:style>
+        <p:txBody>
+          <a:bodyPr rtlCol="0" anchor="ctr"/>
+          <a:lstStyle/>
+          <a:p>
+            <a:pPr algn="ctr"/>
+            <a:endParaRPr lang="de-DE"/>
+          </a:p>
+        </p:txBody>
+      </p:sp>
+      <p:sp>
+        <p:nvSpPr>
+          <p:cNvPr id="29" name="Pfeil: nach unten 28">
+            <a:extLst>
+              <a:ext uri="{FF2B5EF4-FFF2-40B4-BE49-F238E27FC236}">
+                <a16:creationId xmlns:a16="http://schemas.microsoft.com/office/drawing/2014/main" id="{83D60591-6201-403F-8170-69EC6AFFA5B3}"/>
+              </a:ext>
+            </a:extLst>
+          </p:cNvPr>
+          <p:cNvSpPr/>
+          <p:nvPr/>
+        </p:nvSpPr>
+        <p:spPr>
+          <a:xfrm rot="6648881">
+            <a:off x="3925607" y="2182580"/>
+            <a:ext cx="162206" cy="764639"/>
+          </a:xfrm>
+          <a:prstGeom prst="downArrow">
+            <a:avLst/>
+          </a:prstGeom>
+          <a:solidFill>
+            <a:srgbClr val="FF0000"/>
+          </a:solidFill>
+        </p:spPr>
+        <p:style>
+          <a:lnRef idx="2">
+            <a:schemeClr val="accent1">
+              <a:shade val="50000"/>
+            </a:schemeClr>
+          </a:lnRef>
+          <a:fillRef idx="1">
+            <a:schemeClr val="accent1"/>
+          </a:fillRef>
+          <a:effectRef idx="0">
+            <a:schemeClr val="accent1"/>
+          </a:effectRef>
+          <a:fontRef idx="minor">
+            <a:schemeClr val="lt1"/>
+          </a:fontRef>
+        </p:style>
+        <p:txBody>
+          <a:bodyPr rtlCol="0" anchor="ctr"/>
+          <a:lstStyle/>
+          <a:p>
+            <a:pPr algn="ctr"/>
+            <a:endParaRPr lang="de-DE"/>
+          </a:p>
+        </p:txBody>
+      </p:sp>
+    </p:spTree>
+    <p:extLst>
+      <p:ext uri="{BB962C8B-B14F-4D97-AF65-F5344CB8AC3E}">
+        <p14:creationId xmlns:p14="http://schemas.microsoft.com/office/powerpoint/2010/main" val="1039026769"/>
+      </p:ext>
+    </p:extLst>
+  </p:cSld>
+  <p:clrMapOvr>
+    <a:masterClrMapping/>
+  </p:clrMapOvr>
+  <p:timing>
+    <p:tnLst>
+      <p:par>
+        <p:cTn id="1" dur="indefinite" restart="never" nodeType="tmRoot">
+          <p:childTnLst>
+            <p:seq concurrent="1" nextAc="seek">
+              <p:cTn id="2" dur="indefinite" nodeType="mainSeq">
+                <p:childTnLst>
+                  <p:par>
+                    <p:cTn id="3" fill="hold">
+                      <p:stCondLst>
+                        <p:cond delay="indefinite"/>
+                      </p:stCondLst>
+                      <p:childTnLst>
+                        <p:par>
+                          <p:cTn id="4" fill="hold">
+                            <p:stCondLst>
+                              <p:cond delay="0"/>
+                            </p:stCondLst>
+                            <p:childTnLst>
+                              <p:par>
+                                <p:cTn id="5" presetID="1" presetClass="entr" presetSubtype="0" fill="hold" grpId="0" nodeType="clickEffect">
+                                  <p:stCondLst>
+                                    <p:cond delay="0"/>
+                                  </p:stCondLst>
+                                  <p:childTnLst>
+                                    <p:set>
+                                      <p:cBhvr>
+                                        <p:cTn id="6" dur="1" fill="hold">
+                                          <p:stCondLst>
+                                            <p:cond delay="0"/>
+                                          </p:stCondLst>
+                                        </p:cTn>
+                                        <p:tgtEl>
+                                          <p:spTgt spid="11"/>
+                                        </p:tgtEl>
+                                        <p:attrNameLst>
+                                          <p:attrName>style.visibility</p:attrName>
+                                        </p:attrNameLst>
+                                      </p:cBhvr>
+                                      <p:to>
+                                        <p:strVal val="visible"/>
+                                      </p:to>
+                                    </p:set>
+                                  </p:childTnLst>
+                                </p:cTn>
+                              </p:par>
+                              <p:par>
+                                <p:cTn id="7" presetID="1" presetClass="entr" presetSubtype="0" fill="hold" grpId="0" nodeType="withEffect">
+                                  <p:stCondLst>
+                                    <p:cond delay="0"/>
+                                  </p:stCondLst>
+                                  <p:childTnLst>
+                                    <p:set>
+                                      <p:cBhvr>
+                                        <p:cTn id="8" dur="1" fill="hold">
+                                          <p:stCondLst>
+                                            <p:cond delay="0"/>
+                                          </p:stCondLst>
+                                        </p:cTn>
+                                        <p:tgtEl>
+                                          <p:spTgt spid="12"/>
+                                        </p:tgtEl>
+                                        <p:attrNameLst>
+                                          <p:attrName>style.visibility</p:attrName>
+                                        </p:attrNameLst>
+                                      </p:cBhvr>
+                                      <p:to>
+                                        <p:strVal val="visible"/>
+                                      </p:to>
+                                    </p:set>
+                                  </p:childTnLst>
+                                </p:cTn>
+                              </p:par>
+                              <p:par>
+                                <p:cTn id="9" presetID="1" presetClass="entr" presetSubtype="0" fill="hold" grpId="0" nodeType="withEffect">
+                                  <p:stCondLst>
+                                    <p:cond delay="0"/>
+                                  </p:stCondLst>
+                                  <p:childTnLst>
+                                    <p:set>
+                                      <p:cBhvr>
+                                        <p:cTn id="10" dur="1" fill="hold">
+                                          <p:stCondLst>
+                                            <p:cond delay="0"/>
+                                          </p:stCondLst>
+                                        </p:cTn>
+                                        <p:tgtEl>
+                                          <p:spTgt spid="10"/>
+                                        </p:tgtEl>
+                                        <p:attrNameLst>
+                                          <p:attrName>style.visibility</p:attrName>
+                                        </p:attrNameLst>
+                                      </p:cBhvr>
+                                      <p:to>
+                                        <p:strVal val="visible"/>
+                                      </p:to>
+                                    </p:set>
+                                  </p:childTnLst>
+                                </p:cTn>
+                              </p:par>
+                              <p:par>
+                                <p:cTn id="11" presetID="1" presetClass="entr" presetSubtype="0" fill="hold" nodeType="withEffect">
+                                  <p:stCondLst>
+                                    <p:cond delay="0"/>
+                                  </p:stCondLst>
+                                  <p:childTnLst>
+                                    <p:set>
+                                      <p:cBhvr>
+                                        <p:cTn id="12" dur="1" fill="hold">
+                                          <p:stCondLst>
+                                            <p:cond delay="0"/>
+                                          </p:stCondLst>
+                                        </p:cTn>
+                                        <p:tgtEl>
+                                          <p:spTgt spid="21"/>
+                                        </p:tgtEl>
+                                        <p:attrNameLst>
+                                          <p:attrName>style.visibility</p:attrName>
+                                        </p:attrNameLst>
+                                      </p:cBhvr>
+                                      <p:to>
+                                        <p:strVal val="visible"/>
+                                      </p:to>
+                                    </p:set>
+                                  </p:childTnLst>
+                                </p:cTn>
+                              </p:par>
+                            </p:childTnLst>
+                          </p:cTn>
+                        </p:par>
+                      </p:childTnLst>
+                    </p:cTn>
+                  </p:par>
+                  <p:par>
+                    <p:cTn id="13" fill="hold">
+                      <p:stCondLst>
+                        <p:cond delay="indefinite"/>
+                      </p:stCondLst>
+                      <p:childTnLst>
+                        <p:par>
+                          <p:cTn id="14" fill="hold">
+                            <p:stCondLst>
+                              <p:cond delay="0"/>
+                            </p:stCondLst>
+                            <p:childTnLst>
+                              <p:par>
+                                <p:cTn id="15" presetID="1" presetClass="entr" presetSubtype="0" fill="hold" grpId="0" nodeType="clickEffect">
+                                  <p:stCondLst>
+                                    <p:cond delay="0"/>
+                                  </p:stCondLst>
+                                  <p:childTnLst>
+                                    <p:set>
+                                      <p:cBhvr>
+                                        <p:cTn id="16" dur="1" fill="hold">
+                                          <p:stCondLst>
+                                            <p:cond delay="0"/>
+                                          </p:stCondLst>
+                                        </p:cTn>
+                                        <p:tgtEl>
+                                          <p:spTgt spid="17"/>
+                                        </p:tgtEl>
+                                        <p:attrNameLst>
+                                          <p:attrName>style.visibility</p:attrName>
+                                        </p:attrNameLst>
+                                      </p:cBhvr>
+                                      <p:to>
+                                        <p:strVal val="visible"/>
+                                      </p:to>
+                                    </p:set>
+                                  </p:childTnLst>
+                                </p:cTn>
+                              </p:par>
+                            </p:childTnLst>
+                          </p:cTn>
+                        </p:par>
+                      </p:childTnLst>
+                    </p:cTn>
+                  </p:par>
+                  <p:par>
+                    <p:cTn id="17" fill="hold">
+                      <p:stCondLst>
+                        <p:cond delay="indefinite"/>
+                      </p:stCondLst>
+                      <p:childTnLst>
+                        <p:par>
+                          <p:cTn id="18" fill="hold">
+                            <p:stCondLst>
+                              <p:cond delay="0"/>
+                            </p:stCondLst>
+                            <p:childTnLst>
+                              <p:par>
+                                <p:cTn id="19" presetID="10" presetClass="entr" presetSubtype="0" fill="hold" nodeType="clickEffect">
+                                  <p:stCondLst>
+                                    <p:cond delay="0"/>
+                                  </p:stCondLst>
+                                  <p:childTnLst>
+                                    <p:set>
+                                      <p:cBhvr>
+                                        <p:cTn id="20" dur="1" fill="hold">
+                                          <p:stCondLst>
+                                            <p:cond delay="0"/>
+                                          </p:stCondLst>
+                                        </p:cTn>
+                                        <p:tgtEl>
+                                          <p:spTgt spid="25"/>
+                                        </p:tgtEl>
+                                        <p:attrNameLst>
+                                          <p:attrName>style.visibility</p:attrName>
+                                        </p:attrNameLst>
+                                      </p:cBhvr>
+                                      <p:to>
+                                        <p:strVal val="visible"/>
+                                      </p:to>
+                                    </p:set>
+                                    <p:animEffect transition="in" filter="fade">
+                                      <p:cBhvr>
+                                        <p:cTn id="21" dur="500"/>
+                                        <p:tgtEl>
+                                          <p:spTgt spid="25"/>
+                                        </p:tgtEl>
+                                      </p:cBhvr>
+                                    </p:animEffect>
+                                  </p:childTnLst>
+                                </p:cTn>
+                              </p:par>
+                            </p:childTnLst>
+                          </p:cTn>
+                        </p:par>
+                      </p:childTnLst>
+                    </p:cTn>
+                  </p:par>
+                </p:childTnLst>
+              </p:cTn>
+              <p:prevCondLst>
+                <p:cond evt="onPrev" delay="0">
+                  <p:tgtEl>
+                    <p:sldTgt/>
+                  </p:tgtEl>
+                </p:cond>
+              </p:prevCondLst>
+              <p:nextCondLst>
+                <p:cond evt="onNext" delay="0">
+                  <p:tgtEl>
+                    <p:sldTgt/>
+                  </p:tgtEl>
+                </p:cond>
+              </p:nextCondLst>
+            </p:seq>
+          </p:childTnLst>
+        </p:cTn>
+      </p:par>
+    </p:tnLst>
+    <p:bldLst>
+      <p:bldP spid="12" grpId="0" animBg="1"/>
+      <p:bldP spid="17" grpId="0" animBg="1"/>
+      <p:bldP spid="10" grpId="0" animBg="1"/>
+      <p:bldP spid="11" grpId="0" animBg="1"/>
+    </p:bldLst>
+  </p:timing>
+</p:sld>
+</file>
+
+<file path=ppt/slides/slide11.xml><?xml version="1.0" encoding="utf-8"?>
+<p:sld xmlns:a="http://schemas.openxmlformats.org/drawingml/2006/main" xmlns:r="http://schemas.openxmlformats.org/officeDocument/2006/relationships" xmlns:p="http://schemas.openxmlformats.org/presentationml/2006/main">
+  <p:cSld>
+    <p:spTree>
+      <p:nvGrpSpPr>
+        <p:cNvPr id="1" name=""/>
+        <p:cNvGrpSpPr/>
+        <p:nvPr/>
+      </p:nvGrpSpPr>
+      <p:grpSpPr>
+        <a:xfrm>
+          <a:off x="0" y="0"/>
+          <a:ext cx="0" cy="0"/>
+          <a:chOff x="0" y="0"/>
+          <a:chExt cx="0" cy="0"/>
+        </a:xfrm>
+      </p:grpSpPr>
+      <p:sp>
+        <p:nvSpPr>
+          <p:cNvPr id="6" name="Foliennummernplatzhalter 5">
+            <a:extLst>
+              <a:ext uri="{FF2B5EF4-FFF2-40B4-BE49-F238E27FC236}">
+                <a16:creationId xmlns:a16="http://schemas.microsoft.com/office/drawing/2014/main" id="{54AAAD84-FC90-4559-8CE0-B98D073B6549}"/>
+              </a:ext>
+            </a:extLst>
+          </p:cNvPr>
+          <p:cNvSpPr>
+            <a:spLocks noGrp="1"/>
+          </p:cNvSpPr>
+          <p:nvPr>
+            <p:ph type="sldNum" sz="quarter" idx="17"/>
+          </p:nvPr>
+        </p:nvSpPr>
+        <p:spPr/>
+        <p:txBody>
+          <a:bodyPr/>
+          <a:lstStyle/>
+          <a:p>
+            <a:fld id="{8B97E1D9-0739-E445-A7FF-39998847AB6F}" type="slidenum">
+              <a:rPr lang="de-DE" smtClean="0"/>
+              <a:pPr/>
+              <a:t>11</a:t>
+            </a:fld>
+            <a:endParaRPr lang="de-DE" dirty="0"/>
+          </a:p>
+        </p:txBody>
+      </p:sp>
+      <p:sp>
+        <p:nvSpPr>
+          <p:cNvPr id="7" name="Titel 6">
+            <a:extLst>
+              <a:ext uri="{FF2B5EF4-FFF2-40B4-BE49-F238E27FC236}">
+                <a16:creationId xmlns:a16="http://schemas.microsoft.com/office/drawing/2014/main" id="{9625CF7A-744B-4D16-9849-4EFCC831D6A9}"/>
+              </a:ext>
+            </a:extLst>
+          </p:cNvPr>
+          <p:cNvSpPr>
+            <a:spLocks noGrp="1"/>
+          </p:cNvSpPr>
+          <p:nvPr>
+            <p:ph type="title"/>
+          </p:nvPr>
+        </p:nvSpPr>
+        <p:spPr/>
+        <p:txBody>
+          <a:bodyPr/>
+          <a:lstStyle/>
+          <a:p>
+            <a:r>
+              <a:rPr lang="de-DE" dirty="0"/>
+              <a:t>Szenario : Virtual Topic</a:t>
+            </a:r>
+          </a:p>
+        </p:txBody>
+      </p:sp>
+      <p:sp>
+        <p:nvSpPr>
+          <p:cNvPr id="8" name="Datumsplatzhalter 7">
+            <a:extLst>
+              <a:ext uri="{FF2B5EF4-FFF2-40B4-BE49-F238E27FC236}">
+                <a16:creationId xmlns:a16="http://schemas.microsoft.com/office/drawing/2014/main" id="{5200AEFB-9967-45DA-8A70-5DB0DE921B0F}"/>
+              </a:ext>
+            </a:extLst>
+          </p:cNvPr>
+          <p:cNvSpPr>
+            <a:spLocks noGrp="1"/>
+          </p:cNvSpPr>
+          <p:nvPr>
+            <p:ph type="dt" sz="half" idx="18"/>
+          </p:nvPr>
+        </p:nvSpPr>
+        <p:spPr/>
+        <p:txBody>
+          <a:bodyPr/>
+          <a:lstStyle/>
+          <a:p>
+            <a:fld id="{F6737BBE-2145-4442-A559-CD3E1292DF16}" type="datetime1">
+              <a:rPr lang="de-DE" smtClean="0"/>
+              <a:t>15.09.2022</a:t>
             </a:fld>
             <a:endParaRPr lang="de-DE" dirty="0"/>
           </a:p>
@@ -18287,7 +19374,7 @@
 </p:sld>
 </file>
 
-<file path=ppt/slides/slide11.xml><?xml version="1.0" encoding="utf-8"?>
+<file path=ppt/slides/slide12.xml><?xml version="1.0" encoding="utf-8"?>
 <p:sld xmlns:a="http://schemas.openxmlformats.org/drawingml/2006/main" xmlns:r="http://schemas.openxmlformats.org/officeDocument/2006/relationships" xmlns:p="http://schemas.openxmlformats.org/presentationml/2006/main">
   <p:cSld>
     <p:spTree>
@@ -18416,7 +19503,7 @@
             <a:fld id="{8B97E1D9-0739-E445-A7FF-39998847AB6F}" type="slidenum">
               <a:rPr lang="de-DE" smtClean="0"/>
               <a:pPr/>
-              <a:t>11</a:t>
+              <a:t>12</a:t>
             </a:fld>
             <a:endParaRPr lang="de-DE" dirty="0"/>
           </a:p>
@@ -18481,7 +19568,7 @@
           <a:p>
             <a:fld id="{F6737BBE-2145-4442-A559-CD3E1292DF16}" type="datetime1">
               <a:rPr lang="de-DE" smtClean="0"/>
-              <a:t>13.09.2022</a:t>
+              <a:t>15.09.2022</a:t>
             </a:fld>
             <a:endParaRPr lang="de-DE" dirty="0"/>
           </a:p>
@@ -19329,245 +20416,6 @@
 </p:sld>
 </file>
 
-<file path=ppt/slides/slide12.xml><?xml version="1.0" encoding="utf-8"?>
-<p:sld xmlns:a="http://schemas.openxmlformats.org/drawingml/2006/main" xmlns:r="http://schemas.openxmlformats.org/officeDocument/2006/relationships" xmlns:p="http://schemas.openxmlformats.org/presentationml/2006/main">
-  <p:cSld>
-    <p:spTree>
-      <p:nvGrpSpPr>
-        <p:cNvPr id="1" name=""/>
-        <p:cNvGrpSpPr/>
-        <p:nvPr/>
-      </p:nvGrpSpPr>
-      <p:grpSpPr>
-        <a:xfrm>
-          <a:off x="0" y="0"/>
-          <a:ext cx="0" cy="0"/>
-          <a:chOff x="0" y="0"/>
-          <a:chExt cx="0" cy="0"/>
-        </a:xfrm>
-      </p:grpSpPr>
-      <p:sp>
-        <p:nvSpPr>
-          <p:cNvPr id="2" name="Textplatzhalter 1">
-            <a:extLst>
-              <a:ext uri="{FF2B5EF4-FFF2-40B4-BE49-F238E27FC236}">
-                <a16:creationId xmlns:a16="http://schemas.microsoft.com/office/drawing/2014/main" id="{E43CFDB1-A015-4CD6-9277-ED0736F0FD8A}"/>
-              </a:ext>
-            </a:extLst>
-          </p:cNvPr>
-          <p:cNvSpPr>
-            <a:spLocks noGrp="1"/>
-          </p:cNvSpPr>
-          <p:nvPr>
-            <p:ph type="body" sz="quarter" idx="11"/>
-          </p:nvPr>
-        </p:nvSpPr>
-        <p:spPr/>
-        <p:txBody>
-          <a:bodyPr/>
-          <a:lstStyle/>
-          <a:p>
-            <a:endParaRPr lang="de-DE"/>
-          </a:p>
-        </p:txBody>
-      </p:sp>
-      <p:sp>
-        <p:nvSpPr>
-          <p:cNvPr id="3" name="Textplatzhalter 2">
-            <a:extLst>
-              <a:ext uri="{FF2B5EF4-FFF2-40B4-BE49-F238E27FC236}">
-                <a16:creationId xmlns:a16="http://schemas.microsoft.com/office/drawing/2014/main" id="{719701A5-1A94-4528-9FE0-56581A11413A}"/>
-              </a:ext>
-            </a:extLst>
-          </p:cNvPr>
-          <p:cNvSpPr>
-            <a:spLocks noGrp="1"/>
-          </p:cNvSpPr>
-          <p:nvPr>
-            <p:ph type="body" sz="quarter" idx="12"/>
-          </p:nvPr>
-        </p:nvSpPr>
-        <p:spPr/>
-        <p:txBody>
-          <a:bodyPr/>
-          <a:lstStyle/>
-          <a:p>
-            <a:endParaRPr lang="de-DE"/>
-          </a:p>
-        </p:txBody>
-      </p:sp>
-      <p:sp>
-        <p:nvSpPr>
-          <p:cNvPr id="4" name="Textplatzhalter 3">
-            <a:extLst>
-              <a:ext uri="{FF2B5EF4-FFF2-40B4-BE49-F238E27FC236}">
-                <a16:creationId xmlns:a16="http://schemas.microsoft.com/office/drawing/2014/main" id="{2231B94F-DE47-4F93-BCEF-92FC63436380}"/>
-              </a:ext>
-            </a:extLst>
-          </p:cNvPr>
-          <p:cNvSpPr>
-            <a:spLocks noGrp="1"/>
-          </p:cNvSpPr>
-          <p:nvPr>
-            <p:ph type="body" sz="quarter" idx="13"/>
-          </p:nvPr>
-        </p:nvSpPr>
-        <p:spPr/>
-        <p:txBody>
-          <a:bodyPr/>
-          <a:lstStyle/>
-          <a:p>
-            <a:endParaRPr lang="de-DE"/>
-          </a:p>
-        </p:txBody>
-      </p:sp>
-      <p:sp>
-        <p:nvSpPr>
-          <p:cNvPr id="5" name="Textplatzhalter 4">
-            <a:extLst>
-              <a:ext uri="{FF2B5EF4-FFF2-40B4-BE49-F238E27FC236}">
-                <a16:creationId xmlns:a16="http://schemas.microsoft.com/office/drawing/2014/main" id="{3A2F2F70-84B2-420E-91AF-AFD24D6C6080}"/>
-              </a:ext>
-            </a:extLst>
-          </p:cNvPr>
-          <p:cNvSpPr>
-            <a:spLocks noGrp="1"/>
-          </p:cNvSpPr>
-          <p:nvPr>
-            <p:ph type="body" sz="quarter" idx="14"/>
-          </p:nvPr>
-        </p:nvSpPr>
-        <p:spPr/>
-        <p:txBody>
-          <a:bodyPr/>
-          <a:lstStyle/>
-          <a:p>
-            <a:endParaRPr lang="de-DE"/>
-          </a:p>
-        </p:txBody>
-      </p:sp>
-      <p:sp>
-        <p:nvSpPr>
-          <p:cNvPr id="6" name="Foliennummernplatzhalter 5">
-            <a:extLst>
-              <a:ext uri="{FF2B5EF4-FFF2-40B4-BE49-F238E27FC236}">
-                <a16:creationId xmlns:a16="http://schemas.microsoft.com/office/drawing/2014/main" id="{1B66A860-2904-44ED-9C7D-F67BB8982A6A}"/>
-              </a:ext>
-            </a:extLst>
-          </p:cNvPr>
-          <p:cNvSpPr>
-            <a:spLocks noGrp="1"/>
-          </p:cNvSpPr>
-          <p:nvPr>
-            <p:ph type="sldNum" sz="quarter" idx="17"/>
-          </p:nvPr>
-        </p:nvSpPr>
-        <p:spPr/>
-        <p:txBody>
-          <a:bodyPr/>
-          <a:lstStyle/>
-          <a:p>
-            <a:fld id="{8B97E1D9-0739-E445-A7FF-39998847AB6F}" type="slidenum">
-              <a:rPr lang="de-DE" smtClean="0"/>
-              <a:pPr/>
-              <a:t>12</a:t>
-            </a:fld>
-            <a:endParaRPr lang="de-DE" dirty="0"/>
-          </a:p>
-        </p:txBody>
-      </p:sp>
-      <p:sp>
-        <p:nvSpPr>
-          <p:cNvPr id="7" name="Titel 6">
-            <a:extLst>
-              <a:ext uri="{FF2B5EF4-FFF2-40B4-BE49-F238E27FC236}">
-                <a16:creationId xmlns:a16="http://schemas.microsoft.com/office/drawing/2014/main" id="{097C8AEB-018A-4679-9F45-D4BE22B1BCDD}"/>
-              </a:ext>
-            </a:extLst>
-          </p:cNvPr>
-          <p:cNvSpPr>
-            <a:spLocks noGrp="1"/>
-          </p:cNvSpPr>
-          <p:nvPr>
-            <p:ph type="title"/>
-          </p:nvPr>
-        </p:nvSpPr>
-        <p:spPr/>
-        <p:txBody>
-          <a:bodyPr/>
-          <a:lstStyle/>
-          <a:p>
-            <a:endParaRPr lang="de-DE"/>
-          </a:p>
-        </p:txBody>
-      </p:sp>
-      <p:sp>
-        <p:nvSpPr>
-          <p:cNvPr id="8" name="Datumsplatzhalter 7">
-            <a:extLst>
-              <a:ext uri="{FF2B5EF4-FFF2-40B4-BE49-F238E27FC236}">
-                <a16:creationId xmlns:a16="http://schemas.microsoft.com/office/drawing/2014/main" id="{9A6A1F39-CFD0-4C81-A1E4-46E5BE3DF6D3}"/>
-              </a:ext>
-            </a:extLst>
-          </p:cNvPr>
-          <p:cNvSpPr>
-            <a:spLocks noGrp="1"/>
-          </p:cNvSpPr>
-          <p:nvPr>
-            <p:ph type="dt" sz="half" idx="18"/>
-          </p:nvPr>
-        </p:nvSpPr>
-        <p:spPr/>
-        <p:txBody>
-          <a:bodyPr/>
-          <a:lstStyle/>
-          <a:p>
-            <a:fld id="{F6737BBE-2145-4442-A559-CD3E1292DF16}" type="datetime1">
-              <a:rPr lang="de-DE" smtClean="0"/>
-              <a:t>13.09.2022</a:t>
-            </a:fld>
-            <a:endParaRPr lang="de-DE" dirty="0"/>
-          </a:p>
-        </p:txBody>
-      </p:sp>
-      <p:sp>
-        <p:nvSpPr>
-          <p:cNvPr id="9" name="Fußzeilenplatzhalter 8">
-            <a:extLst>
-              <a:ext uri="{FF2B5EF4-FFF2-40B4-BE49-F238E27FC236}">
-                <a16:creationId xmlns:a16="http://schemas.microsoft.com/office/drawing/2014/main" id="{0F8654CC-A999-418D-8625-00E5509F690B}"/>
-              </a:ext>
-            </a:extLst>
-          </p:cNvPr>
-          <p:cNvSpPr>
-            <a:spLocks noGrp="1"/>
-          </p:cNvSpPr>
-          <p:nvPr>
-            <p:ph type="ftr" sz="quarter" idx="3"/>
-          </p:nvPr>
-        </p:nvSpPr>
-        <p:spPr/>
-        <p:txBody>
-          <a:bodyPr/>
-          <a:lstStyle/>
-          <a:p>
-            <a:endParaRPr lang="de-DE" dirty="0"/>
-          </a:p>
-        </p:txBody>
-      </p:sp>
-    </p:spTree>
-    <p:extLst>
-      <p:ext uri="{BB962C8B-B14F-4D97-AF65-F5344CB8AC3E}">
-        <p14:creationId xmlns:p14="http://schemas.microsoft.com/office/powerpoint/2010/main" val="3193988652"/>
-      </p:ext>
-    </p:extLst>
-  </p:cSld>
-  <p:clrMapOvr>
-    <a:masterClrMapping/>
-  </p:clrMapOvr>
-</p:sld>
-</file>
-
 <file path=ppt/slides/slide13.xml><?xml version="1.0" encoding="utf-8"?>
 <p:sld xmlns:a="http://schemas.openxmlformats.org/drawingml/2006/main" xmlns:r="http://schemas.openxmlformats.org/officeDocument/2006/relationships" xmlns:p="http://schemas.openxmlformats.org/presentationml/2006/main">
   <p:cSld>
@@ -19590,7 +20438,7 @@
           <p:cNvPr id="2" name="Textplatzhalter 1">
             <a:extLst>
               <a:ext uri="{FF2B5EF4-FFF2-40B4-BE49-F238E27FC236}">
-                <a16:creationId xmlns:a16="http://schemas.microsoft.com/office/drawing/2014/main" id="{3D726A17-C210-401A-AD5D-9DA5213A867D}"/>
+                <a16:creationId xmlns:a16="http://schemas.microsoft.com/office/drawing/2014/main" id="{E43CFDB1-A015-4CD6-9277-ED0736F0FD8A}"/>
               </a:ext>
             </a:extLst>
           </p:cNvPr>
@@ -19606,10 +20454,82 @@
           <a:bodyPr/>
           <a:lstStyle/>
           <a:p>
-            <a:r>
-              <a:rPr lang="de-DE" dirty="0"/>
-              <a:t>Jetzt dürft ihr mich fertig machen!</a:t>
-            </a:r>
+            <a:endParaRPr lang="de-DE"/>
+          </a:p>
+        </p:txBody>
+      </p:sp>
+      <p:sp>
+        <p:nvSpPr>
+          <p:cNvPr id="3" name="Textplatzhalter 2">
+            <a:extLst>
+              <a:ext uri="{FF2B5EF4-FFF2-40B4-BE49-F238E27FC236}">
+                <a16:creationId xmlns:a16="http://schemas.microsoft.com/office/drawing/2014/main" id="{719701A5-1A94-4528-9FE0-56581A11413A}"/>
+              </a:ext>
+            </a:extLst>
+          </p:cNvPr>
+          <p:cNvSpPr>
+            <a:spLocks noGrp="1"/>
+          </p:cNvSpPr>
+          <p:nvPr>
+            <p:ph type="body" sz="quarter" idx="12"/>
+          </p:nvPr>
+        </p:nvSpPr>
+        <p:spPr/>
+        <p:txBody>
+          <a:bodyPr/>
+          <a:lstStyle/>
+          <a:p>
+            <a:endParaRPr lang="de-DE"/>
+          </a:p>
+        </p:txBody>
+      </p:sp>
+      <p:sp>
+        <p:nvSpPr>
+          <p:cNvPr id="4" name="Textplatzhalter 3">
+            <a:extLst>
+              <a:ext uri="{FF2B5EF4-FFF2-40B4-BE49-F238E27FC236}">
+                <a16:creationId xmlns:a16="http://schemas.microsoft.com/office/drawing/2014/main" id="{2231B94F-DE47-4F93-BCEF-92FC63436380}"/>
+              </a:ext>
+            </a:extLst>
+          </p:cNvPr>
+          <p:cNvSpPr>
+            <a:spLocks noGrp="1"/>
+          </p:cNvSpPr>
+          <p:nvPr>
+            <p:ph type="body" sz="quarter" idx="13"/>
+          </p:nvPr>
+        </p:nvSpPr>
+        <p:spPr/>
+        <p:txBody>
+          <a:bodyPr/>
+          <a:lstStyle/>
+          <a:p>
+            <a:endParaRPr lang="de-DE"/>
+          </a:p>
+        </p:txBody>
+      </p:sp>
+      <p:sp>
+        <p:nvSpPr>
+          <p:cNvPr id="5" name="Textplatzhalter 4">
+            <a:extLst>
+              <a:ext uri="{FF2B5EF4-FFF2-40B4-BE49-F238E27FC236}">
+                <a16:creationId xmlns:a16="http://schemas.microsoft.com/office/drawing/2014/main" id="{3A2F2F70-84B2-420E-91AF-AFD24D6C6080}"/>
+              </a:ext>
+            </a:extLst>
+          </p:cNvPr>
+          <p:cNvSpPr>
+            <a:spLocks noGrp="1"/>
+          </p:cNvSpPr>
+          <p:nvPr>
+            <p:ph type="body" sz="quarter" idx="14"/>
+          </p:nvPr>
+        </p:nvSpPr>
+        <p:spPr/>
+        <p:txBody>
+          <a:bodyPr/>
+          <a:lstStyle/>
+          <a:p>
+            <a:endParaRPr lang="de-DE"/>
           </a:p>
         </p:txBody>
       </p:sp>
@@ -19618,7 +20538,7 @@
           <p:cNvPr id="6" name="Foliennummernplatzhalter 5">
             <a:extLst>
               <a:ext uri="{FF2B5EF4-FFF2-40B4-BE49-F238E27FC236}">
-                <a16:creationId xmlns:a16="http://schemas.microsoft.com/office/drawing/2014/main" id="{255A76C9-69A4-4382-9D53-A213EE41C1E4}"/>
+                <a16:creationId xmlns:a16="http://schemas.microsoft.com/office/drawing/2014/main" id="{1B66A860-2904-44ED-9C7D-F67BB8982A6A}"/>
               </a:ext>
             </a:extLst>
           </p:cNvPr>
@@ -19648,7 +20568,7 @@
           <p:cNvPr id="7" name="Titel 6">
             <a:extLst>
               <a:ext uri="{FF2B5EF4-FFF2-40B4-BE49-F238E27FC236}">
-                <a16:creationId xmlns:a16="http://schemas.microsoft.com/office/drawing/2014/main" id="{B119355A-6119-4D21-920F-FB54C89CBEDF}"/>
+                <a16:creationId xmlns:a16="http://schemas.microsoft.com/office/drawing/2014/main" id="{097C8AEB-018A-4679-9F45-D4BE22B1BCDD}"/>
               </a:ext>
             </a:extLst>
           </p:cNvPr>
@@ -19664,6 +20584,173 @@
           <a:bodyPr/>
           <a:lstStyle/>
           <a:p>
+            <a:endParaRPr lang="de-DE"/>
+          </a:p>
+        </p:txBody>
+      </p:sp>
+      <p:sp>
+        <p:nvSpPr>
+          <p:cNvPr id="8" name="Datumsplatzhalter 7">
+            <a:extLst>
+              <a:ext uri="{FF2B5EF4-FFF2-40B4-BE49-F238E27FC236}">
+                <a16:creationId xmlns:a16="http://schemas.microsoft.com/office/drawing/2014/main" id="{9A6A1F39-CFD0-4C81-A1E4-46E5BE3DF6D3}"/>
+              </a:ext>
+            </a:extLst>
+          </p:cNvPr>
+          <p:cNvSpPr>
+            <a:spLocks noGrp="1"/>
+          </p:cNvSpPr>
+          <p:nvPr>
+            <p:ph type="dt" sz="half" idx="18"/>
+          </p:nvPr>
+        </p:nvSpPr>
+        <p:spPr/>
+        <p:txBody>
+          <a:bodyPr/>
+          <a:lstStyle/>
+          <a:p>
+            <a:fld id="{F6737BBE-2145-4442-A559-CD3E1292DF16}" type="datetime1">
+              <a:rPr lang="de-DE" smtClean="0"/>
+              <a:t>15.09.2022</a:t>
+            </a:fld>
+            <a:endParaRPr lang="de-DE" dirty="0"/>
+          </a:p>
+        </p:txBody>
+      </p:sp>
+      <p:sp>
+        <p:nvSpPr>
+          <p:cNvPr id="9" name="Fußzeilenplatzhalter 8">
+            <a:extLst>
+              <a:ext uri="{FF2B5EF4-FFF2-40B4-BE49-F238E27FC236}">
+                <a16:creationId xmlns:a16="http://schemas.microsoft.com/office/drawing/2014/main" id="{0F8654CC-A999-418D-8625-00E5509F690B}"/>
+              </a:ext>
+            </a:extLst>
+          </p:cNvPr>
+          <p:cNvSpPr>
+            <a:spLocks noGrp="1"/>
+          </p:cNvSpPr>
+          <p:nvPr>
+            <p:ph type="ftr" sz="quarter" idx="3"/>
+          </p:nvPr>
+        </p:nvSpPr>
+        <p:spPr/>
+        <p:txBody>
+          <a:bodyPr/>
+          <a:lstStyle/>
+          <a:p>
+            <a:endParaRPr lang="de-DE" dirty="0"/>
+          </a:p>
+        </p:txBody>
+      </p:sp>
+    </p:spTree>
+    <p:extLst>
+      <p:ext uri="{BB962C8B-B14F-4D97-AF65-F5344CB8AC3E}">
+        <p14:creationId xmlns:p14="http://schemas.microsoft.com/office/powerpoint/2010/main" val="3193988652"/>
+      </p:ext>
+    </p:extLst>
+  </p:cSld>
+  <p:clrMapOvr>
+    <a:masterClrMapping/>
+  </p:clrMapOvr>
+</p:sld>
+</file>
+
+<file path=ppt/slides/slide14.xml><?xml version="1.0" encoding="utf-8"?>
+<p:sld xmlns:a="http://schemas.openxmlformats.org/drawingml/2006/main" xmlns:r="http://schemas.openxmlformats.org/officeDocument/2006/relationships" xmlns:p="http://schemas.openxmlformats.org/presentationml/2006/main">
+  <p:cSld>
+    <p:spTree>
+      <p:nvGrpSpPr>
+        <p:cNvPr id="1" name=""/>
+        <p:cNvGrpSpPr/>
+        <p:nvPr/>
+      </p:nvGrpSpPr>
+      <p:grpSpPr>
+        <a:xfrm>
+          <a:off x="0" y="0"/>
+          <a:ext cx="0" cy="0"/>
+          <a:chOff x="0" y="0"/>
+          <a:chExt cx="0" cy="0"/>
+        </a:xfrm>
+      </p:grpSpPr>
+      <p:sp>
+        <p:nvSpPr>
+          <p:cNvPr id="2" name="Textplatzhalter 1">
+            <a:extLst>
+              <a:ext uri="{FF2B5EF4-FFF2-40B4-BE49-F238E27FC236}">
+                <a16:creationId xmlns:a16="http://schemas.microsoft.com/office/drawing/2014/main" id="{3D726A17-C210-401A-AD5D-9DA5213A867D}"/>
+              </a:ext>
+            </a:extLst>
+          </p:cNvPr>
+          <p:cNvSpPr>
+            <a:spLocks noGrp="1"/>
+          </p:cNvSpPr>
+          <p:nvPr>
+            <p:ph type="body" sz="quarter" idx="11"/>
+          </p:nvPr>
+        </p:nvSpPr>
+        <p:spPr/>
+        <p:txBody>
+          <a:bodyPr/>
+          <a:lstStyle/>
+          <a:p>
+            <a:r>
+              <a:rPr lang="de-DE" dirty="0"/>
+              <a:t>Jetzt dürft ihr mich fertig machen!</a:t>
+            </a:r>
+          </a:p>
+        </p:txBody>
+      </p:sp>
+      <p:sp>
+        <p:nvSpPr>
+          <p:cNvPr id="6" name="Foliennummernplatzhalter 5">
+            <a:extLst>
+              <a:ext uri="{FF2B5EF4-FFF2-40B4-BE49-F238E27FC236}">
+                <a16:creationId xmlns:a16="http://schemas.microsoft.com/office/drawing/2014/main" id="{255A76C9-69A4-4382-9D53-A213EE41C1E4}"/>
+              </a:ext>
+            </a:extLst>
+          </p:cNvPr>
+          <p:cNvSpPr>
+            <a:spLocks noGrp="1"/>
+          </p:cNvSpPr>
+          <p:nvPr>
+            <p:ph type="sldNum" sz="quarter" idx="17"/>
+          </p:nvPr>
+        </p:nvSpPr>
+        <p:spPr/>
+        <p:txBody>
+          <a:bodyPr/>
+          <a:lstStyle/>
+          <a:p>
+            <a:fld id="{8B97E1D9-0739-E445-A7FF-39998847AB6F}" type="slidenum">
+              <a:rPr lang="de-DE" smtClean="0"/>
+              <a:pPr/>
+              <a:t>14</a:t>
+            </a:fld>
+            <a:endParaRPr lang="de-DE" dirty="0"/>
+          </a:p>
+        </p:txBody>
+      </p:sp>
+      <p:sp>
+        <p:nvSpPr>
+          <p:cNvPr id="7" name="Titel 6">
+            <a:extLst>
+              <a:ext uri="{FF2B5EF4-FFF2-40B4-BE49-F238E27FC236}">
+                <a16:creationId xmlns:a16="http://schemas.microsoft.com/office/drawing/2014/main" id="{B119355A-6119-4D21-920F-FB54C89CBEDF}"/>
+              </a:ext>
+            </a:extLst>
+          </p:cNvPr>
+          <p:cNvSpPr>
+            <a:spLocks noGrp="1"/>
+          </p:cNvSpPr>
+          <p:nvPr>
+            <p:ph type="title"/>
+          </p:nvPr>
+        </p:nvSpPr>
+        <p:spPr/>
+        <p:txBody>
+          <a:bodyPr/>
+          <a:lstStyle/>
+          <a:p>
             <a:r>
               <a:rPr lang="de-DE" dirty="0"/>
               <a:t>Feedback </a:t>
@@ -19699,7 +20786,7 @@
           <a:p>
             <a:fld id="{F6737BBE-2145-4442-A559-CD3E1292DF16}" type="datetime1">
               <a:rPr lang="de-DE" smtClean="0"/>
-              <a:t>13.09.2022</a:t>
+              <a:t>15.09.2022</a:t>
             </a:fld>
             <a:endParaRPr lang="de-DE" dirty="0"/>
           </a:p>
@@ -19841,7 +20928,7 @@
           <a:p>
             <a:fld id="{F6737BBE-2145-4442-A559-CD3E1292DF16}" type="datetime1">
               <a:rPr lang="de-DE" smtClean="0"/>
-              <a:t>13.09.2022</a:t>
+              <a:t>15.09.2022</a:t>
             </a:fld>
             <a:endParaRPr lang="de-DE" dirty="0"/>
           </a:p>
@@ -20228,7 +21315,7 @@
           <a:p>
             <a:fld id="{F6737BBE-2145-4442-A559-CD3E1292DF16}" type="datetime1">
               <a:rPr lang="de-DE" smtClean="0"/>
-              <a:t>13.09.2022</a:t>
+              <a:t>15.09.2022</a:t>
             </a:fld>
             <a:endParaRPr lang="de-DE" dirty="0"/>
           </a:p>
@@ -20274,7 +21361,7 @@
           <p:nvPr/>
         </p:nvPicPr>
         <p:blipFill>
-          <a:blip r:embed="rId2">
+          <a:blip r:embed="rId3">
             <a:extLst>
               <a:ext uri="{28A0092B-C50C-407E-A947-70E740481C1C}">
                 <a14:useLocalDpi xmlns:a14="http://schemas.microsoft.com/office/drawing/2010/main" val="0"/>
@@ -20320,8 +21407,8 @@
         </p:nvSpPr>
         <p:spPr>
           <a:xfrm>
-            <a:off x="2335263" y="1656592"/>
-            <a:ext cx="1245933" cy="365677"/>
+            <a:off x="2292981" y="1657828"/>
+            <a:ext cx="1337676" cy="218906"/>
           </a:xfrm>
           <a:prstGeom prst="rightArrow">
             <a:avLst/>
@@ -20347,10 +21434,7 @@
           <a:bodyPr rtlCol="0" anchor="ctr"/>
           <a:lstStyle/>
           <a:p>
-            <a:r>
-              <a:rPr lang="de-DE" sz="800" dirty="0"/>
-              <a:t>Asynchrone Nachricht</a:t>
-            </a:r>
+            <a:endParaRPr lang="de-DE" sz="800" dirty="0"/>
           </a:p>
         </p:txBody>
       </p:sp>
@@ -20368,8 +21452,8 @@
         </p:nvSpPr>
         <p:spPr>
           <a:xfrm rot="5400000">
-            <a:off x="4167964" y="2787361"/>
-            <a:ext cx="771222" cy="283170"/>
+            <a:off x="4174943" y="2853385"/>
+            <a:ext cx="771222" cy="151122"/>
           </a:xfrm>
           <a:prstGeom prst="rightArrow">
             <a:avLst/>
@@ -20396,19 +21480,16 @@
           <a:lstStyle/>
           <a:p>
             <a:pPr algn="ctr"/>
-            <a:r>
-              <a:rPr lang="de-DE" sz="800" dirty="0"/>
-              <a:t>Speicherung</a:t>
-            </a:r>
-          </a:p>
-        </p:txBody>
-      </p:sp>
-      <p:sp>
-        <p:nvSpPr>
-          <p:cNvPr id="4" name="Pfeil: nach rechts 3">
-            <a:extLst>
-              <a:ext uri="{FF2B5EF4-FFF2-40B4-BE49-F238E27FC236}">
-                <a16:creationId xmlns:a16="http://schemas.microsoft.com/office/drawing/2014/main" id="{93720131-C6AA-47F9-BE46-EAC20E68D87B}"/>
+            <a:endParaRPr lang="de-DE" sz="800" dirty="0"/>
+          </a:p>
+        </p:txBody>
+      </p:sp>
+      <p:sp>
+        <p:nvSpPr>
+          <p:cNvPr id="5" name="Rechteck 4">
+            <a:extLst>
+              <a:ext uri="{FF2B5EF4-FFF2-40B4-BE49-F238E27FC236}">
+                <a16:creationId xmlns:a16="http://schemas.microsoft.com/office/drawing/2014/main" id="{E5B760D7-F582-4F1A-9DCE-C6FAA7168128}"/>
               </a:ext>
             </a:extLst>
           </p:cNvPr>
@@ -20416,11 +21497,11 @@
           <p:nvPr/>
         </p:nvSpPr>
         <p:spPr>
-          <a:xfrm rot="10800000">
-            <a:off x="5603122" y="1594218"/>
-            <a:ext cx="907295" cy="396581"/>
-          </a:xfrm>
-          <a:prstGeom prst="rightArrow">
+          <a:xfrm>
+            <a:off x="610948" y="3693939"/>
+            <a:ext cx="1673465" cy="826676"/>
+          </a:xfrm>
+          <a:prstGeom prst="rect">
             <a:avLst/>
           </a:prstGeom>
         </p:spPr>
@@ -20446,22 +21527,18 @@
           <a:p>
             <a:pPr algn="ctr"/>
             <a:r>
-              <a:rPr lang="de-DE" dirty="0" err="1"/>
-              <a:t>Sync</a:t>
-            </a:r>
-            <a:r>
               <a:rPr lang="de-DE" dirty="0"/>
-              <a:t> Nachricht</a:t>
-            </a:r>
-          </a:p>
-        </p:txBody>
-      </p:sp>
-      <p:sp>
-        <p:nvSpPr>
-          <p:cNvPr id="5" name="Rechteck 4">
-            <a:extLst>
-              <a:ext uri="{FF2B5EF4-FFF2-40B4-BE49-F238E27FC236}">
-                <a16:creationId xmlns:a16="http://schemas.microsoft.com/office/drawing/2014/main" id="{E5B760D7-F582-4F1A-9DCE-C6FAA7168128}"/>
+              <a:t>Level 1</a:t>
+            </a:r>
+          </a:p>
+        </p:txBody>
+      </p:sp>
+      <p:sp>
+        <p:nvSpPr>
+          <p:cNvPr id="12" name="Pfeil: nach rechts 11">
+            <a:extLst>
+              <a:ext uri="{FF2B5EF4-FFF2-40B4-BE49-F238E27FC236}">
+                <a16:creationId xmlns:a16="http://schemas.microsoft.com/office/drawing/2014/main" id="{0C84DD65-DF4A-4776-9F83-26AD767A1B04}"/>
               </a:ext>
             </a:extLst>
           </p:cNvPr>
@@ -20469,11 +21546,11 @@
           <p:nvPr/>
         </p:nvSpPr>
         <p:spPr>
-          <a:xfrm>
-            <a:off x="610948" y="3693939"/>
-            <a:ext cx="1673465" cy="826676"/>
-          </a:xfrm>
-          <a:prstGeom prst="rect">
+          <a:xfrm rot="16200000">
+            <a:off x="974929" y="3005328"/>
+            <a:ext cx="944264" cy="219626"/>
+          </a:xfrm>
+          <a:prstGeom prst="rightArrow">
             <a:avLst/>
           </a:prstGeom>
         </p:spPr>
@@ -20498,19 +21575,259 @@
           <a:lstStyle/>
           <a:p>
             <a:pPr algn="ctr"/>
-            <a:r>
-              <a:rPr lang="de-DE" dirty="0"/>
-              <a:t>Level 1</a:t>
-            </a:r>
-          </a:p>
-        </p:txBody>
-      </p:sp>
-      <p:sp>
-        <p:nvSpPr>
-          <p:cNvPr id="12" name="Pfeil: nach rechts 11">
-            <a:extLst>
-              <a:ext uri="{FF2B5EF4-FFF2-40B4-BE49-F238E27FC236}">
-                <a16:creationId xmlns:a16="http://schemas.microsoft.com/office/drawing/2014/main" id="{0C84DD65-DF4A-4776-9F83-26AD767A1B04}"/>
+            <a:endParaRPr lang="de-DE"/>
+          </a:p>
+        </p:txBody>
+      </p:sp>
+      <p:pic>
+        <p:nvPicPr>
+          <p:cNvPr id="17" name="Grafik 16">
+            <a:extLst>
+              <a:ext uri="{FF2B5EF4-FFF2-40B4-BE49-F238E27FC236}">
+                <a16:creationId xmlns:a16="http://schemas.microsoft.com/office/drawing/2014/main" id="{5361A510-900F-4FC5-8250-EF83F431B3C8}"/>
+              </a:ext>
+            </a:extLst>
+          </p:cNvPr>
+          <p:cNvPicPr>
+            <a:picLocks noChangeAspect="1"/>
+          </p:cNvPicPr>
+          <p:nvPr/>
+        </p:nvPicPr>
+        <p:blipFill>
+          <a:blip r:embed="rId4"/>
+          <a:stretch>
+            <a:fillRect/>
+          </a:stretch>
+        </p:blipFill>
+        <p:spPr>
+          <a:xfrm>
+            <a:off x="6770282" y="1494682"/>
+            <a:ext cx="1564513" cy="509984"/>
+          </a:xfrm>
+          <a:prstGeom prst="rect">
+            <a:avLst/>
+          </a:prstGeom>
+        </p:spPr>
+      </p:pic>
+      <p:pic>
+        <p:nvPicPr>
+          <p:cNvPr id="15" name="Grafik 14">
+            <a:extLst>
+              <a:ext uri="{FF2B5EF4-FFF2-40B4-BE49-F238E27FC236}">
+                <a16:creationId xmlns:a16="http://schemas.microsoft.com/office/drawing/2014/main" id="{E9008DE7-6FED-4C72-838F-CC621D94AEF6}"/>
+              </a:ext>
+            </a:extLst>
+          </p:cNvPr>
+          <p:cNvPicPr>
+            <a:picLocks noChangeAspect="1"/>
+          </p:cNvPicPr>
+          <p:nvPr/>
+        </p:nvPicPr>
+        <p:blipFill>
+          <a:blip r:embed="rId5"/>
+          <a:stretch>
+            <a:fillRect/>
+          </a:stretch>
+        </p:blipFill>
+        <p:spPr>
+          <a:xfrm>
+            <a:off x="7718206" y="1387802"/>
+            <a:ext cx="723743" cy="723743"/>
+          </a:xfrm>
+          <a:prstGeom prst="rect">
+            <a:avLst/>
+          </a:prstGeom>
+        </p:spPr>
+      </p:pic>
+      <p:pic>
+        <p:nvPicPr>
+          <p:cNvPr id="21" name="Grafik 20">
+            <a:extLst>
+              <a:ext uri="{FF2B5EF4-FFF2-40B4-BE49-F238E27FC236}">
+                <a16:creationId xmlns:a16="http://schemas.microsoft.com/office/drawing/2014/main" id="{A1E97A2B-AD92-4E14-A086-85EEDA33CCAC}"/>
+              </a:ext>
+            </a:extLst>
+          </p:cNvPr>
+          <p:cNvPicPr>
+            <a:picLocks noChangeAspect="1"/>
+          </p:cNvPicPr>
+          <p:nvPr/>
+        </p:nvPicPr>
+        <p:blipFill>
+          <a:blip r:embed="rId6"/>
+          <a:stretch>
+            <a:fillRect/>
+          </a:stretch>
+        </p:blipFill>
+        <p:spPr>
+          <a:xfrm>
+            <a:off x="3978988" y="3376030"/>
+            <a:ext cx="1149174" cy="1149174"/>
+          </a:xfrm>
+          <a:prstGeom prst="rect">
+            <a:avLst/>
+          </a:prstGeom>
+        </p:spPr>
+      </p:pic>
+      <p:pic>
+        <p:nvPicPr>
+          <p:cNvPr id="27" name="Grafik 26">
+            <a:extLst>
+              <a:ext uri="{FF2B5EF4-FFF2-40B4-BE49-F238E27FC236}">
+                <a16:creationId xmlns:a16="http://schemas.microsoft.com/office/drawing/2014/main" id="{8AEAB48A-CB67-407D-8054-3E3F11B246A8}"/>
+              </a:ext>
+            </a:extLst>
+          </p:cNvPr>
+          <p:cNvPicPr>
+            <a:picLocks noChangeAspect="1"/>
+          </p:cNvPicPr>
+          <p:nvPr/>
+        </p:nvPicPr>
+        <p:blipFill>
+          <a:blip r:embed="rId7"/>
+          <a:stretch>
+            <a:fillRect/>
+          </a:stretch>
+        </p:blipFill>
+        <p:spPr>
+          <a:xfrm>
+            <a:off x="3978988" y="1215296"/>
+            <a:ext cx="1154424" cy="1154424"/>
+          </a:xfrm>
+          <a:prstGeom prst="rect">
+            <a:avLst/>
+          </a:prstGeom>
+        </p:spPr>
+      </p:pic>
+      <p:sp>
+        <p:nvSpPr>
+          <p:cNvPr id="2" name="Textfeld 1">
+            <a:extLst>
+              <a:ext uri="{FF2B5EF4-FFF2-40B4-BE49-F238E27FC236}">
+                <a16:creationId xmlns:a16="http://schemas.microsoft.com/office/drawing/2014/main" id="{685FCCA7-0B34-18FD-2C05-C4053B2CFA4C}"/>
+              </a:ext>
+            </a:extLst>
+          </p:cNvPr>
+          <p:cNvSpPr txBox="1"/>
+          <p:nvPr/>
+        </p:nvSpPr>
+        <p:spPr>
+          <a:xfrm>
+            <a:off x="4085905" y="978923"/>
+            <a:ext cx="949299" cy="338554"/>
+          </a:xfrm>
+          <a:prstGeom prst="rect">
+            <a:avLst/>
+          </a:prstGeom>
+          <a:solidFill>
+            <a:schemeClr val="bg1"/>
+          </a:solidFill>
+          <a:ln>
+            <a:solidFill>
+              <a:schemeClr val="tx1"/>
+            </a:solidFill>
+          </a:ln>
+        </p:spPr>
+        <p:txBody>
+          <a:bodyPr wrap="none" rtlCol="0">
+            <a:spAutoFit/>
+          </a:bodyPr>
+          <a:lstStyle/>
+          <a:p>
+            <a:r>
+              <a:rPr lang="en-GB" sz="1600" b="1" dirty="0" err="1">
+                <a:solidFill>
+                  <a:srgbClr val="FF0000"/>
+                </a:solidFill>
+              </a:rPr>
+              <a:t>AlarmIT</a:t>
+            </a:r>
+            <a:endParaRPr lang="de-DE" sz="1600" b="1" dirty="0">
+              <a:solidFill>
+                <a:srgbClr val="FF0000"/>
+              </a:solidFill>
+            </a:endParaRPr>
+          </a:p>
+        </p:txBody>
+      </p:sp>
+      <p:sp>
+        <p:nvSpPr>
+          <p:cNvPr id="3" name="Textfeld 2">
+            <a:extLst>
+              <a:ext uri="{FF2B5EF4-FFF2-40B4-BE49-F238E27FC236}">
+                <a16:creationId xmlns:a16="http://schemas.microsoft.com/office/drawing/2014/main" id="{57A23D42-6108-AC50-BA9C-0D4EC2978F79}"/>
+              </a:ext>
+            </a:extLst>
+          </p:cNvPr>
+          <p:cNvSpPr txBox="1"/>
+          <p:nvPr/>
+        </p:nvSpPr>
+        <p:spPr>
+          <a:xfrm>
+            <a:off x="4029792" y="4432788"/>
+            <a:ext cx="1047565" cy="307777"/>
+          </a:xfrm>
+          <a:prstGeom prst="rect">
+            <a:avLst/>
+          </a:prstGeom>
+          <a:noFill/>
+        </p:spPr>
+        <p:txBody>
+          <a:bodyPr wrap="square" rtlCol="0">
+            <a:spAutoFit/>
+          </a:bodyPr>
+          <a:lstStyle/>
+          <a:p>
+            <a:r>
+              <a:rPr lang="en-GB" dirty="0" err="1"/>
+              <a:t>Datenbank</a:t>
+            </a:r>
+            <a:endParaRPr lang="de-DE" dirty="0"/>
+          </a:p>
+        </p:txBody>
+      </p:sp>
+      <p:sp>
+        <p:nvSpPr>
+          <p:cNvPr id="10" name="Textfeld 9">
+            <a:extLst>
+              <a:ext uri="{FF2B5EF4-FFF2-40B4-BE49-F238E27FC236}">
+                <a16:creationId xmlns:a16="http://schemas.microsoft.com/office/drawing/2014/main" id="{FC0B0197-0490-57AF-9C73-0A5F0C88D92E}"/>
+              </a:ext>
+            </a:extLst>
+          </p:cNvPr>
+          <p:cNvSpPr txBox="1"/>
+          <p:nvPr/>
+        </p:nvSpPr>
+        <p:spPr>
+          <a:xfrm>
+            <a:off x="7288427" y="1163588"/>
+            <a:ext cx="528222" cy="307777"/>
+          </a:xfrm>
+          <a:prstGeom prst="rect">
+            <a:avLst/>
+          </a:prstGeom>
+          <a:noFill/>
+        </p:spPr>
+        <p:txBody>
+          <a:bodyPr wrap="square" rtlCol="0">
+            <a:spAutoFit/>
+          </a:bodyPr>
+          <a:lstStyle/>
+          <a:p>
+            <a:r>
+              <a:rPr lang="en-GB" dirty="0"/>
+              <a:t>GUI</a:t>
+            </a:r>
+            <a:endParaRPr lang="de-DE" dirty="0"/>
+          </a:p>
+        </p:txBody>
+      </p:sp>
+      <p:sp>
+        <p:nvSpPr>
+          <p:cNvPr id="11" name="Pfeil: nach links 10">
+            <a:extLst>
+              <a:ext uri="{FF2B5EF4-FFF2-40B4-BE49-F238E27FC236}">
+                <a16:creationId xmlns:a16="http://schemas.microsoft.com/office/drawing/2014/main" id="{7317D837-D5B6-1269-97AF-FF4F71F1E705}"/>
               </a:ext>
             </a:extLst>
           </p:cNvPr>
@@ -20518,13 +21835,21 @@
           <p:nvPr/>
         </p:nvSpPr>
         <p:spPr>
-          <a:xfrm rot="16200000">
-            <a:off x="934777" y="2939225"/>
-            <a:ext cx="944264" cy="358950"/>
-          </a:xfrm>
-          <a:prstGeom prst="rightArrow">
-            <a:avLst/>
-          </a:prstGeom>
+          <a:xfrm>
+            <a:off x="5309625" y="1642963"/>
+            <a:ext cx="1291701" cy="246221"/>
+          </a:xfrm>
+          <a:prstGeom prst="leftArrow">
+            <a:avLst/>
+          </a:prstGeom>
+          <a:solidFill>
+            <a:srgbClr val="00B050"/>
+          </a:solidFill>
+          <a:ln>
+            <a:solidFill>
+              <a:srgbClr val="00B050"/>
+            </a:solidFill>
+          </a:ln>
         </p:spPr>
         <p:style>
           <a:lnRef idx="2">
@@ -20547,6 +21872,537 @@
           <a:lstStyle/>
           <a:p>
             <a:pPr algn="ctr"/>
+            <a:endParaRPr lang="de-DE" sz="800" dirty="0">
+              <a:solidFill>
+                <a:srgbClr val="FF0000"/>
+              </a:solidFill>
+            </a:endParaRPr>
+          </a:p>
+        </p:txBody>
+      </p:sp>
+      <p:sp>
+        <p:nvSpPr>
+          <p:cNvPr id="13" name="Textfeld 12">
+            <a:extLst>
+              <a:ext uri="{FF2B5EF4-FFF2-40B4-BE49-F238E27FC236}">
+                <a16:creationId xmlns:a16="http://schemas.microsoft.com/office/drawing/2014/main" id="{7046A8E8-14A2-9E54-9DAA-3EC102C47A13}"/>
+              </a:ext>
+            </a:extLst>
+          </p:cNvPr>
+          <p:cNvSpPr txBox="1"/>
+          <p:nvPr/>
+        </p:nvSpPr>
+        <p:spPr>
+          <a:xfrm>
+            <a:off x="2213393" y="1443007"/>
+            <a:ext cx="1470841" cy="246221"/>
+          </a:xfrm>
+          <a:prstGeom prst="rect">
+            <a:avLst/>
+          </a:prstGeom>
+          <a:noFill/>
+        </p:spPr>
+        <p:txBody>
+          <a:bodyPr wrap="square" rtlCol="0">
+            <a:spAutoFit/>
+          </a:bodyPr>
+          <a:lstStyle/>
+          <a:p>
+            <a:r>
+              <a:rPr lang="de-DE" sz="1000" dirty="0"/>
+              <a:t>Asynchrone Nachricht</a:t>
+            </a:r>
+          </a:p>
+        </p:txBody>
+      </p:sp>
+      <p:sp>
+        <p:nvSpPr>
+          <p:cNvPr id="20" name="Textfeld 19">
+            <a:extLst>
+              <a:ext uri="{FF2B5EF4-FFF2-40B4-BE49-F238E27FC236}">
+                <a16:creationId xmlns:a16="http://schemas.microsoft.com/office/drawing/2014/main" id="{5854757A-45AB-D4BE-A8F6-AA1896BFDF67}"/>
+              </a:ext>
+            </a:extLst>
+          </p:cNvPr>
+          <p:cNvSpPr txBox="1"/>
+          <p:nvPr/>
+        </p:nvSpPr>
+        <p:spPr>
+          <a:xfrm>
+            <a:off x="5302368" y="1411607"/>
+            <a:ext cx="1470841" cy="246221"/>
+          </a:xfrm>
+          <a:prstGeom prst="rect">
+            <a:avLst/>
+          </a:prstGeom>
+          <a:noFill/>
+        </p:spPr>
+        <p:txBody>
+          <a:bodyPr wrap="square" rtlCol="0">
+            <a:spAutoFit/>
+          </a:bodyPr>
+          <a:lstStyle/>
+          <a:p>
+            <a:r>
+              <a:rPr lang="de-DE" sz="1000" dirty="0"/>
+              <a:t>Synchrone Nachricht</a:t>
+            </a:r>
+          </a:p>
+        </p:txBody>
+      </p:sp>
+      <p:sp>
+        <p:nvSpPr>
+          <p:cNvPr id="24" name="Textfeld 23">
+            <a:extLst>
+              <a:ext uri="{FF2B5EF4-FFF2-40B4-BE49-F238E27FC236}">
+                <a16:creationId xmlns:a16="http://schemas.microsoft.com/office/drawing/2014/main" id="{8CB31109-E659-A156-061B-AC36C42193CF}"/>
+              </a:ext>
+            </a:extLst>
+          </p:cNvPr>
+          <p:cNvSpPr txBox="1"/>
+          <p:nvPr/>
+        </p:nvSpPr>
+        <p:spPr>
+          <a:xfrm>
+            <a:off x="1518701" y="2915086"/>
+            <a:ext cx="870484" cy="400110"/>
+          </a:xfrm>
+          <a:prstGeom prst="rect">
+            <a:avLst/>
+          </a:prstGeom>
+          <a:noFill/>
+        </p:spPr>
+        <p:txBody>
+          <a:bodyPr wrap="square" rtlCol="0">
+            <a:spAutoFit/>
+          </a:bodyPr>
+          <a:lstStyle/>
+          <a:p>
+            <a:r>
+              <a:rPr lang="de-DE" sz="1000" dirty="0"/>
+              <a:t>Asynchrone </a:t>
+            </a:r>
+          </a:p>
+          <a:p>
+            <a:r>
+              <a:rPr lang="de-DE" sz="1000" dirty="0"/>
+              <a:t>Nachricht</a:t>
+            </a:r>
+          </a:p>
+        </p:txBody>
+      </p:sp>
+      <p:sp>
+        <p:nvSpPr>
+          <p:cNvPr id="28" name="Textfeld 27">
+            <a:extLst>
+              <a:ext uri="{FF2B5EF4-FFF2-40B4-BE49-F238E27FC236}">
+                <a16:creationId xmlns:a16="http://schemas.microsoft.com/office/drawing/2014/main" id="{4C7D5CB9-0DB9-3D8F-DCE9-A1C8D584CEE3}"/>
+              </a:ext>
+            </a:extLst>
+          </p:cNvPr>
+          <p:cNvSpPr txBox="1"/>
+          <p:nvPr/>
+        </p:nvSpPr>
+        <p:spPr>
+          <a:xfrm>
+            <a:off x="4572000" y="2720589"/>
+            <a:ext cx="870484" cy="400110"/>
+          </a:xfrm>
+          <a:prstGeom prst="rect">
+            <a:avLst/>
+          </a:prstGeom>
+          <a:noFill/>
+        </p:spPr>
+        <p:txBody>
+          <a:bodyPr wrap="square" rtlCol="0">
+            <a:spAutoFit/>
+          </a:bodyPr>
+          <a:lstStyle/>
+          <a:p>
+            <a:r>
+              <a:rPr lang="de-DE" sz="1000" dirty="0"/>
+              <a:t>Asynchrone </a:t>
+            </a:r>
+          </a:p>
+          <a:p>
+            <a:r>
+              <a:rPr lang="de-DE" sz="1000" dirty="0"/>
+              <a:t>Nachricht</a:t>
+            </a:r>
+          </a:p>
+        </p:txBody>
+      </p:sp>
+    </p:spTree>
+    <p:extLst>
+      <p:ext uri="{BB962C8B-B14F-4D97-AF65-F5344CB8AC3E}">
+        <p14:creationId xmlns:p14="http://schemas.microsoft.com/office/powerpoint/2010/main" val="2005823095"/>
+      </p:ext>
+    </p:extLst>
+  </p:cSld>
+  <p:clrMapOvr>
+    <a:masterClrMapping/>
+  </p:clrMapOvr>
+</p:sld>
+</file>
+
+<file path=ppt/slides/slide4.xml><?xml version="1.0" encoding="utf-8"?>
+<p:sld xmlns:a="http://schemas.openxmlformats.org/drawingml/2006/main" xmlns:r="http://schemas.openxmlformats.org/officeDocument/2006/relationships" xmlns:p="http://schemas.openxmlformats.org/presentationml/2006/main">
+  <p:cSld>
+    <p:spTree>
+      <p:nvGrpSpPr>
+        <p:cNvPr id="1" name=""/>
+        <p:cNvGrpSpPr/>
+        <p:nvPr/>
+      </p:nvGrpSpPr>
+      <p:grpSpPr>
+        <a:xfrm>
+          <a:off x="0" y="0"/>
+          <a:ext cx="0" cy="0"/>
+          <a:chOff x="0" y="0"/>
+          <a:chExt cx="0" cy="0"/>
+        </a:xfrm>
+      </p:grpSpPr>
+      <p:sp>
+        <p:nvSpPr>
+          <p:cNvPr id="6" name="Foliennummernplatzhalter 5">
+            <a:extLst>
+              <a:ext uri="{FF2B5EF4-FFF2-40B4-BE49-F238E27FC236}">
+                <a16:creationId xmlns:a16="http://schemas.microsoft.com/office/drawing/2014/main" id="{800E83D9-A63F-4861-86A3-C8B6A79B0466}"/>
+              </a:ext>
+            </a:extLst>
+          </p:cNvPr>
+          <p:cNvSpPr>
+            <a:spLocks noGrp="1"/>
+          </p:cNvSpPr>
+          <p:nvPr>
+            <p:ph type="sldNum" sz="quarter" idx="17"/>
+          </p:nvPr>
+        </p:nvSpPr>
+        <p:spPr/>
+        <p:txBody>
+          <a:bodyPr/>
+          <a:lstStyle/>
+          <a:p>
+            <a:fld id="{8B97E1D9-0739-E445-A7FF-39998847AB6F}" type="slidenum">
+              <a:rPr lang="de-DE" smtClean="0"/>
+              <a:pPr/>
+              <a:t>4</a:t>
+            </a:fld>
+            <a:endParaRPr lang="de-DE" dirty="0"/>
+          </a:p>
+        </p:txBody>
+      </p:sp>
+      <p:sp>
+        <p:nvSpPr>
+          <p:cNvPr id="7" name="Titel 6">
+            <a:extLst>
+              <a:ext uri="{FF2B5EF4-FFF2-40B4-BE49-F238E27FC236}">
+                <a16:creationId xmlns:a16="http://schemas.microsoft.com/office/drawing/2014/main" id="{28669BB4-C76C-4C17-AC96-B44FB0B30A6D}"/>
+              </a:ext>
+            </a:extLst>
+          </p:cNvPr>
+          <p:cNvSpPr>
+            <a:spLocks noGrp="1"/>
+          </p:cNvSpPr>
+          <p:nvPr>
+            <p:ph type="title"/>
+          </p:nvPr>
+        </p:nvSpPr>
+        <p:spPr/>
+        <p:txBody>
+          <a:bodyPr/>
+          <a:lstStyle/>
+          <a:p>
+            <a:r>
+              <a:rPr lang="de-DE" dirty="0"/>
+              <a:t>Abgrenzung des Kontextes durch Docker</a:t>
+            </a:r>
+          </a:p>
+        </p:txBody>
+      </p:sp>
+      <p:sp>
+        <p:nvSpPr>
+          <p:cNvPr id="8" name="Datumsplatzhalter 7">
+            <a:extLst>
+              <a:ext uri="{FF2B5EF4-FFF2-40B4-BE49-F238E27FC236}">
+                <a16:creationId xmlns:a16="http://schemas.microsoft.com/office/drawing/2014/main" id="{AA78F7BF-BC09-4451-99A2-5CFC28999A75}"/>
+              </a:ext>
+            </a:extLst>
+          </p:cNvPr>
+          <p:cNvSpPr>
+            <a:spLocks noGrp="1"/>
+          </p:cNvSpPr>
+          <p:nvPr>
+            <p:ph type="dt" sz="half" idx="18"/>
+          </p:nvPr>
+        </p:nvSpPr>
+        <p:spPr/>
+        <p:txBody>
+          <a:bodyPr/>
+          <a:lstStyle/>
+          <a:p>
+            <a:fld id="{F6737BBE-2145-4442-A559-CD3E1292DF16}" type="datetime1">
+              <a:rPr lang="de-DE" smtClean="0"/>
+              <a:t>15.09.2022</a:t>
+            </a:fld>
+            <a:endParaRPr lang="de-DE" dirty="0"/>
+          </a:p>
+        </p:txBody>
+      </p:sp>
+      <p:sp>
+        <p:nvSpPr>
+          <p:cNvPr id="9" name="Fußzeilenplatzhalter 8">
+            <a:extLst>
+              <a:ext uri="{FF2B5EF4-FFF2-40B4-BE49-F238E27FC236}">
+                <a16:creationId xmlns:a16="http://schemas.microsoft.com/office/drawing/2014/main" id="{F91C395A-F014-4C53-B3A5-0E1FD5D11BB1}"/>
+              </a:ext>
+            </a:extLst>
+          </p:cNvPr>
+          <p:cNvSpPr>
+            <a:spLocks noGrp="1"/>
+          </p:cNvSpPr>
+          <p:nvPr>
+            <p:ph type="ftr" sz="quarter" idx="3"/>
+          </p:nvPr>
+        </p:nvSpPr>
+        <p:spPr/>
+        <p:txBody>
+          <a:bodyPr/>
+          <a:lstStyle/>
+          <a:p>
+            <a:endParaRPr lang="de-DE" dirty="0"/>
+          </a:p>
+        </p:txBody>
+      </p:sp>
+      <p:pic>
+        <p:nvPicPr>
+          <p:cNvPr id="3078" name="Picture 6" descr="Apache ActiveMQ – Wikipedia">
+            <a:extLst>
+              <a:ext uri="{FF2B5EF4-FFF2-40B4-BE49-F238E27FC236}">
+                <a16:creationId xmlns:a16="http://schemas.microsoft.com/office/drawing/2014/main" id="{6DE69F25-DC43-4FCD-A47E-1D39321723CD}"/>
+              </a:ext>
+            </a:extLst>
+          </p:cNvPr>
+          <p:cNvPicPr>
+            <a:picLocks noChangeAspect="1" noChangeArrowheads="1"/>
+          </p:cNvPicPr>
+          <p:nvPr/>
+        </p:nvPicPr>
+        <p:blipFill>
+          <a:blip r:embed="rId3">
+            <a:extLst>
+              <a:ext uri="{28A0092B-C50C-407E-A947-70E740481C1C}">
+                <a14:useLocalDpi xmlns:a14="http://schemas.microsoft.com/office/drawing/2010/main" val="0"/>
+              </a:ext>
+            </a:extLst>
+          </a:blip>
+          <a:srcRect/>
+          <a:stretch>
+            <a:fillRect/>
+          </a:stretch>
+        </p:blipFill>
+        <p:spPr bwMode="auto">
+          <a:xfrm>
+            <a:off x="648375" y="1361267"/>
+            <a:ext cx="1673465" cy="1364032"/>
+          </a:xfrm>
+          <a:prstGeom prst="rect">
+            <a:avLst/>
+          </a:prstGeom>
+          <a:noFill/>
+          <a:extLst>
+            <a:ext uri="{909E8E84-426E-40DD-AFC4-6F175D3DCCD1}">
+              <a14:hiddenFill xmlns:a14="http://schemas.microsoft.com/office/drawing/2010/main">
+                <a:solidFill>
+                  <a:srgbClr val="FFFFFF"/>
+                </a:solidFill>
+              </a14:hiddenFill>
+            </a:ext>
+          </a:extLst>
+        </p:spPr>
+      </p:pic>
+      <p:sp>
+        <p:nvSpPr>
+          <p:cNvPr id="19" name="Pfeil: nach rechts 18">
+            <a:extLst>
+              <a:ext uri="{FF2B5EF4-FFF2-40B4-BE49-F238E27FC236}">
+                <a16:creationId xmlns:a16="http://schemas.microsoft.com/office/drawing/2014/main" id="{53B88DBC-6C2B-4124-902A-601728AE7BE1}"/>
+              </a:ext>
+            </a:extLst>
+          </p:cNvPr>
+          <p:cNvSpPr/>
+          <p:nvPr/>
+        </p:nvSpPr>
+        <p:spPr>
+          <a:xfrm>
+            <a:off x="2501151" y="2011581"/>
+            <a:ext cx="1337676" cy="218906"/>
+          </a:xfrm>
+          <a:prstGeom prst="rightArrow">
+            <a:avLst/>
+          </a:prstGeom>
+        </p:spPr>
+        <p:style>
+          <a:lnRef idx="2">
+            <a:schemeClr val="accent1">
+              <a:shade val="50000"/>
+            </a:schemeClr>
+          </a:lnRef>
+          <a:fillRef idx="1">
+            <a:schemeClr val="accent1"/>
+          </a:fillRef>
+          <a:effectRef idx="0">
+            <a:schemeClr val="accent1"/>
+          </a:effectRef>
+          <a:fontRef idx="minor">
+            <a:schemeClr val="lt1"/>
+          </a:fontRef>
+        </p:style>
+        <p:txBody>
+          <a:bodyPr rtlCol="0" anchor="ctr"/>
+          <a:lstStyle/>
+          <a:p>
+            <a:endParaRPr lang="de-DE" sz="800" dirty="0"/>
+          </a:p>
+        </p:txBody>
+      </p:sp>
+      <p:sp>
+        <p:nvSpPr>
+          <p:cNvPr id="25" name="Pfeil: nach rechts 24">
+            <a:extLst>
+              <a:ext uri="{FF2B5EF4-FFF2-40B4-BE49-F238E27FC236}">
+                <a16:creationId xmlns:a16="http://schemas.microsoft.com/office/drawing/2014/main" id="{329C0C9A-4CD9-4A63-A672-ECFC764A9E5A}"/>
+              </a:ext>
+            </a:extLst>
+          </p:cNvPr>
+          <p:cNvSpPr/>
+          <p:nvPr/>
+        </p:nvSpPr>
+        <p:spPr>
+          <a:xfrm rot="478914">
+            <a:off x="5321548" y="2342862"/>
+            <a:ext cx="1284421" cy="261346"/>
+          </a:xfrm>
+          <a:prstGeom prst="rightArrow">
+            <a:avLst/>
+          </a:prstGeom>
+        </p:spPr>
+        <p:style>
+          <a:lnRef idx="2">
+            <a:schemeClr val="accent1">
+              <a:shade val="50000"/>
+            </a:schemeClr>
+          </a:lnRef>
+          <a:fillRef idx="1">
+            <a:schemeClr val="accent1"/>
+          </a:fillRef>
+          <a:effectRef idx="0">
+            <a:schemeClr val="accent1"/>
+          </a:effectRef>
+          <a:fontRef idx="minor">
+            <a:schemeClr val="lt1"/>
+          </a:fontRef>
+        </p:style>
+        <p:txBody>
+          <a:bodyPr rtlCol="0" anchor="ctr"/>
+          <a:lstStyle/>
+          <a:p>
+            <a:pPr algn="ctr"/>
+            <a:endParaRPr lang="de-DE" sz="800" dirty="0"/>
+          </a:p>
+        </p:txBody>
+      </p:sp>
+      <p:sp>
+        <p:nvSpPr>
+          <p:cNvPr id="5" name="Rechteck 4">
+            <a:extLst>
+              <a:ext uri="{FF2B5EF4-FFF2-40B4-BE49-F238E27FC236}">
+                <a16:creationId xmlns:a16="http://schemas.microsoft.com/office/drawing/2014/main" id="{E5B760D7-F582-4F1A-9DCE-C6FAA7168128}"/>
+              </a:ext>
+            </a:extLst>
+          </p:cNvPr>
+          <p:cNvSpPr/>
+          <p:nvPr/>
+        </p:nvSpPr>
+        <p:spPr>
+          <a:xfrm>
+            <a:off x="610948" y="3801274"/>
+            <a:ext cx="1673465" cy="826676"/>
+          </a:xfrm>
+          <a:prstGeom prst="rect">
+            <a:avLst/>
+          </a:prstGeom>
+        </p:spPr>
+        <p:style>
+          <a:lnRef idx="2">
+            <a:schemeClr val="accent1">
+              <a:shade val="50000"/>
+            </a:schemeClr>
+          </a:lnRef>
+          <a:fillRef idx="1">
+            <a:schemeClr val="accent1"/>
+          </a:fillRef>
+          <a:effectRef idx="0">
+            <a:schemeClr val="accent1"/>
+          </a:effectRef>
+          <a:fontRef idx="minor">
+            <a:schemeClr val="lt1"/>
+          </a:fontRef>
+        </p:style>
+        <p:txBody>
+          <a:bodyPr rtlCol="0" anchor="ctr"/>
+          <a:lstStyle/>
+          <a:p>
+            <a:pPr algn="ctr"/>
+            <a:r>
+              <a:rPr lang="de-DE" dirty="0"/>
+              <a:t>Level 1</a:t>
+            </a:r>
+          </a:p>
+        </p:txBody>
+      </p:sp>
+      <p:sp>
+        <p:nvSpPr>
+          <p:cNvPr id="12" name="Pfeil: nach rechts 11">
+            <a:extLst>
+              <a:ext uri="{FF2B5EF4-FFF2-40B4-BE49-F238E27FC236}">
+                <a16:creationId xmlns:a16="http://schemas.microsoft.com/office/drawing/2014/main" id="{0C84DD65-DF4A-4776-9F83-26AD767A1B04}"/>
+              </a:ext>
+            </a:extLst>
+          </p:cNvPr>
+          <p:cNvSpPr/>
+          <p:nvPr/>
+        </p:nvSpPr>
+        <p:spPr>
+          <a:xfrm rot="16200000">
+            <a:off x="939641" y="3199579"/>
+            <a:ext cx="944264" cy="219626"/>
+          </a:xfrm>
+          <a:prstGeom prst="rightArrow">
+            <a:avLst/>
+          </a:prstGeom>
+        </p:spPr>
+        <p:style>
+          <a:lnRef idx="2">
+            <a:schemeClr val="accent1">
+              <a:shade val="50000"/>
+            </a:schemeClr>
+          </a:lnRef>
+          <a:fillRef idx="1">
+            <a:schemeClr val="accent1"/>
+          </a:fillRef>
+          <a:effectRef idx="0">
+            <a:schemeClr val="accent1"/>
+          </a:effectRef>
+          <a:fontRef idx="minor">
+            <a:schemeClr val="lt1"/>
+          </a:fontRef>
+        </p:style>
+        <p:txBody>
+          <a:bodyPr rtlCol="0" anchor="ctr"/>
+          <a:lstStyle/>
+          <a:p>
+            <a:pPr algn="ctr"/>
             <a:endParaRPr lang="de-DE"/>
           </a:p>
         </p:txBody>
@@ -20557,6 +22413,659 @@
             <a:extLst>
               <a:ext uri="{FF2B5EF4-FFF2-40B4-BE49-F238E27FC236}">
                 <a16:creationId xmlns:a16="http://schemas.microsoft.com/office/drawing/2014/main" id="{5361A510-900F-4FC5-8250-EF83F431B3C8}"/>
+              </a:ext>
+            </a:extLst>
+          </p:cNvPr>
+          <p:cNvPicPr>
+            <a:picLocks noChangeAspect="1"/>
+          </p:cNvPicPr>
+          <p:nvPr/>
+        </p:nvPicPr>
+        <p:blipFill>
+          <a:blip r:embed="rId4"/>
+          <a:stretch>
+            <a:fillRect/>
+          </a:stretch>
+        </p:blipFill>
+        <p:spPr>
+          <a:xfrm>
+            <a:off x="6787713" y="1293681"/>
+            <a:ext cx="1564513" cy="509984"/>
+          </a:xfrm>
+          <a:prstGeom prst="rect">
+            <a:avLst/>
+          </a:prstGeom>
+        </p:spPr>
+      </p:pic>
+      <p:pic>
+        <p:nvPicPr>
+          <p:cNvPr id="15" name="Grafik 14">
+            <a:extLst>
+              <a:ext uri="{FF2B5EF4-FFF2-40B4-BE49-F238E27FC236}">
+                <a16:creationId xmlns:a16="http://schemas.microsoft.com/office/drawing/2014/main" id="{E9008DE7-6FED-4C72-838F-CC621D94AEF6}"/>
+              </a:ext>
+            </a:extLst>
+          </p:cNvPr>
+          <p:cNvPicPr>
+            <a:picLocks noChangeAspect="1"/>
+          </p:cNvPicPr>
+          <p:nvPr/>
+        </p:nvPicPr>
+        <p:blipFill>
+          <a:blip r:embed="rId5"/>
+          <a:stretch>
+            <a:fillRect/>
+          </a:stretch>
+        </p:blipFill>
+        <p:spPr>
+          <a:xfrm>
+            <a:off x="7735637" y="1186801"/>
+            <a:ext cx="723743" cy="723743"/>
+          </a:xfrm>
+          <a:prstGeom prst="rect">
+            <a:avLst/>
+          </a:prstGeom>
+        </p:spPr>
+      </p:pic>
+      <p:pic>
+        <p:nvPicPr>
+          <p:cNvPr id="21" name="Grafik 20">
+            <a:extLst>
+              <a:ext uri="{FF2B5EF4-FFF2-40B4-BE49-F238E27FC236}">
+                <a16:creationId xmlns:a16="http://schemas.microsoft.com/office/drawing/2014/main" id="{A1E97A2B-AD92-4E14-A086-85EEDA33CCAC}"/>
+              </a:ext>
+            </a:extLst>
+          </p:cNvPr>
+          <p:cNvPicPr>
+            <a:picLocks noChangeAspect="1"/>
+          </p:cNvPicPr>
+          <p:nvPr/>
+        </p:nvPicPr>
+        <p:blipFill>
+          <a:blip r:embed="rId6"/>
+          <a:stretch>
+            <a:fillRect/>
+          </a:stretch>
+        </p:blipFill>
+        <p:spPr>
+          <a:xfrm>
+            <a:off x="6657578" y="1981835"/>
+            <a:ext cx="1149174" cy="1149174"/>
+          </a:xfrm>
+          <a:prstGeom prst="rect">
+            <a:avLst/>
+          </a:prstGeom>
+        </p:spPr>
+      </p:pic>
+      <p:pic>
+        <p:nvPicPr>
+          <p:cNvPr id="27" name="Grafik 26">
+            <a:extLst>
+              <a:ext uri="{FF2B5EF4-FFF2-40B4-BE49-F238E27FC236}">
+                <a16:creationId xmlns:a16="http://schemas.microsoft.com/office/drawing/2014/main" id="{8AEAB48A-CB67-407D-8054-3E3F11B246A8}"/>
+              </a:ext>
+            </a:extLst>
+          </p:cNvPr>
+          <p:cNvPicPr>
+            <a:picLocks noChangeAspect="1"/>
+          </p:cNvPicPr>
+          <p:nvPr/>
+        </p:nvPicPr>
+        <p:blipFill>
+          <a:blip r:embed="rId7"/>
+          <a:stretch>
+            <a:fillRect/>
+          </a:stretch>
+        </p:blipFill>
+        <p:spPr>
+          <a:xfrm>
+            <a:off x="3997014" y="1597640"/>
+            <a:ext cx="1154424" cy="1154424"/>
+          </a:xfrm>
+          <a:prstGeom prst="rect">
+            <a:avLst/>
+          </a:prstGeom>
+        </p:spPr>
+      </p:pic>
+      <p:sp>
+        <p:nvSpPr>
+          <p:cNvPr id="2" name="Textfeld 1">
+            <a:extLst>
+              <a:ext uri="{FF2B5EF4-FFF2-40B4-BE49-F238E27FC236}">
+                <a16:creationId xmlns:a16="http://schemas.microsoft.com/office/drawing/2014/main" id="{685FCCA7-0B34-18FD-2C05-C4053B2CFA4C}"/>
+              </a:ext>
+            </a:extLst>
+          </p:cNvPr>
+          <p:cNvSpPr txBox="1"/>
+          <p:nvPr/>
+        </p:nvSpPr>
+        <p:spPr>
+          <a:xfrm>
+            <a:off x="4103931" y="1361267"/>
+            <a:ext cx="949299" cy="338554"/>
+          </a:xfrm>
+          <a:prstGeom prst="rect">
+            <a:avLst/>
+          </a:prstGeom>
+          <a:solidFill>
+            <a:schemeClr val="bg1"/>
+          </a:solidFill>
+          <a:ln>
+            <a:solidFill>
+              <a:schemeClr val="tx1"/>
+            </a:solidFill>
+          </a:ln>
+        </p:spPr>
+        <p:txBody>
+          <a:bodyPr wrap="none" rtlCol="0">
+            <a:spAutoFit/>
+          </a:bodyPr>
+          <a:lstStyle/>
+          <a:p>
+            <a:r>
+              <a:rPr lang="en-GB" sz="1600" b="1" dirty="0" err="1">
+                <a:solidFill>
+                  <a:srgbClr val="FF0000"/>
+                </a:solidFill>
+              </a:rPr>
+              <a:t>AlarmIT</a:t>
+            </a:r>
+            <a:endParaRPr lang="de-DE" sz="1600" b="1" dirty="0">
+              <a:solidFill>
+                <a:srgbClr val="FF0000"/>
+              </a:solidFill>
+            </a:endParaRPr>
+          </a:p>
+        </p:txBody>
+      </p:sp>
+      <p:sp>
+        <p:nvSpPr>
+          <p:cNvPr id="3" name="Textfeld 2">
+            <a:extLst>
+              <a:ext uri="{FF2B5EF4-FFF2-40B4-BE49-F238E27FC236}">
+                <a16:creationId xmlns:a16="http://schemas.microsoft.com/office/drawing/2014/main" id="{57A23D42-6108-AC50-BA9C-0D4EC2978F79}"/>
+              </a:ext>
+            </a:extLst>
+          </p:cNvPr>
+          <p:cNvSpPr txBox="1"/>
+          <p:nvPr/>
+        </p:nvSpPr>
+        <p:spPr>
+          <a:xfrm>
+            <a:off x="6708382" y="3038593"/>
+            <a:ext cx="1047565" cy="307777"/>
+          </a:xfrm>
+          <a:prstGeom prst="rect">
+            <a:avLst/>
+          </a:prstGeom>
+          <a:noFill/>
+        </p:spPr>
+        <p:txBody>
+          <a:bodyPr wrap="square" rtlCol="0">
+            <a:spAutoFit/>
+          </a:bodyPr>
+          <a:lstStyle/>
+          <a:p>
+            <a:r>
+              <a:rPr lang="en-GB" dirty="0" err="1"/>
+              <a:t>Datenbank</a:t>
+            </a:r>
+            <a:endParaRPr lang="de-DE" dirty="0"/>
+          </a:p>
+        </p:txBody>
+      </p:sp>
+      <p:sp>
+        <p:nvSpPr>
+          <p:cNvPr id="10" name="Textfeld 9">
+            <a:extLst>
+              <a:ext uri="{FF2B5EF4-FFF2-40B4-BE49-F238E27FC236}">
+                <a16:creationId xmlns:a16="http://schemas.microsoft.com/office/drawing/2014/main" id="{FC0B0197-0490-57AF-9C73-0A5F0C88D92E}"/>
+              </a:ext>
+            </a:extLst>
+          </p:cNvPr>
+          <p:cNvSpPr txBox="1"/>
+          <p:nvPr/>
+        </p:nvSpPr>
+        <p:spPr>
+          <a:xfrm>
+            <a:off x="7305858" y="962587"/>
+            <a:ext cx="528222" cy="307777"/>
+          </a:xfrm>
+          <a:prstGeom prst="rect">
+            <a:avLst/>
+          </a:prstGeom>
+          <a:noFill/>
+        </p:spPr>
+        <p:txBody>
+          <a:bodyPr wrap="square" rtlCol="0">
+            <a:spAutoFit/>
+          </a:bodyPr>
+          <a:lstStyle/>
+          <a:p>
+            <a:r>
+              <a:rPr lang="en-GB" dirty="0"/>
+              <a:t>GUI</a:t>
+            </a:r>
+            <a:endParaRPr lang="de-DE" dirty="0"/>
+          </a:p>
+        </p:txBody>
+      </p:sp>
+      <p:sp>
+        <p:nvSpPr>
+          <p:cNvPr id="11" name="Pfeil: nach links 10">
+            <a:extLst>
+              <a:ext uri="{FF2B5EF4-FFF2-40B4-BE49-F238E27FC236}">
+                <a16:creationId xmlns:a16="http://schemas.microsoft.com/office/drawing/2014/main" id="{7317D837-D5B6-1269-97AF-FF4F71F1E705}"/>
+              </a:ext>
+            </a:extLst>
+          </p:cNvPr>
+          <p:cNvSpPr/>
+          <p:nvPr/>
+        </p:nvSpPr>
+        <p:spPr>
+          <a:xfrm rot="21065994">
+            <a:off x="5309625" y="1642963"/>
+            <a:ext cx="1291701" cy="246221"/>
+          </a:xfrm>
+          <a:prstGeom prst="leftArrow">
+            <a:avLst/>
+          </a:prstGeom>
+          <a:solidFill>
+            <a:srgbClr val="00B050"/>
+          </a:solidFill>
+          <a:ln>
+            <a:solidFill>
+              <a:srgbClr val="00B050"/>
+            </a:solidFill>
+          </a:ln>
+        </p:spPr>
+        <p:style>
+          <a:lnRef idx="2">
+            <a:schemeClr val="accent1">
+              <a:shade val="50000"/>
+            </a:schemeClr>
+          </a:lnRef>
+          <a:fillRef idx="1">
+            <a:schemeClr val="accent1"/>
+          </a:fillRef>
+          <a:effectRef idx="0">
+            <a:schemeClr val="accent1"/>
+          </a:effectRef>
+          <a:fontRef idx="minor">
+            <a:schemeClr val="lt1"/>
+          </a:fontRef>
+        </p:style>
+        <p:txBody>
+          <a:bodyPr rtlCol="0" anchor="ctr"/>
+          <a:lstStyle/>
+          <a:p>
+            <a:pPr algn="ctr"/>
+            <a:endParaRPr lang="de-DE" sz="800" dirty="0">
+              <a:solidFill>
+                <a:srgbClr val="FF0000"/>
+              </a:solidFill>
+            </a:endParaRPr>
+          </a:p>
+        </p:txBody>
+      </p:sp>
+      <p:sp>
+        <p:nvSpPr>
+          <p:cNvPr id="14" name="Rechteck 13">
+            <a:extLst>
+              <a:ext uri="{FF2B5EF4-FFF2-40B4-BE49-F238E27FC236}">
+                <a16:creationId xmlns:a16="http://schemas.microsoft.com/office/drawing/2014/main" id="{E9A8B80C-0976-5D56-17EE-E03F57CA6691}"/>
+              </a:ext>
+            </a:extLst>
+          </p:cNvPr>
+          <p:cNvSpPr/>
+          <p:nvPr/>
+        </p:nvSpPr>
+        <p:spPr>
+          <a:xfrm>
+            <a:off x="539749" y="859715"/>
+            <a:ext cx="8106019" cy="2727558"/>
+          </a:xfrm>
+          <a:prstGeom prst="rect">
+            <a:avLst/>
+          </a:prstGeom>
+          <a:noFill/>
+          <a:ln w="38100" cap="flat" cmpd="sng" algn="ctr">
+            <a:solidFill>
+              <a:schemeClr val="accent2">
+                <a:lumMod val="60000"/>
+                <a:lumOff val="40000"/>
+              </a:schemeClr>
+            </a:solidFill>
+            <a:prstDash val="solid"/>
+            <a:round/>
+            <a:headEnd type="none" w="med" len="med"/>
+            <a:tailEnd type="none" w="med" len="med"/>
+          </a:ln>
+        </p:spPr>
+        <p:style>
+          <a:lnRef idx="0">
+            <a:scrgbClr r="0" g="0" b="0"/>
+          </a:lnRef>
+          <a:fillRef idx="0">
+            <a:scrgbClr r="0" g="0" b="0"/>
+          </a:fillRef>
+          <a:effectRef idx="0">
+            <a:scrgbClr r="0" g="0" b="0"/>
+          </a:effectRef>
+          <a:fontRef idx="minor">
+            <a:schemeClr val="dk1"/>
+          </a:fontRef>
+        </p:style>
+        <p:txBody>
+          <a:bodyPr rtlCol="0" anchor="ctr"/>
+          <a:lstStyle/>
+          <a:p>
+            <a:pPr algn="ctr"/>
+            <a:endParaRPr lang="de-DE"/>
+          </a:p>
+        </p:txBody>
+      </p:sp>
+    </p:spTree>
+    <p:extLst>
+      <p:ext uri="{BB962C8B-B14F-4D97-AF65-F5344CB8AC3E}">
+        <p14:creationId xmlns:p14="http://schemas.microsoft.com/office/powerpoint/2010/main" val="3358623857"/>
+      </p:ext>
+    </p:extLst>
+  </p:cSld>
+  <p:clrMapOvr>
+    <a:masterClrMapping/>
+  </p:clrMapOvr>
+</p:sld>
+</file>
+
+<file path=ppt/slides/slide5.xml><?xml version="1.0" encoding="utf-8"?>
+<p:sld xmlns:a="http://schemas.openxmlformats.org/drawingml/2006/main" xmlns:r="http://schemas.openxmlformats.org/officeDocument/2006/relationships" xmlns:p="http://schemas.openxmlformats.org/presentationml/2006/main">
+  <p:cSld>
+    <p:spTree>
+      <p:nvGrpSpPr>
+        <p:cNvPr id="1" name=""/>
+        <p:cNvGrpSpPr/>
+        <p:nvPr/>
+      </p:nvGrpSpPr>
+      <p:grpSpPr>
+        <a:xfrm>
+          <a:off x="0" y="0"/>
+          <a:ext cx="0" cy="0"/>
+          <a:chOff x="0" y="0"/>
+          <a:chExt cx="0" cy="0"/>
+        </a:xfrm>
+      </p:grpSpPr>
+      <p:sp>
+        <p:nvSpPr>
+          <p:cNvPr id="6" name="Foliennummernplatzhalter 5">
+            <a:extLst>
+              <a:ext uri="{FF2B5EF4-FFF2-40B4-BE49-F238E27FC236}">
+                <a16:creationId xmlns:a16="http://schemas.microsoft.com/office/drawing/2014/main" id="{800E83D9-A63F-4861-86A3-C8B6A79B0466}"/>
+              </a:ext>
+            </a:extLst>
+          </p:cNvPr>
+          <p:cNvSpPr>
+            <a:spLocks noGrp="1"/>
+          </p:cNvSpPr>
+          <p:nvPr>
+            <p:ph type="sldNum" sz="quarter" idx="17"/>
+          </p:nvPr>
+        </p:nvSpPr>
+        <p:spPr/>
+        <p:txBody>
+          <a:bodyPr/>
+          <a:lstStyle/>
+          <a:p>
+            <a:fld id="{8B97E1D9-0739-E445-A7FF-39998847AB6F}" type="slidenum">
+              <a:rPr lang="de-DE" smtClean="0"/>
+              <a:pPr/>
+              <a:t>5</a:t>
+            </a:fld>
+            <a:endParaRPr lang="de-DE" dirty="0"/>
+          </a:p>
+        </p:txBody>
+      </p:sp>
+      <p:sp>
+        <p:nvSpPr>
+          <p:cNvPr id="7" name="Titel 6">
+            <a:extLst>
+              <a:ext uri="{FF2B5EF4-FFF2-40B4-BE49-F238E27FC236}">
+                <a16:creationId xmlns:a16="http://schemas.microsoft.com/office/drawing/2014/main" id="{28669BB4-C76C-4C17-AC96-B44FB0B30A6D}"/>
+              </a:ext>
+            </a:extLst>
+          </p:cNvPr>
+          <p:cNvSpPr>
+            <a:spLocks noGrp="1"/>
+          </p:cNvSpPr>
+          <p:nvPr>
+            <p:ph type="title"/>
+          </p:nvPr>
+        </p:nvSpPr>
+        <p:spPr/>
+        <p:txBody>
+          <a:bodyPr/>
+          <a:lstStyle/>
+          <a:p>
+            <a:r>
+              <a:rPr lang="de-DE" dirty="0"/>
+              <a:t>Besondere Eigenschaft von </a:t>
+            </a:r>
+            <a:r>
+              <a:rPr lang="de-DE" dirty="0" err="1"/>
+              <a:t>AlarmIT</a:t>
+            </a:r>
+            <a:endParaRPr lang="de-DE" dirty="0"/>
+          </a:p>
+        </p:txBody>
+      </p:sp>
+      <p:sp>
+        <p:nvSpPr>
+          <p:cNvPr id="8" name="Datumsplatzhalter 7">
+            <a:extLst>
+              <a:ext uri="{FF2B5EF4-FFF2-40B4-BE49-F238E27FC236}">
+                <a16:creationId xmlns:a16="http://schemas.microsoft.com/office/drawing/2014/main" id="{AA78F7BF-BC09-4451-99A2-5CFC28999A75}"/>
+              </a:ext>
+            </a:extLst>
+          </p:cNvPr>
+          <p:cNvSpPr>
+            <a:spLocks noGrp="1"/>
+          </p:cNvSpPr>
+          <p:nvPr>
+            <p:ph type="dt" sz="half" idx="18"/>
+          </p:nvPr>
+        </p:nvSpPr>
+        <p:spPr/>
+        <p:txBody>
+          <a:bodyPr/>
+          <a:lstStyle/>
+          <a:p>
+            <a:fld id="{F6737BBE-2145-4442-A559-CD3E1292DF16}" type="datetime1">
+              <a:rPr lang="de-DE" smtClean="0"/>
+              <a:t>15.09.2022</a:t>
+            </a:fld>
+            <a:endParaRPr lang="de-DE" dirty="0"/>
+          </a:p>
+        </p:txBody>
+      </p:sp>
+      <p:sp>
+        <p:nvSpPr>
+          <p:cNvPr id="9" name="Fußzeilenplatzhalter 8">
+            <a:extLst>
+              <a:ext uri="{FF2B5EF4-FFF2-40B4-BE49-F238E27FC236}">
+                <a16:creationId xmlns:a16="http://schemas.microsoft.com/office/drawing/2014/main" id="{F91C395A-F014-4C53-B3A5-0E1FD5D11BB1}"/>
+              </a:ext>
+            </a:extLst>
+          </p:cNvPr>
+          <p:cNvSpPr>
+            <a:spLocks noGrp="1"/>
+          </p:cNvSpPr>
+          <p:nvPr>
+            <p:ph type="ftr" sz="quarter" idx="3"/>
+          </p:nvPr>
+        </p:nvSpPr>
+        <p:spPr/>
+        <p:txBody>
+          <a:bodyPr/>
+          <a:lstStyle/>
+          <a:p>
+            <a:endParaRPr lang="de-DE" dirty="0"/>
+          </a:p>
+        </p:txBody>
+      </p:sp>
+      <p:sp>
+        <p:nvSpPr>
+          <p:cNvPr id="13" name="Rechteck 12">
+            <a:extLst>
+              <a:ext uri="{FF2B5EF4-FFF2-40B4-BE49-F238E27FC236}">
+                <a16:creationId xmlns:a16="http://schemas.microsoft.com/office/drawing/2014/main" id="{5EA52C15-0172-40BE-A45F-0B14BF5F3565}"/>
+              </a:ext>
+            </a:extLst>
+          </p:cNvPr>
+          <p:cNvSpPr/>
+          <p:nvPr/>
+        </p:nvSpPr>
+        <p:spPr>
+          <a:xfrm>
+            <a:off x="952500" y="1186874"/>
+            <a:ext cx="7493000" cy="2498435"/>
+          </a:xfrm>
+          <a:prstGeom prst="rect">
+            <a:avLst/>
+          </a:prstGeom>
+          <a:noFill/>
+          <a:ln w="38100" cap="flat" cmpd="sng" algn="ctr">
+            <a:solidFill>
+              <a:schemeClr val="accent2">
+                <a:lumMod val="60000"/>
+                <a:lumOff val="40000"/>
+              </a:schemeClr>
+            </a:solidFill>
+            <a:prstDash val="solid"/>
+            <a:round/>
+            <a:headEnd type="none" w="med" len="med"/>
+            <a:tailEnd type="none" w="med" len="med"/>
+          </a:ln>
+        </p:spPr>
+        <p:style>
+          <a:lnRef idx="0">
+            <a:scrgbClr r="0" g="0" b="0"/>
+          </a:lnRef>
+          <a:fillRef idx="0">
+            <a:scrgbClr r="0" g="0" b="0"/>
+          </a:fillRef>
+          <a:effectRef idx="0">
+            <a:scrgbClr r="0" g="0" b="0"/>
+          </a:effectRef>
+          <a:fontRef idx="minor">
+            <a:schemeClr val="dk1"/>
+          </a:fontRef>
+        </p:style>
+        <p:txBody>
+          <a:bodyPr rtlCol="0" anchor="ctr"/>
+          <a:lstStyle/>
+          <a:p>
+            <a:pPr algn="ctr"/>
+            <a:endParaRPr lang="de-DE"/>
+          </a:p>
+        </p:txBody>
+      </p:sp>
+      <p:sp>
+        <p:nvSpPr>
+          <p:cNvPr id="15" name="Textfeld 14">
+            <a:extLst>
+              <a:ext uri="{FF2B5EF4-FFF2-40B4-BE49-F238E27FC236}">
+                <a16:creationId xmlns:a16="http://schemas.microsoft.com/office/drawing/2014/main" id="{1FD5F37D-A9E2-4812-AE13-3080CFBC047A}"/>
+              </a:ext>
+            </a:extLst>
+          </p:cNvPr>
+          <p:cNvSpPr txBox="1"/>
+          <p:nvPr/>
+        </p:nvSpPr>
+        <p:spPr>
+          <a:xfrm>
+            <a:off x="234000" y="761014"/>
+            <a:ext cx="4575174" cy="307777"/>
+          </a:xfrm>
+          <a:prstGeom prst="rect">
+            <a:avLst/>
+          </a:prstGeom>
+          <a:noFill/>
+        </p:spPr>
+        <p:txBody>
+          <a:bodyPr wrap="square">
+            <a:spAutoFit/>
+          </a:bodyPr>
+          <a:lstStyle/>
+          <a:p>
+            <a:r>
+              <a:rPr lang="de-DE" b="1" dirty="0" err="1"/>
+              <a:t>AlarmIT</a:t>
+            </a:r>
+            <a:r>
+              <a:rPr lang="de-DE" b="1" dirty="0"/>
+              <a:t> verwendet Zero Downtime </a:t>
+            </a:r>
+            <a:r>
+              <a:rPr lang="de-DE" b="1" dirty="0" err="1"/>
+              <a:t>Deployment</a:t>
+            </a:r>
+            <a:endParaRPr lang="de-DE" b="1" dirty="0"/>
+          </a:p>
+        </p:txBody>
+      </p:sp>
+      <p:pic>
+        <p:nvPicPr>
+          <p:cNvPr id="3078" name="Picture 6" descr="Apache ActiveMQ – Wikipedia">
+            <a:extLst>
+              <a:ext uri="{FF2B5EF4-FFF2-40B4-BE49-F238E27FC236}">
+                <a16:creationId xmlns:a16="http://schemas.microsoft.com/office/drawing/2014/main" id="{6DE69F25-DC43-4FCD-A47E-1D39321723CD}"/>
+              </a:ext>
+            </a:extLst>
+          </p:cNvPr>
+          <p:cNvPicPr>
+            <a:picLocks noChangeAspect="1" noChangeArrowheads="1"/>
+          </p:cNvPicPr>
+          <p:nvPr/>
+        </p:nvPicPr>
+        <p:blipFill>
+          <a:blip r:embed="rId2">
+            <a:extLst>
+              <a:ext uri="{28A0092B-C50C-407E-A947-70E740481C1C}">
+                <a14:useLocalDpi xmlns:a14="http://schemas.microsoft.com/office/drawing/2010/main" val="0"/>
+              </a:ext>
+            </a:extLst>
+          </a:blip>
+          <a:srcRect/>
+          <a:stretch>
+            <a:fillRect/>
+          </a:stretch>
+        </p:blipFill>
+        <p:spPr bwMode="auto">
+          <a:xfrm>
+            <a:off x="1077999" y="1754075"/>
+            <a:ext cx="1673465" cy="1364032"/>
+          </a:xfrm>
+          <a:prstGeom prst="rect">
+            <a:avLst/>
+          </a:prstGeom>
+          <a:noFill/>
+          <a:extLst>
+            <a:ext uri="{909E8E84-426E-40DD-AFC4-6F175D3DCCD1}">
+              <a14:hiddenFill xmlns:a14="http://schemas.microsoft.com/office/drawing/2010/main">
+                <a:solidFill>
+                  <a:srgbClr val="FFFFFF"/>
+                </a:solidFill>
+              </a14:hiddenFill>
+            </a:ext>
+          </a:extLst>
+        </p:spPr>
+      </p:pic>
+      <p:pic>
+        <p:nvPicPr>
+          <p:cNvPr id="3" name="Grafik 2">
+            <a:extLst>
+              <a:ext uri="{FF2B5EF4-FFF2-40B4-BE49-F238E27FC236}">
+                <a16:creationId xmlns:a16="http://schemas.microsoft.com/office/drawing/2014/main" id="{69F40972-C1C5-545F-D309-BB9CA65ECF25}"/>
               </a:ext>
             </a:extLst>
           </p:cNvPr>
@@ -20573,8 +23082,8 @@
         </p:blipFill>
         <p:spPr>
           <a:xfrm>
-            <a:off x="6836697" y="1050920"/>
-            <a:ext cx="1564513" cy="509984"/>
+            <a:off x="6762402" y="2453842"/>
+            <a:ext cx="883435" cy="883435"/>
           </a:xfrm>
           <a:prstGeom prst="rect">
             <a:avLst/>
@@ -20583,10 +23092,10 @@
       </p:pic>
       <p:pic>
         <p:nvPicPr>
-          <p:cNvPr id="15" name="Grafik 14">
-            <a:extLst>
-              <a:ext uri="{FF2B5EF4-FFF2-40B4-BE49-F238E27FC236}">
-                <a16:creationId xmlns:a16="http://schemas.microsoft.com/office/drawing/2014/main" id="{E9008DE7-6FED-4C72-838F-CC621D94AEF6}"/>
+          <p:cNvPr id="14" name="Grafik 13">
+            <a:extLst>
+              <a:ext uri="{FF2B5EF4-FFF2-40B4-BE49-F238E27FC236}">
+                <a16:creationId xmlns:a16="http://schemas.microsoft.com/office/drawing/2014/main" id="{EDC9DB61-CEDD-DEEF-9373-CB89CBE63A0D}"/>
               </a:ext>
             </a:extLst>
           </p:cNvPr>
@@ -20603,20 +23112,405 @@
         </p:blipFill>
         <p:spPr>
           <a:xfrm>
-            <a:off x="7157588" y="1560904"/>
-            <a:ext cx="922730" cy="922730"/>
+            <a:off x="4258540" y="1754280"/>
+            <a:ext cx="626920" cy="626920"/>
           </a:xfrm>
           <a:prstGeom prst="rect">
             <a:avLst/>
           </a:prstGeom>
         </p:spPr>
       </p:pic>
+      <p:sp>
+        <p:nvSpPr>
+          <p:cNvPr id="17" name="Textfeld 16">
+            <a:extLst>
+              <a:ext uri="{FF2B5EF4-FFF2-40B4-BE49-F238E27FC236}">
+                <a16:creationId xmlns:a16="http://schemas.microsoft.com/office/drawing/2014/main" id="{44F96D30-611C-D47F-683A-C61CCB56030F}"/>
+              </a:ext>
+            </a:extLst>
+          </p:cNvPr>
+          <p:cNvSpPr txBox="1"/>
+          <p:nvPr/>
+        </p:nvSpPr>
+        <p:spPr>
+          <a:xfrm>
+            <a:off x="4206222" y="1577843"/>
+            <a:ext cx="731557" cy="230832"/>
+          </a:xfrm>
+          <a:prstGeom prst="rect">
+            <a:avLst/>
+          </a:prstGeom>
+          <a:solidFill>
+            <a:schemeClr val="bg1"/>
+          </a:solidFill>
+          <a:ln>
+            <a:solidFill>
+              <a:schemeClr val="tx1"/>
+            </a:solidFill>
+          </a:ln>
+        </p:spPr>
+        <p:txBody>
+          <a:bodyPr wrap="square" rtlCol="0">
+            <a:spAutoFit/>
+          </a:bodyPr>
+          <a:lstStyle/>
+          <a:p>
+            <a:r>
+              <a:rPr lang="en-GB" sz="900" b="1" dirty="0" err="1">
+                <a:solidFill>
+                  <a:srgbClr val="FF0000"/>
+                </a:solidFill>
+              </a:rPr>
+              <a:t>AlarmIT</a:t>
+            </a:r>
+            <a:r>
+              <a:rPr lang="en-GB" sz="900" b="1" dirty="0">
+                <a:solidFill>
+                  <a:srgbClr val="FF0000"/>
+                </a:solidFill>
+              </a:rPr>
+              <a:t> 1</a:t>
+            </a:r>
+            <a:endParaRPr lang="de-DE" sz="900" b="1" dirty="0">
+              <a:solidFill>
+                <a:srgbClr val="FF0000"/>
+              </a:solidFill>
+            </a:endParaRPr>
+          </a:p>
+        </p:txBody>
+      </p:sp>
       <p:pic>
         <p:nvPicPr>
-          <p:cNvPr id="21" name="Grafik 20">
-            <a:extLst>
-              <a:ext uri="{FF2B5EF4-FFF2-40B4-BE49-F238E27FC236}">
-                <a16:creationId xmlns:a16="http://schemas.microsoft.com/office/drawing/2014/main" id="{A1E97A2B-AD92-4E14-A086-85EEDA33CCAC}"/>
+          <p:cNvPr id="22" name="Grafik 21">
+            <a:extLst>
+              <a:ext uri="{FF2B5EF4-FFF2-40B4-BE49-F238E27FC236}">
+                <a16:creationId xmlns:a16="http://schemas.microsoft.com/office/drawing/2014/main" id="{53C6D3FC-8594-FBB9-53C7-AFC844BB7CC2}"/>
+              </a:ext>
+            </a:extLst>
+          </p:cNvPr>
+          <p:cNvPicPr>
+            <a:picLocks noChangeAspect="1"/>
+          </p:cNvPicPr>
+          <p:nvPr/>
+        </p:nvPicPr>
+        <p:blipFill>
+          <a:blip r:embed="rId4"/>
+          <a:stretch>
+            <a:fillRect/>
+          </a:stretch>
+        </p:blipFill>
+        <p:spPr>
+          <a:xfrm>
+            <a:off x="4258540" y="2582100"/>
+            <a:ext cx="626920" cy="626920"/>
+          </a:xfrm>
+          <a:prstGeom prst="rect">
+            <a:avLst/>
+          </a:prstGeom>
+        </p:spPr>
+      </p:pic>
+      <p:sp>
+        <p:nvSpPr>
+          <p:cNvPr id="26" name="Textfeld 25">
+            <a:extLst>
+              <a:ext uri="{FF2B5EF4-FFF2-40B4-BE49-F238E27FC236}">
+                <a16:creationId xmlns:a16="http://schemas.microsoft.com/office/drawing/2014/main" id="{64B01283-109D-EA8F-E8F9-A1B25E7124A8}"/>
+              </a:ext>
+            </a:extLst>
+          </p:cNvPr>
+          <p:cNvSpPr txBox="1"/>
+          <p:nvPr/>
+        </p:nvSpPr>
+        <p:spPr>
+          <a:xfrm>
+            <a:off x="4206222" y="2405663"/>
+            <a:ext cx="731557" cy="230832"/>
+          </a:xfrm>
+          <a:prstGeom prst="rect">
+            <a:avLst/>
+          </a:prstGeom>
+          <a:solidFill>
+            <a:schemeClr val="bg1"/>
+          </a:solidFill>
+          <a:ln>
+            <a:solidFill>
+              <a:schemeClr val="tx1"/>
+            </a:solidFill>
+          </a:ln>
+        </p:spPr>
+        <p:txBody>
+          <a:bodyPr wrap="square" rtlCol="0">
+            <a:spAutoFit/>
+          </a:bodyPr>
+          <a:lstStyle/>
+          <a:p>
+            <a:r>
+              <a:rPr lang="en-GB" sz="900" b="1" dirty="0" err="1">
+                <a:solidFill>
+                  <a:srgbClr val="FF0000"/>
+                </a:solidFill>
+              </a:rPr>
+              <a:t>AlarmIT</a:t>
+            </a:r>
+            <a:r>
+              <a:rPr lang="en-GB" sz="900" b="1" dirty="0">
+                <a:solidFill>
+                  <a:srgbClr val="FF0000"/>
+                </a:solidFill>
+              </a:rPr>
+              <a:t> 2</a:t>
+            </a:r>
+            <a:endParaRPr lang="de-DE" sz="900" b="1" dirty="0">
+              <a:solidFill>
+                <a:srgbClr val="FF0000"/>
+              </a:solidFill>
+            </a:endParaRPr>
+          </a:p>
+        </p:txBody>
+      </p:sp>
+      <p:sp>
+        <p:nvSpPr>
+          <p:cNvPr id="35" name="Rechteck 34">
+            <a:extLst>
+              <a:ext uri="{FF2B5EF4-FFF2-40B4-BE49-F238E27FC236}">
+                <a16:creationId xmlns:a16="http://schemas.microsoft.com/office/drawing/2014/main" id="{037DBD8E-ED01-BCFC-7177-8D42910AF103}"/>
+              </a:ext>
+            </a:extLst>
+          </p:cNvPr>
+          <p:cNvSpPr/>
+          <p:nvPr/>
+        </p:nvSpPr>
+        <p:spPr>
+          <a:xfrm>
+            <a:off x="1168739" y="3849271"/>
+            <a:ext cx="1673465" cy="826676"/>
+          </a:xfrm>
+          <a:prstGeom prst="rect">
+            <a:avLst/>
+          </a:prstGeom>
+        </p:spPr>
+        <p:style>
+          <a:lnRef idx="2">
+            <a:schemeClr val="accent1">
+              <a:shade val="50000"/>
+            </a:schemeClr>
+          </a:lnRef>
+          <a:fillRef idx="1">
+            <a:schemeClr val="accent1"/>
+          </a:fillRef>
+          <a:effectRef idx="0">
+            <a:schemeClr val="accent1"/>
+          </a:effectRef>
+          <a:fontRef idx="minor">
+            <a:schemeClr val="lt1"/>
+          </a:fontRef>
+        </p:style>
+        <p:txBody>
+          <a:bodyPr rtlCol="0" anchor="ctr"/>
+          <a:lstStyle/>
+          <a:p>
+            <a:pPr algn="ctr"/>
+            <a:r>
+              <a:rPr lang="de-DE" dirty="0"/>
+              <a:t>Level 1</a:t>
+            </a:r>
+          </a:p>
+        </p:txBody>
+      </p:sp>
+      <p:sp>
+        <p:nvSpPr>
+          <p:cNvPr id="36" name="Pfeil: nach rechts 35">
+            <a:extLst>
+              <a:ext uri="{FF2B5EF4-FFF2-40B4-BE49-F238E27FC236}">
+                <a16:creationId xmlns:a16="http://schemas.microsoft.com/office/drawing/2014/main" id="{EF66B209-9F8B-9AE9-8F16-42421D499FA8}"/>
+              </a:ext>
+            </a:extLst>
+          </p:cNvPr>
+          <p:cNvSpPr/>
+          <p:nvPr/>
+        </p:nvSpPr>
+        <p:spPr>
+          <a:xfrm>
+            <a:off x="2751464" y="1916465"/>
+            <a:ext cx="1337676" cy="218906"/>
+          </a:xfrm>
+          <a:prstGeom prst="rightArrow">
+            <a:avLst/>
+          </a:prstGeom>
+        </p:spPr>
+        <p:style>
+          <a:lnRef idx="2">
+            <a:schemeClr val="accent1">
+              <a:shade val="50000"/>
+            </a:schemeClr>
+          </a:lnRef>
+          <a:fillRef idx="1">
+            <a:schemeClr val="accent1"/>
+          </a:fillRef>
+          <a:effectRef idx="0">
+            <a:schemeClr val="accent1"/>
+          </a:effectRef>
+          <a:fontRef idx="minor">
+            <a:schemeClr val="lt1"/>
+          </a:fontRef>
+        </p:style>
+        <p:txBody>
+          <a:bodyPr rtlCol="0" anchor="ctr"/>
+          <a:lstStyle/>
+          <a:p>
+            <a:endParaRPr lang="de-DE" sz="800" dirty="0"/>
+          </a:p>
+        </p:txBody>
+      </p:sp>
+      <p:sp>
+        <p:nvSpPr>
+          <p:cNvPr id="38" name="Pfeil: nach rechts 37">
+            <a:extLst>
+              <a:ext uri="{FF2B5EF4-FFF2-40B4-BE49-F238E27FC236}">
+                <a16:creationId xmlns:a16="http://schemas.microsoft.com/office/drawing/2014/main" id="{88D8DE4A-9061-DBF8-032E-E3BB9C274436}"/>
+              </a:ext>
+            </a:extLst>
+          </p:cNvPr>
+          <p:cNvSpPr/>
+          <p:nvPr/>
+        </p:nvSpPr>
+        <p:spPr>
+          <a:xfrm rot="16200000">
+            <a:off x="1675489" y="3370035"/>
+            <a:ext cx="659964" cy="218906"/>
+          </a:xfrm>
+          <a:prstGeom prst="rightArrow">
+            <a:avLst/>
+          </a:prstGeom>
+        </p:spPr>
+        <p:style>
+          <a:lnRef idx="2">
+            <a:schemeClr val="accent1">
+              <a:shade val="50000"/>
+            </a:schemeClr>
+          </a:lnRef>
+          <a:fillRef idx="1">
+            <a:schemeClr val="accent1"/>
+          </a:fillRef>
+          <a:effectRef idx="0">
+            <a:schemeClr val="accent1"/>
+          </a:effectRef>
+          <a:fontRef idx="minor">
+            <a:schemeClr val="lt1"/>
+          </a:fontRef>
+        </p:style>
+        <p:txBody>
+          <a:bodyPr rtlCol="0" anchor="ctr"/>
+          <a:lstStyle/>
+          <a:p>
+            <a:endParaRPr lang="de-DE" sz="800" dirty="0"/>
+          </a:p>
+        </p:txBody>
+      </p:sp>
+      <p:sp>
+        <p:nvSpPr>
+          <p:cNvPr id="40" name="Pfeil: nach rechts 39">
+            <a:extLst>
+              <a:ext uri="{FF2B5EF4-FFF2-40B4-BE49-F238E27FC236}">
+                <a16:creationId xmlns:a16="http://schemas.microsoft.com/office/drawing/2014/main" id="{A1B281B0-F905-E4FB-D3D6-D641A8884D6B}"/>
+              </a:ext>
+            </a:extLst>
+          </p:cNvPr>
+          <p:cNvSpPr/>
+          <p:nvPr/>
+        </p:nvSpPr>
+        <p:spPr>
+          <a:xfrm rot="1311457">
+            <a:off x="5155094" y="2376512"/>
+            <a:ext cx="1337676" cy="218906"/>
+          </a:xfrm>
+          <a:prstGeom prst="rightArrow">
+            <a:avLst/>
+          </a:prstGeom>
+        </p:spPr>
+        <p:style>
+          <a:lnRef idx="2">
+            <a:schemeClr val="accent1">
+              <a:shade val="50000"/>
+            </a:schemeClr>
+          </a:lnRef>
+          <a:fillRef idx="1">
+            <a:schemeClr val="accent1"/>
+          </a:fillRef>
+          <a:effectRef idx="0">
+            <a:schemeClr val="accent1"/>
+          </a:effectRef>
+          <a:fontRef idx="minor">
+            <a:schemeClr val="lt1"/>
+          </a:fontRef>
+        </p:style>
+        <p:txBody>
+          <a:bodyPr rtlCol="0" anchor="ctr"/>
+          <a:lstStyle/>
+          <a:p>
+            <a:endParaRPr lang="de-DE" sz="800" dirty="0"/>
+          </a:p>
+        </p:txBody>
+      </p:sp>
+      <p:sp>
+        <p:nvSpPr>
+          <p:cNvPr id="41" name="Pfeil: nach rechts 40">
+            <a:extLst>
+              <a:ext uri="{FF2B5EF4-FFF2-40B4-BE49-F238E27FC236}">
+                <a16:creationId xmlns:a16="http://schemas.microsoft.com/office/drawing/2014/main" id="{6BB143BE-FC01-43AD-F006-39D6A59A39F5}"/>
+              </a:ext>
+            </a:extLst>
+          </p:cNvPr>
+          <p:cNvSpPr/>
+          <p:nvPr/>
+        </p:nvSpPr>
+        <p:spPr>
+          <a:xfrm rot="10800000">
+            <a:off x="5155791" y="1848834"/>
+            <a:ext cx="1355186" cy="218906"/>
+          </a:xfrm>
+          <a:prstGeom prst="rightArrow">
+            <a:avLst/>
+          </a:prstGeom>
+          <a:solidFill>
+            <a:srgbClr val="00B050"/>
+          </a:solidFill>
+          <a:ln>
+            <a:solidFill>
+              <a:srgbClr val="00B050"/>
+            </a:solidFill>
+          </a:ln>
+        </p:spPr>
+        <p:style>
+          <a:lnRef idx="2">
+            <a:schemeClr val="accent1">
+              <a:shade val="50000"/>
+            </a:schemeClr>
+          </a:lnRef>
+          <a:fillRef idx="1">
+            <a:schemeClr val="accent1"/>
+          </a:fillRef>
+          <a:effectRef idx="0">
+            <a:schemeClr val="accent1"/>
+          </a:effectRef>
+          <a:fontRef idx="minor">
+            <a:schemeClr val="lt1"/>
+          </a:fontRef>
+        </p:style>
+        <p:txBody>
+          <a:bodyPr rtlCol="0" anchor="ctr"/>
+          <a:lstStyle/>
+          <a:p>
+            <a:endParaRPr lang="de-DE" sz="800" dirty="0"/>
+          </a:p>
+        </p:txBody>
+      </p:sp>
+      <p:pic>
+        <p:nvPicPr>
+          <p:cNvPr id="43" name="Grafik 42">
+            <a:extLst>
+              <a:ext uri="{FF2B5EF4-FFF2-40B4-BE49-F238E27FC236}">
+                <a16:creationId xmlns:a16="http://schemas.microsoft.com/office/drawing/2014/main" id="{ED913E49-453B-40AC-3277-FF8C0A8E3E8C}"/>
               </a:ext>
             </a:extLst>
           </p:cNvPr>
@@ -20633,8 +23527,8 @@
         </p:blipFill>
         <p:spPr>
           <a:xfrm>
-            <a:off x="3978988" y="3376030"/>
-            <a:ext cx="1149174" cy="1149174"/>
+            <a:off x="6663128" y="1661473"/>
+            <a:ext cx="1564513" cy="509984"/>
           </a:xfrm>
           <a:prstGeom prst="rect">
             <a:avLst/>
@@ -20643,10 +23537,10 @@
       </p:pic>
       <p:pic>
         <p:nvPicPr>
-          <p:cNvPr id="23" name="Grafik 22">
-            <a:extLst>
-              <a:ext uri="{FF2B5EF4-FFF2-40B4-BE49-F238E27FC236}">
-                <a16:creationId xmlns:a16="http://schemas.microsoft.com/office/drawing/2014/main" id="{87A07372-CE9D-475C-88FE-718F0C8665D4}"/>
+          <p:cNvPr id="45" name="Grafik 44">
+            <a:extLst>
+              <a:ext uri="{FF2B5EF4-FFF2-40B4-BE49-F238E27FC236}">
+                <a16:creationId xmlns:a16="http://schemas.microsoft.com/office/drawing/2014/main" id="{E6BDE96C-F3CB-4B26-F3E0-528475E20CA7}"/>
               </a:ext>
             </a:extLst>
           </p:cNvPr>
@@ -20663,20 +23557,56 @@
         </p:blipFill>
         <p:spPr>
           <a:xfrm>
-            <a:off x="3855816" y="1068315"/>
-            <a:ext cx="1395517" cy="1395517"/>
+            <a:off x="7611052" y="1554593"/>
+            <a:ext cx="723743" cy="723743"/>
           </a:xfrm>
           <a:prstGeom prst="rect">
             <a:avLst/>
           </a:prstGeom>
         </p:spPr>
       </p:pic>
+      <p:sp>
+        <p:nvSpPr>
+          <p:cNvPr id="47" name="Textfeld 46">
+            <a:extLst>
+              <a:ext uri="{FF2B5EF4-FFF2-40B4-BE49-F238E27FC236}">
+                <a16:creationId xmlns:a16="http://schemas.microsoft.com/office/drawing/2014/main" id="{792FA55B-34E0-6396-891D-09513E24823E}"/>
+              </a:ext>
+            </a:extLst>
+          </p:cNvPr>
+          <p:cNvSpPr txBox="1"/>
+          <p:nvPr/>
+        </p:nvSpPr>
+        <p:spPr>
+          <a:xfrm>
+            <a:off x="7181273" y="1330379"/>
+            <a:ext cx="528222" cy="307777"/>
+          </a:xfrm>
+          <a:prstGeom prst="rect">
+            <a:avLst/>
+          </a:prstGeom>
+          <a:noFill/>
+        </p:spPr>
+        <p:txBody>
+          <a:bodyPr wrap="square" rtlCol="0">
+            <a:spAutoFit/>
+          </a:bodyPr>
+          <a:lstStyle/>
+          <a:p>
+            <a:r>
+              <a:rPr lang="en-GB" dirty="0"/>
+              <a:t>GUI</a:t>
+            </a:r>
+            <a:endParaRPr lang="de-DE" dirty="0"/>
+          </a:p>
+        </p:txBody>
+      </p:sp>
       <p:pic>
         <p:nvPicPr>
-          <p:cNvPr id="27" name="Grafik 26">
-            <a:extLst>
-              <a:ext uri="{FF2B5EF4-FFF2-40B4-BE49-F238E27FC236}">
-                <a16:creationId xmlns:a16="http://schemas.microsoft.com/office/drawing/2014/main" id="{8AEAB48A-CB67-407D-8054-3E3F11B246A8}"/>
+          <p:cNvPr id="52" name="Grafik 51">
+            <a:extLst>
+              <a:ext uri="{FF2B5EF4-FFF2-40B4-BE49-F238E27FC236}">
+                <a16:creationId xmlns:a16="http://schemas.microsoft.com/office/drawing/2014/main" id="{D28FAF33-FF0D-6319-9AD7-0C5C0BAA6CB5}"/>
               </a:ext>
             </a:extLst>
           </p:cNvPr>
@@ -20693,8 +23623,38 @@
         </p:blipFill>
         <p:spPr>
           <a:xfrm>
-            <a:off x="5479557" y="2575490"/>
-            <a:ext cx="1154424" cy="1154424"/>
+            <a:off x="2978511" y="1860273"/>
+            <a:ext cx="1151636" cy="1151636"/>
+          </a:xfrm>
+          <a:prstGeom prst="rect">
+            <a:avLst/>
+          </a:prstGeom>
+        </p:spPr>
+      </p:pic>
+      <p:pic>
+        <p:nvPicPr>
+          <p:cNvPr id="54" name="Grafik 53">
+            <a:extLst>
+              <a:ext uri="{FF2B5EF4-FFF2-40B4-BE49-F238E27FC236}">
+                <a16:creationId xmlns:a16="http://schemas.microsoft.com/office/drawing/2014/main" id="{210DC9FB-F761-5D00-9811-0FF6BA27E6C4}"/>
+              </a:ext>
+            </a:extLst>
+          </p:cNvPr>
+          <p:cNvPicPr>
+            <a:picLocks noChangeAspect="1"/>
+          </p:cNvPicPr>
+          <p:nvPr/>
+        </p:nvPicPr>
+        <p:blipFill>
+          <a:blip r:embed="rId7"/>
+          <a:stretch>
+            <a:fillRect/>
+          </a:stretch>
+        </p:blipFill>
+        <p:spPr>
+          <a:xfrm>
+            <a:off x="5257926" y="1863125"/>
+            <a:ext cx="1151636" cy="1151636"/>
           </a:xfrm>
           <a:prstGeom prst="rect">
             <a:avLst/>
@@ -20704,7 +23664,7 @@
     </p:spTree>
     <p:extLst>
       <p:ext uri="{BB962C8B-B14F-4D97-AF65-F5344CB8AC3E}">
-        <p14:creationId xmlns:p14="http://schemas.microsoft.com/office/powerpoint/2010/main" val="2005823095"/>
+        <p14:creationId xmlns:p14="http://schemas.microsoft.com/office/powerpoint/2010/main" val="573312534"/>
       </p:ext>
     </p:extLst>
   </p:cSld>
@@ -20732,7 +23692,7 @@
                             </p:stCondLst>
                             <p:childTnLst>
                               <p:par>
-                                <p:cTn id="5" presetID="10" presetClass="entr" presetSubtype="0" fill="hold" nodeType="clickEffect">
+                                <p:cTn id="5" presetID="1" presetClass="exit" presetSubtype="0" fill="hold" grpId="0" nodeType="clickEffect">
                                   <p:stCondLst>
                                     <p:cond delay="0"/>
                                   </p:stCondLst>
@@ -20745,7 +23705,88 @@
                                           </p:stCondLst>
                                         </p:cTn>
                                         <p:tgtEl>
-                                          <p:spTgt spid="3078"/>
+                                          <p:spTgt spid="40"/>
+                                        </p:tgtEl>
+                                        <p:attrNameLst>
+                                          <p:attrName>style.visibility</p:attrName>
+                                        </p:attrNameLst>
+                                      </p:cBhvr>
+                                      <p:to>
+                                        <p:strVal val="hidden"/>
+                                      </p:to>
+                                    </p:set>
+                                  </p:childTnLst>
+                                </p:cTn>
+                              </p:par>
+                              <p:par>
+                                <p:cTn id="7" presetID="1" presetClass="exit" presetSubtype="0" fill="hold" grpId="0" nodeType="withEffect">
+                                  <p:stCondLst>
+                                    <p:cond delay="0"/>
+                                  </p:stCondLst>
+                                  <p:childTnLst>
+                                    <p:set>
+                                      <p:cBhvr>
+                                        <p:cTn id="8" dur="1" fill="hold">
+                                          <p:stCondLst>
+                                            <p:cond delay="0"/>
+                                          </p:stCondLst>
+                                        </p:cTn>
+                                        <p:tgtEl>
+                                          <p:spTgt spid="36"/>
+                                        </p:tgtEl>
+                                        <p:attrNameLst>
+                                          <p:attrName>style.visibility</p:attrName>
+                                        </p:attrNameLst>
+                                      </p:cBhvr>
+                                      <p:to>
+                                        <p:strVal val="hidden"/>
+                                      </p:to>
+                                    </p:set>
+                                  </p:childTnLst>
+                                </p:cTn>
+                              </p:par>
+                              <p:par>
+                                <p:cTn id="9" presetID="1" presetClass="exit" presetSubtype="0" fill="hold" grpId="0" nodeType="withEffect">
+                                  <p:stCondLst>
+                                    <p:cond delay="0"/>
+                                  </p:stCondLst>
+                                  <p:childTnLst>
+                                    <p:set>
+                                      <p:cBhvr>
+                                        <p:cTn id="10" dur="1" fill="hold">
+                                          <p:stCondLst>
+                                            <p:cond delay="0"/>
+                                          </p:stCondLst>
+                                        </p:cTn>
+                                        <p:tgtEl>
+                                          <p:spTgt spid="41"/>
+                                        </p:tgtEl>
+                                        <p:attrNameLst>
+                                          <p:attrName>style.visibility</p:attrName>
+                                        </p:attrNameLst>
+                                      </p:cBhvr>
+                                      <p:to>
+                                        <p:strVal val="hidden"/>
+                                      </p:to>
+                                    </p:set>
+                                  </p:childTnLst>
+                                </p:cTn>
+                              </p:par>
+                              <p:par>
+                                <p:cTn id="11" presetID="10" presetClass="entr" presetSubtype="0" fill="hold" nodeType="withEffect">
+                                  <p:stCondLst>
+                                    <p:cond delay="0"/>
+                                  </p:stCondLst>
+                                  <p:childTnLst>
+                                    <p:set>
+                                      <p:cBhvr>
+                                        <p:cTn id="12" dur="1" fill="hold">
+                                          <p:stCondLst>
+                                            <p:cond delay="0"/>
+                                          </p:stCondLst>
+                                        </p:cTn>
+                                        <p:tgtEl>
+                                          <p:spTgt spid="22"/>
                                         </p:tgtEl>
                                         <p:attrNameLst>
                                           <p:attrName>style.visibility</p:attrName>
@@ -20757,9 +23798,53 @@
                                     </p:set>
                                     <p:animEffect transition="in" filter="fade">
                                       <p:cBhvr>
-                                        <p:cTn id="7" dur="500"/>
+                                        <p:cTn id="13" dur="500"/>
                                         <p:tgtEl>
-                                          <p:spTgt spid="3078"/>
+                                          <p:spTgt spid="22"/>
+                                        </p:tgtEl>
+                                      </p:cBhvr>
+                                    </p:animEffect>
+                                  </p:childTnLst>
+                                </p:cTn>
+                              </p:par>
+                            </p:childTnLst>
+                          </p:cTn>
+                        </p:par>
+                        <p:par>
+                          <p:cTn id="14" fill="hold">
+                            <p:stCondLst>
+                              <p:cond delay="500"/>
+                            </p:stCondLst>
+                            <p:childTnLst>
+                              <p:par>
+                                <p:cTn id="15" presetID="10" presetClass="entr" presetSubtype="0" fill="hold" grpId="0" nodeType="afterEffect">
+                                  <p:stCondLst>
+                                    <p:cond delay="0"/>
+                                  </p:stCondLst>
+                                  <p:childTnLst>
+                                    <p:set>
+                                      <p:cBhvr>
+                                        <p:cTn id="16" dur="1" fill="hold">
+                                          <p:stCondLst>
+                                            <p:cond delay="0"/>
+                                          </p:stCondLst>
+                                        </p:cTn>
+                                        <p:tgtEl>
+                                          <p:spTgt spid="26"/>
+                                        </p:tgtEl>
+                                        <p:attrNameLst>
+                                          <p:attrName>style.visibility</p:attrName>
+                                        </p:attrNameLst>
+                                      </p:cBhvr>
+                                      <p:to>
+                                        <p:strVal val="visible"/>
+                                      </p:to>
+                                    </p:set>
+                                    <p:animEffect transition="in" filter="fade">
+                                      <p:cBhvr>
+                                        <p:cTn id="17" dur="500"/>
+                                        <p:tgtEl>
+                                          <p:spTgt spid="26"/>
                                         </p:tgtEl>
                                       </p:cBhvr>
                                     </p:animEffect>
@@ -20773,32 +23858,32 @@
                     </p:cTn>
                   </p:par>
                   <p:par>
-                    <p:cTn id="8" fill="hold">
+                    <p:cTn id="18" fill="hold">
                       <p:stCondLst>
                         <p:cond delay="indefinite"/>
                       </p:stCondLst>
                       <p:childTnLst>
                         <p:par>
-                          <p:cTn id="9" fill="hold">
+                          <p:cTn id="19" fill="hold">
                             <p:stCondLst>
                               <p:cond delay="0"/>
                             </p:stCondLst>
                             <p:childTnLst>
                               <p:par>
-                                <p:cTn id="10" presetID="1" presetClass="entr" presetSubtype="0" fill="hold" grpId="0" nodeType="clickEffect">
+                                <p:cTn id="20" presetID="1" presetClass="entr" presetSubtype="0" fill="hold" nodeType="clickEffect">
                                   <p:stCondLst>
                                     <p:cond delay="0"/>
                                   </p:stCondLst>
                                   <p:childTnLst>
                                     <p:set>
                                       <p:cBhvr>
-                                        <p:cTn id="11" dur="1" fill="hold">
+                                        <p:cTn id="21" dur="1" fill="hold">
                                           <p:stCondLst>
                                             <p:cond delay="0"/>
                                           </p:stCondLst>
                                         </p:cTn>
                                         <p:tgtEl>
-                                          <p:spTgt spid="19"/>
+                                          <p:spTgt spid="52"/>
                                         </p:tgtEl>
                                         <p:attrNameLst>
                                           <p:attrName>style.visibility</p:attrName>
@@ -20811,39 +23896,21 @@
                                   </p:childTnLst>
                                 </p:cTn>
                               </p:par>
-                            </p:childTnLst>
-                          </p:cTn>
-                        </p:par>
-                      </p:childTnLst>
-                    </p:cTn>
-                  </p:par>
-                  <p:par>
-                    <p:cTn id="12" fill="hold">
-                      <p:stCondLst>
-                        <p:cond delay="indefinite"/>
-                      </p:stCondLst>
-                      <p:childTnLst>
-                        <p:par>
-                          <p:cTn id="13" fill="hold">
-                            <p:stCondLst>
-                              <p:cond delay="0"/>
-                            </p:stCondLst>
-                            <p:childTnLst>
                               <p:par>
-                                <p:cTn id="14" presetID="1" presetClass="entr" presetSubtype="0" fill="hold" grpId="0" nodeType="clickEffect">
+                                <p:cTn id="22" presetID="1" presetClass="entr" presetSubtype="0" fill="hold" nodeType="withEffect">
                                   <p:stCondLst>
                                     <p:cond delay="0"/>
                                   </p:stCondLst>
                                   <p:childTnLst>
                                     <p:set>
                                       <p:cBhvr>
-                                        <p:cTn id="15" dur="1" fill="hold">
+                                        <p:cTn id="23" dur="1" fill="hold">
                                           <p:stCondLst>
                                             <p:cond delay="0"/>
                                           </p:stCondLst>
                                         </p:cTn>
                                         <p:tgtEl>
-                                          <p:spTgt spid="25"/>
+                                          <p:spTgt spid="54"/>
                                         </p:tgtEl>
                                         <p:attrNameLst>
                                           <p:attrName>style.visibility</p:attrName>
@@ -20884,1392 +23951,16 @@
       </p:par>
     </p:tnLst>
     <p:bldLst>
-      <p:bldP spid="19" grpId="0" animBg="1"/>
-      <p:bldP spid="25" grpId="0" animBg="1"/>
+      <p:bldP spid="26" grpId="0" animBg="1"/>
+      <p:bldP spid="36" grpId="0" animBg="1"/>
+      <p:bldP spid="40" grpId="0" animBg="1"/>
+      <p:bldP spid="41" grpId="0" animBg="1"/>
     </p:bldLst>
   </p:timing>
 </p:sld>
 </file>
 
-<file path=ppt/slides/slide4.xml><?xml version="1.0" encoding="utf-8"?>
-<p:sld xmlns:a="http://schemas.openxmlformats.org/drawingml/2006/main" xmlns:r="http://schemas.openxmlformats.org/officeDocument/2006/relationships" xmlns:p="http://schemas.openxmlformats.org/presentationml/2006/main">
-  <p:cSld>
-    <p:spTree>
-      <p:nvGrpSpPr>
-        <p:cNvPr id="1" name=""/>
-        <p:cNvGrpSpPr/>
-        <p:nvPr/>
-      </p:nvGrpSpPr>
-      <p:grpSpPr>
-        <a:xfrm>
-          <a:off x="0" y="0"/>
-          <a:ext cx="0" cy="0"/>
-          <a:chOff x="0" y="0"/>
-          <a:chExt cx="0" cy="0"/>
-        </a:xfrm>
-      </p:grpSpPr>
-      <p:sp>
-        <p:nvSpPr>
-          <p:cNvPr id="6" name="Foliennummernplatzhalter 5">
-            <a:extLst>
-              <a:ext uri="{FF2B5EF4-FFF2-40B4-BE49-F238E27FC236}">
-                <a16:creationId xmlns:a16="http://schemas.microsoft.com/office/drawing/2014/main" id="{800E83D9-A63F-4861-86A3-C8B6A79B0466}"/>
-              </a:ext>
-            </a:extLst>
-          </p:cNvPr>
-          <p:cNvSpPr>
-            <a:spLocks noGrp="1"/>
-          </p:cNvSpPr>
-          <p:nvPr>
-            <p:ph type="sldNum" sz="quarter" idx="17"/>
-          </p:nvPr>
-        </p:nvSpPr>
-        <p:spPr/>
-        <p:txBody>
-          <a:bodyPr/>
-          <a:lstStyle/>
-          <a:p>
-            <a:fld id="{8B97E1D9-0739-E445-A7FF-39998847AB6F}" type="slidenum">
-              <a:rPr lang="de-DE" smtClean="0"/>
-              <a:pPr/>
-              <a:t>4</a:t>
-            </a:fld>
-            <a:endParaRPr lang="de-DE" dirty="0"/>
-          </a:p>
-        </p:txBody>
-      </p:sp>
-      <p:sp>
-        <p:nvSpPr>
-          <p:cNvPr id="7" name="Titel 6">
-            <a:extLst>
-              <a:ext uri="{FF2B5EF4-FFF2-40B4-BE49-F238E27FC236}">
-                <a16:creationId xmlns:a16="http://schemas.microsoft.com/office/drawing/2014/main" id="{28669BB4-C76C-4C17-AC96-B44FB0B30A6D}"/>
-              </a:ext>
-            </a:extLst>
-          </p:cNvPr>
-          <p:cNvSpPr>
-            <a:spLocks noGrp="1"/>
-          </p:cNvSpPr>
-          <p:nvPr>
-            <p:ph type="title"/>
-          </p:nvPr>
-        </p:nvSpPr>
-        <p:spPr/>
-        <p:txBody>
-          <a:bodyPr/>
-          <a:lstStyle/>
-          <a:p>
-            <a:r>
-              <a:rPr lang="de-DE" dirty="0"/>
-              <a:t>Wieso entsteht diese Fehlermeldung?</a:t>
-            </a:r>
-          </a:p>
-        </p:txBody>
-      </p:sp>
-      <p:sp>
-        <p:nvSpPr>
-          <p:cNvPr id="8" name="Datumsplatzhalter 7">
-            <a:extLst>
-              <a:ext uri="{FF2B5EF4-FFF2-40B4-BE49-F238E27FC236}">
-                <a16:creationId xmlns:a16="http://schemas.microsoft.com/office/drawing/2014/main" id="{AA78F7BF-BC09-4451-99A2-5CFC28999A75}"/>
-              </a:ext>
-            </a:extLst>
-          </p:cNvPr>
-          <p:cNvSpPr>
-            <a:spLocks noGrp="1"/>
-          </p:cNvSpPr>
-          <p:nvPr>
-            <p:ph type="dt" sz="half" idx="18"/>
-          </p:nvPr>
-        </p:nvSpPr>
-        <p:spPr/>
-        <p:txBody>
-          <a:bodyPr/>
-          <a:lstStyle/>
-          <a:p>
-            <a:fld id="{F6737BBE-2145-4442-A559-CD3E1292DF16}" type="datetime1">
-              <a:rPr lang="de-DE" smtClean="0"/>
-              <a:t>13.09.2022</a:t>
-            </a:fld>
-            <a:endParaRPr lang="de-DE" dirty="0"/>
-          </a:p>
-        </p:txBody>
-      </p:sp>
-      <p:sp>
-        <p:nvSpPr>
-          <p:cNvPr id="9" name="Fußzeilenplatzhalter 8">
-            <a:extLst>
-              <a:ext uri="{FF2B5EF4-FFF2-40B4-BE49-F238E27FC236}">
-                <a16:creationId xmlns:a16="http://schemas.microsoft.com/office/drawing/2014/main" id="{F91C395A-F014-4C53-B3A5-0E1FD5D11BB1}"/>
-              </a:ext>
-            </a:extLst>
-          </p:cNvPr>
-          <p:cNvSpPr>
-            <a:spLocks noGrp="1"/>
-          </p:cNvSpPr>
-          <p:nvPr>
-            <p:ph type="ftr" sz="quarter" idx="3"/>
-          </p:nvPr>
-        </p:nvSpPr>
-        <p:spPr/>
-        <p:txBody>
-          <a:bodyPr/>
-          <a:lstStyle/>
-          <a:p>
-            <a:endParaRPr lang="de-DE" dirty="0"/>
-          </a:p>
-        </p:txBody>
-      </p:sp>
-      <p:sp>
-        <p:nvSpPr>
-          <p:cNvPr id="10" name="Textfeld 9">
-            <a:extLst>
-              <a:ext uri="{FF2B5EF4-FFF2-40B4-BE49-F238E27FC236}">
-                <a16:creationId xmlns:a16="http://schemas.microsoft.com/office/drawing/2014/main" id="{67F733D2-4982-4E62-9062-68B5F6B4B62E}"/>
-              </a:ext>
-            </a:extLst>
-          </p:cNvPr>
-          <p:cNvSpPr txBox="1">
-            <a:spLocks noChangeAspect="1"/>
-          </p:cNvSpPr>
-          <p:nvPr/>
-        </p:nvSpPr>
-        <p:spPr>
-          <a:xfrm>
-            <a:off x="3501329" y="1880485"/>
-            <a:ext cx="1656000" cy="771222"/>
-          </a:xfrm>
-          <a:prstGeom prst="rect">
-            <a:avLst/>
-          </a:prstGeom>
-          <a:solidFill>
-            <a:srgbClr val="2C00E6"/>
-          </a:solidFill>
-          <a:ln w="50800">
-            <a:solidFill>
-              <a:srgbClr val="2800D2"/>
-            </a:solidFill>
-          </a:ln>
-        </p:spPr>
-        <p:txBody>
-          <a:bodyPr wrap="square" rtlCol="0">
-            <a:spAutoFit/>
-          </a:bodyPr>
-          <a:lstStyle/>
-          <a:p>
-            <a:pPr algn="ctr"/>
-            <a:endParaRPr lang="de-DE" dirty="0">
-              <a:solidFill>
-                <a:schemeClr val="bg1"/>
-              </a:solidFill>
-            </a:endParaRPr>
-          </a:p>
-          <a:p>
-            <a:pPr algn="ctr"/>
-            <a:r>
-              <a:rPr lang="de-DE" sz="2000" dirty="0">
-                <a:solidFill>
-                  <a:schemeClr val="bg1"/>
-                </a:solidFill>
-              </a:rPr>
-              <a:t>Instanz 1</a:t>
-            </a:r>
-          </a:p>
-          <a:p>
-            <a:pPr algn="ctr"/>
-            <a:endParaRPr lang="de-DE" dirty="0">
-              <a:solidFill>
-                <a:schemeClr val="bg1"/>
-              </a:solidFill>
-            </a:endParaRPr>
-          </a:p>
-        </p:txBody>
-      </p:sp>
-      <p:sp>
-        <p:nvSpPr>
-          <p:cNvPr id="11" name="Textfeld 10">
-            <a:extLst>
-              <a:ext uri="{FF2B5EF4-FFF2-40B4-BE49-F238E27FC236}">
-                <a16:creationId xmlns:a16="http://schemas.microsoft.com/office/drawing/2014/main" id="{137571AD-0907-4DF5-9B12-FB2BC8299CFB}"/>
-              </a:ext>
-            </a:extLst>
-          </p:cNvPr>
-          <p:cNvSpPr txBox="1">
-            <a:spLocks noChangeAspect="1"/>
-          </p:cNvSpPr>
-          <p:nvPr/>
-        </p:nvSpPr>
-        <p:spPr>
-          <a:xfrm>
-            <a:off x="3501329" y="3017354"/>
-            <a:ext cx="1656000" cy="771222"/>
-          </a:xfrm>
-          <a:prstGeom prst="rect">
-            <a:avLst/>
-          </a:prstGeom>
-          <a:solidFill>
-            <a:srgbClr val="2C00E6"/>
-          </a:solidFill>
-          <a:ln w="25400">
-            <a:solidFill>
-              <a:srgbClr val="2800D2"/>
-            </a:solidFill>
-          </a:ln>
-        </p:spPr>
-        <p:txBody>
-          <a:bodyPr wrap="square" rtlCol="0">
-            <a:spAutoFit/>
-          </a:bodyPr>
-          <a:lstStyle/>
-          <a:p>
-            <a:pPr algn="ctr"/>
-            <a:endParaRPr lang="de-DE" dirty="0">
-              <a:solidFill>
-                <a:schemeClr val="bg1"/>
-              </a:solidFill>
-            </a:endParaRPr>
-          </a:p>
-          <a:p>
-            <a:pPr algn="ctr"/>
-            <a:r>
-              <a:rPr lang="de-DE" sz="2000" dirty="0">
-                <a:solidFill>
-                  <a:schemeClr val="bg1"/>
-                </a:solidFill>
-              </a:rPr>
-              <a:t>Instanz 2</a:t>
-            </a:r>
-          </a:p>
-          <a:p>
-            <a:pPr algn="ctr"/>
-            <a:endParaRPr lang="de-DE" dirty="0">
-              <a:solidFill>
-                <a:schemeClr val="bg1"/>
-              </a:solidFill>
-            </a:endParaRPr>
-          </a:p>
-        </p:txBody>
-      </p:sp>
-      <p:sp>
-        <p:nvSpPr>
-          <p:cNvPr id="13" name="Rechteck 12">
-            <a:extLst>
-              <a:ext uri="{FF2B5EF4-FFF2-40B4-BE49-F238E27FC236}">
-                <a16:creationId xmlns:a16="http://schemas.microsoft.com/office/drawing/2014/main" id="{5EA52C15-0172-40BE-A45F-0B14BF5F3565}"/>
-              </a:ext>
-            </a:extLst>
-          </p:cNvPr>
-          <p:cNvSpPr/>
-          <p:nvPr/>
-        </p:nvSpPr>
-        <p:spPr>
-          <a:xfrm>
-            <a:off x="952500" y="1727420"/>
-            <a:ext cx="7493000" cy="2270015"/>
-          </a:xfrm>
-          <a:prstGeom prst="rect">
-            <a:avLst/>
-          </a:prstGeom>
-          <a:noFill/>
-          <a:ln w="38100" cap="flat" cmpd="sng" algn="ctr">
-            <a:solidFill>
-              <a:schemeClr val="accent2">
-                <a:lumMod val="60000"/>
-                <a:lumOff val="40000"/>
-              </a:schemeClr>
-            </a:solidFill>
-            <a:prstDash val="solid"/>
-            <a:round/>
-            <a:headEnd type="none" w="med" len="med"/>
-            <a:tailEnd type="none" w="med" len="med"/>
-          </a:ln>
-        </p:spPr>
-        <p:style>
-          <a:lnRef idx="0">
-            <a:scrgbClr r="0" g="0" b="0"/>
-          </a:lnRef>
-          <a:fillRef idx="0">
-            <a:scrgbClr r="0" g="0" b="0"/>
-          </a:fillRef>
-          <a:effectRef idx="0">
-            <a:scrgbClr r="0" g="0" b="0"/>
-          </a:effectRef>
-          <a:fontRef idx="minor">
-            <a:schemeClr val="dk1"/>
-          </a:fontRef>
-        </p:style>
-        <p:txBody>
-          <a:bodyPr rtlCol="0" anchor="ctr"/>
-          <a:lstStyle/>
-          <a:p>
-            <a:pPr algn="ctr"/>
-            <a:endParaRPr lang="de-DE"/>
-          </a:p>
-        </p:txBody>
-      </p:sp>
-      <p:sp>
-        <p:nvSpPr>
-          <p:cNvPr id="15" name="Textfeld 14">
-            <a:extLst>
-              <a:ext uri="{FF2B5EF4-FFF2-40B4-BE49-F238E27FC236}">
-                <a16:creationId xmlns:a16="http://schemas.microsoft.com/office/drawing/2014/main" id="{1FD5F37D-A9E2-4812-AE13-3080CFBC047A}"/>
-              </a:ext>
-            </a:extLst>
-          </p:cNvPr>
-          <p:cNvSpPr txBox="1"/>
-          <p:nvPr/>
-        </p:nvSpPr>
-        <p:spPr>
-          <a:xfrm>
-            <a:off x="234000" y="761014"/>
-            <a:ext cx="4575174" cy="307777"/>
-          </a:xfrm>
-          <a:prstGeom prst="rect">
-            <a:avLst/>
-          </a:prstGeom>
-          <a:noFill/>
-        </p:spPr>
-        <p:txBody>
-          <a:bodyPr wrap="square">
-            <a:spAutoFit/>
-          </a:bodyPr>
-          <a:lstStyle/>
-          <a:p>
-            <a:r>
-              <a:rPr lang="de-DE" b="1" dirty="0" err="1"/>
-              <a:t>AlarmIT</a:t>
-            </a:r>
-            <a:r>
-              <a:rPr lang="de-DE" b="1" dirty="0"/>
-              <a:t> verwendet Zero Downtime </a:t>
-            </a:r>
-            <a:r>
-              <a:rPr lang="de-DE" b="1" dirty="0" err="1"/>
-              <a:t>Deployment</a:t>
-            </a:r>
-            <a:endParaRPr lang="de-DE" b="1" dirty="0"/>
-          </a:p>
-        </p:txBody>
-      </p:sp>
-      <p:pic>
-        <p:nvPicPr>
-          <p:cNvPr id="3076" name="Picture 4" descr="PostgreSQL-Datenbankverschlüsselung | Thales">
-            <a:extLst>
-              <a:ext uri="{FF2B5EF4-FFF2-40B4-BE49-F238E27FC236}">
-                <a16:creationId xmlns:a16="http://schemas.microsoft.com/office/drawing/2014/main" id="{73868542-4770-4659-9C69-477E0FFB27D0}"/>
-              </a:ext>
-            </a:extLst>
-          </p:cNvPr>
-          <p:cNvPicPr>
-            <a:picLocks noChangeAspect="1" noChangeArrowheads="1"/>
-          </p:cNvPicPr>
-          <p:nvPr/>
-        </p:nvPicPr>
-        <p:blipFill>
-          <a:blip r:embed="rId2">
-            <a:extLst>
-              <a:ext uri="{28A0092B-C50C-407E-A947-70E740481C1C}">
-                <a14:useLocalDpi xmlns:a14="http://schemas.microsoft.com/office/drawing/2010/main" val="0"/>
-              </a:ext>
-            </a:extLst>
-          </a:blip>
-          <a:srcRect/>
-          <a:stretch>
-            <a:fillRect/>
-          </a:stretch>
-        </p:blipFill>
-        <p:spPr bwMode="auto">
-          <a:xfrm>
-            <a:off x="6178550" y="1957481"/>
-            <a:ext cx="2012950" cy="1839836"/>
-          </a:xfrm>
-          <a:prstGeom prst="rect">
-            <a:avLst/>
-          </a:prstGeom>
-          <a:noFill/>
-          <a:extLst>
-            <a:ext uri="{909E8E84-426E-40DD-AFC4-6F175D3DCCD1}">
-              <a14:hiddenFill xmlns:a14="http://schemas.microsoft.com/office/drawing/2010/main">
-                <a:solidFill>
-                  <a:srgbClr val="FFFFFF"/>
-                </a:solidFill>
-              </a14:hiddenFill>
-            </a:ext>
-          </a:extLst>
-        </p:spPr>
-      </p:pic>
-      <p:pic>
-        <p:nvPicPr>
-          <p:cNvPr id="3078" name="Picture 6" descr="Apache ActiveMQ – Wikipedia">
-            <a:extLst>
-              <a:ext uri="{FF2B5EF4-FFF2-40B4-BE49-F238E27FC236}">
-                <a16:creationId xmlns:a16="http://schemas.microsoft.com/office/drawing/2014/main" id="{6DE69F25-DC43-4FCD-A47E-1D39321723CD}"/>
-              </a:ext>
-            </a:extLst>
-          </p:cNvPr>
-          <p:cNvPicPr>
-            <a:picLocks noChangeAspect="1" noChangeArrowheads="1"/>
-          </p:cNvPicPr>
-          <p:nvPr/>
-        </p:nvPicPr>
-        <p:blipFill>
-          <a:blip r:embed="rId3">
-            <a:extLst>
-              <a:ext uri="{28A0092B-C50C-407E-A947-70E740481C1C}">
-                <a14:useLocalDpi xmlns:a14="http://schemas.microsoft.com/office/drawing/2010/main" val="0"/>
-              </a:ext>
-            </a:extLst>
-          </a:blip>
-          <a:srcRect/>
-          <a:stretch>
-            <a:fillRect/>
-          </a:stretch>
-        </p:blipFill>
-        <p:spPr bwMode="auto">
-          <a:xfrm>
-            <a:off x="1003298" y="2195383"/>
-            <a:ext cx="1673465" cy="1364032"/>
-          </a:xfrm>
-          <a:prstGeom prst="rect">
-            <a:avLst/>
-          </a:prstGeom>
-          <a:noFill/>
-          <a:extLst>
-            <a:ext uri="{909E8E84-426E-40DD-AFC4-6F175D3DCCD1}">
-              <a14:hiddenFill xmlns:a14="http://schemas.microsoft.com/office/drawing/2010/main">
-                <a:solidFill>
-                  <a:srgbClr val="FFFFFF"/>
-                </a:solidFill>
-              </a14:hiddenFill>
-            </a:ext>
-          </a:extLst>
-        </p:spPr>
-      </p:pic>
-      <p:sp>
-        <p:nvSpPr>
-          <p:cNvPr id="19" name="Pfeil: nach rechts 18">
-            <a:extLst>
-              <a:ext uri="{FF2B5EF4-FFF2-40B4-BE49-F238E27FC236}">
-                <a16:creationId xmlns:a16="http://schemas.microsoft.com/office/drawing/2014/main" id="{53B88DBC-6C2B-4124-902A-601728AE7BE1}"/>
-              </a:ext>
-            </a:extLst>
-          </p:cNvPr>
-          <p:cNvSpPr/>
-          <p:nvPr/>
-        </p:nvSpPr>
-        <p:spPr>
-          <a:xfrm rot="20595235">
-            <a:off x="2229133" y="2270329"/>
-            <a:ext cx="1245933" cy="365677"/>
-          </a:xfrm>
-          <a:prstGeom prst="rightArrow">
-            <a:avLst/>
-          </a:prstGeom>
-        </p:spPr>
-        <p:style>
-          <a:lnRef idx="2">
-            <a:schemeClr val="accent1">
-              <a:shade val="50000"/>
-            </a:schemeClr>
-          </a:lnRef>
-          <a:fillRef idx="1">
-            <a:schemeClr val="accent1"/>
-          </a:fillRef>
-          <a:effectRef idx="0">
-            <a:schemeClr val="accent1"/>
-          </a:effectRef>
-          <a:fontRef idx="minor">
-            <a:schemeClr val="lt1"/>
-          </a:fontRef>
-        </p:style>
-        <p:txBody>
-          <a:bodyPr rtlCol="0" anchor="ctr"/>
-          <a:lstStyle/>
-          <a:p>
-            <a:r>
-              <a:rPr lang="de-DE" sz="800" dirty="0"/>
-              <a:t>Historisiere Meldung</a:t>
-            </a:r>
-          </a:p>
-        </p:txBody>
-      </p:sp>
-      <p:sp>
-        <p:nvSpPr>
-          <p:cNvPr id="24" name="Pfeil: nach rechts 23">
-            <a:extLst>
-              <a:ext uri="{FF2B5EF4-FFF2-40B4-BE49-F238E27FC236}">
-                <a16:creationId xmlns:a16="http://schemas.microsoft.com/office/drawing/2014/main" id="{37A2D958-4E23-4300-B13E-5B9FE1931C10}"/>
-              </a:ext>
-            </a:extLst>
-          </p:cNvPr>
-          <p:cNvSpPr/>
-          <p:nvPr/>
-        </p:nvSpPr>
-        <p:spPr>
-          <a:xfrm rot="1036518">
-            <a:off x="2229202" y="2964623"/>
-            <a:ext cx="1245933" cy="365677"/>
-          </a:xfrm>
-          <a:prstGeom prst="rightArrow">
-            <a:avLst/>
-          </a:prstGeom>
-        </p:spPr>
-        <p:style>
-          <a:lnRef idx="2">
-            <a:schemeClr val="accent1">
-              <a:shade val="50000"/>
-            </a:schemeClr>
-          </a:lnRef>
-          <a:fillRef idx="1">
-            <a:schemeClr val="accent1"/>
-          </a:fillRef>
-          <a:effectRef idx="0">
-            <a:schemeClr val="accent1"/>
-          </a:effectRef>
-          <a:fontRef idx="minor">
-            <a:schemeClr val="lt1"/>
-          </a:fontRef>
-        </p:style>
-        <p:txBody>
-          <a:bodyPr rtlCol="0" anchor="ctr"/>
-          <a:lstStyle/>
-          <a:p>
-            <a:r>
-              <a:rPr lang="de-DE" sz="800" dirty="0"/>
-              <a:t>Historisiere Meldung</a:t>
-            </a:r>
-          </a:p>
-        </p:txBody>
-      </p:sp>
-      <p:sp>
-        <p:nvSpPr>
-          <p:cNvPr id="25" name="Pfeil: nach rechts 24">
-            <a:extLst>
-              <a:ext uri="{FF2B5EF4-FFF2-40B4-BE49-F238E27FC236}">
-                <a16:creationId xmlns:a16="http://schemas.microsoft.com/office/drawing/2014/main" id="{329C0C9A-4CD9-4A63-A672-ECFC764A9E5A}"/>
-              </a:ext>
-            </a:extLst>
-          </p:cNvPr>
-          <p:cNvSpPr/>
-          <p:nvPr/>
-        </p:nvSpPr>
-        <p:spPr>
-          <a:xfrm rot="1168691">
-            <a:off x="5245014" y="2225601"/>
-            <a:ext cx="1245933" cy="365677"/>
-          </a:xfrm>
-          <a:prstGeom prst="rightArrow">
-            <a:avLst/>
-          </a:prstGeom>
-        </p:spPr>
-        <p:style>
-          <a:lnRef idx="2">
-            <a:schemeClr val="accent1">
-              <a:shade val="50000"/>
-            </a:schemeClr>
-          </a:lnRef>
-          <a:fillRef idx="1">
-            <a:schemeClr val="accent1"/>
-          </a:fillRef>
-          <a:effectRef idx="0">
-            <a:schemeClr val="accent1"/>
-          </a:effectRef>
-          <a:fontRef idx="minor">
-            <a:schemeClr val="lt1"/>
-          </a:fontRef>
-        </p:style>
-        <p:txBody>
-          <a:bodyPr rtlCol="0" anchor="ctr"/>
-          <a:lstStyle/>
-          <a:p>
-            <a:pPr algn="ctr"/>
-            <a:r>
-              <a:rPr lang="de-DE" sz="800" dirty="0"/>
-              <a:t>Speicherung</a:t>
-            </a:r>
-          </a:p>
-        </p:txBody>
-      </p:sp>
-      <p:sp>
-        <p:nvSpPr>
-          <p:cNvPr id="27" name="Pfeil: nach rechts 26">
-            <a:extLst>
-              <a:ext uri="{FF2B5EF4-FFF2-40B4-BE49-F238E27FC236}">
-                <a16:creationId xmlns:a16="http://schemas.microsoft.com/office/drawing/2014/main" id="{DD6A8CBA-DBE9-4A28-AF4F-5825874647A9}"/>
-              </a:ext>
-            </a:extLst>
-          </p:cNvPr>
-          <p:cNvSpPr/>
-          <p:nvPr/>
-        </p:nvSpPr>
-        <p:spPr>
-          <a:xfrm rot="20401109">
-            <a:off x="5244679" y="3133726"/>
-            <a:ext cx="1245933" cy="365677"/>
-          </a:xfrm>
-          <a:prstGeom prst="rightArrow">
-            <a:avLst/>
-          </a:prstGeom>
-        </p:spPr>
-        <p:style>
-          <a:lnRef idx="2">
-            <a:schemeClr val="accent1">
-              <a:shade val="50000"/>
-            </a:schemeClr>
-          </a:lnRef>
-          <a:fillRef idx="1">
-            <a:schemeClr val="accent1"/>
-          </a:fillRef>
-          <a:effectRef idx="0">
-            <a:schemeClr val="accent1"/>
-          </a:effectRef>
-          <a:fontRef idx="minor">
-            <a:schemeClr val="lt1"/>
-          </a:fontRef>
-        </p:style>
-        <p:txBody>
-          <a:bodyPr rtlCol="0" anchor="ctr"/>
-          <a:lstStyle/>
-          <a:p>
-            <a:pPr algn="ctr"/>
-            <a:r>
-              <a:rPr lang="de-DE" sz="800" dirty="0"/>
-              <a:t>Speicherung</a:t>
-            </a:r>
-          </a:p>
-        </p:txBody>
-      </p:sp>
-      <p:pic>
-        <p:nvPicPr>
-          <p:cNvPr id="3080" name="Picture 8" descr="Grünen Haken ClipArt Clipart Bilder | Kostenlose ClipArts">
-            <a:extLst>
-              <a:ext uri="{FF2B5EF4-FFF2-40B4-BE49-F238E27FC236}">
-                <a16:creationId xmlns:a16="http://schemas.microsoft.com/office/drawing/2014/main" id="{6C620C92-CAE3-49D1-A7D5-5326D43A5A07}"/>
-              </a:ext>
-            </a:extLst>
-          </p:cNvPr>
-          <p:cNvPicPr>
-            <a:picLocks noChangeAspect="1" noChangeArrowheads="1"/>
-          </p:cNvPicPr>
-          <p:nvPr/>
-        </p:nvPicPr>
-        <p:blipFill>
-          <a:blip r:embed="rId4">
-            <a:extLst>
-              <a:ext uri="{28A0092B-C50C-407E-A947-70E740481C1C}">
-                <a14:useLocalDpi xmlns:a14="http://schemas.microsoft.com/office/drawing/2010/main" val="0"/>
-              </a:ext>
-            </a:extLst>
-          </a:blip>
-          <a:srcRect/>
-          <a:stretch>
-            <a:fillRect/>
-          </a:stretch>
-        </p:blipFill>
-        <p:spPr bwMode="auto">
-          <a:xfrm>
-            <a:off x="5765829" y="1843446"/>
-            <a:ext cx="424915" cy="424915"/>
-          </a:xfrm>
-          <a:prstGeom prst="rect">
-            <a:avLst/>
-          </a:prstGeom>
-          <a:noFill/>
-          <a:extLst>
-            <a:ext uri="{909E8E84-426E-40DD-AFC4-6F175D3DCCD1}">
-              <a14:hiddenFill xmlns:a14="http://schemas.microsoft.com/office/drawing/2010/main">
-                <a:solidFill>
-                  <a:srgbClr val="FFFFFF"/>
-                </a:solidFill>
-              </a14:hiddenFill>
-            </a:ext>
-          </a:extLst>
-        </p:spPr>
-      </p:pic>
-      <p:sp>
-        <p:nvSpPr>
-          <p:cNvPr id="20" name="Verbotsymbol 19">
-            <a:extLst>
-              <a:ext uri="{FF2B5EF4-FFF2-40B4-BE49-F238E27FC236}">
-                <a16:creationId xmlns:a16="http://schemas.microsoft.com/office/drawing/2014/main" id="{3A6B6766-D61C-4492-80A6-0C22B5D59E70}"/>
-              </a:ext>
-            </a:extLst>
-          </p:cNvPr>
-          <p:cNvSpPr/>
-          <p:nvPr/>
-        </p:nvSpPr>
-        <p:spPr>
-          <a:xfrm>
-            <a:off x="5340350" y="2835812"/>
-            <a:ext cx="425479" cy="421738"/>
-          </a:xfrm>
-          <a:prstGeom prst="noSmoking">
-            <a:avLst/>
-          </a:prstGeom>
-          <a:solidFill>
-            <a:srgbClr val="FF0000"/>
-          </a:solidFill>
-          <a:ln>
-            <a:solidFill>
-              <a:srgbClr val="C00000"/>
-            </a:solidFill>
-          </a:ln>
-        </p:spPr>
-        <p:style>
-          <a:lnRef idx="2">
-            <a:schemeClr val="accent1">
-              <a:shade val="50000"/>
-            </a:schemeClr>
-          </a:lnRef>
-          <a:fillRef idx="1">
-            <a:schemeClr val="accent1"/>
-          </a:fillRef>
-          <a:effectRef idx="0">
-            <a:schemeClr val="accent1"/>
-          </a:effectRef>
-          <a:fontRef idx="minor">
-            <a:schemeClr val="lt1"/>
-          </a:fontRef>
-        </p:style>
-        <p:txBody>
-          <a:bodyPr rtlCol="0" anchor="ctr"/>
-          <a:lstStyle/>
-          <a:p>
-            <a:pPr algn="ctr"/>
-            <a:endParaRPr lang="de-DE" b="1" dirty="0">
-              <a:solidFill>
-                <a:schemeClr val="tx1"/>
-              </a:solidFill>
-            </a:endParaRPr>
-          </a:p>
-        </p:txBody>
-      </p:sp>
-      <p:sp>
-        <p:nvSpPr>
-          <p:cNvPr id="21" name="Textfeld 20">
-            <a:extLst>
-              <a:ext uri="{FF2B5EF4-FFF2-40B4-BE49-F238E27FC236}">
-                <a16:creationId xmlns:a16="http://schemas.microsoft.com/office/drawing/2014/main" id="{19C12F21-A9A9-4DFD-9CDE-512AFBC3D5EC}"/>
-              </a:ext>
-            </a:extLst>
-          </p:cNvPr>
-          <p:cNvSpPr txBox="1"/>
-          <p:nvPr/>
-        </p:nvSpPr>
-        <p:spPr>
-          <a:xfrm>
-            <a:off x="5848350" y="2787872"/>
-            <a:ext cx="2622550" cy="523220"/>
-          </a:xfrm>
-          <a:prstGeom prst="rect">
-            <a:avLst/>
-          </a:prstGeom>
-          <a:solidFill>
-            <a:schemeClr val="bg1">
-              <a:lumMod val="95000"/>
-            </a:schemeClr>
-          </a:solidFill>
-          <a:ln>
-            <a:solidFill>
-              <a:schemeClr val="tx1">
-                <a:lumMod val="95000"/>
-                <a:lumOff val="5000"/>
-              </a:schemeClr>
-            </a:solidFill>
-          </a:ln>
-        </p:spPr>
-        <p:txBody>
-          <a:bodyPr wrap="square" rtlCol="0">
-            <a:spAutoFit/>
-          </a:bodyPr>
-          <a:lstStyle/>
-          <a:p>
-            <a:r>
-              <a:rPr lang="de-DE" dirty="0">
-                <a:solidFill>
-                  <a:srgbClr val="FF0000"/>
-                </a:solidFill>
-              </a:rPr>
-              <a:t>Fehler: Dieser Eintrag existiert bereits</a:t>
-            </a:r>
-          </a:p>
-        </p:txBody>
-      </p:sp>
-    </p:spTree>
-    <p:extLst>
-      <p:ext uri="{BB962C8B-B14F-4D97-AF65-F5344CB8AC3E}">
-        <p14:creationId xmlns:p14="http://schemas.microsoft.com/office/powerpoint/2010/main" val="573312534"/>
-      </p:ext>
-    </p:extLst>
-  </p:cSld>
-  <p:clrMapOvr>
-    <a:masterClrMapping/>
-  </p:clrMapOvr>
-  <p:timing>
-    <p:tnLst>
-      <p:par>
-        <p:cTn id="1" dur="indefinite" restart="never" nodeType="tmRoot">
-          <p:childTnLst>
-            <p:seq concurrent="1" nextAc="seek">
-              <p:cTn id="2" dur="indefinite" nodeType="mainSeq">
-                <p:childTnLst>
-                  <p:par>
-                    <p:cTn id="3" fill="hold">
-                      <p:stCondLst>
-                        <p:cond delay="indefinite"/>
-                      </p:stCondLst>
-                      <p:childTnLst>
-                        <p:par>
-                          <p:cTn id="4" fill="hold">
-                            <p:stCondLst>
-                              <p:cond delay="0"/>
-                            </p:stCondLst>
-                            <p:childTnLst>
-                              <p:par>
-                                <p:cTn id="5" presetID="1" presetClass="entr" presetSubtype="0" fill="hold" grpId="0" nodeType="clickEffect">
-                                  <p:stCondLst>
-                                    <p:cond delay="0"/>
-                                  </p:stCondLst>
-                                  <p:childTnLst>
-                                    <p:set>
-                                      <p:cBhvr>
-                                        <p:cTn id="6" dur="1" fill="hold">
-                                          <p:stCondLst>
-                                            <p:cond delay="0"/>
-                                          </p:stCondLst>
-                                        </p:cTn>
-                                        <p:tgtEl>
-                                          <p:spTgt spid="15"/>
-                                        </p:tgtEl>
-                                        <p:attrNameLst>
-                                          <p:attrName>style.visibility</p:attrName>
-                                        </p:attrNameLst>
-                                      </p:cBhvr>
-                                      <p:to>
-                                        <p:strVal val="visible"/>
-                                      </p:to>
-                                    </p:set>
-                                  </p:childTnLst>
-                                </p:cTn>
-                              </p:par>
-                            </p:childTnLst>
-                          </p:cTn>
-                        </p:par>
-                      </p:childTnLst>
-                    </p:cTn>
-                  </p:par>
-                  <p:par>
-                    <p:cTn id="7" fill="hold">
-                      <p:stCondLst>
-                        <p:cond delay="indefinite"/>
-                      </p:stCondLst>
-                      <p:childTnLst>
-                        <p:par>
-                          <p:cTn id="8" fill="hold">
-                            <p:stCondLst>
-                              <p:cond delay="0"/>
-                            </p:stCondLst>
-                            <p:childTnLst>
-                              <p:par>
-                                <p:cTn id="9" presetID="1" presetClass="entr" presetSubtype="0" fill="hold" grpId="0" nodeType="clickEffect">
-                                  <p:stCondLst>
-                                    <p:cond delay="0"/>
-                                  </p:stCondLst>
-                                  <p:childTnLst>
-                                    <p:set>
-                                      <p:cBhvr>
-                                        <p:cTn id="10" dur="1" fill="hold">
-                                          <p:stCondLst>
-                                            <p:cond delay="0"/>
-                                          </p:stCondLst>
-                                        </p:cTn>
-                                        <p:tgtEl>
-                                          <p:spTgt spid="10"/>
-                                        </p:tgtEl>
-                                        <p:attrNameLst>
-                                          <p:attrName>style.visibility</p:attrName>
-                                        </p:attrNameLst>
-                                      </p:cBhvr>
-                                      <p:to>
-                                        <p:strVal val="visible"/>
-                                      </p:to>
-                                    </p:set>
-                                  </p:childTnLst>
-                                </p:cTn>
-                              </p:par>
-                              <p:par>
-                                <p:cTn id="11" presetID="1" presetClass="entr" presetSubtype="0" fill="hold" grpId="0" nodeType="withEffect">
-                                  <p:stCondLst>
-                                    <p:cond delay="0"/>
-                                  </p:stCondLst>
-                                  <p:childTnLst>
-                                    <p:set>
-                                      <p:cBhvr>
-                                        <p:cTn id="12" dur="1" fill="hold">
-                                          <p:stCondLst>
-                                            <p:cond delay="0"/>
-                                          </p:stCondLst>
-                                        </p:cTn>
-                                        <p:tgtEl>
-                                          <p:spTgt spid="11"/>
-                                        </p:tgtEl>
-                                        <p:attrNameLst>
-                                          <p:attrName>style.visibility</p:attrName>
-                                        </p:attrNameLst>
-                                      </p:cBhvr>
-                                      <p:to>
-                                        <p:strVal val="visible"/>
-                                      </p:to>
-                                    </p:set>
-                                  </p:childTnLst>
-                                </p:cTn>
-                              </p:par>
-                            </p:childTnLst>
-                          </p:cTn>
-                        </p:par>
-                      </p:childTnLst>
-                    </p:cTn>
-                  </p:par>
-                  <p:par>
-                    <p:cTn id="13" fill="hold">
-                      <p:stCondLst>
-                        <p:cond delay="indefinite"/>
-                      </p:stCondLst>
-                      <p:childTnLst>
-                        <p:par>
-                          <p:cTn id="14" fill="hold">
-                            <p:stCondLst>
-                              <p:cond delay="0"/>
-                            </p:stCondLst>
-                            <p:childTnLst>
-                              <p:par>
-                                <p:cTn id="15" presetID="10" presetClass="entr" presetSubtype="0" fill="hold" nodeType="clickEffect">
-                                  <p:stCondLst>
-                                    <p:cond delay="0"/>
-                                  </p:stCondLst>
-                                  <p:childTnLst>
-                                    <p:set>
-                                      <p:cBhvr>
-                                        <p:cTn id="16" dur="1" fill="hold">
-                                          <p:stCondLst>
-                                            <p:cond delay="0"/>
-                                          </p:stCondLst>
-                                        </p:cTn>
-                                        <p:tgtEl>
-                                          <p:spTgt spid="3078"/>
-                                        </p:tgtEl>
-                                        <p:attrNameLst>
-                                          <p:attrName>style.visibility</p:attrName>
-                                        </p:attrNameLst>
-                                      </p:cBhvr>
-                                      <p:to>
-                                        <p:strVal val="visible"/>
-                                      </p:to>
-                                    </p:set>
-                                    <p:animEffect transition="in" filter="fade">
-                                      <p:cBhvr>
-                                        <p:cTn id="17" dur="500"/>
-                                        <p:tgtEl>
-                                          <p:spTgt spid="3078"/>
-                                        </p:tgtEl>
-                                      </p:cBhvr>
-                                    </p:animEffect>
-                                  </p:childTnLst>
-                                </p:cTn>
-                              </p:par>
-                              <p:par>
-                                <p:cTn id="18" presetID="10" presetClass="entr" presetSubtype="0" fill="hold" grpId="0" nodeType="withEffect">
-                                  <p:stCondLst>
-                                    <p:cond delay="0"/>
-                                  </p:stCondLst>
-                                  <p:childTnLst>
-                                    <p:set>
-                                      <p:cBhvr>
-                                        <p:cTn id="19" dur="1" fill="hold">
-                                          <p:stCondLst>
-                                            <p:cond delay="0"/>
-                                          </p:stCondLst>
-                                        </p:cTn>
-                                        <p:tgtEl>
-                                          <p:spTgt spid="13"/>
-                                        </p:tgtEl>
-                                        <p:attrNameLst>
-                                          <p:attrName>style.visibility</p:attrName>
-                                        </p:attrNameLst>
-                                      </p:cBhvr>
-                                      <p:to>
-                                        <p:strVal val="visible"/>
-                                      </p:to>
-                                    </p:set>
-                                    <p:animEffect transition="in" filter="fade">
-                                      <p:cBhvr>
-                                        <p:cTn id="20" dur="500"/>
-                                        <p:tgtEl>
-                                          <p:spTgt spid="13"/>
-                                        </p:tgtEl>
-                                      </p:cBhvr>
-                                    </p:animEffect>
-                                  </p:childTnLst>
-                                </p:cTn>
-                              </p:par>
-                              <p:par>
-                                <p:cTn id="21" presetID="10" presetClass="entr" presetSubtype="0" fill="hold" nodeType="withEffect">
-                                  <p:stCondLst>
-                                    <p:cond delay="0"/>
-                                  </p:stCondLst>
-                                  <p:childTnLst>
-                                    <p:set>
-                                      <p:cBhvr>
-                                        <p:cTn id="22" dur="1" fill="hold">
-                                          <p:stCondLst>
-                                            <p:cond delay="0"/>
-                                          </p:stCondLst>
-                                        </p:cTn>
-                                        <p:tgtEl>
-                                          <p:spTgt spid="3076"/>
-                                        </p:tgtEl>
-                                        <p:attrNameLst>
-                                          <p:attrName>style.visibility</p:attrName>
-                                        </p:attrNameLst>
-                                      </p:cBhvr>
-                                      <p:to>
-                                        <p:strVal val="visible"/>
-                                      </p:to>
-                                    </p:set>
-                                    <p:animEffect transition="in" filter="fade">
-                                      <p:cBhvr>
-                                        <p:cTn id="23" dur="500"/>
-                                        <p:tgtEl>
-                                          <p:spTgt spid="3076"/>
-                                        </p:tgtEl>
-                                      </p:cBhvr>
-                                    </p:animEffect>
-                                  </p:childTnLst>
-                                </p:cTn>
-                              </p:par>
-                            </p:childTnLst>
-                          </p:cTn>
-                        </p:par>
-                      </p:childTnLst>
-                    </p:cTn>
-                  </p:par>
-                  <p:par>
-                    <p:cTn id="24" fill="hold">
-                      <p:stCondLst>
-                        <p:cond delay="indefinite"/>
-                      </p:stCondLst>
-                      <p:childTnLst>
-                        <p:par>
-                          <p:cTn id="25" fill="hold">
-                            <p:stCondLst>
-                              <p:cond delay="0"/>
-                            </p:stCondLst>
-                            <p:childTnLst>
-                              <p:par>
-                                <p:cTn id="26" presetID="1" presetClass="entr" presetSubtype="0" fill="hold" grpId="0" nodeType="clickEffect">
-                                  <p:stCondLst>
-                                    <p:cond delay="0"/>
-                                  </p:stCondLst>
-                                  <p:childTnLst>
-                                    <p:set>
-                                      <p:cBhvr>
-                                        <p:cTn id="27" dur="1" fill="hold">
-                                          <p:stCondLst>
-                                            <p:cond delay="0"/>
-                                          </p:stCondLst>
-                                        </p:cTn>
-                                        <p:tgtEl>
-                                          <p:spTgt spid="19"/>
-                                        </p:tgtEl>
-                                        <p:attrNameLst>
-                                          <p:attrName>style.visibility</p:attrName>
-                                        </p:attrNameLst>
-                                      </p:cBhvr>
-                                      <p:to>
-                                        <p:strVal val="visible"/>
-                                      </p:to>
-                                    </p:set>
-                                  </p:childTnLst>
-                                </p:cTn>
-                              </p:par>
-                              <p:par>
-                                <p:cTn id="28" presetID="1" presetClass="entr" presetSubtype="0" fill="hold" grpId="0" nodeType="withEffect">
-                                  <p:stCondLst>
-                                    <p:cond delay="0"/>
-                                  </p:stCondLst>
-                                  <p:childTnLst>
-                                    <p:set>
-                                      <p:cBhvr>
-                                        <p:cTn id="29" dur="1" fill="hold">
-                                          <p:stCondLst>
-                                            <p:cond delay="0"/>
-                                          </p:stCondLst>
-                                        </p:cTn>
-                                        <p:tgtEl>
-                                          <p:spTgt spid="24"/>
-                                        </p:tgtEl>
-                                        <p:attrNameLst>
-                                          <p:attrName>style.visibility</p:attrName>
-                                        </p:attrNameLst>
-                                      </p:cBhvr>
-                                      <p:to>
-                                        <p:strVal val="visible"/>
-                                      </p:to>
-                                    </p:set>
-                                  </p:childTnLst>
-                                </p:cTn>
-                              </p:par>
-                            </p:childTnLst>
-                          </p:cTn>
-                        </p:par>
-                      </p:childTnLst>
-                    </p:cTn>
-                  </p:par>
-                  <p:par>
-                    <p:cTn id="30" fill="hold">
-                      <p:stCondLst>
-                        <p:cond delay="indefinite"/>
-                      </p:stCondLst>
-                      <p:childTnLst>
-                        <p:par>
-                          <p:cTn id="31" fill="hold">
-                            <p:stCondLst>
-                              <p:cond delay="0"/>
-                            </p:stCondLst>
-                            <p:childTnLst>
-                              <p:par>
-                                <p:cTn id="32" presetID="1" presetClass="entr" presetSubtype="0" fill="hold" grpId="0" nodeType="clickEffect">
-                                  <p:stCondLst>
-                                    <p:cond delay="0"/>
-                                  </p:stCondLst>
-                                  <p:childTnLst>
-                                    <p:set>
-                                      <p:cBhvr>
-                                        <p:cTn id="33" dur="1" fill="hold">
-                                          <p:stCondLst>
-                                            <p:cond delay="0"/>
-                                          </p:stCondLst>
-                                        </p:cTn>
-                                        <p:tgtEl>
-                                          <p:spTgt spid="25"/>
-                                        </p:tgtEl>
-                                        <p:attrNameLst>
-                                          <p:attrName>style.visibility</p:attrName>
-                                        </p:attrNameLst>
-                                      </p:cBhvr>
-                                      <p:to>
-                                        <p:strVal val="visible"/>
-                                      </p:to>
-                                    </p:set>
-                                  </p:childTnLst>
-                                </p:cTn>
-                              </p:par>
-                            </p:childTnLst>
-                          </p:cTn>
-                        </p:par>
-                      </p:childTnLst>
-                    </p:cTn>
-                  </p:par>
-                  <p:par>
-                    <p:cTn id="34" fill="hold">
-                      <p:stCondLst>
-                        <p:cond delay="indefinite"/>
-                      </p:stCondLst>
-                      <p:childTnLst>
-                        <p:par>
-                          <p:cTn id="35" fill="hold">
-                            <p:stCondLst>
-                              <p:cond delay="0"/>
-                            </p:stCondLst>
-                            <p:childTnLst>
-                              <p:par>
-                                <p:cTn id="36" presetID="1" presetClass="entr" presetSubtype="0" fill="hold" nodeType="clickEffect">
-                                  <p:stCondLst>
-                                    <p:cond delay="0"/>
-                                  </p:stCondLst>
-                                  <p:childTnLst>
-                                    <p:set>
-                                      <p:cBhvr>
-                                        <p:cTn id="37" dur="1" fill="hold">
-                                          <p:stCondLst>
-                                            <p:cond delay="0"/>
-                                          </p:stCondLst>
-                                        </p:cTn>
-                                        <p:tgtEl>
-                                          <p:spTgt spid="3080"/>
-                                        </p:tgtEl>
-                                        <p:attrNameLst>
-                                          <p:attrName>style.visibility</p:attrName>
-                                        </p:attrNameLst>
-                                      </p:cBhvr>
-                                      <p:to>
-                                        <p:strVal val="visible"/>
-                                      </p:to>
-                                    </p:set>
-                                  </p:childTnLst>
-                                </p:cTn>
-                              </p:par>
-                            </p:childTnLst>
-                          </p:cTn>
-                        </p:par>
-                      </p:childTnLst>
-                    </p:cTn>
-                  </p:par>
-                  <p:par>
-                    <p:cTn id="38" fill="hold">
-                      <p:stCondLst>
-                        <p:cond delay="indefinite"/>
-                      </p:stCondLst>
-                      <p:childTnLst>
-                        <p:par>
-                          <p:cTn id="39" fill="hold">
-                            <p:stCondLst>
-                              <p:cond delay="0"/>
-                            </p:stCondLst>
-                            <p:childTnLst>
-                              <p:par>
-                                <p:cTn id="40" presetID="1" presetClass="entr" presetSubtype="0" fill="hold" grpId="0" nodeType="clickEffect">
-                                  <p:stCondLst>
-                                    <p:cond delay="0"/>
-                                  </p:stCondLst>
-                                  <p:childTnLst>
-                                    <p:set>
-                                      <p:cBhvr>
-                                        <p:cTn id="41" dur="1" fill="hold">
-                                          <p:stCondLst>
-                                            <p:cond delay="0"/>
-                                          </p:stCondLst>
-                                        </p:cTn>
-                                        <p:tgtEl>
-                                          <p:spTgt spid="27"/>
-                                        </p:tgtEl>
-                                        <p:attrNameLst>
-                                          <p:attrName>style.visibility</p:attrName>
-                                        </p:attrNameLst>
-                                      </p:cBhvr>
-                                      <p:to>
-                                        <p:strVal val="visible"/>
-                                      </p:to>
-                                    </p:set>
-                                  </p:childTnLst>
-                                </p:cTn>
-                              </p:par>
-                            </p:childTnLst>
-                          </p:cTn>
-                        </p:par>
-                      </p:childTnLst>
-                    </p:cTn>
-                  </p:par>
-                  <p:par>
-                    <p:cTn id="42" fill="hold">
-                      <p:stCondLst>
-                        <p:cond delay="indefinite"/>
-                      </p:stCondLst>
-                      <p:childTnLst>
-                        <p:par>
-                          <p:cTn id="43" fill="hold">
-                            <p:stCondLst>
-                              <p:cond delay="0"/>
-                            </p:stCondLst>
-                            <p:childTnLst>
-                              <p:par>
-                                <p:cTn id="44" presetID="1" presetClass="entr" presetSubtype="0" fill="hold" grpId="0" nodeType="clickEffect">
-                                  <p:stCondLst>
-                                    <p:cond delay="0"/>
-                                  </p:stCondLst>
-                                  <p:childTnLst>
-                                    <p:set>
-                                      <p:cBhvr>
-                                        <p:cTn id="45" dur="1" fill="hold">
-                                          <p:stCondLst>
-                                            <p:cond delay="0"/>
-                                          </p:stCondLst>
-                                        </p:cTn>
-                                        <p:tgtEl>
-                                          <p:spTgt spid="20"/>
-                                        </p:tgtEl>
-                                        <p:attrNameLst>
-                                          <p:attrName>style.visibility</p:attrName>
-                                        </p:attrNameLst>
-                                      </p:cBhvr>
-                                      <p:to>
-                                        <p:strVal val="visible"/>
-                                      </p:to>
-                                    </p:set>
-                                  </p:childTnLst>
-                                </p:cTn>
-                              </p:par>
-                              <p:par>
-                                <p:cTn id="46" presetID="1" presetClass="entr" presetSubtype="0" fill="hold" grpId="0" nodeType="withEffect">
-                                  <p:stCondLst>
-                                    <p:cond delay="0"/>
-                                  </p:stCondLst>
-                                  <p:childTnLst>
-                                    <p:set>
-                                      <p:cBhvr>
-                                        <p:cTn id="47" dur="1" fill="hold">
-                                          <p:stCondLst>
-                                            <p:cond delay="0"/>
-                                          </p:stCondLst>
-                                        </p:cTn>
-                                        <p:tgtEl>
-                                          <p:spTgt spid="21"/>
-                                        </p:tgtEl>
-                                        <p:attrNameLst>
-                                          <p:attrName>style.visibility</p:attrName>
-                                        </p:attrNameLst>
-                                      </p:cBhvr>
-                                      <p:to>
-                                        <p:strVal val="visible"/>
-                                      </p:to>
-                                    </p:set>
-                                  </p:childTnLst>
-                                </p:cTn>
-                              </p:par>
-                            </p:childTnLst>
-                          </p:cTn>
-                        </p:par>
-                      </p:childTnLst>
-                    </p:cTn>
-                  </p:par>
-                </p:childTnLst>
-              </p:cTn>
-              <p:prevCondLst>
-                <p:cond evt="onPrev" delay="0">
-                  <p:tgtEl>
-                    <p:sldTgt/>
-                  </p:tgtEl>
-                </p:cond>
-              </p:prevCondLst>
-              <p:nextCondLst>
-                <p:cond evt="onNext" delay="0">
-                  <p:tgtEl>
-                    <p:sldTgt/>
-                  </p:tgtEl>
-                </p:cond>
-              </p:nextCondLst>
-            </p:seq>
-          </p:childTnLst>
-        </p:cTn>
-      </p:par>
-    </p:tnLst>
-    <p:bldLst>
-      <p:bldP spid="10" grpId="0" animBg="1"/>
-      <p:bldP spid="11" grpId="0" animBg="1"/>
-      <p:bldP spid="13" grpId="0" animBg="1"/>
-      <p:bldP spid="15" grpId="0"/>
-      <p:bldP spid="19" grpId="0" animBg="1"/>
-      <p:bldP spid="24" grpId="0" animBg="1"/>
-      <p:bldP spid="25" grpId="0" animBg="1"/>
-      <p:bldP spid="27" grpId="0" animBg="1"/>
-      <p:bldP spid="20" grpId="0" animBg="1"/>
-      <p:bldP spid="21" grpId="0" animBg="1"/>
-    </p:bldLst>
-  </p:timing>
-</p:sld>
-</file>
-
-<file path=ppt/slides/slide5.xml><?xml version="1.0" encoding="utf-8"?>
+<file path=ppt/slides/slide6.xml><?xml version="1.0" encoding="utf-8"?>
 <p:sld xmlns:a="http://schemas.openxmlformats.org/drawingml/2006/main" xmlns:r="http://schemas.openxmlformats.org/officeDocument/2006/relationships" xmlns:p="http://schemas.openxmlformats.org/presentationml/2006/main">
   <p:cSld>
     <p:spTree>
@@ -22411,7 +24102,7 @@
             <a:fld id="{8B97E1D9-0739-E445-A7FF-39998847AB6F}" type="slidenum">
               <a:rPr lang="de-DE" smtClean="0"/>
               <a:pPr/>
-              <a:t>5</a:t>
+              <a:t>6</a:t>
             </a:fld>
             <a:endParaRPr lang="de-DE" dirty="0"/>
           </a:p>
@@ -22468,7 +24159,7 @@
           <a:p>
             <a:fld id="{F6737BBE-2145-4442-A559-CD3E1292DF16}" type="datetime1">
               <a:rPr lang="de-DE" smtClean="0"/>
-              <a:t>13.09.2022</a:t>
+              <a:t>15.09.2022</a:t>
             </a:fld>
             <a:endParaRPr lang="de-DE" dirty="0"/>
           </a:p>
@@ -22512,7 +24203,7 @@
 </p:sld>
 </file>
 
-<file path=ppt/slides/slide6.xml><?xml version="1.0" encoding="utf-8"?>
+<file path=ppt/slides/slide7.xml><?xml version="1.0" encoding="utf-8"?>
 <p:sld xmlns:a="http://schemas.openxmlformats.org/drawingml/2006/main" xmlns:r="http://schemas.openxmlformats.org/officeDocument/2006/relationships" xmlns:p="http://schemas.openxmlformats.org/presentationml/2006/main">
   <p:cSld>
     <p:spTree>
@@ -22589,7 +24280,7 @@
             <a:fld id="{8B97E1D9-0739-E445-A7FF-39998847AB6F}" type="slidenum">
               <a:rPr lang="de-DE" smtClean="0"/>
               <a:pPr/>
-              <a:t>6</a:t>
+              <a:t>7</a:t>
             </a:fld>
             <a:endParaRPr lang="de-DE" dirty="0"/>
           </a:p>
@@ -22646,7 +24337,7 @@
           <a:p>
             <a:fld id="{F6737BBE-2145-4442-A559-CD3E1292DF16}" type="datetime1">
               <a:rPr lang="de-DE" smtClean="0"/>
-              <a:t>13.09.2022</a:t>
+              <a:t>15.09.2022</a:t>
             </a:fld>
             <a:endParaRPr lang="de-DE" dirty="0"/>
           </a:p>
@@ -23306,7 +24997,7 @@
 </p:sld>
 </file>
 
-<file path=ppt/slides/slide7.xml><?xml version="1.0" encoding="utf-8"?>
+<file path=ppt/slides/slide8.xml><?xml version="1.0" encoding="utf-8"?>
 <p:sld xmlns:a="http://schemas.openxmlformats.org/drawingml/2006/main" xmlns:r="http://schemas.openxmlformats.org/officeDocument/2006/relationships" xmlns:p="http://schemas.openxmlformats.org/presentationml/2006/main">
   <p:cSld>
     <p:spTree>
@@ -23347,7 +25038,7 @@
             <a:fld id="{8B97E1D9-0739-E445-A7FF-39998847AB6F}" type="slidenum">
               <a:rPr lang="de-DE" smtClean="0"/>
               <a:pPr/>
-              <a:t>7</a:t>
+              <a:t>8</a:t>
             </a:fld>
             <a:endParaRPr lang="de-DE" dirty="0"/>
           </a:p>
@@ -23376,7 +25067,7 @@
           <a:p>
             <a:r>
               <a:rPr lang="de-DE" dirty="0"/>
-              <a:t>Szenario : Synchrone Kommunikation</a:t>
+              <a:t>Synchrone Kommunikation : HTTP Request</a:t>
             </a:r>
           </a:p>
         </p:txBody>
@@ -23404,7 +25095,7 @@
           <a:p>
             <a:fld id="{F6737BBE-2145-4442-A559-CD3E1292DF16}" type="datetime1">
               <a:rPr lang="de-DE" smtClean="0"/>
-              <a:t>13.09.2022</a:t>
+              <a:t>15.09.2022</a:t>
             </a:fld>
             <a:endParaRPr lang="de-DE" dirty="0"/>
           </a:p>
@@ -24271,911 +25962,6 @@
 </p:sld>
 </file>
 
-<file path=ppt/slides/slide8.xml><?xml version="1.0" encoding="utf-8"?>
-<p:sld xmlns:a="http://schemas.openxmlformats.org/drawingml/2006/main" xmlns:r="http://schemas.openxmlformats.org/officeDocument/2006/relationships" xmlns:p="http://schemas.openxmlformats.org/presentationml/2006/main">
-  <p:cSld>
-    <p:spTree>
-      <p:nvGrpSpPr>
-        <p:cNvPr id="1" name=""/>
-        <p:cNvGrpSpPr/>
-        <p:nvPr/>
-      </p:nvGrpSpPr>
-      <p:grpSpPr>
-        <a:xfrm>
-          <a:off x="0" y="0"/>
-          <a:ext cx="0" cy="0"/>
-          <a:chOff x="0" y="0"/>
-          <a:chExt cx="0" cy="0"/>
-        </a:xfrm>
-      </p:grpSpPr>
-      <p:sp>
-        <p:nvSpPr>
-          <p:cNvPr id="6" name="Foliennummernplatzhalter 5">
-            <a:extLst>
-              <a:ext uri="{FF2B5EF4-FFF2-40B4-BE49-F238E27FC236}">
-                <a16:creationId xmlns:a16="http://schemas.microsoft.com/office/drawing/2014/main" id="{54AAAD84-FC90-4559-8CE0-B98D073B6549}"/>
-              </a:ext>
-            </a:extLst>
-          </p:cNvPr>
-          <p:cNvSpPr>
-            <a:spLocks noGrp="1"/>
-          </p:cNvSpPr>
-          <p:nvPr>
-            <p:ph type="sldNum" sz="quarter" idx="17"/>
-          </p:nvPr>
-        </p:nvSpPr>
-        <p:spPr/>
-        <p:txBody>
-          <a:bodyPr/>
-          <a:lstStyle/>
-          <a:p>
-            <a:fld id="{8B97E1D9-0739-E445-A7FF-39998847AB6F}" type="slidenum">
-              <a:rPr lang="de-DE" smtClean="0"/>
-              <a:pPr/>
-              <a:t>8</a:t>
-            </a:fld>
-            <a:endParaRPr lang="de-DE" dirty="0"/>
-          </a:p>
-        </p:txBody>
-      </p:sp>
-      <p:sp>
-        <p:nvSpPr>
-          <p:cNvPr id="7" name="Titel 6">
-            <a:extLst>
-              <a:ext uri="{FF2B5EF4-FFF2-40B4-BE49-F238E27FC236}">
-                <a16:creationId xmlns:a16="http://schemas.microsoft.com/office/drawing/2014/main" id="{9625CF7A-744B-4D16-9849-4EFCC831D6A9}"/>
-              </a:ext>
-            </a:extLst>
-          </p:cNvPr>
-          <p:cNvSpPr>
-            <a:spLocks noGrp="1"/>
-          </p:cNvSpPr>
-          <p:nvPr>
-            <p:ph type="title"/>
-          </p:nvPr>
-        </p:nvSpPr>
-        <p:spPr/>
-        <p:txBody>
-          <a:bodyPr/>
-          <a:lstStyle/>
-          <a:p>
-            <a:r>
-              <a:rPr lang="de-DE" dirty="0"/>
-              <a:t>Szenario : QUEUE</a:t>
-            </a:r>
-          </a:p>
-        </p:txBody>
-      </p:sp>
-      <p:sp>
-        <p:nvSpPr>
-          <p:cNvPr id="8" name="Datumsplatzhalter 7">
-            <a:extLst>
-              <a:ext uri="{FF2B5EF4-FFF2-40B4-BE49-F238E27FC236}">
-                <a16:creationId xmlns:a16="http://schemas.microsoft.com/office/drawing/2014/main" id="{5200AEFB-9967-45DA-8A70-5DB0DE921B0F}"/>
-              </a:ext>
-            </a:extLst>
-          </p:cNvPr>
-          <p:cNvSpPr>
-            <a:spLocks noGrp="1"/>
-          </p:cNvSpPr>
-          <p:nvPr>
-            <p:ph type="dt" sz="half" idx="18"/>
-          </p:nvPr>
-        </p:nvSpPr>
-        <p:spPr/>
-        <p:txBody>
-          <a:bodyPr/>
-          <a:lstStyle/>
-          <a:p>
-            <a:fld id="{F6737BBE-2145-4442-A559-CD3E1292DF16}" type="datetime1">
-              <a:rPr lang="de-DE" smtClean="0"/>
-              <a:t>13.09.2022</a:t>
-            </a:fld>
-            <a:endParaRPr lang="de-DE" dirty="0"/>
-          </a:p>
-        </p:txBody>
-      </p:sp>
-      <p:sp>
-        <p:nvSpPr>
-          <p:cNvPr id="9" name="Fußzeilenplatzhalter 8">
-            <a:extLst>
-              <a:ext uri="{FF2B5EF4-FFF2-40B4-BE49-F238E27FC236}">
-                <a16:creationId xmlns:a16="http://schemas.microsoft.com/office/drawing/2014/main" id="{4FB570F9-91F6-4813-9B0A-9B89BAC606AE}"/>
-              </a:ext>
-            </a:extLst>
-          </p:cNvPr>
-          <p:cNvSpPr>
-            <a:spLocks noGrp="1"/>
-          </p:cNvSpPr>
-          <p:nvPr>
-            <p:ph type="ftr" sz="quarter" idx="3"/>
-          </p:nvPr>
-        </p:nvSpPr>
-        <p:spPr/>
-        <p:txBody>
-          <a:bodyPr/>
-          <a:lstStyle/>
-          <a:p>
-            <a:endParaRPr lang="de-DE" dirty="0"/>
-          </a:p>
-        </p:txBody>
-      </p:sp>
-      <p:sp>
-        <p:nvSpPr>
-          <p:cNvPr id="12" name="Rechteck 11">
-            <a:extLst>
-              <a:ext uri="{FF2B5EF4-FFF2-40B4-BE49-F238E27FC236}">
-                <a16:creationId xmlns:a16="http://schemas.microsoft.com/office/drawing/2014/main" id="{EC87BBAA-6FA5-4AAF-B603-766955BEC8F3}"/>
-              </a:ext>
-            </a:extLst>
-          </p:cNvPr>
-          <p:cNvSpPr/>
-          <p:nvPr/>
-        </p:nvSpPr>
-        <p:spPr>
-          <a:xfrm>
-            <a:off x="1409700" y="1486689"/>
-            <a:ext cx="4244340" cy="2742411"/>
-          </a:xfrm>
-          <a:prstGeom prst="rect">
-            <a:avLst/>
-          </a:prstGeom>
-          <a:noFill/>
-          <a:ln w="38100" cap="flat" cmpd="sng" algn="ctr">
-            <a:solidFill>
-              <a:schemeClr val="accent2">
-                <a:lumMod val="60000"/>
-                <a:lumOff val="40000"/>
-              </a:schemeClr>
-            </a:solidFill>
-            <a:prstDash val="solid"/>
-            <a:round/>
-            <a:headEnd type="none" w="med" len="med"/>
-            <a:tailEnd type="none" w="med" len="med"/>
-          </a:ln>
-        </p:spPr>
-        <p:style>
-          <a:lnRef idx="0">
-            <a:scrgbClr r="0" g="0" b="0"/>
-          </a:lnRef>
-          <a:fillRef idx="0">
-            <a:scrgbClr r="0" g="0" b="0"/>
-          </a:fillRef>
-          <a:effectRef idx="0">
-            <a:scrgbClr r="0" g="0" b="0"/>
-          </a:effectRef>
-          <a:fontRef idx="minor">
-            <a:schemeClr val="dk1"/>
-          </a:fontRef>
-        </p:style>
-        <p:txBody>
-          <a:bodyPr rtlCol="0" anchor="ctr"/>
-          <a:lstStyle/>
-          <a:p>
-            <a:pPr algn="ctr"/>
-            <a:endParaRPr lang="de-DE"/>
-          </a:p>
-        </p:txBody>
-      </p:sp>
-      <p:sp>
-        <p:nvSpPr>
-          <p:cNvPr id="17" name="Pfeil: nach links 16">
-            <a:extLst>
-              <a:ext uri="{FF2B5EF4-FFF2-40B4-BE49-F238E27FC236}">
-                <a16:creationId xmlns:a16="http://schemas.microsoft.com/office/drawing/2014/main" id="{CAC0CE91-EECD-4914-8DF3-EEDC898C42E4}"/>
-              </a:ext>
-            </a:extLst>
-          </p:cNvPr>
-          <p:cNvSpPr/>
-          <p:nvPr/>
-        </p:nvSpPr>
-        <p:spPr>
-          <a:xfrm>
-            <a:off x="5571340" y="2623791"/>
-            <a:ext cx="891540" cy="327660"/>
-          </a:xfrm>
-          <a:prstGeom prst="leftArrow">
-            <a:avLst/>
-          </a:prstGeom>
-          <a:solidFill>
-            <a:srgbClr val="FF0000"/>
-          </a:solidFill>
-          <a:ln>
-            <a:solidFill>
-              <a:srgbClr val="C00000"/>
-            </a:solidFill>
-          </a:ln>
-        </p:spPr>
-        <p:style>
-          <a:lnRef idx="1">
-            <a:schemeClr val="accent1"/>
-          </a:lnRef>
-          <a:fillRef idx="3">
-            <a:schemeClr val="accent1"/>
-          </a:fillRef>
-          <a:effectRef idx="2">
-            <a:schemeClr val="accent1"/>
-          </a:effectRef>
-          <a:fontRef idx="minor">
-            <a:schemeClr val="lt1"/>
-          </a:fontRef>
-        </p:style>
-        <p:txBody>
-          <a:bodyPr rtlCol="0" anchor="ctr"/>
-          <a:lstStyle/>
-          <a:p>
-            <a:pPr algn="ctr"/>
-            <a:r>
-              <a:rPr lang="de-DE" sz="1200" dirty="0"/>
-              <a:t>Queue</a:t>
-            </a:r>
-          </a:p>
-        </p:txBody>
-      </p:sp>
-      <p:sp>
-        <p:nvSpPr>
-          <p:cNvPr id="10" name="Textfeld 9">
-            <a:extLst>
-              <a:ext uri="{FF2B5EF4-FFF2-40B4-BE49-F238E27FC236}">
-                <a16:creationId xmlns:a16="http://schemas.microsoft.com/office/drawing/2014/main" id="{465E413E-938D-4A69-BCE6-9F74C150BEC9}"/>
-              </a:ext>
-            </a:extLst>
-          </p:cNvPr>
-          <p:cNvSpPr txBox="1"/>
-          <p:nvPr/>
-        </p:nvSpPr>
-        <p:spPr>
-          <a:xfrm>
-            <a:off x="1806575" y="1855580"/>
-            <a:ext cx="1784350" cy="830997"/>
-          </a:xfrm>
-          <a:prstGeom prst="rect">
-            <a:avLst/>
-          </a:prstGeom>
-          <a:solidFill>
-            <a:srgbClr val="2C00E6"/>
-          </a:solidFill>
-          <a:ln w="50800" cap="rnd">
-            <a:solidFill>
-              <a:srgbClr val="2800D2"/>
-            </a:solidFill>
-          </a:ln>
-        </p:spPr>
-        <p:txBody>
-          <a:bodyPr wrap="square" rtlCol="0">
-            <a:spAutoFit/>
-          </a:bodyPr>
-          <a:lstStyle/>
-          <a:p>
-            <a:pPr algn="ctr"/>
-            <a:r>
-              <a:rPr lang="de-DE" dirty="0" err="1">
-                <a:solidFill>
-                  <a:schemeClr val="bg1"/>
-                </a:solidFill>
-              </a:rPr>
-              <a:t>AlarmIT</a:t>
-            </a:r>
-            <a:endParaRPr lang="de-DE" dirty="0">
-              <a:solidFill>
-                <a:schemeClr val="bg1"/>
-              </a:solidFill>
-            </a:endParaRPr>
-          </a:p>
-          <a:p>
-            <a:pPr algn="ctr"/>
-            <a:r>
-              <a:rPr lang="de-DE" sz="2000" dirty="0">
-                <a:solidFill>
-                  <a:schemeClr val="bg1"/>
-                </a:solidFill>
-              </a:rPr>
-              <a:t>Instanz 1</a:t>
-            </a:r>
-          </a:p>
-          <a:p>
-            <a:pPr algn="ctr"/>
-            <a:endParaRPr lang="de-DE" dirty="0">
-              <a:solidFill>
-                <a:schemeClr val="bg1"/>
-              </a:solidFill>
-            </a:endParaRPr>
-          </a:p>
-        </p:txBody>
-      </p:sp>
-      <p:sp>
-        <p:nvSpPr>
-          <p:cNvPr id="11" name="Textfeld 10">
-            <a:extLst>
-              <a:ext uri="{FF2B5EF4-FFF2-40B4-BE49-F238E27FC236}">
-                <a16:creationId xmlns:a16="http://schemas.microsoft.com/office/drawing/2014/main" id="{11040457-F383-4E65-8B52-884373FE2801}"/>
-              </a:ext>
-            </a:extLst>
-          </p:cNvPr>
-          <p:cNvSpPr txBox="1"/>
-          <p:nvPr/>
-        </p:nvSpPr>
-        <p:spPr>
-          <a:xfrm>
-            <a:off x="1784927" y="3055468"/>
-            <a:ext cx="1784350" cy="830997"/>
-          </a:xfrm>
-          <a:prstGeom prst="rect">
-            <a:avLst/>
-          </a:prstGeom>
-          <a:solidFill>
-            <a:srgbClr val="2C00E6"/>
-          </a:solidFill>
-          <a:ln w="50800" cap="rnd">
-            <a:solidFill>
-              <a:srgbClr val="2800D2"/>
-            </a:solidFill>
-          </a:ln>
-        </p:spPr>
-        <p:txBody>
-          <a:bodyPr wrap="square" rtlCol="0">
-            <a:spAutoFit/>
-          </a:bodyPr>
-          <a:lstStyle/>
-          <a:p>
-            <a:pPr algn="ctr"/>
-            <a:r>
-              <a:rPr lang="de-DE" dirty="0" err="1">
-                <a:solidFill>
-                  <a:schemeClr val="bg1"/>
-                </a:solidFill>
-              </a:rPr>
-              <a:t>AlarmIT</a:t>
-            </a:r>
-            <a:endParaRPr lang="de-DE" dirty="0">
-              <a:solidFill>
-                <a:schemeClr val="bg1"/>
-              </a:solidFill>
-            </a:endParaRPr>
-          </a:p>
-          <a:p>
-            <a:pPr algn="ctr"/>
-            <a:r>
-              <a:rPr lang="de-DE" sz="2000" dirty="0">
-                <a:solidFill>
-                  <a:schemeClr val="bg1"/>
-                </a:solidFill>
-              </a:rPr>
-              <a:t>Instanz 2</a:t>
-            </a:r>
-          </a:p>
-          <a:p>
-            <a:pPr algn="ctr"/>
-            <a:endParaRPr lang="de-DE" dirty="0">
-              <a:solidFill>
-                <a:schemeClr val="bg1"/>
-              </a:solidFill>
-            </a:endParaRPr>
-          </a:p>
-        </p:txBody>
-      </p:sp>
-      <p:pic>
-        <p:nvPicPr>
-          <p:cNvPr id="21" name="Picture 6" descr="Was ist Docker? | AWS">
-            <a:extLst>
-              <a:ext uri="{FF2B5EF4-FFF2-40B4-BE49-F238E27FC236}">
-                <a16:creationId xmlns:a16="http://schemas.microsoft.com/office/drawing/2014/main" id="{3CF49483-D8B6-4C58-A610-0051DF2F38A8}"/>
-              </a:ext>
-            </a:extLst>
-          </p:cNvPr>
-          <p:cNvPicPr>
-            <a:picLocks noChangeAspect="1" noChangeArrowheads="1"/>
-          </p:cNvPicPr>
-          <p:nvPr/>
-        </p:nvPicPr>
-        <p:blipFill>
-          <a:blip r:embed="rId2">
-            <a:extLst>
-              <a:ext uri="{28A0092B-C50C-407E-A947-70E740481C1C}">
-                <a14:useLocalDpi xmlns:a14="http://schemas.microsoft.com/office/drawing/2010/main" val="0"/>
-              </a:ext>
-            </a:extLst>
-          </a:blip>
-          <a:srcRect/>
-          <a:stretch>
-            <a:fillRect/>
-          </a:stretch>
-        </p:blipFill>
-        <p:spPr bwMode="auto">
-          <a:xfrm>
-            <a:off x="115544" y="1504289"/>
-            <a:ext cx="1272061" cy="597276"/>
-          </a:xfrm>
-          <a:prstGeom prst="rect">
-            <a:avLst/>
-          </a:prstGeom>
-          <a:noFill/>
-          <a:ln w="38100">
-            <a:solidFill>
-              <a:schemeClr val="accent2">
-                <a:lumMod val="60000"/>
-                <a:lumOff val="40000"/>
-              </a:schemeClr>
-            </a:solidFill>
-          </a:ln>
-          <a:extLst>
-            <a:ext uri="{909E8E84-426E-40DD-AFC4-6F175D3DCCD1}">
-              <a14:hiddenFill xmlns:a14="http://schemas.microsoft.com/office/drawing/2010/main">
-                <a:solidFill>
-                  <a:srgbClr val="FFFFFF"/>
-                </a:solidFill>
-              </a14:hiddenFill>
-            </a:ext>
-          </a:extLst>
-        </p:spPr>
-      </p:pic>
-      <p:pic>
-        <p:nvPicPr>
-          <p:cNvPr id="25" name="Picture 6" descr="Apache ActiveMQ – Wikipedia">
-            <a:extLst>
-              <a:ext uri="{FF2B5EF4-FFF2-40B4-BE49-F238E27FC236}">
-                <a16:creationId xmlns:a16="http://schemas.microsoft.com/office/drawing/2014/main" id="{3492889B-2052-4FE3-81D4-203355532B6A}"/>
-              </a:ext>
-            </a:extLst>
-          </p:cNvPr>
-          <p:cNvPicPr>
-            <a:picLocks noChangeAspect="1" noChangeArrowheads="1"/>
-          </p:cNvPicPr>
-          <p:nvPr/>
-        </p:nvPicPr>
-        <p:blipFill>
-          <a:blip r:embed="rId3">
-            <a:extLst>
-              <a:ext uri="{28A0092B-C50C-407E-A947-70E740481C1C}">
-                <a14:useLocalDpi xmlns:a14="http://schemas.microsoft.com/office/drawing/2010/main" val="0"/>
-              </a:ext>
-            </a:extLst>
-          </a:blip>
-          <a:srcRect/>
-          <a:stretch>
-            <a:fillRect/>
-          </a:stretch>
-        </p:blipFill>
-        <p:spPr bwMode="auto">
-          <a:xfrm>
-            <a:off x="4368272" y="2400864"/>
-            <a:ext cx="1200169" cy="978251"/>
-          </a:xfrm>
-          <a:prstGeom prst="rect">
-            <a:avLst/>
-          </a:prstGeom>
-          <a:noFill/>
-          <a:extLst>
-            <a:ext uri="{909E8E84-426E-40DD-AFC4-6F175D3DCCD1}">
-              <a14:hiddenFill xmlns:a14="http://schemas.microsoft.com/office/drawing/2010/main">
-                <a:solidFill>
-                  <a:srgbClr val="FFFFFF"/>
-                </a:solidFill>
-              </a14:hiddenFill>
-            </a:ext>
-          </a:extLst>
-        </p:spPr>
-      </p:pic>
-      <p:sp>
-        <p:nvSpPr>
-          <p:cNvPr id="27" name="Rechteck 26">
-            <a:extLst>
-              <a:ext uri="{FF2B5EF4-FFF2-40B4-BE49-F238E27FC236}">
-                <a16:creationId xmlns:a16="http://schemas.microsoft.com/office/drawing/2014/main" id="{90978F04-0B16-48DA-B0ED-1AC480427DD1}"/>
-              </a:ext>
-            </a:extLst>
-          </p:cNvPr>
-          <p:cNvSpPr/>
-          <p:nvPr/>
-        </p:nvSpPr>
-        <p:spPr>
-          <a:xfrm>
-            <a:off x="6706158" y="2400864"/>
-            <a:ext cx="1673465" cy="826676"/>
-          </a:xfrm>
-          <a:prstGeom prst="rect">
-            <a:avLst/>
-          </a:prstGeom>
-        </p:spPr>
-        <p:style>
-          <a:lnRef idx="2">
-            <a:schemeClr val="accent1">
-              <a:shade val="50000"/>
-            </a:schemeClr>
-          </a:lnRef>
-          <a:fillRef idx="1">
-            <a:schemeClr val="accent1"/>
-          </a:fillRef>
-          <a:effectRef idx="0">
-            <a:schemeClr val="accent1"/>
-          </a:effectRef>
-          <a:fontRef idx="minor">
-            <a:schemeClr val="lt1"/>
-          </a:fontRef>
-        </p:style>
-        <p:txBody>
-          <a:bodyPr rtlCol="0" anchor="ctr"/>
-          <a:lstStyle/>
-          <a:p>
-            <a:pPr algn="ctr"/>
-            <a:r>
-              <a:rPr lang="de-DE" dirty="0"/>
-              <a:t>Level 1</a:t>
-            </a:r>
-          </a:p>
-        </p:txBody>
-      </p:sp>
-      <p:sp>
-        <p:nvSpPr>
-          <p:cNvPr id="28" name="Pfeil: nach unten 27">
-            <a:extLst>
-              <a:ext uri="{FF2B5EF4-FFF2-40B4-BE49-F238E27FC236}">
-                <a16:creationId xmlns:a16="http://schemas.microsoft.com/office/drawing/2014/main" id="{EBF16410-41CA-46F5-A01F-C274C8D468B5}"/>
-              </a:ext>
-            </a:extLst>
-          </p:cNvPr>
-          <p:cNvSpPr/>
-          <p:nvPr/>
-        </p:nvSpPr>
-        <p:spPr>
-          <a:xfrm rot="3678140">
-            <a:off x="3912867" y="2864426"/>
-            <a:ext cx="162206" cy="764639"/>
-          </a:xfrm>
-          <a:prstGeom prst="downArrow">
-            <a:avLst/>
-          </a:prstGeom>
-          <a:solidFill>
-            <a:srgbClr val="FF0000"/>
-          </a:solidFill>
-        </p:spPr>
-        <p:style>
-          <a:lnRef idx="2">
-            <a:schemeClr val="accent1">
-              <a:shade val="50000"/>
-            </a:schemeClr>
-          </a:lnRef>
-          <a:fillRef idx="1">
-            <a:schemeClr val="accent1"/>
-          </a:fillRef>
-          <a:effectRef idx="0">
-            <a:schemeClr val="accent1"/>
-          </a:effectRef>
-          <a:fontRef idx="minor">
-            <a:schemeClr val="lt1"/>
-          </a:fontRef>
-        </p:style>
-        <p:txBody>
-          <a:bodyPr rtlCol="0" anchor="ctr"/>
-          <a:lstStyle/>
-          <a:p>
-            <a:pPr algn="ctr"/>
-            <a:endParaRPr lang="de-DE"/>
-          </a:p>
-        </p:txBody>
-      </p:sp>
-      <p:sp>
-        <p:nvSpPr>
-          <p:cNvPr id="29" name="Pfeil: nach unten 28">
-            <a:extLst>
-              <a:ext uri="{FF2B5EF4-FFF2-40B4-BE49-F238E27FC236}">
-                <a16:creationId xmlns:a16="http://schemas.microsoft.com/office/drawing/2014/main" id="{83D60591-6201-403F-8170-69EC6AFFA5B3}"/>
-              </a:ext>
-            </a:extLst>
-          </p:cNvPr>
-          <p:cNvSpPr/>
-          <p:nvPr/>
-        </p:nvSpPr>
-        <p:spPr>
-          <a:xfrm rot="6874408">
-            <a:off x="3912866" y="2080784"/>
-            <a:ext cx="162206" cy="764639"/>
-          </a:xfrm>
-          <a:prstGeom prst="downArrow">
-            <a:avLst/>
-          </a:prstGeom>
-          <a:solidFill>
-            <a:srgbClr val="FF0000"/>
-          </a:solidFill>
-        </p:spPr>
-        <p:style>
-          <a:lnRef idx="2">
-            <a:schemeClr val="accent1">
-              <a:shade val="50000"/>
-            </a:schemeClr>
-          </a:lnRef>
-          <a:fillRef idx="1">
-            <a:schemeClr val="accent1"/>
-          </a:fillRef>
-          <a:effectRef idx="0">
-            <a:schemeClr val="accent1"/>
-          </a:effectRef>
-          <a:fontRef idx="minor">
-            <a:schemeClr val="lt1"/>
-          </a:fontRef>
-        </p:style>
-        <p:txBody>
-          <a:bodyPr rtlCol="0" anchor="ctr"/>
-          <a:lstStyle/>
-          <a:p>
-            <a:pPr algn="ctr"/>
-            <a:endParaRPr lang="de-DE"/>
-          </a:p>
-        </p:txBody>
-      </p:sp>
-    </p:spTree>
-    <p:extLst>
-      <p:ext uri="{BB962C8B-B14F-4D97-AF65-F5344CB8AC3E}">
-        <p14:creationId xmlns:p14="http://schemas.microsoft.com/office/powerpoint/2010/main" val="2064385012"/>
-      </p:ext>
-    </p:extLst>
-  </p:cSld>
-  <p:clrMapOvr>
-    <a:masterClrMapping/>
-  </p:clrMapOvr>
-  <p:timing>
-    <p:tnLst>
-      <p:par>
-        <p:cTn id="1" dur="indefinite" restart="never" nodeType="tmRoot">
-          <p:childTnLst>
-            <p:seq concurrent="1" nextAc="seek">
-              <p:cTn id="2" dur="indefinite" nodeType="mainSeq">
-                <p:childTnLst>
-                  <p:par>
-                    <p:cTn id="3" fill="hold">
-                      <p:stCondLst>
-                        <p:cond delay="indefinite"/>
-                      </p:stCondLst>
-                      <p:childTnLst>
-                        <p:par>
-                          <p:cTn id="4" fill="hold">
-                            <p:stCondLst>
-                              <p:cond delay="0"/>
-                            </p:stCondLst>
-                            <p:childTnLst>
-                              <p:par>
-                                <p:cTn id="5" presetID="1" presetClass="entr" presetSubtype="0" fill="hold" grpId="0" nodeType="clickEffect">
-                                  <p:stCondLst>
-                                    <p:cond delay="0"/>
-                                  </p:stCondLst>
-                                  <p:childTnLst>
-                                    <p:set>
-                                      <p:cBhvr>
-                                        <p:cTn id="6" dur="1" fill="hold">
-                                          <p:stCondLst>
-                                            <p:cond delay="0"/>
-                                          </p:stCondLst>
-                                        </p:cTn>
-                                        <p:tgtEl>
-                                          <p:spTgt spid="11"/>
-                                        </p:tgtEl>
-                                        <p:attrNameLst>
-                                          <p:attrName>style.visibility</p:attrName>
-                                        </p:attrNameLst>
-                                      </p:cBhvr>
-                                      <p:to>
-                                        <p:strVal val="visible"/>
-                                      </p:to>
-                                    </p:set>
-                                  </p:childTnLst>
-                                </p:cTn>
-                              </p:par>
-                              <p:par>
-                                <p:cTn id="7" presetID="1" presetClass="entr" presetSubtype="0" fill="hold" grpId="0" nodeType="withEffect">
-                                  <p:stCondLst>
-                                    <p:cond delay="0"/>
-                                  </p:stCondLst>
-                                  <p:childTnLst>
-                                    <p:set>
-                                      <p:cBhvr>
-                                        <p:cTn id="8" dur="1" fill="hold">
-                                          <p:stCondLst>
-                                            <p:cond delay="0"/>
-                                          </p:stCondLst>
-                                        </p:cTn>
-                                        <p:tgtEl>
-                                          <p:spTgt spid="12"/>
-                                        </p:tgtEl>
-                                        <p:attrNameLst>
-                                          <p:attrName>style.visibility</p:attrName>
-                                        </p:attrNameLst>
-                                      </p:cBhvr>
-                                      <p:to>
-                                        <p:strVal val="visible"/>
-                                      </p:to>
-                                    </p:set>
-                                  </p:childTnLst>
-                                </p:cTn>
-                              </p:par>
-                              <p:par>
-                                <p:cTn id="9" presetID="1" presetClass="entr" presetSubtype="0" fill="hold" grpId="0" nodeType="withEffect">
-                                  <p:stCondLst>
-                                    <p:cond delay="0"/>
-                                  </p:stCondLst>
-                                  <p:childTnLst>
-                                    <p:set>
-                                      <p:cBhvr>
-                                        <p:cTn id="10" dur="1" fill="hold">
-                                          <p:stCondLst>
-                                            <p:cond delay="0"/>
-                                          </p:stCondLst>
-                                        </p:cTn>
-                                        <p:tgtEl>
-                                          <p:spTgt spid="10"/>
-                                        </p:tgtEl>
-                                        <p:attrNameLst>
-                                          <p:attrName>style.visibility</p:attrName>
-                                        </p:attrNameLst>
-                                      </p:cBhvr>
-                                      <p:to>
-                                        <p:strVal val="visible"/>
-                                      </p:to>
-                                    </p:set>
-                                  </p:childTnLst>
-                                </p:cTn>
-                              </p:par>
-                              <p:par>
-                                <p:cTn id="11" presetID="1" presetClass="entr" presetSubtype="0" fill="hold" nodeType="withEffect">
-                                  <p:stCondLst>
-                                    <p:cond delay="0"/>
-                                  </p:stCondLst>
-                                  <p:childTnLst>
-                                    <p:set>
-                                      <p:cBhvr>
-                                        <p:cTn id="12" dur="1" fill="hold">
-                                          <p:stCondLst>
-                                            <p:cond delay="0"/>
-                                          </p:stCondLst>
-                                        </p:cTn>
-                                        <p:tgtEl>
-                                          <p:spTgt spid="21"/>
-                                        </p:tgtEl>
-                                        <p:attrNameLst>
-                                          <p:attrName>style.visibility</p:attrName>
-                                        </p:attrNameLst>
-                                      </p:cBhvr>
-                                      <p:to>
-                                        <p:strVal val="visible"/>
-                                      </p:to>
-                                    </p:set>
-                                  </p:childTnLst>
-                                </p:cTn>
-                              </p:par>
-                            </p:childTnLst>
-                          </p:cTn>
-                        </p:par>
-                      </p:childTnLst>
-                    </p:cTn>
-                  </p:par>
-                  <p:par>
-                    <p:cTn id="13" fill="hold">
-                      <p:stCondLst>
-                        <p:cond delay="indefinite"/>
-                      </p:stCondLst>
-                      <p:childTnLst>
-                        <p:par>
-                          <p:cTn id="14" fill="hold">
-                            <p:stCondLst>
-                              <p:cond delay="0"/>
-                            </p:stCondLst>
-                            <p:childTnLst>
-                              <p:par>
-                                <p:cTn id="15" presetID="1" presetClass="entr" presetSubtype="0" fill="hold" grpId="0" nodeType="clickEffect">
-                                  <p:stCondLst>
-                                    <p:cond delay="0"/>
-                                  </p:stCondLst>
-                                  <p:childTnLst>
-                                    <p:set>
-                                      <p:cBhvr>
-                                        <p:cTn id="16" dur="1" fill="hold">
-                                          <p:stCondLst>
-                                            <p:cond delay="0"/>
-                                          </p:stCondLst>
-                                        </p:cTn>
-                                        <p:tgtEl>
-                                          <p:spTgt spid="17"/>
-                                        </p:tgtEl>
-                                        <p:attrNameLst>
-                                          <p:attrName>style.visibility</p:attrName>
-                                        </p:attrNameLst>
-                                      </p:cBhvr>
-                                      <p:to>
-                                        <p:strVal val="visible"/>
-                                      </p:to>
-                                    </p:set>
-                                  </p:childTnLst>
-                                </p:cTn>
-                              </p:par>
-                            </p:childTnLst>
-                          </p:cTn>
-                        </p:par>
-                      </p:childTnLst>
-                    </p:cTn>
-                  </p:par>
-                  <p:par>
-                    <p:cTn id="17" fill="hold">
-                      <p:stCondLst>
-                        <p:cond delay="indefinite"/>
-                      </p:stCondLst>
-                      <p:childTnLst>
-                        <p:par>
-                          <p:cTn id="18" fill="hold">
-                            <p:stCondLst>
-                              <p:cond delay="0"/>
-                            </p:stCondLst>
-                            <p:childTnLst>
-                              <p:par>
-                                <p:cTn id="19" presetID="10" presetClass="entr" presetSubtype="0" fill="hold" nodeType="clickEffect">
-                                  <p:stCondLst>
-                                    <p:cond delay="0"/>
-                                  </p:stCondLst>
-                                  <p:childTnLst>
-                                    <p:set>
-                                      <p:cBhvr>
-                                        <p:cTn id="20" dur="1" fill="hold">
-                                          <p:stCondLst>
-                                            <p:cond delay="0"/>
-                                          </p:stCondLst>
-                                        </p:cTn>
-                                        <p:tgtEl>
-                                          <p:spTgt spid="25"/>
-                                        </p:tgtEl>
-                                        <p:attrNameLst>
-                                          <p:attrName>style.visibility</p:attrName>
-                                        </p:attrNameLst>
-                                      </p:cBhvr>
-                                      <p:to>
-                                        <p:strVal val="visible"/>
-                                      </p:to>
-                                    </p:set>
-                                    <p:animEffect transition="in" filter="fade">
-                                      <p:cBhvr>
-                                        <p:cTn id="21" dur="500"/>
-                                        <p:tgtEl>
-                                          <p:spTgt spid="25"/>
-                                        </p:tgtEl>
-                                      </p:cBhvr>
-                                    </p:animEffect>
-                                  </p:childTnLst>
-                                </p:cTn>
-                              </p:par>
-                            </p:childTnLst>
-                          </p:cTn>
-                        </p:par>
-                      </p:childTnLst>
-                    </p:cTn>
-                  </p:par>
-                </p:childTnLst>
-              </p:cTn>
-              <p:prevCondLst>
-                <p:cond evt="onPrev" delay="0">
-                  <p:tgtEl>
-                    <p:sldTgt/>
-                  </p:tgtEl>
-                </p:cond>
-              </p:prevCondLst>
-              <p:nextCondLst>
-                <p:cond evt="onNext" delay="0">
-                  <p:tgtEl>
-                    <p:sldTgt/>
-                  </p:tgtEl>
-                </p:cond>
-              </p:nextCondLst>
-            </p:seq>
-          </p:childTnLst>
-        </p:cTn>
-      </p:par>
-    </p:tnLst>
-    <p:bldLst>
-      <p:bldP spid="12" grpId="0" animBg="1"/>
-      <p:bldP spid="17" grpId="0" animBg="1"/>
-      <p:bldP spid="10" grpId="0" animBg="1"/>
-      <p:bldP spid="11" grpId="0" animBg="1"/>
-    </p:bldLst>
-  </p:timing>
-</p:sld>
-</file>
-
 <file path=ppt/slides/slide9.xml><?xml version="1.0" encoding="utf-8"?>
 <p:sld xmlns:a="http://schemas.openxmlformats.org/drawingml/2006/main" xmlns:r="http://schemas.openxmlformats.org/officeDocument/2006/relationships" xmlns:p="http://schemas.openxmlformats.org/presentationml/2006/main">
   <p:cSld>
@@ -25246,7 +26032,23 @@
           <a:p>
             <a:r>
               <a:rPr lang="de-DE" dirty="0"/>
-              <a:t>Szenario : TOPIC</a:t>
+              <a:t>Asynchrone Kommunikation : </a:t>
+            </a:r>
+            <a:r>
+              <a:rPr lang="de-DE" dirty="0" err="1"/>
+              <a:t>point</a:t>
+            </a:r>
+            <a:r>
+              <a:rPr lang="de-DE" dirty="0"/>
+              <a:t>-</a:t>
+            </a:r>
+            <a:r>
+              <a:rPr lang="de-DE" dirty="0" err="1"/>
+              <a:t>to</a:t>
+            </a:r>
+            <a:r>
+              <a:rPr lang="de-DE" dirty="0"/>
+              <a:t>-point</a:t>
             </a:r>
           </a:p>
         </p:txBody>
@@ -25274,7 +26076,7 @@
           <a:p>
             <a:fld id="{F6737BBE-2145-4442-A559-CD3E1292DF16}" type="datetime1">
               <a:rPr lang="de-DE" smtClean="0"/>
-              <a:t>13.09.2022</a:t>
+              <a:t>15.09.2022</a:t>
             </a:fld>
             <a:endParaRPr lang="de-DE" dirty="0"/>
           </a:p>
@@ -25376,7 +26178,7 @@
         </p:nvSpPr>
         <p:spPr>
           <a:xfrm>
-            <a:off x="5494123" y="2639520"/>
+            <a:off x="5571340" y="2623791"/>
             <a:ext cx="891540" cy="327660"/>
           </a:xfrm>
           <a:prstGeom prst="leftArrow">
@@ -25412,7 +26214,7 @@
             <a:pPr algn="ctr"/>
             <a:r>
               <a:rPr lang="de-DE" sz="1200" dirty="0"/>
-              <a:t>Topic</a:t>
+              <a:t>Queue</a:t>
             </a:r>
           </a:p>
         </p:txBody>
@@ -25643,7 +26445,7 @@
         </p:blipFill>
         <p:spPr bwMode="auto">
           <a:xfrm>
-            <a:off x="4293954" y="2377540"/>
+            <a:off x="4368272" y="2400864"/>
             <a:ext cx="1200169" cy="978251"/>
           </a:xfrm>
           <a:prstGeom prst="rect">
@@ -25675,7 +26477,7 @@
         </p:nvSpPr>
         <p:spPr>
           <a:xfrm>
-            <a:off x="6749099" y="2390240"/>
+            <a:off x="6706158" y="2400864"/>
             <a:ext cx="1673465" cy="826676"/>
           </a:xfrm>
           <a:prstGeom prst="rect">
@@ -25724,7 +26526,7 @@
         </p:nvSpPr>
         <p:spPr>
           <a:xfrm rot="3678140">
-            <a:off x="3945351" y="2760187"/>
+            <a:off x="3912867" y="2864426"/>
             <a:ext cx="162206" cy="764639"/>
           </a:xfrm>
           <a:prstGeom prst="downArrow">
@@ -25772,8 +26574,8 @@
           <p:nvPr/>
         </p:nvSpPr>
         <p:spPr>
-          <a:xfrm rot="6648881">
-            <a:off x="3925607" y="2182580"/>
+          <a:xfrm rot="6874408">
+            <a:off x="3912866" y="2080784"/>
             <a:ext cx="162206" cy="764639"/>
           </a:xfrm>
           <a:prstGeom prst="downArrow">
@@ -25811,7 +26613,7 @@
     </p:spTree>
     <p:extLst>
       <p:ext uri="{BB962C8B-B14F-4D97-AF65-F5344CB8AC3E}">
-        <p14:creationId xmlns:p14="http://schemas.microsoft.com/office/powerpoint/2010/main" val="1039026769"/>
+        <p14:creationId xmlns:p14="http://schemas.microsoft.com/office/powerpoint/2010/main" val="2064385012"/>
       </p:ext>
     </p:extLst>
   </p:cSld>

--- a/KommunikationVerteilteSysteme.pptx
+++ b/KommunikationVerteilteSysteme.pptx
@@ -5,31 +5,32 @@
     <p:sldMasterId id="2147483660" r:id="rId1"/>
   </p:sldMasterIdLst>
   <p:notesMasterIdLst>
-    <p:notesMasterId r:id="rId16"/>
+    <p:notesMasterId r:id="rId17"/>
   </p:notesMasterIdLst>
   <p:handoutMasterIdLst>
-    <p:handoutMasterId r:id="rId17"/>
+    <p:handoutMasterId r:id="rId18"/>
   </p:handoutMasterIdLst>
   <p:sldIdLst>
     <p:sldId id="257" r:id="rId2"/>
-    <p:sldId id="262" r:id="rId3"/>
-    <p:sldId id="261" r:id="rId4"/>
-    <p:sldId id="275" r:id="rId5"/>
-    <p:sldId id="271" r:id="rId6"/>
-    <p:sldId id="267" r:id="rId7"/>
-    <p:sldId id="266" r:id="rId8"/>
-    <p:sldId id="263" r:id="rId9"/>
-    <p:sldId id="273" r:id="rId10"/>
-    <p:sldId id="264" r:id="rId11"/>
-    <p:sldId id="265" r:id="rId12"/>
-    <p:sldId id="268" r:id="rId13"/>
-    <p:sldId id="274" r:id="rId14"/>
-    <p:sldId id="269" r:id="rId15"/>
+    <p:sldId id="276" r:id="rId3"/>
+    <p:sldId id="262" r:id="rId4"/>
+    <p:sldId id="261" r:id="rId5"/>
+    <p:sldId id="275" r:id="rId6"/>
+    <p:sldId id="271" r:id="rId7"/>
+    <p:sldId id="267" r:id="rId8"/>
+    <p:sldId id="266" r:id="rId9"/>
+    <p:sldId id="263" r:id="rId10"/>
+    <p:sldId id="273" r:id="rId11"/>
+    <p:sldId id="264" r:id="rId12"/>
+    <p:sldId id="265" r:id="rId13"/>
+    <p:sldId id="268" r:id="rId14"/>
+    <p:sldId id="274" r:id="rId15"/>
+    <p:sldId id="269" r:id="rId16"/>
   </p:sldIdLst>
   <p:sldSz cx="9144000" cy="5143500" type="screen16x9"/>
   <p:notesSz cx="6858000" cy="9144000"/>
   <p:custDataLst>
-    <p:tags r:id="rId18"/>
+    <p:tags r:id="rId19"/>
   </p:custDataLst>
   <p:defaultTextStyle>
     <a:defPPr>
@@ -242,7 +243,7 @@
           <a:p>
             <a:fld id="{9A0B111F-537A-A44D-9077-472A5CE198C7}" type="datetimeFigureOut">
               <a:rPr lang="de-DE" smtClean="0"/>
-              <a:t>15.09.2022</a:t>
+              <a:t>16.09.2022</a:t>
             </a:fld>
             <a:endParaRPr lang="de-DE"/>
           </a:p>
@@ -419,7 +420,7 @@
           <a:p>
             <a:fld id="{89DA1E77-5117-B348-899E-C7E9C4D9F712}" type="datetimeFigureOut">
               <a:rPr lang="de-DE" smtClean="0"/>
-              <a:t>15.09.2022</a:t>
+              <a:t>16.09.2022</a:t>
             </a:fld>
             <a:endParaRPr lang="de-DE"/>
           </a:p>
@@ -755,7 +756,7 @@
           <a:p>
             <a:fld id="{B8489D3D-26F7-E94A-85B1-4DC7A85B894E}" type="slidenum">
               <a:rPr lang="de-DE" smtClean="0"/>
-              <a:t>3</a:t>
+              <a:t>4</a:t>
             </a:fld>
             <a:endParaRPr lang="de-DE"/>
           </a:p>
@@ -843,7 +844,7 @@
           <a:p>
             <a:fld id="{B8489D3D-26F7-E94A-85B1-4DC7A85B894E}" type="slidenum">
               <a:rPr lang="de-DE" smtClean="0"/>
-              <a:t>4</a:t>
+              <a:t>5</a:t>
             </a:fld>
             <a:endParaRPr lang="de-DE"/>
           </a:p>
@@ -1608,7 +1609,7 @@
           <a:p>
             <a:fld id="{3DB23B1A-9187-4AC2-A6E8-256A7CA6F393}" type="datetime1">
               <a:rPr lang="de-DE" smtClean="0"/>
-              <a:t>15.09.2022</a:t>
+              <a:t>16.09.2022</a:t>
             </a:fld>
             <a:endParaRPr lang="de-DE" dirty="0"/>
           </a:p>
@@ -2112,7 +2113,7 @@
           <a:p>
             <a:fld id="{37A493B6-C0AD-49FB-AEAE-DFD93FEC1EA3}" type="datetime1">
               <a:rPr lang="de-DE" smtClean="0"/>
-              <a:t>15.09.2022</a:t>
+              <a:t>16.09.2022</a:t>
             </a:fld>
             <a:endParaRPr lang="de-DE" dirty="0"/>
           </a:p>
@@ -3090,7 +3091,7 @@
           <a:p>
             <a:fld id="{2904B3CD-E2B2-4C2D-A136-AD33C9D4D7F8}" type="datetime1">
               <a:rPr lang="de-DE" smtClean="0"/>
-              <a:t>15.09.2022</a:t>
+              <a:t>16.09.2022</a:t>
             </a:fld>
             <a:endParaRPr lang="de-DE" dirty="0"/>
           </a:p>
@@ -3291,7 +3292,7 @@
           <a:p>
             <a:fld id="{18C6B73E-2377-4D37-834F-82F854251A1A}" type="datetime1">
               <a:rPr lang="de-DE" smtClean="0"/>
-              <a:t>15.09.2022</a:t>
+              <a:t>16.09.2022</a:t>
             </a:fld>
             <a:endParaRPr lang="de-DE" dirty="0"/>
           </a:p>
@@ -4068,7 +4069,7 @@
           <a:p>
             <a:fld id="{859BCDE9-D454-4ABF-8A21-98EC818B1C6E}" type="datetime1">
               <a:rPr lang="de-DE" smtClean="0"/>
-              <a:t>15.09.2022</a:t>
+              <a:t>16.09.2022</a:t>
             </a:fld>
             <a:endParaRPr lang="de-DE" dirty="0"/>
           </a:p>
@@ -4461,7 +4462,7 @@
           <a:p>
             <a:fld id="{F9F6D2D9-B26A-4B4B-8DEB-E3F0C9E6586D}" type="datetime1">
               <a:rPr lang="de-DE" smtClean="0"/>
-              <a:t>15.09.2022</a:t>
+              <a:t>16.09.2022</a:t>
             </a:fld>
             <a:endParaRPr lang="de-DE" dirty="0"/>
           </a:p>
@@ -4902,7 +4903,7 @@
           <a:p>
             <a:fld id="{EF2D43E2-33BF-41E2-8988-8978FB7BE6F8}" type="datetime1">
               <a:rPr lang="de-DE" smtClean="0"/>
-              <a:t>15.09.2022</a:t>
+              <a:t>16.09.2022</a:t>
             </a:fld>
             <a:endParaRPr lang="de-DE" dirty="0"/>
           </a:p>
@@ -5424,7 +5425,7 @@
           <a:p>
             <a:fld id="{02F0AE24-04D3-4F60-9ADA-A27FD34B1EA1}" type="datetime1">
               <a:rPr lang="de-DE" smtClean="0"/>
-              <a:t>15.09.2022</a:t>
+              <a:t>16.09.2022</a:t>
             </a:fld>
             <a:endParaRPr lang="de-DE" dirty="0"/>
           </a:p>
@@ -6252,7 +6253,7 @@
           <a:p>
             <a:fld id="{0EE36181-0326-44FE-B68A-1FC7A46D2DC6}" type="datetime1">
               <a:rPr lang="de-DE" smtClean="0"/>
-              <a:t>15.09.2022</a:t>
+              <a:t>16.09.2022</a:t>
             </a:fld>
             <a:endParaRPr lang="de-DE" dirty="0"/>
           </a:p>
@@ -6898,7 +6899,7 @@
           <a:p>
             <a:fld id="{0802C932-8694-4D47-8036-E73AF92D3C8E}" type="datetime1">
               <a:rPr lang="de-DE" smtClean="0"/>
-              <a:t>15.09.2022</a:t>
+              <a:t>16.09.2022</a:t>
             </a:fld>
             <a:endParaRPr lang="de-DE" dirty="0"/>
           </a:p>
@@ -7489,7 +7490,7 @@
           <a:p>
             <a:fld id="{F6737BBE-2145-4442-A559-CD3E1292DF16}" type="datetime1">
               <a:rPr lang="de-DE" smtClean="0"/>
-              <a:t>15.09.2022</a:t>
+              <a:t>16.09.2022</a:t>
             </a:fld>
             <a:endParaRPr lang="de-DE" dirty="0"/>
           </a:p>
@@ -7642,7 +7643,7 @@
           <a:p>
             <a:fld id="{D522FE2C-A6D9-4590-A1CE-B501E99953F5}" type="datetime1">
               <a:rPr lang="de-DE" smtClean="0"/>
-              <a:t>15.09.2022</a:t>
+              <a:t>16.09.2022</a:t>
             </a:fld>
             <a:endParaRPr lang="de-DE" dirty="0"/>
           </a:p>
@@ -8016,7 +8017,7 @@
           <a:p>
             <a:fld id="{FB1A39E2-7EE3-42EC-8CB1-72ADC3F9EF04}" type="datetime1">
               <a:rPr lang="de-DE" smtClean="0"/>
-              <a:t>15.09.2022</a:t>
+              <a:t>16.09.2022</a:t>
             </a:fld>
             <a:endParaRPr lang="de-DE" dirty="0"/>
           </a:p>
@@ -9558,7 +9559,7 @@
           <a:p>
             <a:fld id="{E2FC5787-D3CC-4D24-A6E3-B654BBD1545E}" type="datetime1">
               <a:rPr lang="de-DE" smtClean="0"/>
-              <a:t>15.09.2022</a:t>
+              <a:t>16.09.2022</a:t>
             </a:fld>
             <a:endParaRPr lang="de-DE" dirty="0"/>
           </a:p>
@@ -10396,7 +10397,7 @@
           <a:p>
             <a:fld id="{17FE8F99-BF54-414D-A3A4-1FE3CA29B8C5}" type="datetime1">
               <a:rPr lang="de-DE" smtClean="0"/>
-              <a:t>15.09.2022</a:t>
+              <a:t>16.09.2022</a:t>
             </a:fld>
             <a:endParaRPr lang="de-DE" dirty="0"/>
           </a:p>
@@ -10627,7 +10628,7 @@
           <a:p>
             <a:fld id="{6FC3921D-598D-4DEE-9314-C280C5FEF300}" type="datetime1">
               <a:rPr lang="de-DE" smtClean="0"/>
-              <a:t>15.09.2022</a:t>
+              <a:t>16.09.2022</a:t>
             </a:fld>
             <a:endParaRPr lang="de-DE" dirty="0"/>
           </a:p>
@@ -11301,7 +11302,7 @@
           <a:p>
             <a:fld id="{DEE87DF2-97F1-4A98-89F4-0A565A96BBE4}" type="datetime1">
               <a:rPr lang="de-DE" smtClean="0"/>
-              <a:t>15.09.2022</a:t>
+              <a:t>16.09.2022</a:t>
             </a:fld>
             <a:endParaRPr lang="de-DE" dirty="0"/>
           </a:p>
@@ -12173,7 +12174,7 @@
           <a:p>
             <a:fld id="{1247FDAF-1059-452B-A4FA-AC0A95C3AC7E}" type="datetime1">
               <a:rPr lang="de-DE" smtClean="0"/>
-              <a:t>15.09.2022</a:t>
+              <a:t>16.09.2022</a:t>
             </a:fld>
             <a:endParaRPr lang="de-DE" dirty="0"/>
           </a:p>
@@ -12480,7 +12481,7 @@
           <a:p>
             <a:fld id="{2DB813F1-33A0-4D4E-87AF-EB69B557B9DE}" type="datetime1">
               <a:rPr lang="de-DE" smtClean="0"/>
-              <a:t>15.09.2022</a:t>
+              <a:t>16.09.2022</a:t>
             </a:fld>
             <a:endParaRPr lang="de-DE" dirty="0"/>
           </a:p>
@@ -12989,7 +12990,7 @@
           <a:p>
             <a:fld id="{99396A89-394F-4BFD-A33E-ED7AC701A9EA}" type="datetime1">
               <a:rPr lang="de-DE" smtClean="0"/>
-              <a:t>15.09.2022</a:t>
+              <a:t>16.09.2022</a:t>
             </a:fld>
             <a:endParaRPr lang="de-DE" dirty="0"/>
           </a:p>
@@ -13178,7 +13179,7 @@
           <a:p>
             <a:fld id="{507815C9-6D4B-42D1-9120-5557FAD46A0C}" type="datetime1">
               <a:rPr lang="de-DE" smtClean="0"/>
-              <a:t>15.09.2022</a:t>
+              <a:t>16.09.2022</a:t>
             </a:fld>
             <a:endParaRPr lang="de-DE" dirty="0"/>
           </a:p>
@@ -13601,7 +13602,7 @@
           <a:p>
             <a:fld id="{82DCE2A8-B364-4B6D-B82B-40BD3869BAE8}" type="datetime1">
               <a:rPr lang="de-DE" smtClean="0"/>
-              <a:t>15.09.2022</a:t>
+              <a:t>16.09.2022</a:t>
             </a:fld>
             <a:endParaRPr lang="de-DE" dirty="0"/>
           </a:p>
@@ -13736,7 +13737,7 @@
           <a:p>
             <a:fld id="{7D171584-8549-427D-8281-AC5E9F4029DF}" type="datetime1">
               <a:rPr lang="de-DE" smtClean="0"/>
-              <a:t>15.09.2022</a:t>
+              <a:t>16.09.2022</a:t>
             </a:fld>
             <a:endParaRPr lang="de-DE" dirty="0"/>
           </a:p>
@@ -14619,7 +14620,7 @@
           <a:p>
             <a:fld id="{76EC861C-3A26-4872-9641-990BBEB07C8D}" type="datetime1">
               <a:rPr lang="de-DE" smtClean="0"/>
-              <a:t>15.09.2022</a:t>
+              <a:t>16.09.2022</a:t>
             </a:fld>
             <a:endParaRPr lang="de-DE" dirty="0"/>
           </a:p>
@@ -14931,7 +14932,7 @@
           <a:p>
             <a:fld id="{CE999999-6EB5-48ED-9AE9-22C113A6BD0A}" type="datetime1">
               <a:rPr lang="de-DE" smtClean="0"/>
-              <a:t>15.09.2022</a:t>
+              <a:t>16.09.2022</a:t>
             </a:fld>
             <a:endParaRPr lang="de-DE" dirty="0"/>
           </a:p>
@@ -15324,7 +15325,7 @@
           <a:p>
             <a:fld id="{C0BB70FC-68C5-4D4E-BCBA-6FAB730D8949}" type="datetime1">
               <a:rPr lang="de-DE" smtClean="0"/>
-              <a:t>15.09.2022</a:t>
+              <a:t>16.09.2022</a:t>
             </a:fld>
             <a:endParaRPr lang="de-DE" dirty="0"/>
           </a:p>
@@ -15558,7 +15559,7 @@
           <a:p>
             <a:fld id="{F8AE4F14-8A05-4228-9389-6559A886F105}" type="datetime1">
               <a:rPr lang="de-DE" smtClean="0"/>
-              <a:t>15.09.2022</a:t>
+              <a:t>16.09.2022</a:t>
             </a:fld>
             <a:endParaRPr lang="de-DE" dirty="0"/>
           </a:p>
@@ -16130,7 +16131,7 @@
           <a:p>
             <a:fld id="{EA0FD884-5FA7-4586-98D5-450AD5274F6B}" type="datetime1">
               <a:rPr lang="de-DE" smtClean="0"/>
-              <a:t>15.09.2022</a:t>
+              <a:t>16.09.2022</a:t>
             </a:fld>
             <a:endParaRPr lang="de-DE" dirty="0"/>
           </a:p>
@@ -16649,7 +16650,7 @@
           <a:p>
             <a:fld id="{4E73BE5B-6839-400E-8096-642BB331A383}" type="datetime1">
               <a:rPr lang="de-DE" smtClean="0"/>
-              <a:t>15.09.2022</a:t>
+              <a:t>16.09.2022</a:t>
             </a:fld>
             <a:endParaRPr lang="de-DE" dirty="0"/>
           </a:p>
@@ -17048,7 +17049,7 @@
           <a:p>
             <a:fld id="{EC1613B2-C89F-499A-8C0D-E7D39129207B}" type="datetime1">
               <a:rPr lang="de-DE" smtClean="0"/>
-              <a:t>15.09.2022</a:t>
+              <a:t>16.09.2022</a:t>
             </a:fld>
             <a:endParaRPr lang="de-DE" dirty="0"/>
           </a:p>
@@ -17662,13 +17663,24 @@
           <a:p>
             <a:r>
               <a:rPr lang="de-DE" dirty="0"/>
-              <a:t>Asynchrone Kommunikation : publish/</a:t>
+              <a:t>Asynchrone Kommunikation : </a:t>
             </a:r>
             <a:r>
               <a:rPr lang="de-DE" dirty="0" err="1"/>
-              <a:t>subscribe</a:t>
-            </a:r>
-            <a:endParaRPr lang="de-DE" dirty="0"/>
+              <a:t>point</a:t>
+            </a:r>
+            <a:r>
+              <a:rPr lang="de-DE" dirty="0"/>
+              <a:t>-</a:t>
+            </a:r>
+            <a:r>
+              <a:rPr lang="de-DE" dirty="0" err="1"/>
+              <a:t>to</a:t>
+            </a:r>
+            <a:r>
+              <a:rPr lang="de-DE" dirty="0"/>
+              <a:t>-point</a:t>
+            </a:r>
           </a:p>
         </p:txBody>
       </p:sp>
@@ -17695,7 +17707,7 @@
           <a:p>
             <a:fld id="{F6737BBE-2145-4442-A559-CD3E1292DF16}" type="datetime1">
               <a:rPr lang="de-DE" smtClean="0"/>
-              <a:t>15.09.2022</a:t>
+              <a:t>16.09.2022</a:t>
             </a:fld>
             <a:endParaRPr lang="de-DE" dirty="0"/>
           </a:p>
@@ -17797,7 +17809,7 @@
         </p:nvSpPr>
         <p:spPr>
           <a:xfrm>
-            <a:off x="5494123" y="2639520"/>
+            <a:off x="5571340" y="2623791"/>
             <a:ext cx="891540" cy="327660"/>
           </a:xfrm>
           <a:prstGeom prst="leftArrow">
@@ -17833,7 +17845,7 @@
             <a:pPr algn="ctr"/>
             <a:r>
               <a:rPr lang="de-DE" sz="1200" dirty="0"/>
-              <a:t>Topic</a:t>
+              <a:t>Queue</a:t>
             </a:r>
           </a:p>
         </p:txBody>
@@ -18064,7 +18076,7 @@
         </p:blipFill>
         <p:spPr bwMode="auto">
           <a:xfrm>
-            <a:off x="4293954" y="2377540"/>
+            <a:off x="4368272" y="2400864"/>
             <a:ext cx="1200169" cy="978251"/>
           </a:xfrm>
           <a:prstGeom prst="rect">
@@ -18096,7 +18108,7 @@
         </p:nvSpPr>
         <p:spPr>
           <a:xfrm>
-            <a:off x="6749099" y="2390240"/>
+            <a:off x="6706158" y="2400864"/>
             <a:ext cx="1673465" cy="826676"/>
           </a:xfrm>
           <a:prstGeom prst="rect">
@@ -18145,7 +18157,7 @@
         </p:nvSpPr>
         <p:spPr>
           <a:xfrm rot="3678140">
-            <a:off x="3945351" y="2760187"/>
+            <a:off x="3912867" y="2864426"/>
             <a:ext cx="162206" cy="764639"/>
           </a:xfrm>
           <a:prstGeom prst="downArrow">
@@ -18193,8 +18205,8 @@
           <p:nvPr/>
         </p:nvSpPr>
         <p:spPr>
-          <a:xfrm rot="6648881">
-            <a:off x="3925607" y="2182580"/>
+          <a:xfrm rot="6874408">
+            <a:off x="3912866" y="2080784"/>
             <a:ext cx="162206" cy="764639"/>
           </a:xfrm>
           <a:prstGeom prst="downArrow">
@@ -18232,7 +18244,7 @@
     </p:spTree>
     <p:extLst>
       <p:ext uri="{BB962C8B-B14F-4D97-AF65-F5344CB8AC3E}">
-        <p14:creationId xmlns:p14="http://schemas.microsoft.com/office/powerpoint/2010/main" val="1039026769"/>
+        <p14:creationId xmlns:p14="http://schemas.microsoft.com/office/powerpoint/2010/main" val="2064385012"/>
       </p:ext>
     </p:extLst>
   </p:cSld>
@@ -18572,8 +18584,13 @@
           <a:p>
             <a:r>
               <a:rPr lang="de-DE" dirty="0"/>
-              <a:t>Szenario : Virtual Topic</a:t>
-            </a:r>
+              <a:t>Asynchrone Kommunikation : publish/</a:t>
+            </a:r>
+            <a:r>
+              <a:rPr lang="de-DE" dirty="0" err="1"/>
+              <a:t>subscribe</a:t>
+            </a:r>
+            <a:endParaRPr lang="de-DE" dirty="0"/>
           </a:p>
         </p:txBody>
       </p:sp>
@@ -18600,7 +18617,912 @@
           <a:p>
             <a:fld id="{F6737BBE-2145-4442-A559-CD3E1292DF16}" type="datetime1">
               <a:rPr lang="de-DE" smtClean="0"/>
-              <a:t>15.09.2022</a:t>
+              <a:t>16.09.2022</a:t>
+            </a:fld>
+            <a:endParaRPr lang="de-DE" dirty="0"/>
+          </a:p>
+        </p:txBody>
+      </p:sp>
+      <p:sp>
+        <p:nvSpPr>
+          <p:cNvPr id="9" name="Fußzeilenplatzhalter 8">
+            <a:extLst>
+              <a:ext uri="{FF2B5EF4-FFF2-40B4-BE49-F238E27FC236}">
+                <a16:creationId xmlns:a16="http://schemas.microsoft.com/office/drawing/2014/main" id="{4FB570F9-91F6-4813-9B0A-9B89BAC606AE}"/>
+              </a:ext>
+            </a:extLst>
+          </p:cNvPr>
+          <p:cNvSpPr>
+            <a:spLocks noGrp="1"/>
+          </p:cNvSpPr>
+          <p:nvPr>
+            <p:ph type="ftr" sz="quarter" idx="3"/>
+          </p:nvPr>
+        </p:nvSpPr>
+        <p:spPr/>
+        <p:txBody>
+          <a:bodyPr/>
+          <a:lstStyle/>
+          <a:p>
+            <a:endParaRPr lang="de-DE" dirty="0"/>
+          </a:p>
+        </p:txBody>
+      </p:sp>
+      <p:sp>
+        <p:nvSpPr>
+          <p:cNvPr id="12" name="Rechteck 11">
+            <a:extLst>
+              <a:ext uri="{FF2B5EF4-FFF2-40B4-BE49-F238E27FC236}">
+                <a16:creationId xmlns:a16="http://schemas.microsoft.com/office/drawing/2014/main" id="{EC87BBAA-6FA5-4AAF-B603-766955BEC8F3}"/>
+              </a:ext>
+            </a:extLst>
+          </p:cNvPr>
+          <p:cNvSpPr/>
+          <p:nvPr/>
+        </p:nvSpPr>
+        <p:spPr>
+          <a:xfrm>
+            <a:off x="1409700" y="1486689"/>
+            <a:ext cx="4244340" cy="2742411"/>
+          </a:xfrm>
+          <a:prstGeom prst="rect">
+            <a:avLst/>
+          </a:prstGeom>
+          <a:noFill/>
+          <a:ln w="38100" cap="flat" cmpd="sng" algn="ctr">
+            <a:solidFill>
+              <a:schemeClr val="accent2">
+                <a:lumMod val="60000"/>
+                <a:lumOff val="40000"/>
+              </a:schemeClr>
+            </a:solidFill>
+            <a:prstDash val="solid"/>
+            <a:round/>
+            <a:headEnd type="none" w="med" len="med"/>
+            <a:tailEnd type="none" w="med" len="med"/>
+          </a:ln>
+        </p:spPr>
+        <p:style>
+          <a:lnRef idx="0">
+            <a:scrgbClr r="0" g="0" b="0"/>
+          </a:lnRef>
+          <a:fillRef idx="0">
+            <a:scrgbClr r="0" g="0" b="0"/>
+          </a:fillRef>
+          <a:effectRef idx="0">
+            <a:scrgbClr r="0" g="0" b="0"/>
+          </a:effectRef>
+          <a:fontRef idx="minor">
+            <a:schemeClr val="dk1"/>
+          </a:fontRef>
+        </p:style>
+        <p:txBody>
+          <a:bodyPr rtlCol="0" anchor="ctr"/>
+          <a:lstStyle/>
+          <a:p>
+            <a:pPr algn="ctr"/>
+            <a:endParaRPr lang="de-DE"/>
+          </a:p>
+        </p:txBody>
+      </p:sp>
+      <p:sp>
+        <p:nvSpPr>
+          <p:cNvPr id="17" name="Pfeil: nach links 16">
+            <a:extLst>
+              <a:ext uri="{FF2B5EF4-FFF2-40B4-BE49-F238E27FC236}">
+                <a16:creationId xmlns:a16="http://schemas.microsoft.com/office/drawing/2014/main" id="{CAC0CE91-EECD-4914-8DF3-EEDC898C42E4}"/>
+              </a:ext>
+            </a:extLst>
+          </p:cNvPr>
+          <p:cNvSpPr/>
+          <p:nvPr/>
+        </p:nvSpPr>
+        <p:spPr>
+          <a:xfrm>
+            <a:off x="5494123" y="2639520"/>
+            <a:ext cx="891540" cy="327660"/>
+          </a:xfrm>
+          <a:prstGeom prst="leftArrow">
+            <a:avLst/>
+          </a:prstGeom>
+          <a:solidFill>
+            <a:srgbClr val="FF0000"/>
+          </a:solidFill>
+          <a:ln>
+            <a:solidFill>
+              <a:srgbClr val="C00000"/>
+            </a:solidFill>
+          </a:ln>
+        </p:spPr>
+        <p:style>
+          <a:lnRef idx="1">
+            <a:schemeClr val="accent1"/>
+          </a:lnRef>
+          <a:fillRef idx="3">
+            <a:schemeClr val="accent1"/>
+          </a:fillRef>
+          <a:effectRef idx="2">
+            <a:schemeClr val="accent1"/>
+          </a:effectRef>
+          <a:fontRef idx="minor">
+            <a:schemeClr val="lt1"/>
+          </a:fontRef>
+        </p:style>
+        <p:txBody>
+          <a:bodyPr rtlCol="0" anchor="ctr"/>
+          <a:lstStyle/>
+          <a:p>
+            <a:pPr algn="ctr"/>
+            <a:r>
+              <a:rPr lang="de-DE" sz="1200" dirty="0"/>
+              <a:t>Topic</a:t>
+            </a:r>
+          </a:p>
+        </p:txBody>
+      </p:sp>
+      <p:sp>
+        <p:nvSpPr>
+          <p:cNvPr id="10" name="Textfeld 9">
+            <a:extLst>
+              <a:ext uri="{FF2B5EF4-FFF2-40B4-BE49-F238E27FC236}">
+                <a16:creationId xmlns:a16="http://schemas.microsoft.com/office/drawing/2014/main" id="{465E413E-938D-4A69-BCE6-9F74C150BEC9}"/>
+              </a:ext>
+            </a:extLst>
+          </p:cNvPr>
+          <p:cNvSpPr txBox="1"/>
+          <p:nvPr/>
+        </p:nvSpPr>
+        <p:spPr>
+          <a:xfrm>
+            <a:off x="1806575" y="1855580"/>
+            <a:ext cx="1784350" cy="830997"/>
+          </a:xfrm>
+          <a:prstGeom prst="rect">
+            <a:avLst/>
+          </a:prstGeom>
+          <a:solidFill>
+            <a:srgbClr val="2C00E6"/>
+          </a:solidFill>
+          <a:ln w="50800" cap="rnd">
+            <a:solidFill>
+              <a:srgbClr val="2800D2"/>
+            </a:solidFill>
+          </a:ln>
+        </p:spPr>
+        <p:txBody>
+          <a:bodyPr wrap="square" rtlCol="0">
+            <a:spAutoFit/>
+          </a:bodyPr>
+          <a:lstStyle/>
+          <a:p>
+            <a:pPr algn="ctr"/>
+            <a:r>
+              <a:rPr lang="de-DE" dirty="0" err="1">
+                <a:solidFill>
+                  <a:schemeClr val="bg1"/>
+                </a:solidFill>
+              </a:rPr>
+              <a:t>AlarmIT</a:t>
+            </a:r>
+            <a:endParaRPr lang="de-DE" dirty="0">
+              <a:solidFill>
+                <a:schemeClr val="bg1"/>
+              </a:solidFill>
+            </a:endParaRPr>
+          </a:p>
+          <a:p>
+            <a:pPr algn="ctr"/>
+            <a:r>
+              <a:rPr lang="de-DE" sz="2000" dirty="0">
+                <a:solidFill>
+                  <a:schemeClr val="bg1"/>
+                </a:solidFill>
+              </a:rPr>
+              <a:t>Instanz 1</a:t>
+            </a:r>
+          </a:p>
+          <a:p>
+            <a:pPr algn="ctr"/>
+            <a:endParaRPr lang="de-DE" dirty="0">
+              <a:solidFill>
+                <a:schemeClr val="bg1"/>
+              </a:solidFill>
+            </a:endParaRPr>
+          </a:p>
+        </p:txBody>
+      </p:sp>
+      <p:sp>
+        <p:nvSpPr>
+          <p:cNvPr id="11" name="Textfeld 10">
+            <a:extLst>
+              <a:ext uri="{FF2B5EF4-FFF2-40B4-BE49-F238E27FC236}">
+                <a16:creationId xmlns:a16="http://schemas.microsoft.com/office/drawing/2014/main" id="{11040457-F383-4E65-8B52-884373FE2801}"/>
+              </a:ext>
+            </a:extLst>
+          </p:cNvPr>
+          <p:cNvSpPr txBox="1"/>
+          <p:nvPr/>
+        </p:nvSpPr>
+        <p:spPr>
+          <a:xfrm>
+            <a:off x="1784927" y="3055468"/>
+            <a:ext cx="1784350" cy="830997"/>
+          </a:xfrm>
+          <a:prstGeom prst="rect">
+            <a:avLst/>
+          </a:prstGeom>
+          <a:solidFill>
+            <a:srgbClr val="2C00E6"/>
+          </a:solidFill>
+          <a:ln w="50800" cap="rnd">
+            <a:solidFill>
+              <a:srgbClr val="2800D2"/>
+            </a:solidFill>
+          </a:ln>
+        </p:spPr>
+        <p:txBody>
+          <a:bodyPr wrap="square" rtlCol="0">
+            <a:spAutoFit/>
+          </a:bodyPr>
+          <a:lstStyle/>
+          <a:p>
+            <a:pPr algn="ctr"/>
+            <a:r>
+              <a:rPr lang="de-DE" dirty="0" err="1">
+                <a:solidFill>
+                  <a:schemeClr val="bg1"/>
+                </a:solidFill>
+              </a:rPr>
+              <a:t>AlarmIT</a:t>
+            </a:r>
+            <a:endParaRPr lang="de-DE" dirty="0">
+              <a:solidFill>
+                <a:schemeClr val="bg1"/>
+              </a:solidFill>
+            </a:endParaRPr>
+          </a:p>
+          <a:p>
+            <a:pPr algn="ctr"/>
+            <a:r>
+              <a:rPr lang="de-DE" sz="2000" dirty="0">
+                <a:solidFill>
+                  <a:schemeClr val="bg1"/>
+                </a:solidFill>
+              </a:rPr>
+              <a:t>Instanz 2</a:t>
+            </a:r>
+          </a:p>
+          <a:p>
+            <a:pPr algn="ctr"/>
+            <a:endParaRPr lang="de-DE" dirty="0">
+              <a:solidFill>
+                <a:schemeClr val="bg1"/>
+              </a:solidFill>
+            </a:endParaRPr>
+          </a:p>
+        </p:txBody>
+      </p:sp>
+      <p:pic>
+        <p:nvPicPr>
+          <p:cNvPr id="21" name="Picture 6" descr="Was ist Docker? | AWS">
+            <a:extLst>
+              <a:ext uri="{FF2B5EF4-FFF2-40B4-BE49-F238E27FC236}">
+                <a16:creationId xmlns:a16="http://schemas.microsoft.com/office/drawing/2014/main" id="{3CF49483-D8B6-4C58-A610-0051DF2F38A8}"/>
+              </a:ext>
+            </a:extLst>
+          </p:cNvPr>
+          <p:cNvPicPr>
+            <a:picLocks noChangeAspect="1" noChangeArrowheads="1"/>
+          </p:cNvPicPr>
+          <p:nvPr/>
+        </p:nvPicPr>
+        <p:blipFill>
+          <a:blip r:embed="rId2">
+            <a:extLst>
+              <a:ext uri="{28A0092B-C50C-407E-A947-70E740481C1C}">
+                <a14:useLocalDpi xmlns:a14="http://schemas.microsoft.com/office/drawing/2010/main" val="0"/>
+              </a:ext>
+            </a:extLst>
+          </a:blip>
+          <a:srcRect/>
+          <a:stretch>
+            <a:fillRect/>
+          </a:stretch>
+        </p:blipFill>
+        <p:spPr bwMode="auto">
+          <a:xfrm>
+            <a:off x="115544" y="1504289"/>
+            <a:ext cx="1272061" cy="597276"/>
+          </a:xfrm>
+          <a:prstGeom prst="rect">
+            <a:avLst/>
+          </a:prstGeom>
+          <a:noFill/>
+          <a:ln w="38100">
+            <a:solidFill>
+              <a:schemeClr val="accent2">
+                <a:lumMod val="60000"/>
+                <a:lumOff val="40000"/>
+              </a:schemeClr>
+            </a:solidFill>
+          </a:ln>
+          <a:extLst>
+            <a:ext uri="{909E8E84-426E-40DD-AFC4-6F175D3DCCD1}">
+              <a14:hiddenFill xmlns:a14="http://schemas.microsoft.com/office/drawing/2010/main">
+                <a:solidFill>
+                  <a:srgbClr val="FFFFFF"/>
+                </a:solidFill>
+              </a14:hiddenFill>
+            </a:ext>
+          </a:extLst>
+        </p:spPr>
+      </p:pic>
+      <p:pic>
+        <p:nvPicPr>
+          <p:cNvPr id="25" name="Picture 6" descr="Apache ActiveMQ – Wikipedia">
+            <a:extLst>
+              <a:ext uri="{FF2B5EF4-FFF2-40B4-BE49-F238E27FC236}">
+                <a16:creationId xmlns:a16="http://schemas.microsoft.com/office/drawing/2014/main" id="{3492889B-2052-4FE3-81D4-203355532B6A}"/>
+              </a:ext>
+            </a:extLst>
+          </p:cNvPr>
+          <p:cNvPicPr>
+            <a:picLocks noChangeAspect="1" noChangeArrowheads="1"/>
+          </p:cNvPicPr>
+          <p:nvPr/>
+        </p:nvPicPr>
+        <p:blipFill>
+          <a:blip r:embed="rId3">
+            <a:extLst>
+              <a:ext uri="{28A0092B-C50C-407E-A947-70E740481C1C}">
+                <a14:useLocalDpi xmlns:a14="http://schemas.microsoft.com/office/drawing/2010/main" val="0"/>
+              </a:ext>
+            </a:extLst>
+          </a:blip>
+          <a:srcRect/>
+          <a:stretch>
+            <a:fillRect/>
+          </a:stretch>
+        </p:blipFill>
+        <p:spPr bwMode="auto">
+          <a:xfrm>
+            <a:off x="4293954" y="2377540"/>
+            <a:ext cx="1200169" cy="978251"/>
+          </a:xfrm>
+          <a:prstGeom prst="rect">
+            <a:avLst/>
+          </a:prstGeom>
+          <a:noFill/>
+          <a:extLst>
+            <a:ext uri="{909E8E84-426E-40DD-AFC4-6F175D3DCCD1}">
+              <a14:hiddenFill xmlns:a14="http://schemas.microsoft.com/office/drawing/2010/main">
+                <a:solidFill>
+                  <a:srgbClr val="FFFFFF"/>
+                </a:solidFill>
+              </a14:hiddenFill>
+            </a:ext>
+          </a:extLst>
+        </p:spPr>
+      </p:pic>
+      <p:sp>
+        <p:nvSpPr>
+          <p:cNvPr id="27" name="Rechteck 26">
+            <a:extLst>
+              <a:ext uri="{FF2B5EF4-FFF2-40B4-BE49-F238E27FC236}">
+                <a16:creationId xmlns:a16="http://schemas.microsoft.com/office/drawing/2014/main" id="{90978F04-0B16-48DA-B0ED-1AC480427DD1}"/>
+              </a:ext>
+            </a:extLst>
+          </p:cNvPr>
+          <p:cNvSpPr/>
+          <p:nvPr/>
+        </p:nvSpPr>
+        <p:spPr>
+          <a:xfrm>
+            <a:off x="6749099" y="2390240"/>
+            <a:ext cx="1673465" cy="826676"/>
+          </a:xfrm>
+          <a:prstGeom prst="rect">
+            <a:avLst/>
+          </a:prstGeom>
+        </p:spPr>
+        <p:style>
+          <a:lnRef idx="2">
+            <a:schemeClr val="accent1">
+              <a:shade val="50000"/>
+            </a:schemeClr>
+          </a:lnRef>
+          <a:fillRef idx="1">
+            <a:schemeClr val="accent1"/>
+          </a:fillRef>
+          <a:effectRef idx="0">
+            <a:schemeClr val="accent1"/>
+          </a:effectRef>
+          <a:fontRef idx="minor">
+            <a:schemeClr val="lt1"/>
+          </a:fontRef>
+        </p:style>
+        <p:txBody>
+          <a:bodyPr rtlCol="0" anchor="ctr"/>
+          <a:lstStyle/>
+          <a:p>
+            <a:pPr algn="ctr"/>
+            <a:r>
+              <a:rPr lang="de-DE" dirty="0"/>
+              <a:t>Level 1</a:t>
+            </a:r>
+          </a:p>
+        </p:txBody>
+      </p:sp>
+      <p:sp>
+        <p:nvSpPr>
+          <p:cNvPr id="28" name="Pfeil: nach unten 27">
+            <a:extLst>
+              <a:ext uri="{FF2B5EF4-FFF2-40B4-BE49-F238E27FC236}">
+                <a16:creationId xmlns:a16="http://schemas.microsoft.com/office/drawing/2014/main" id="{EBF16410-41CA-46F5-A01F-C274C8D468B5}"/>
+              </a:ext>
+            </a:extLst>
+          </p:cNvPr>
+          <p:cNvSpPr/>
+          <p:nvPr/>
+        </p:nvSpPr>
+        <p:spPr>
+          <a:xfrm rot="3678140">
+            <a:off x="3945351" y="2760187"/>
+            <a:ext cx="162206" cy="764639"/>
+          </a:xfrm>
+          <a:prstGeom prst="downArrow">
+            <a:avLst/>
+          </a:prstGeom>
+          <a:solidFill>
+            <a:srgbClr val="FF0000"/>
+          </a:solidFill>
+        </p:spPr>
+        <p:style>
+          <a:lnRef idx="2">
+            <a:schemeClr val="accent1">
+              <a:shade val="50000"/>
+            </a:schemeClr>
+          </a:lnRef>
+          <a:fillRef idx="1">
+            <a:schemeClr val="accent1"/>
+          </a:fillRef>
+          <a:effectRef idx="0">
+            <a:schemeClr val="accent1"/>
+          </a:effectRef>
+          <a:fontRef idx="minor">
+            <a:schemeClr val="lt1"/>
+          </a:fontRef>
+        </p:style>
+        <p:txBody>
+          <a:bodyPr rtlCol="0" anchor="ctr"/>
+          <a:lstStyle/>
+          <a:p>
+            <a:pPr algn="ctr"/>
+            <a:endParaRPr lang="de-DE"/>
+          </a:p>
+        </p:txBody>
+      </p:sp>
+      <p:sp>
+        <p:nvSpPr>
+          <p:cNvPr id="29" name="Pfeil: nach unten 28">
+            <a:extLst>
+              <a:ext uri="{FF2B5EF4-FFF2-40B4-BE49-F238E27FC236}">
+                <a16:creationId xmlns:a16="http://schemas.microsoft.com/office/drawing/2014/main" id="{83D60591-6201-403F-8170-69EC6AFFA5B3}"/>
+              </a:ext>
+            </a:extLst>
+          </p:cNvPr>
+          <p:cNvSpPr/>
+          <p:nvPr/>
+        </p:nvSpPr>
+        <p:spPr>
+          <a:xfrm rot="6648881">
+            <a:off x="3925607" y="2182580"/>
+            <a:ext cx="162206" cy="764639"/>
+          </a:xfrm>
+          <a:prstGeom prst="downArrow">
+            <a:avLst/>
+          </a:prstGeom>
+          <a:solidFill>
+            <a:srgbClr val="FF0000"/>
+          </a:solidFill>
+        </p:spPr>
+        <p:style>
+          <a:lnRef idx="2">
+            <a:schemeClr val="accent1">
+              <a:shade val="50000"/>
+            </a:schemeClr>
+          </a:lnRef>
+          <a:fillRef idx="1">
+            <a:schemeClr val="accent1"/>
+          </a:fillRef>
+          <a:effectRef idx="0">
+            <a:schemeClr val="accent1"/>
+          </a:effectRef>
+          <a:fontRef idx="minor">
+            <a:schemeClr val="lt1"/>
+          </a:fontRef>
+        </p:style>
+        <p:txBody>
+          <a:bodyPr rtlCol="0" anchor="ctr"/>
+          <a:lstStyle/>
+          <a:p>
+            <a:pPr algn="ctr"/>
+            <a:endParaRPr lang="de-DE"/>
+          </a:p>
+        </p:txBody>
+      </p:sp>
+    </p:spTree>
+    <p:extLst>
+      <p:ext uri="{BB962C8B-B14F-4D97-AF65-F5344CB8AC3E}">
+        <p14:creationId xmlns:p14="http://schemas.microsoft.com/office/powerpoint/2010/main" val="1039026769"/>
+      </p:ext>
+    </p:extLst>
+  </p:cSld>
+  <p:clrMapOvr>
+    <a:masterClrMapping/>
+  </p:clrMapOvr>
+  <p:timing>
+    <p:tnLst>
+      <p:par>
+        <p:cTn id="1" dur="indefinite" restart="never" nodeType="tmRoot">
+          <p:childTnLst>
+            <p:seq concurrent="1" nextAc="seek">
+              <p:cTn id="2" dur="indefinite" nodeType="mainSeq">
+                <p:childTnLst>
+                  <p:par>
+                    <p:cTn id="3" fill="hold">
+                      <p:stCondLst>
+                        <p:cond delay="indefinite"/>
+                      </p:stCondLst>
+                      <p:childTnLst>
+                        <p:par>
+                          <p:cTn id="4" fill="hold">
+                            <p:stCondLst>
+                              <p:cond delay="0"/>
+                            </p:stCondLst>
+                            <p:childTnLst>
+                              <p:par>
+                                <p:cTn id="5" presetID="1" presetClass="entr" presetSubtype="0" fill="hold" grpId="0" nodeType="clickEffect">
+                                  <p:stCondLst>
+                                    <p:cond delay="0"/>
+                                  </p:stCondLst>
+                                  <p:childTnLst>
+                                    <p:set>
+                                      <p:cBhvr>
+                                        <p:cTn id="6" dur="1" fill="hold">
+                                          <p:stCondLst>
+                                            <p:cond delay="0"/>
+                                          </p:stCondLst>
+                                        </p:cTn>
+                                        <p:tgtEl>
+                                          <p:spTgt spid="11"/>
+                                        </p:tgtEl>
+                                        <p:attrNameLst>
+                                          <p:attrName>style.visibility</p:attrName>
+                                        </p:attrNameLst>
+                                      </p:cBhvr>
+                                      <p:to>
+                                        <p:strVal val="visible"/>
+                                      </p:to>
+                                    </p:set>
+                                  </p:childTnLst>
+                                </p:cTn>
+                              </p:par>
+                              <p:par>
+                                <p:cTn id="7" presetID="1" presetClass="entr" presetSubtype="0" fill="hold" grpId="0" nodeType="withEffect">
+                                  <p:stCondLst>
+                                    <p:cond delay="0"/>
+                                  </p:stCondLst>
+                                  <p:childTnLst>
+                                    <p:set>
+                                      <p:cBhvr>
+                                        <p:cTn id="8" dur="1" fill="hold">
+                                          <p:stCondLst>
+                                            <p:cond delay="0"/>
+                                          </p:stCondLst>
+                                        </p:cTn>
+                                        <p:tgtEl>
+                                          <p:spTgt spid="12"/>
+                                        </p:tgtEl>
+                                        <p:attrNameLst>
+                                          <p:attrName>style.visibility</p:attrName>
+                                        </p:attrNameLst>
+                                      </p:cBhvr>
+                                      <p:to>
+                                        <p:strVal val="visible"/>
+                                      </p:to>
+                                    </p:set>
+                                  </p:childTnLst>
+                                </p:cTn>
+                              </p:par>
+                              <p:par>
+                                <p:cTn id="9" presetID="1" presetClass="entr" presetSubtype="0" fill="hold" grpId="0" nodeType="withEffect">
+                                  <p:stCondLst>
+                                    <p:cond delay="0"/>
+                                  </p:stCondLst>
+                                  <p:childTnLst>
+                                    <p:set>
+                                      <p:cBhvr>
+                                        <p:cTn id="10" dur="1" fill="hold">
+                                          <p:stCondLst>
+                                            <p:cond delay="0"/>
+                                          </p:stCondLst>
+                                        </p:cTn>
+                                        <p:tgtEl>
+                                          <p:spTgt spid="10"/>
+                                        </p:tgtEl>
+                                        <p:attrNameLst>
+                                          <p:attrName>style.visibility</p:attrName>
+                                        </p:attrNameLst>
+                                      </p:cBhvr>
+                                      <p:to>
+                                        <p:strVal val="visible"/>
+                                      </p:to>
+                                    </p:set>
+                                  </p:childTnLst>
+                                </p:cTn>
+                              </p:par>
+                              <p:par>
+                                <p:cTn id="11" presetID="1" presetClass="entr" presetSubtype="0" fill="hold" nodeType="withEffect">
+                                  <p:stCondLst>
+                                    <p:cond delay="0"/>
+                                  </p:stCondLst>
+                                  <p:childTnLst>
+                                    <p:set>
+                                      <p:cBhvr>
+                                        <p:cTn id="12" dur="1" fill="hold">
+                                          <p:stCondLst>
+                                            <p:cond delay="0"/>
+                                          </p:stCondLst>
+                                        </p:cTn>
+                                        <p:tgtEl>
+                                          <p:spTgt spid="21"/>
+                                        </p:tgtEl>
+                                        <p:attrNameLst>
+                                          <p:attrName>style.visibility</p:attrName>
+                                        </p:attrNameLst>
+                                      </p:cBhvr>
+                                      <p:to>
+                                        <p:strVal val="visible"/>
+                                      </p:to>
+                                    </p:set>
+                                  </p:childTnLst>
+                                </p:cTn>
+                              </p:par>
+                            </p:childTnLst>
+                          </p:cTn>
+                        </p:par>
+                      </p:childTnLst>
+                    </p:cTn>
+                  </p:par>
+                  <p:par>
+                    <p:cTn id="13" fill="hold">
+                      <p:stCondLst>
+                        <p:cond delay="indefinite"/>
+                      </p:stCondLst>
+                      <p:childTnLst>
+                        <p:par>
+                          <p:cTn id="14" fill="hold">
+                            <p:stCondLst>
+                              <p:cond delay="0"/>
+                            </p:stCondLst>
+                            <p:childTnLst>
+                              <p:par>
+                                <p:cTn id="15" presetID="1" presetClass="entr" presetSubtype="0" fill="hold" grpId="0" nodeType="clickEffect">
+                                  <p:stCondLst>
+                                    <p:cond delay="0"/>
+                                  </p:stCondLst>
+                                  <p:childTnLst>
+                                    <p:set>
+                                      <p:cBhvr>
+                                        <p:cTn id="16" dur="1" fill="hold">
+                                          <p:stCondLst>
+                                            <p:cond delay="0"/>
+                                          </p:stCondLst>
+                                        </p:cTn>
+                                        <p:tgtEl>
+                                          <p:spTgt spid="17"/>
+                                        </p:tgtEl>
+                                        <p:attrNameLst>
+                                          <p:attrName>style.visibility</p:attrName>
+                                        </p:attrNameLst>
+                                      </p:cBhvr>
+                                      <p:to>
+                                        <p:strVal val="visible"/>
+                                      </p:to>
+                                    </p:set>
+                                  </p:childTnLst>
+                                </p:cTn>
+                              </p:par>
+                            </p:childTnLst>
+                          </p:cTn>
+                        </p:par>
+                      </p:childTnLst>
+                    </p:cTn>
+                  </p:par>
+                  <p:par>
+                    <p:cTn id="17" fill="hold">
+                      <p:stCondLst>
+                        <p:cond delay="indefinite"/>
+                      </p:stCondLst>
+                      <p:childTnLst>
+                        <p:par>
+                          <p:cTn id="18" fill="hold">
+                            <p:stCondLst>
+                              <p:cond delay="0"/>
+                            </p:stCondLst>
+                            <p:childTnLst>
+                              <p:par>
+                                <p:cTn id="19" presetID="10" presetClass="entr" presetSubtype="0" fill="hold" nodeType="clickEffect">
+                                  <p:stCondLst>
+                                    <p:cond delay="0"/>
+                                  </p:stCondLst>
+                                  <p:childTnLst>
+                                    <p:set>
+                                      <p:cBhvr>
+                                        <p:cTn id="20" dur="1" fill="hold">
+                                          <p:stCondLst>
+                                            <p:cond delay="0"/>
+                                          </p:stCondLst>
+                                        </p:cTn>
+                                        <p:tgtEl>
+                                          <p:spTgt spid="25"/>
+                                        </p:tgtEl>
+                                        <p:attrNameLst>
+                                          <p:attrName>style.visibility</p:attrName>
+                                        </p:attrNameLst>
+                                      </p:cBhvr>
+                                      <p:to>
+                                        <p:strVal val="visible"/>
+                                      </p:to>
+                                    </p:set>
+                                    <p:animEffect transition="in" filter="fade">
+                                      <p:cBhvr>
+                                        <p:cTn id="21" dur="500"/>
+                                        <p:tgtEl>
+                                          <p:spTgt spid="25"/>
+                                        </p:tgtEl>
+                                      </p:cBhvr>
+                                    </p:animEffect>
+                                  </p:childTnLst>
+                                </p:cTn>
+                              </p:par>
+                            </p:childTnLst>
+                          </p:cTn>
+                        </p:par>
+                      </p:childTnLst>
+                    </p:cTn>
+                  </p:par>
+                </p:childTnLst>
+              </p:cTn>
+              <p:prevCondLst>
+                <p:cond evt="onPrev" delay="0">
+                  <p:tgtEl>
+                    <p:sldTgt/>
+                  </p:tgtEl>
+                </p:cond>
+              </p:prevCondLst>
+              <p:nextCondLst>
+                <p:cond evt="onNext" delay="0">
+                  <p:tgtEl>
+                    <p:sldTgt/>
+                  </p:tgtEl>
+                </p:cond>
+              </p:nextCondLst>
+            </p:seq>
+          </p:childTnLst>
+        </p:cTn>
+      </p:par>
+    </p:tnLst>
+    <p:bldLst>
+      <p:bldP spid="12" grpId="0" animBg="1"/>
+      <p:bldP spid="17" grpId="0" animBg="1"/>
+      <p:bldP spid="10" grpId="0" animBg="1"/>
+      <p:bldP spid="11" grpId="0" animBg="1"/>
+    </p:bldLst>
+  </p:timing>
+</p:sld>
+</file>
+
+<file path=ppt/slides/slide12.xml><?xml version="1.0" encoding="utf-8"?>
+<p:sld xmlns:a="http://schemas.openxmlformats.org/drawingml/2006/main" xmlns:r="http://schemas.openxmlformats.org/officeDocument/2006/relationships" xmlns:p="http://schemas.openxmlformats.org/presentationml/2006/main">
+  <p:cSld>
+    <p:spTree>
+      <p:nvGrpSpPr>
+        <p:cNvPr id="1" name=""/>
+        <p:cNvGrpSpPr/>
+        <p:nvPr/>
+      </p:nvGrpSpPr>
+      <p:grpSpPr>
+        <a:xfrm>
+          <a:off x="0" y="0"/>
+          <a:ext cx="0" cy="0"/>
+          <a:chOff x="0" y="0"/>
+          <a:chExt cx="0" cy="0"/>
+        </a:xfrm>
+      </p:grpSpPr>
+      <p:sp>
+        <p:nvSpPr>
+          <p:cNvPr id="6" name="Foliennummernplatzhalter 5">
+            <a:extLst>
+              <a:ext uri="{FF2B5EF4-FFF2-40B4-BE49-F238E27FC236}">
+                <a16:creationId xmlns:a16="http://schemas.microsoft.com/office/drawing/2014/main" id="{54AAAD84-FC90-4559-8CE0-B98D073B6549}"/>
+              </a:ext>
+            </a:extLst>
+          </p:cNvPr>
+          <p:cNvSpPr>
+            <a:spLocks noGrp="1"/>
+          </p:cNvSpPr>
+          <p:nvPr>
+            <p:ph type="sldNum" sz="quarter" idx="17"/>
+          </p:nvPr>
+        </p:nvSpPr>
+        <p:spPr/>
+        <p:txBody>
+          <a:bodyPr/>
+          <a:lstStyle/>
+          <a:p>
+            <a:fld id="{8B97E1D9-0739-E445-A7FF-39998847AB6F}" type="slidenum">
+              <a:rPr lang="de-DE" smtClean="0"/>
+              <a:pPr/>
+              <a:t>12</a:t>
+            </a:fld>
+            <a:endParaRPr lang="de-DE" dirty="0"/>
+          </a:p>
+        </p:txBody>
+      </p:sp>
+      <p:sp>
+        <p:nvSpPr>
+          <p:cNvPr id="7" name="Titel 6">
+            <a:extLst>
+              <a:ext uri="{FF2B5EF4-FFF2-40B4-BE49-F238E27FC236}">
+                <a16:creationId xmlns:a16="http://schemas.microsoft.com/office/drawing/2014/main" id="{9625CF7A-744B-4D16-9849-4EFCC831D6A9}"/>
+              </a:ext>
+            </a:extLst>
+          </p:cNvPr>
+          <p:cNvSpPr>
+            <a:spLocks noGrp="1"/>
+          </p:cNvSpPr>
+          <p:nvPr>
+            <p:ph type="title"/>
+          </p:nvPr>
+        </p:nvSpPr>
+        <p:spPr/>
+        <p:txBody>
+          <a:bodyPr/>
+          <a:lstStyle/>
+          <a:p>
+            <a:r>
+              <a:rPr lang="de-DE" dirty="0"/>
+              <a:t>Szenario : Virtual Topic</a:t>
+            </a:r>
+          </a:p>
+        </p:txBody>
+      </p:sp>
+      <p:sp>
+        <p:nvSpPr>
+          <p:cNvPr id="8" name="Datumsplatzhalter 7">
+            <a:extLst>
+              <a:ext uri="{FF2B5EF4-FFF2-40B4-BE49-F238E27FC236}">
+                <a16:creationId xmlns:a16="http://schemas.microsoft.com/office/drawing/2014/main" id="{5200AEFB-9967-45DA-8A70-5DB0DE921B0F}"/>
+              </a:ext>
+            </a:extLst>
+          </p:cNvPr>
+          <p:cNvSpPr>
+            <a:spLocks noGrp="1"/>
+          </p:cNvSpPr>
+          <p:nvPr>
+            <p:ph type="dt" sz="half" idx="18"/>
+          </p:nvPr>
+        </p:nvSpPr>
+        <p:spPr/>
+        <p:txBody>
+          <a:bodyPr/>
+          <a:lstStyle/>
+          <a:p>
+            <a:fld id="{F6737BBE-2145-4442-A559-CD3E1292DF16}" type="datetime1">
+              <a:rPr lang="de-DE" smtClean="0"/>
+              <a:t>16.09.2022</a:t>
             </a:fld>
             <a:endParaRPr lang="de-DE" dirty="0"/>
           </a:p>
@@ -19374,7 +20296,7 @@
 </p:sld>
 </file>
 
-<file path=ppt/slides/slide12.xml><?xml version="1.0" encoding="utf-8"?>
+<file path=ppt/slides/slide13.xml><?xml version="1.0" encoding="utf-8"?>
 <p:sld xmlns:a="http://schemas.openxmlformats.org/drawingml/2006/main" xmlns:r="http://schemas.openxmlformats.org/officeDocument/2006/relationships" xmlns:p="http://schemas.openxmlformats.org/presentationml/2006/main">
   <p:cSld>
     <p:spTree>
@@ -19503,7 +20425,7 @@
             <a:fld id="{8B97E1D9-0739-E445-A7FF-39998847AB6F}" type="slidenum">
               <a:rPr lang="de-DE" smtClean="0"/>
               <a:pPr/>
-              <a:t>12</a:t>
+              <a:t>13</a:t>
             </a:fld>
             <a:endParaRPr lang="de-DE" dirty="0"/>
           </a:p>
@@ -19568,7 +20490,7 @@
           <a:p>
             <a:fld id="{F6737BBE-2145-4442-A559-CD3E1292DF16}" type="datetime1">
               <a:rPr lang="de-DE" smtClean="0"/>
-              <a:t>15.09.2022</a:t>
+              <a:t>16.09.2022</a:t>
             </a:fld>
             <a:endParaRPr lang="de-DE" dirty="0"/>
           </a:p>
@@ -20416,245 +21338,6 @@
 </p:sld>
 </file>
 
-<file path=ppt/slides/slide13.xml><?xml version="1.0" encoding="utf-8"?>
-<p:sld xmlns:a="http://schemas.openxmlformats.org/drawingml/2006/main" xmlns:r="http://schemas.openxmlformats.org/officeDocument/2006/relationships" xmlns:p="http://schemas.openxmlformats.org/presentationml/2006/main">
-  <p:cSld>
-    <p:spTree>
-      <p:nvGrpSpPr>
-        <p:cNvPr id="1" name=""/>
-        <p:cNvGrpSpPr/>
-        <p:nvPr/>
-      </p:nvGrpSpPr>
-      <p:grpSpPr>
-        <a:xfrm>
-          <a:off x="0" y="0"/>
-          <a:ext cx="0" cy="0"/>
-          <a:chOff x="0" y="0"/>
-          <a:chExt cx="0" cy="0"/>
-        </a:xfrm>
-      </p:grpSpPr>
-      <p:sp>
-        <p:nvSpPr>
-          <p:cNvPr id="2" name="Textplatzhalter 1">
-            <a:extLst>
-              <a:ext uri="{FF2B5EF4-FFF2-40B4-BE49-F238E27FC236}">
-                <a16:creationId xmlns:a16="http://schemas.microsoft.com/office/drawing/2014/main" id="{E43CFDB1-A015-4CD6-9277-ED0736F0FD8A}"/>
-              </a:ext>
-            </a:extLst>
-          </p:cNvPr>
-          <p:cNvSpPr>
-            <a:spLocks noGrp="1"/>
-          </p:cNvSpPr>
-          <p:nvPr>
-            <p:ph type="body" sz="quarter" idx="11"/>
-          </p:nvPr>
-        </p:nvSpPr>
-        <p:spPr/>
-        <p:txBody>
-          <a:bodyPr/>
-          <a:lstStyle/>
-          <a:p>
-            <a:endParaRPr lang="de-DE"/>
-          </a:p>
-        </p:txBody>
-      </p:sp>
-      <p:sp>
-        <p:nvSpPr>
-          <p:cNvPr id="3" name="Textplatzhalter 2">
-            <a:extLst>
-              <a:ext uri="{FF2B5EF4-FFF2-40B4-BE49-F238E27FC236}">
-                <a16:creationId xmlns:a16="http://schemas.microsoft.com/office/drawing/2014/main" id="{719701A5-1A94-4528-9FE0-56581A11413A}"/>
-              </a:ext>
-            </a:extLst>
-          </p:cNvPr>
-          <p:cNvSpPr>
-            <a:spLocks noGrp="1"/>
-          </p:cNvSpPr>
-          <p:nvPr>
-            <p:ph type="body" sz="quarter" idx="12"/>
-          </p:nvPr>
-        </p:nvSpPr>
-        <p:spPr/>
-        <p:txBody>
-          <a:bodyPr/>
-          <a:lstStyle/>
-          <a:p>
-            <a:endParaRPr lang="de-DE"/>
-          </a:p>
-        </p:txBody>
-      </p:sp>
-      <p:sp>
-        <p:nvSpPr>
-          <p:cNvPr id="4" name="Textplatzhalter 3">
-            <a:extLst>
-              <a:ext uri="{FF2B5EF4-FFF2-40B4-BE49-F238E27FC236}">
-                <a16:creationId xmlns:a16="http://schemas.microsoft.com/office/drawing/2014/main" id="{2231B94F-DE47-4F93-BCEF-92FC63436380}"/>
-              </a:ext>
-            </a:extLst>
-          </p:cNvPr>
-          <p:cNvSpPr>
-            <a:spLocks noGrp="1"/>
-          </p:cNvSpPr>
-          <p:nvPr>
-            <p:ph type="body" sz="quarter" idx="13"/>
-          </p:nvPr>
-        </p:nvSpPr>
-        <p:spPr/>
-        <p:txBody>
-          <a:bodyPr/>
-          <a:lstStyle/>
-          <a:p>
-            <a:endParaRPr lang="de-DE"/>
-          </a:p>
-        </p:txBody>
-      </p:sp>
-      <p:sp>
-        <p:nvSpPr>
-          <p:cNvPr id="5" name="Textplatzhalter 4">
-            <a:extLst>
-              <a:ext uri="{FF2B5EF4-FFF2-40B4-BE49-F238E27FC236}">
-                <a16:creationId xmlns:a16="http://schemas.microsoft.com/office/drawing/2014/main" id="{3A2F2F70-84B2-420E-91AF-AFD24D6C6080}"/>
-              </a:ext>
-            </a:extLst>
-          </p:cNvPr>
-          <p:cNvSpPr>
-            <a:spLocks noGrp="1"/>
-          </p:cNvSpPr>
-          <p:nvPr>
-            <p:ph type="body" sz="quarter" idx="14"/>
-          </p:nvPr>
-        </p:nvSpPr>
-        <p:spPr/>
-        <p:txBody>
-          <a:bodyPr/>
-          <a:lstStyle/>
-          <a:p>
-            <a:endParaRPr lang="de-DE"/>
-          </a:p>
-        </p:txBody>
-      </p:sp>
-      <p:sp>
-        <p:nvSpPr>
-          <p:cNvPr id="6" name="Foliennummernplatzhalter 5">
-            <a:extLst>
-              <a:ext uri="{FF2B5EF4-FFF2-40B4-BE49-F238E27FC236}">
-                <a16:creationId xmlns:a16="http://schemas.microsoft.com/office/drawing/2014/main" id="{1B66A860-2904-44ED-9C7D-F67BB8982A6A}"/>
-              </a:ext>
-            </a:extLst>
-          </p:cNvPr>
-          <p:cNvSpPr>
-            <a:spLocks noGrp="1"/>
-          </p:cNvSpPr>
-          <p:nvPr>
-            <p:ph type="sldNum" sz="quarter" idx="17"/>
-          </p:nvPr>
-        </p:nvSpPr>
-        <p:spPr/>
-        <p:txBody>
-          <a:bodyPr/>
-          <a:lstStyle/>
-          <a:p>
-            <a:fld id="{8B97E1D9-0739-E445-A7FF-39998847AB6F}" type="slidenum">
-              <a:rPr lang="de-DE" smtClean="0"/>
-              <a:pPr/>
-              <a:t>13</a:t>
-            </a:fld>
-            <a:endParaRPr lang="de-DE" dirty="0"/>
-          </a:p>
-        </p:txBody>
-      </p:sp>
-      <p:sp>
-        <p:nvSpPr>
-          <p:cNvPr id="7" name="Titel 6">
-            <a:extLst>
-              <a:ext uri="{FF2B5EF4-FFF2-40B4-BE49-F238E27FC236}">
-                <a16:creationId xmlns:a16="http://schemas.microsoft.com/office/drawing/2014/main" id="{097C8AEB-018A-4679-9F45-D4BE22B1BCDD}"/>
-              </a:ext>
-            </a:extLst>
-          </p:cNvPr>
-          <p:cNvSpPr>
-            <a:spLocks noGrp="1"/>
-          </p:cNvSpPr>
-          <p:nvPr>
-            <p:ph type="title"/>
-          </p:nvPr>
-        </p:nvSpPr>
-        <p:spPr/>
-        <p:txBody>
-          <a:bodyPr/>
-          <a:lstStyle/>
-          <a:p>
-            <a:endParaRPr lang="de-DE"/>
-          </a:p>
-        </p:txBody>
-      </p:sp>
-      <p:sp>
-        <p:nvSpPr>
-          <p:cNvPr id="8" name="Datumsplatzhalter 7">
-            <a:extLst>
-              <a:ext uri="{FF2B5EF4-FFF2-40B4-BE49-F238E27FC236}">
-                <a16:creationId xmlns:a16="http://schemas.microsoft.com/office/drawing/2014/main" id="{9A6A1F39-CFD0-4C81-A1E4-46E5BE3DF6D3}"/>
-              </a:ext>
-            </a:extLst>
-          </p:cNvPr>
-          <p:cNvSpPr>
-            <a:spLocks noGrp="1"/>
-          </p:cNvSpPr>
-          <p:nvPr>
-            <p:ph type="dt" sz="half" idx="18"/>
-          </p:nvPr>
-        </p:nvSpPr>
-        <p:spPr/>
-        <p:txBody>
-          <a:bodyPr/>
-          <a:lstStyle/>
-          <a:p>
-            <a:fld id="{F6737BBE-2145-4442-A559-CD3E1292DF16}" type="datetime1">
-              <a:rPr lang="de-DE" smtClean="0"/>
-              <a:t>15.09.2022</a:t>
-            </a:fld>
-            <a:endParaRPr lang="de-DE" dirty="0"/>
-          </a:p>
-        </p:txBody>
-      </p:sp>
-      <p:sp>
-        <p:nvSpPr>
-          <p:cNvPr id="9" name="Fußzeilenplatzhalter 8">
-            <a:extLst>
-              <a:ext uri="{FF2B5EF4-FFF2-40B4-BE49-F238E27FC236}">
-                <a16:creationId xmlns:a16="http://schemas.microsoft.com/office/drawing/2014/main" id="{0F8654CC-A999-418D-8625-00E5509F690B}"/>
-              </a:ext>
-            </a:extLst>
-          </p:cNvPr>
-          <p:cNvSpPr>
-            <a:spLocks noGrp="1"/>
-          </p:cNvSpPr>
-          <p:nvPr>
-            <p:ph type="ftr" sz="quarter" idx="3"/>
-          </p:nvPr>
-        </p:nvSpPr>
-        <p:spPr/>
-        <p:txBody>
-          <a:bodyPr/>
-          <a:lstStyle/>
-          <a:p>
-            <a:endParaRPr lang="de-DE" dirty="0"/>
-          </a:p>
-        </p:txBody>
-      </p:sp>
-    </p:spTree>
-    <p:extLst>
-      <p:ext uri="{BB962C8B-B14F-4D97-AF65-F5344CB8AC3E}">
-        <p14:creationId xmlns:p14="http://schemas.microsoft.com/office/powerpoint/2010/main" val="3193988652"/>
-      </p:ext>
-    </p:extLst>
-  </p:cSld>
-  <p:clrMapOvr>
-    <a:masterClrMapping/>
-  </p:clrMapOvr>
-</p:sld>
-</file>
-
 <file path=ppt/slides/slide14.xml><?xml version="1.0" encoding="utf-8"?>
 <p:sld xmlns:a="http://schemas.openxmlformats.org/drawingml/2006/main" xmlns:r="http://schemas.openxmlformats.org/officeDocument/2006/relationships" xmlns:p="http://schemas.openxmlformats.org/presentationml/2006/main">
   <p:cSld>
@@ -20677,7 +21360,7 @@
           <p:cNvPr id="2" name="Textplatzhalter 1">
             <a:extLst>
               <a:ext uri="{FF2B5EF4-FFF2-40B4-BE49-F238E27FC236}">
-                <a16:creationId xmlns:a16="http://schemas.microsoft.com/office/drawing/2014/main" id="{3D726A17-C210-401A-AD5D-9DA5213A867D}"/>
+                <a16:creationId xmlns:a16="http://schemas.microsoft.com/office/drawing/2014/main" id="{E43CFDB1-A015-4CD6-9277-ED0736F0FD8A}"/>
               </a:ext>
             </a:extLst>
           </p:cNvPr>
@@ -20693,10 +21376,82 @@
           <a:bodyPr/>
           <a:lstStyle/>
           <a:p>
-            <a:r>
-              <a:rPr lang="de-DE" dirty="0"/>
-              <a:t>Jetzt dürft ihr mich fertig machen!</a:t>
-            </a:r>
+            <a:endParaRPr lang="de-DE"/>
+          </a:p>
+        </p:txBody>
+      </p:sp>
+      <p:sp>
+        <p:nvSpPr>
+          <p:cNvPr id="3" name="Textplatzhalter 2">
+            <a:extLst>
+              <a:ext uri="{FF2B5EF4-FFF2-40B4-BE49-F238E27FC236}">
+                <a16:creationId xmlns:a16="http://schemas.microsoft.com/office/drawing/2014/main" id="{719701A5-1A94-4528-9FE0-56581A11413A}"/>
+              </a:ext>
+            </a:extLst>
+          </p:cNvPr>
+          <p:cNvSpPr>
+            <a:spLocks noGrp="1"/>
+          </p:cNvSpPr>
+          <p:nvPr>
+            <p:ph type="body" sz="quarter" idx="12"/>
+          </p:nvPr>
+        </p:nvSpPr>
+        <p:spPr/>
+        <p:txBody>
+          <a:bodyPr/>
+          <a:lstStyle/>
+          <a:p>
+            <a:endParaRPr lang="de-DE"/>
+          </a:p>
+        </p:txBody>
+      </p:sp>
+      <p:sp>
+        <p:nvSpPr>
+          <p:cNvPr id="4" name="Textplatzhalter 3">
+            <a:extLst>
+              <a:ext uri="{FF2B5EF4-FFF2-40B4-BE49-F238E27FC236}">
+                <a16:creationId xmlns:a16="http://schemas.microsoft.com/office/drawing/2014/main" id="{2231B94F-DE47-4F93-BCEF-92FC63436380}"/>
+              </a:ext>
+            </a:extLst>
+          </p:cNvPr>
+          <p:cNvSpPr>
+            <a:spLocks noGrp="1"/>
+          </p:cNvSpPr>
+          <p:nvPr>
+            <p:ph type="body" sz="quarter" idx="13"/>
+          </p:nvPr>
+        </p:nvSpPr>
+        <p:spPr/>
+        <p:txBody>
+          <a:bodyPr/>
+          <a:lstStyle/>
+          <a:p>
+            <a:endParaRPr lang="de-DE"/>
+          </a:p>
+        </p:txBody>
+      </p:sp>
+      <p:sp>
+        <p:nvSpPr>
+          <p:cNvPr id="5" name="Textplatzhalter 4">
+            <a:extLst>
+              <a:ext uri="{FF2B5EF4-FFF2-40B4-BE49-F238E27FC236}">
+                <a16:creationId xmlns:a16="http://schemas.microsoft.com/office/drawing/2014/main" id="{3A2F2F70-84B2-420E-91AF-AFD24D6C6080}"/>
+              </a:ext>
+            </a:extLst>
+          </p:cNvPr>
+          <p:cNvSpPr>
+            <a:spLocks noGrp="1"/>
+          </p:cNvSpPr>
+          <p:nvPr>
+            <p:ph type="body" sz="quarter" idx="14"/>
+          </p:nvPr>
+        </p:nvSpPr>
+        <p:spPr/>
+        <p:txBody>
+          <a:bodyPr/>
+          <a:lstStyle/>
+          <a:p>
+            <a:endParaRPr lang="de-DE"/>
           </a:p>
         </p:txBody>
       </p:sp>
@@ -20705,7 +21460,7 @@
           <p:cNvPr id="6" name="Foliennummernplatzhalter 5">
             <a:extLst>
               <a:ext uri="{FF2B5EF4-FFF2-40B4-BE49-F238E27FC236}">
-                <a16:creationId xmlns:a16="http://schemas.microsoft.com/office/drawing/2014/main" id="{255A76C9-69A4-4382-9D53-A213EE41C1E4}"/>
+                <a16:creationId xmlns:a16="http://schemas.microsoft.com/office/drawing/2014/main" id="{1B66A860-2904-44ED-9C7D-F67BB8982A6A}"/>
               </a:ext>
             </a:extLst>
           </p:cNvPr>
@@ -20735,7 +21490,7 @@
           <p:cNvPr id="7" name="Titel 6">
             <a:extLst>
               <a:ext uri="{FF2B5EF4-FFF2-40B4-BE49-F238E27FC236}">
-                <a16:creationId xmlns:a16="http://schemas.microsoft.com/office/drawing/2014/main" id="{B119355A-6119-4D21-920F-FB54C89CBEDF}"/>
+                <a16:creationId xmlns:a16="http://schemas.microsoft.com/office/drawing/2014/main" id="{097C8AEB-018A-4679-9F45-D4BE22B1BCDD}"/>
               </a:ext>
             </a:extLst>
           </p:cNvPr>
@@ -20751,6 +21506,173 @@
           <a:bodyPr/>
           <a:lstStyle/>
           <a:p>
+            <a:endParaRPr lang="de-DE"/>
+          </a:p>
+        </p:txBody>
+      </p:sp>
+      <p:sp>
+        <p:nvSpPr>
+          <p:cNvPr id="8" name="Datumsplatzhalter 7">
+            <a:extLst>
+              <a:ext uri="{FF2B5EF4-FFF2-40B4-BE49-F238E27FC236}">
+                <a16:creationId xmlns:a16="http://schemas.microsoft.com/office/drawing/2014/main" id="{9A6A1F39-CFD0-4C81-A1E4-46E5BE3DF6D3}"/>
+              </a:ext>
+            </a:extLst>
+          </p:cNvPr>
+          <p:cNvSpPr>
+            <a:spLocks noGrp="1"/>
+          </p:cNvSpPr>
+          <p:nvPr>
+            <p:ph type="dt" sz="half" idx="18"/>
+          </p:nvPr>
+        </p:nvSpPr>
+        <p:spPr/>
+        <p:txBody>
+          <a:bodyPr/>
+          <a:lstStyle/>
+          <a:p>
+            <a:fld id="{F6737BBE-2145-4442-A559-CD3E1292DF16}" type="datetime1">
+              <a:rPr lang="de-DE" smtClean="0"/>
+              <a:t>16.09.2022</a:t>
+            </a:fld>
+            <a:endParaRPr lang="de-DE" dirty="0"/>
+          </a:p>
+        </p:txBody>
+      </p:sp>
+      <p:sp>
+        <p:nvSpPr>
+          <p:cNvPr id="9" name="Fußzeilenplatzhalter 8">
+            <a:extLst>
+              <a:ext uri="{FF2B5EF4-FFF2-40B4-BE49-F238E27FC236}">
+                <a16:creationId xmlns:a16="http://schemas.microsoft.com/office/drawing/2014/main" id="{0F8654CC-A999-418D-8625-00E5509F690B}"/>
+              </a:ext>
+            </a:extLst>
+          </p:cNvPr>
+          <p:cNvSpPr>
+            <a:spLocks noGrp="1"/>
+          </p:cNvSpPr>
+          <p:nvPr>
+            <p:ph type="ftr" sz="quarter" idx="3"/>
+          </p:nvPr>
+        </p:nvSpPr>
+        <p:spPr/>
+        <p:txBody>
+          <a:bodyPr/>
+          <a:lstStyle/>
+          <a:p>
+            <a:endParaRPr lang="de-DE" dirty="0"/>
+          </a:p>
+        </p:txBody>
+      </p:sp>
+    </p:spTree>
+    <p:extLst>
+      <p:ext uri="{BB962C8B-B14F-4D97-AF65-F5344CB8AC3E}">
+        <p14:creationId xmlns:p14="http://schemas.microsoft.com/office/powerpoint/2010/main" val="3193988652"/>
+      </p:ext>
+    </p:extLst>
+  </p:cSld>
+  <p:clrMapOvr>
+    <a:masterClrMapping/>
+  </p:clrMapOvr>
+</p:sld>
+</file>
+
+<file path=ppt/slides/slide15.xml><?xml version="1.0" encoding="utf-8"?>
+<p:sld xmlns:a="http://schemas.openxmlformats.org/drawingml/2006/main" xmlns:r="http://schemas.openxmlformats.org/officeDocument/2006/relationships" xmlns:p="http://schemas.openxmlformats.org/presentationml/2006/main">
+  <p:cSld>
+    <p:spTree>
+      <p:nvGrpSpPr>
+        <p:cNvPr id="1" name=""/>
+        <p:cNvGrpSpPr/>
+        <p:nvPr/>
+      </p:nvGrpSpPr>
+      <p:grpSpPr>
+        <a:xfrm>
+          <a:off x="0" y="0"/>
+          <a:ext cx="0" cy="0"/>
+          <a:chOff x="0" y="0"/>
+          <a:chExt cx="0" cy="0"/>
+        </a:xfrm>
+      </p:grpSpPr>
+      <p:sp>
+        <p:nvSpPr>
+          <p:cNvPr id="2" name="Textplatzhalter 1">
+            <a:extLst>
+              <a:ext uri="{FF2B5EF4-FFF2-40B4-BE49-F238E27FC236}">
+                <a16:creationId xmlns:a16="http://schemas.microsoft.com/office/drawing/2014/main" id="{3D726A17-C210-401A-AD5D-9DA5213A867D}"/>
+              </a:ext>
+            </a:extLst>
+          </p:cNvPr>
+          <p:cNvSpPr>
+            <a:spLocks noGrp="1"/>
+          </p:cNvSpPr>
+          <p:nvPr>
+            <p:ph type="body" sz="quarter" idx="11"/>
+          </p:nvPr>
+        </p:nvSpPr>
+        <p:spPr/>
+        <p:txBody>
+          <a:bodyPr/>
+          <a:lstStyle/>
+          <a:p>
+            <a:r>
+              <a:rPr lang="de-DE" dirty="0"/>
+              <a:t>Jetzt dürft ihr mich fertig machen!</a:t>
+            </a:r>
+          </a:p>
+        </p:txBody>
+      </p:sp>
+      <p:sp>
+        <p:nvSpPr>
+          <p:cNvPr id="6" name="Foliennummernplatzhalter 5">
+            <a:extLst>
+              <a:ext uri="{FF2B5EF4-FFF2-40B4-BE49-F238E27FC236}">
+                <a16:creationId xmlns:a16="http://schemas.microsoft.com/office/drawing/2014/main" id="{255A76C9-69A4-4382-9D53-A213EE41C1E4}"/>
+              </a:ext>
+            </a:extLst>
+          </p:cNvPr>
+          <p:cNvSpPr>
+            <a:spLocks noGrp="1"/>
+          </p:cNvSpPr>
+          <p:nvPr>
+            <p:ph type="sldNum" sz="quarter" idx="17"/>
+          </p:nvPr>
+        </p:nvSpPr>
+        <p:spPr/>
+        <p:txBody>
+          <a:bodyPr/>
+          <a:lstStyle/>
+          <a:p>
+            <a:fld id="{8B97E1D9-0739-E445-A7FF-39998847AB6F}" type="slidenum">
+              <a:rPr lang="de-DE" smtClean="0"/>
+              <a:pPr/>
+              <a:t>15</a:t>
+            </a:fld>
+            <a:endParaRPr lang="de-DE" dirty="0"/>
+          </a:p>
+        </p:txBody>
+      </p:sp>
+      <p:sp>
+        <p:nvSpPr>
+          <p:cNvPr id="7" name="Titel 6">
+            <a:extLst>
+              <a:ext uri="{FF2B5EF4-FFF2-40B4-BE49-F238E27FC236}">
+                <a16:creationId xmlns:a16="http://schemas.microsoft.com/office/drawing/2014/main" id="{B119355A-6119-4D21-920F-FB54C89CBEDF}"/>
+              </a:ext>
+            </a:extLst>
+          </p:cNvPr>
+          <p:cNvSpPr>
+            <a:spLocks noGrp="1"/>
+          </p:cNvSpPr>
+          <p:nvPr>
+            <p:ph type="title"/>
+          </p:nvPr>
+        </p:nvSpPr>
+        <p:spPr/>
+        <p:txBody>
+          <a:bodyPr/>
+          <a:lstStyle/>
+          <a:p>
             <a:r>
               <a:rPr lang="de-DE" dirty="0"/>
               <a:t>Feedback </a:t>
@@ -20786,7 +21708,7 @@
           <a:p>
             <a:fld id="{F6737BBE-2145-4442-A559-CD3E1292DF16}" type="datetime1">
               <a:rPr lang="de-DE" smtClean="0"/>
-              <a:t>15.09.2022</a:t>
+              <a:t>16.09.2022</a:t>
             </a:fld>
             <a:endParaRPr lang="de-DE" dirty="0"/>
           </a:p>
@@ -20849,10 +21771,233 @@
       </p:grpSpPr>
       <p:sp>
         <p:nvSpPr>
+          <p:cNvPr id="2" name="Textplatzhalter 1">
+            <a:extLst>
+              <a:ext uri="{FF2B5EF4-FFF2-40B4-BE49-F238E27FC236}">
+                <a16:creationId xmlns:a16="http://schemas.microsoft.com/office/drawing/2014/main" id="{0805670F-50F9-8584-9AFF-49A06DD823F5}"/>
+              </a:ext>
+            </a:extLst>
+          </p:cNvPr>
+          <p:cNvSpPr>
+            <a:spLocks noGrp="1"/>
+          </p:cNvSpPr>
+          <p:nvPr>
+            <p:ph type="body" sz="quarter" idx="11"/>
+          </p:nvPr>
+        </p:nvSpPr>
+        <p:spPr/>
+        <p:txBody>
+          <a:bodyPr/>
+          <a:lstStyle/>
+          <a:p>
+            <a:r>
+              <a:rPr lang="en-GB" dirty="0"/>
+              <a:t>Was </a:t>
+            </a:r>
+            <a:r>
+              <a:rPr lang="en-GB" dirty="0" err="1"/>
+              <a:t>ist</a:t>
+            </a:r>
+            <a:r>
+              <a:rPr lang="en-GB" dirty="0"/>
+              <a:t> </a:t>
+            </a:r>
+            <a:r>
+              <a:rPr lang="en-GB" dirty="0" err="1"/>
+              <a:t>ein</a:t>
+            </a:r>
+            <a:r>
+              <a:rPr lang="en-GB" dirty="0"/>
+              <a:t> </a:t>
+            </a:r>
+            <a:r>
+              <a:rPr lang="en-GB" dirty="0" err="1"/>
+              <a:t>verteiltes</a:t>
+            </a:r>
+            <a:r>
+              <a:rPr lang="en-GB" dirty="0"/>
+              <a:t> System?</a:t>
+            </a:r>
+            <a:endParaRPr lang="de-DE" dirty="0"/>
+          </a:p>
+        </p:txBody>
+      </p:sp>
+      <p:sp>
+        <p:nvSpPr>
+          <p:cNvPr id="3" name="Textplatzhalter 2">
+            <a:extLst>
+              <a:ext uri="{FF2B5EF4-FFF2-40B4-BE49-F238E27FC236}">
+                <a16:creationId xmlns:a16="http://schemas.microsoft.com/office/drawing/2014/main" id="{C11961FD-480C-54D7-C4A7-644831FEB460}"/>
+              </a:ext>
+            </a:extLst>
+          </p:cNvPr>
+          <p:cNvSpPr>
+            <a:spLocks noGrp="1"/>
+          </p:cNvSpPr>
+          <p:nvPr>
+            <p:ph type="body" sz="quarter" idx="12"/>
+          </p:nvPr>
+        </p:nvSpPr>
+        <p:spPr>
+          <a:xfrm>
+            <a:off x="233999" y="1107000"/>
+            <a:ext cx="6596291" cy="2229906"/>
+          </a:xfrm>
+        </p:spPr>
+        <p:txBody>
+          <a:bodyPr/>
+          <a:lstStyle/>
+          <a:p>
+            <a:r>
+              <a:rPr lang="en-GB" dirty="0"/>
+              <a:t>Eine </a:t>
+            </a:r>
+            <a:r>
+              <a:rPr lang="en-GB" dirty="0" err="1"/>
+              <a:t>Sammlung</a:t>
+            </a:r>
+            <a:r>
+              <a:rPr lang="en-GB" dirty="0"/>
+              <a:t> von </a:t>
+            </a:r>
+            <a:r>
+              <a:rPr lang="en-GB" dirty="0" err="1"/>
+              <a:t>Programmen</a:t>
+            </a:r>
+            <a:r>
+              <a:rPr lang="en-GB" dirty="0"/>
+              <a:t> die </a:t>
+            </a:r>
+            <a:r>
+              <a:rPr lang="en-GB" dirty="0" err="1"/>
+              <a:t>Rechenressourcen</a:t>
+            </a:r>
+            <a:r>
+              <a:rPr lang="en-GB" dirty="0"/>
+              <a:t> </a:t>
+            </a:r>
+            <a:r>
+              <a:rPr lang="en-GB" dirty="0" err="1"/>
+              <a:t>über</a:t>
+            </a:r>
+            <a:r>
+              <a:rPr lang="en-GB" dirty="0"/>
+              <a:t> </a:t>
+            </a:r>
+            <a:r>
+              <a:rPr lang="en-GB" dirty="0" err="1"/>
+              <a:t>getrennte</a:t>
+            </a:r>
+            <a:r>
+              <a:rPr lang="en-GB" dirty="0"/>
+              <a:t> </a:t>
+            </a:r>
+            <a:r>
+              <a:rPr lang="en-GB" dirty="0" err="1"/>
+              <a:t>Rechenknoten</a:t>
+            </a:r>
+            <a:r>
+              <a:rPr lang="en-GB" dirty="0"/>
+              <a:t> </a:t>
+            </a:r>
+            <a:r>
+              <a:rPr lang="en-GB" dirty="0" err="1"/>
+              <a:t>nutzen</a:t>
+            </a:r>
+            <a:r>
+              <a:rPr lang="en-GB" dirty="0"/>
+              <a:t>, um </a:t>
+            </a:r>
+            <a:r>
+              <a:rPr lang="en-GB" dirty="0" err="1"/>
+              <a:t>ein</a:t>
+            </a:r>
+            <a:r>
+              <a:rPr lang="en-GB" dirty="0"/>
+              <a:t> </a:t>
+            </a:r>
+            <a:r>
+              <a:rPr lang="en-GB" dirty="0" err="1"/>
+              <a:t>gemeinsames</a:t>
+            </a:r>
+            <a:r>
+              <a:rPr lang="en-GB" dirty="0"/>
+              <a:t> </a:t>
+            </a:r>
+            <a:r>
+              <a:rPr lang="en-GB" dirty="0" err="1"/>
+              <a:t>Ziel</a:t>
+            </a:r>
+            <a:r>
+              <a:rPr lang="en-GB" dirty="0"/>
+              <a:t> </a:t>
+            </a:r>
+            <a:r>
+              <a:rPr lang="en-GB" dirty="0" err="1"/>
+              <a:t>zu</a:t>
+            </a:r>
+            <a:r>
+              <a:rPr lang="en-GB" dirty="0"/>
+              <a:t> </a:t>
+            </a:r>
+            <a:r>
+              <a:rPr lang="en-GB" dirty="0" err="1"/>
+              <a:t>erreichen</a:t>
+            </a:r>
+            <a:r>
+              <a:rPr lang="en-GB" dirty="0"/>
+              <a:t>.</a:t>
+            </a:r>
+          </a:p>
+          <a:p>
+            <a:endParaRPr lang="en-GB" dirty="0"/>
+          </a:p>
+          <a:p>
+            <a:endParaRPr lang="en-GB" dirty="0"/>
+          </a:p>
+          <a:p>
+            <a:endParaRPr lang="de-DE" dirty="0"/>
+          </a:p>
+          <a:p>
+            <a:endParaRPr lang="de-DE" dirty="0"/>
+          </a:p>
+          <a:p>
+            <a:endParaRPr lang="de-DE" dirty="0"/>
+          </a:p>
+          <a:p>
+            <a:r>
+              <a:rPr lang="de-DE" b="1" dirty="0"/>
+              <a:t>Es gibt zwei hauptkommunikationsarten:</a:t>
+            </a:r>
+          </a:p>
+          <a:p>
+            <a:pPr marL="171450" indent="-171450">
+              <a:buFont typeface="Arial" panose="020B0604020202020204" pitchFamily="34" charset="0"/>
+              <a:buChar char="•"/>
+            </a:pPr>
+            <a:r>
+              <a:rPr lang="de-DE" dirty="0"/>
+              <a:t>Synchrone Kommunikation</a:t>
+            </a:r>
+          </a:p>
+          <a:p>
+            <a:pPr marL="171450" indent="-171450">
+              <a:buFont typeface="Arial" panose="020B0604020202020204" pitchFamily="34" charset="0"/>
+              <a:buChar char="•"/>
+            </a:pPr>
+            <a:r>
+              <a:rPr lang="de-DE" dirty="0"/>
+              <a:t>Asynchrone Kommunikation</a:t>
+            </a:r>
+          </a:p>
+        </p:txBody>
+      </p:sp>
+      <p:sp>
+        <p:nvSpPr>
           <p:cNvPr id="6" name="Foliennummernplatzhalter 5">
             <a:extLst>
               <a:ext uri="{FF2B5EF4-FFF2-40B4-BE49-F238E27FC236}">
-                <a16:creationId xmlns:a16="http://schemas.microsoft.com/office/drawing/2014/main" id="{FAD1A218-147E-41D8-B560-56F369A50046}"/>
+                <a16:creationId xmlns:a16="http://schemas.microsoft.com/office/drawing/2014/main" id="{585FF7CD-2211-53F5-A28D-BA72CBC72EBA}"/>
               </a:ext>
             </a:extLst>
           </p:cNvPr>
@@ -20882,7 +22027,7 @@
           <p:cNvPr id="7" name="Titel 6">
             <a:extLst>
               <a:ext uri="{FF2B5EF4-FFF2-40B4-BE49-F238E27FC236}">
-                <a16:creationId xmlns:a16="http://schemas.microsoft.com/office/drawing/2014/main" id="{68A4A608-6311-4C5E-B02A-01DE7E2F9563}"/>
+                <a16:creationId xmlns:a16="http://schemas.microsoft.com/office/drawing/2014/main" id="{63B220B8-5DF3-ABFF-5D7B-7416AFF6FFF2}"/>
               </a:ext>
             </a:extLst>
           </p:cNvPr>
@@ -20899,9 +22044,18 @@
           <a:lstStyle/>
           <a:p>
             <a:r>
-              <a:rPr lang="de-DE" dirty="0"/>
-              <a:t>Inspiration des Workshops</a:t>
-            </a:r>
+              <a:rPr lang="en-GB" dirty="0" err="1"/>
+              <a:t>Verteilte</a:t>
+            </a:r>
+            <a:r>
+              <a:rPr lang="en-GB" dirty="0"/>
+              <a:t> </a:t>
+            </a:r>
+            <a:r>
+              <a:rPr lang="en-GB" dirty="0" err="1"/>
+              <a:t>Systeme</a:t>
+            </a:r>
+            <a:endParaRPr lang="de-DE" dirty="0"/>
           </a:p>
         </p:txBody>
       </p:sp>
@@ -20910,7 +22064,7 @@
           <p:cNvPr id="8" name="Datumsplatzhalter 7">
             <a:extLst>
               <a:ext uri="{FF2B5EF4-FFF2-40B4-BE49-F238E27FC236}">
-                <a16:creationId xmlns:a16="http://schemas.microsoft.com/office/drawing/2014/main" id="{4B87BC89-0F6A-48A3-8747-FD2D419BB700}"/>
+                <a16:creationId xmlns:a16="http://schemas.microsoft.com/office/drawing/2014/main" id="{C5501EF5-19F3-F79A-102F-B80C67CDFFAD}"/>
               </a:ext>
             </a:extLst>
           </p:cNvPr>
@@ -20928,7 +22082,7 @@
           <a:p>
             <a:fld id="{F6737BBE-2145-4442-A559-CD3E1292DF16}" type="datetime1">
               <a:rPr lang="de-DE" smtClean="0"/>
-              <a:t>15.09.2022</a:t>
+              <a:t>16.09.2022</a:t>
             </a:fld>
             <a:endParaRPr lang="de-DE" dirty="0"/>
           </a:p>
@@ -20939,7 +22093,7 @@
           <p:cNvPr id="9" name="Fußzeilenplatzhalter 8">
             <a:extLst>
               <a:ext uri="{FF2B5EF4-FFF2-40B4-BE49-F238E27FC236}">
-                <a16:creationId xmlns:a16="http://schemas.microsoft.com/office/drawing/2014/main" id="{2BECB862-CE12-4D39-B1BB-BC3BB5DF10B6}"/>
+                <a16:creationId xmlns:a16="http://schemas.microsoft.com/office/drawing/2014/main" id="{D53542A9-B90D-0FA6-36C3-D4278D393D4F}"/>
               </a:ext>
             </a:extLst>
           </p:cNvPr>
@@ -20956,254 +22110,13 @@
           <a:lstStyle/>
           <a:p>
             <a:endParaRPr lang="de-DE" dirty="0"/>
-          </a:p>
-        </p:txBody>
-      </p:sp>
-      <p:pic>
-        <p:nvPicPr>
-          <p:cNvPr id="3" name="Grafik 2">
-            <a:extLst>
-              <a:ext uri="{FF2B5EF4-FFF2-40B4-BE49-F238E27FC236}">
-                <a16:creationId xmlns:a16="http://schemas.microsoft.com/office/drawing/2014/main" id="{2085AF3C-CBA1-4388-97B1-93312FF712A2}"/>
-              </a:ext>
-            </a:extLst>
-          </p:cNvPr>
-          <p:cNvPicPr>
-            <a:picLocks noChangeAspect="1"/>
-          </p:cNvPicPr>
-          <p:nvPr/>
-        </p:nvPicPr>
-        <p:blipFill>
-          <a:blip r:embed="rId2"/>
-          <a:stretch>
-            <a:fillRect/>
-          </a:stretch>
-        </p:blipFill>
-        <p:spPr>
-          <a:xfrm>
-            <a:off x="533223" y="794626"/>
-            <a:ext cx="7987553" cy="2603701"/>
-          </a:xfrm>
-          <a:prstGeom prst="rect">
-            <a:avLst/>
-          </a:prstGeom>
-        </p:spPr>
-      </p:pic>
-      <p:sp>
-        <p:nvSpPr>
-          <p:cNvPr id="12" name="Textplatzhalter 2">
-            <a:extLst>
-              <a:ext uri="{FF2B5EF4-FFF2-40B4-BE49-F238E27FC236}">
-                <a16:creationId xmlns:a16="http://schemas.microsoft.com/office/drawing/2014/main" id="{359109E3-2577-422A-8BC3-A0DAC382FFCE}"/>
-              </a:ext>
-            </a:extLst>
-          </p:cNvPr>
-          <p:cNvSpPr txBox="1">
-            <a:spLocks/>
-          </p:cNvSpPr>
-          <p:nvPr/>
-        </p:nvSpPr>
-        <p:spPr>
-          <a:xfrm>
-            <a:off x="285442" y="526796"/>
-            <a:ext cx="723087" cy="267830"/>
-          </a:xfrm>
-          <a:prstGeom prst="rect">
-            <a:avLst/>
-          </a:prstGeom>
-          <a:ln>
-            <a:solidFill>
-              <a:schemeClr val="tx1"/>
-            </a:solidFill>
-          </a:ln>
-        </p:spPr>
-        <p:txBody>
-          <a:bodyPr wrap="square" lIns="68580" tIns="34290" rIns="68580" bIns="34290">
-            <a:spAutoFit/>
-          </a:bodyPr>
-          <a:lstStyle>
-            <a:lvl1pPr marL="0" marR="0" indent="0" algn="l" defTabSz="685800" rtl="0" eaLnBrk="1" fontAlgn="auto" latinLnBrk="0" hangingPunct="1">
-              <a:lnSpc>
-                <a:spcPts val="1725"/>
-              </a:lnSpc>
-              <a:spcBef>
-                <a:spcPts val="0"/>
-              </a:spcBef>
-              <a:spcAft>
-                <a:spcPts val="0"/>
-              </a:spcAft>
-              <a:buClrTx/>
-              <a:buSzTx/>
-              <a:buFontTx/>
-              <a:buNone/>
-              <a:tabLst/>
-              <a:defRPr sz="1200" kern="1200" baseline="0">
-                <a:solidFill>
-                  <a:schemeClr val="tx1"/>
-                </a:solidFill>
-                <a:latin typeface="Arial" panose="020B0604020202020204" pitchFamily="34" charset="0"/>
-                <a:ea typeface="+mn-ea"/>
-                <a:cs typeface="+mn-cs"/>
-              </a:defRPr>
-            </a:lvl1pPr>
-            <a:lvl2pPr marL="342900" indent="0" algn="l" defTabSz="685800" rtl="0" eaLnBrk="1" latinLnBrk="0" hangingPunct="1">
-              <a:lnSpc>
-                <a:spcPct val="90000"/>
-              </a:lnSpc>
-              <a:spcBef>
-                <a:spcPts val="375"/>
-              </a:spcBef>
-              <a:buFontTx/>
-              <a:buNone/>
-              <a:defRPr sz="1200" kern="1200" baseline="0">
-                <a:solidFill>
-                  <a:schemeClr val="tx1"/>
-                </a:solidFill>
-                <a:latin typeface="Arial" panose="020B0604020202020204" pitchFamily="34" charset="0"/>
-                <a:ea typeface="+mn-ea"/>
-                <a:cs typeface="+mn-cs"/>
-              </a:defRPr>
-            </a:lvl2pPr>
-            <a:lvl3pPr marL="685800" indent="0" algn="l" defTabSz="685800" rtl="0" eaLnBrk="1" latinLnBrk="0" hangingPunct="1">
-              <a:lnSpc>
-                <a:spcPct val="90000"/>
-              </a:lnSpc>
-              <a:spcBef>
-                <a:spcPts val="375"/>
-              </a:spcBef>
-              <a:buFontTx/>
-              <a:buNone/>
-              <a:defRPr sz="1200" kern="1200" baseline="0">
-                <a:solidFill>
-                  <a:schemeClr val="tx1"/>
-                </a:solidFill>
-                <a:latin typeface="Arial" panose="020B0604020202020204" pitchFamily="34" charset="0"/>
-                <a:ea typeface="+mn-ea"/>
-                <a:cs typeface="+mn-cs"/>
-              </a:defRPr>
-            </a:lvl3pPr>
-            <a:lvl4pPr marL="1028700" indent="0" algn="l" defTabSz="685800" rtl="0" eaLnBrk="1" latinLnBrk="0" hangingPunct="1">
-              <a:lnSpc>
-                <a:spcPct val="90000"/>
-              </a:lnSpc>
-              <a:spcBef>
-                <a:spcPts val="375"/>
-              </a:spcBef>
-              <a:buFontTx/>
-              <a:buNone/>
-              <a:defRPr sz="1200" kern="1200" baseline="0">
-                <a:solidFill>
-                  <a:schemeClr val="tx1"/>
-                </a:solidFill>
-                <a:latin typeface="Arial" panose="020B0604020202020204" pitchFamily="34" charset="0"/>
-                <a:ea typeface="+mn-ea"/>
-                <a:cs typeface="+mn-cs"/>
-              </a:defRPr>
-            </a:lvl4pPr>
-            <a:lvl5pPr marL="1371600" indent="0" algn="l" defTabSz="685800" rtl="0" eaLnBrk="1" latinLnBrk="0" hangingPunct="1">
-              <a:lnSpc>
-                <a:spcPct val="90000"/>
-              </a:lnSpc>
-              <a:spcBef>
-                <a:spcPts val="375"/>
-              </a:spcBef>
-              <a:buFontTx/>
-              <a:buNone/>
-              <a:defRPr sz="1200" kern="1200" baseline="0">
-                <a:solidFill>
-                  <a:schemeClr val="tx1"/>
-                </a:solidFill>
-                <a:latin typeface="Arial" panose="020B0604020202020204" pitchFamily="34" charset="0"/>
-                <a:ea typeface="+mn-ea"/>
-                <a:cs typeface="+mn-cs"/>
-              </a:defRPr>
-            </a:lvl5pPr>
-            <a:lvl6pPr marL="1885950" indent="-171450" algn="l" defTabSz="685800" rtl="0" eaLnBrk="1" latinLnBrk="0" hangingPunct="1">
-              <a:lnSpc>
-                <a:spcPct val="90000"/>
-              </a:lnSpc>
-              <a:spcBef>
-                <a:spcPts val="375"/>
-              </a:spcBef>
-              <a:buFont typeface="Arial" panose="020B0604020202020204" pitchFamily="34" charset="0"/>
-              <a:buChar char="•"/>
-              <a:defRPr sz="1400" kern="1200">
-                <a:solidFill>
-                  <a:schemeClr val="tx1"/>
-                </a:solidFill>
-                <a:latin typeface="+mn-lt"/>
-                <a:ea typeface="+mn-ea"/>
-                <a:cs typeface="+mn-cs"/>
-              </a:defRPr>
-            </a:lvl6pPr>
-            <a:lvl7pPr marL="2228850" indent="-171450" algn="l" defTabSz="685800" rtl="0" eaLnBrk="1" latinLnBrk="0" hangingPunct="1">
-              <a:lnSpc>
-                <a:spcPct val="90000"/>
-              </a:lnSpc>
-              <a:spcBef>
-                <a:spcPts val="375"/>
-              </a:spcBef>
-              <a:buFont typeface="Arial" panose="020B0604020202020204" pitchFamily="34" charset="0"/>
-              <a:buChar char="•"/>
-              <a:defRPr sz="1400" kern="1200">
-                <a:solidFill>
-                  <a:schemeClr val="tx1"/>
-                </a:solidFill>
-                <a:latin typeface="+mn-lt"/>
-                <a:ea typeface="+mn-ea"/>
-                <a:cs typeface="+mn-cs"/>
-              </a:defRPr>
-            </a:lvl7pPr>
-            <a:lvl8pPr marL="2571750" indent="-171450" algn="l" defTabSz="685800" rtl="0" eaLnBrk="1" latinLnBrk="0" hangingPunct="1">
-              <a:lnSpc>
-                <a:spcPct val="90000"/>
-              </a:lnSpc>
-              <a:spcBef>
-                <a:spcPts val="375"/>
-              </a:spcBef>
-              <a:buFont typeface="Arial" panose="020B0604020202020204" pitchFamily="34" charset="0"/>
-              <a:buChar char="•"/>
-              <a:defRPr sz="1400" kern="1200">
-                <a:solidFill>
-                  <a:schemeClr val="tx1"/>
-                </a:solidFill>
-                <a:latin typeface="+mn-lt"/>
-                <a:ea typeface="+mn-ea"/>
-                <a:cs typeface="+mn-cs"/>
-              </a:defRPr>
-            </a:lvl8pPr>
-            <a:lvl9pPr marL="2914650" indent="-171450" algn="l" defTabSz="685800" rtl="0" eaLnBrk="1" latinLnBrk="0" hangingPunct="1">
-              <a:lnSpc>
-                <a:spcPct val="90000"/>
-              </a:lnSpc>
-              <a:spcBef>
-                <a:spcPts val="375"/>
-              </a:spcBef>
-              <a:buFont typeface="Arial" panose="020B0604020202020204" pitchFamily="34" charset="0"/>
-              <a:buChar char="•"/>
-              <a:defRPr sz="1400" kern="1200">
-                <a:solidFill>
-                  <a:schemeClr val="tx1"/>
-                </a:solidFill>
-                <a:latin typeface="+mn-lt"/>
-                <a:ea typeface="+mn-ea"/>
-                <a:cs typeface="+mn-cs"/>
-              </a:defRPr>
-            </a:lvl9pPr>
-          </a:lstStyle>
-          <a:p>
-            <a:r>
-              <a:rPr lang="de-DE" b="1" dirty="0" err="1"/>
-              <a:t>AlarmIT</a:t>
-            </a:r>
-            <a:endParaRPr lang="de-DE" b="1" dirty="0"/>
           </a:p>
         </p:txBody>
       </p:sp>
     </p:spTree>
     <p:extLst>
       <p:ext uri="{BB962C8B-B14F-4D97-AF65-F5344CB8AC3E}">
-        <p14:creationId xmlns:p14="http://schemas.microsoft.com/office/powerpoint/2010/main" val="3317306197"/>
+        <p14:creationId xmlns:p14="http://schemas.microsoft.com/office/powerpoint/2010/main" val="2440898164"/>
       </p:ext>
     </p:extLst>
   </p:cSld>
@@ -21235,7 +22148,7 @@
           <p:cNvPr id="6" name="Foliennummernplatzhalter 5">
             <a:extLst>
               <a:ext uri="{FF2B5EF4-FFF2-40B4-BE49-F238E27FC236}">
-                <a16:creationId xmlns:a16="http://schemas.microsoft.com/office/drawing/2014/main" id="{800E83D9-A63F-4861-86A3-C8B6A79B0466}"/>
+                <a16:creationId xmlns:a16="http://schemas.microsoft.com/office/drawing/2014/main" id="{FAD1A218-147E-41D8-B560-56F369A50046}"/>
               </a:ext>
             </a:extLst>
           </p:cNvPr>
@@ -21265,7 +22178,7 @@
           <p:cNvPr id="7" name="Titel 6">
             <a:extLst>
               <a:ext uri="{FF2B5EF4-FFF2-40B4-BE49-F238E27FC236}">
-                <a16:creationId xmlns:a16="http://schemas.microsoft.com/office/drawing/2014/main" id="{28669BB4-C76C-4C17-AC96-B44FB0B30A6D}"/>
+                <a16:creationId xmlns:a16="http://schemas.microsoft.com/office/drawing/2014/main" id="{68A4A608-6311-4C5E-B02A-01DE7E2F9563}"/>
               </a:ext>
             </a:extLst>
           </p:cNvPr>
@@ -21285,10 +22198,7 @@
               <a:rPr lang="de-DE" dirty="0" err="1"/>
               <a:t>AlarmIT</a:t>
             </a:r>
-            <a:r>
-              <a:rPr lang="de-DE" dirty="0"/>
-              <a:t> ist ein einfaches verteiltes System</a:t>
-            </a:r>
+            <a:endParaRPr lang="de-DE" dirty="0"/>
           </a:p>
         </p:txBody>
       </p:sp>
@@ -21297,7 +22207,7 @@
           <p:cNvPr id="8" name="Datumsplatzhalter 7">
             <a:extLst>
               <a:ext uri="{FF2B5EF4-FFF2-40B4-BE49-F238E27FC236}">
-                <a16:creationId xmlns:a16="http://schemas.microsoft.com/office/drawing/2014/main" id="{AA78F7BF-BC09-4451-99A2-5CFC28999A75}"/>
+                <a16:creationId xmlns:a16="http://schemas.microsoft.com/office/drawing/2014/main" id="{4B87BC89-0F6A-48A3-8747-FD2D419BB700}"/>
               </a:ext>
             </a:extLst>
           </p:cNvPr>
@@ -21315,7 +22225,7 @@
           <a:p>
             <a:fld id="{F6737BBE-2145-4442-A559-CD3E1292DF16}" type="datetime1">
               <a:rPr lang="de-DE" smtClean="0"/>
-              <a:t>15.09.2022</a:t>
+              <a:t>16.09.2022</a:t>
             </a:fld>
             <a:endParaRPr lang="de-DE" dirty="0"/>
           </a:p>
@@ -21326,7 +22236,7 @@
           <p:cNvPr id="9" name="Fußzeilenplatzhalter 8">
             <a:extLst>
               <a:ext uri="{FF2B5EF4-FFF2-40B4-BE49-F238E27FC236}">
-                <a16:creationId xmlns:a16="http://schemas.microsoft.com/office/drawing/2014/main" id="{F91C395A-F014-4C53-B3A5-0E1FD5D11BB1}"/>
+                <a16:creationId xmlns:a16="http://schemas.microsoft.com/office/drawing/2014/main" id="{2BECB862-CE12-4D39-B1BB-BC3BB5DF10B6}"/>
               </a:ext>
             </a:extLst>
           </p:cNvPr>
@@ -21348,243 +22258,10 @@
       </p:sp>
       <p:pic>
         <p:nvPicPr>
-          <p:cNvPr id="3078" name="Picture 6" descr="Apache ActiveMQ – Wikipedia">
-            <a:extLst>
-              <a:ext uri="{FF2B5EF4-FFF2-40B4-BE49-F238E27FC236}">
-                <a16:creationId xmlns:a16="http://schemas.microsoft.com/office/drawing/2014/main" id="{6DE69F25-DC43-4FCD-A47E-1D39321723CD}"/>
-              </a:ext>
-            </a:extLst>
-          </p:cNvPr>
-          <p:cNvPicPr>
-            <a:picLocks noChangeAspect="1" noChangeArrowheads="1"/>
-          </p:cNvPicPr>
-          <p:nvPr/>
-        </p:nvPicPr>
-        <p:blipFill>
-          <a:blip r:embed="rId3">
-            <a:extLst>
-              <a:ext uri="{28A0092B-C50C-407E-A947-70E740481C1C}">
-                <a14:useLocalDpi xmlns:a14="http://schemas.microsoft.com/office/drawing/2010/main" val="0"/>
-              </a:ext>
-            </a:extLst>
-          </a:blip>
-          <a:srcRect/>
-          <a:stretch>
-            <a:fillRect/>
-          </a:stretch>
-        </p:blipFill>
-        <p:spPr bwMode="auto">
-          <a:xfrm>
-            <a:off x="610948" y="1084058"/>
-            <a:ext cx="1673465" cy="1364032"/>
-          </a:xfrm>
-          <a:prstGeom prst="rect">
-            <a:avLst/>
-          </a:prstGeom>
-          <a:noFill/>
-          <a:extLst>
-            <a:ext uri="{909E8E84-426E-40DD-AFC4-6F175D3DCCD1}">
-              <a14:hiddenFill xmlns:a14="http://schemas.microsoft.com/office/drawing/2010/main">
-                <a:solidFill>
-                  <a:srgbClr val="FFFFFF"/>
-                </a:solidFill>
-              </a14:hiddenFill>
-            </a:ext>
-          </a:extLst>
-        </p:spPr>
-      </p:pic>
-      <p:sp>
-        <p:nvSpPr>
-          <p:cNvPr id="19" name="Pfeil: nach rechts 18">
-            <a:extLst>
-              <a:ext uri="{FF2B5EF4-FFF2-40B4-BE49-F238E27FC236}">
-                <a16:creationId xmlns:a16="http://schemas.microsoft.com/office/drawing/2014/main" id="{53B88DBC-6C2B-4124-902A-601728AE7BE1}"/>
-              </a:ext>
-            </a:extLst>
-          </p:cNvPr>
-          <p:cNvSpPr/>
-          <p:nvPr/>
-        </p:nvSpPr>
-        <p:spPr>
-          <a:xfrm>
-            <a:off x="2292981" y="1657828"/>
-            <a:ext cx="1337676" cy="218906"/>
-          </a:xfrm>
-          <a:prstGeom prst="rightArrow">
-            <a:avLst/>
-          </a:prstGeom>
-        </p:spPr>
-        <p:style>
-          <a:lnRef idx="2">
-            <a:schemeClr val="accent1">
-              <a:shade val="50000"/>
-            </a:schemeClr>
-          </a:lnRef>
-          <a:fillRef idx="1">
-            <a:schemeClr val="accent1"/>
-          </a:fillRef>
-          <a:effectRef idx="0">
-            <a:schemeClr val="accent1"/>
-          </a:effectRef>
-          <a:fontRef idx="minor">
-            <a:schemeClr val="lt1"/>
-          </a:fontRef>
-        </p:style>
-        <p:txBody>
-          <a:bodyPr rtlCol="0" anchor="ctr"/>
-          <a:lstStyle/>
-          <a:p>
-            <a:endParaRPr lang="de-DE" sz="800" dirty="0"/>
-          </a:p>
-        </p:txBody>
-      </p:sp>
-      <p:sp>
-        <p:nvSpPr>
-          <p:cNvPr id="25" name="Pfeil: nach rechts 24">
-            <a:extLst>
-              <a:ext uri="{FF2B5EF4-FFF2-40B4-BE49-F238E27FC236}">
-                <a16:creationId xmlns:a16="http://schemas.microsoft.com/office/drawing/2014/main" id="{329C0C9A-4CD9-4A63-A672-ECFC764A9E5A}"/>
-              </a:ext>
-            </a:extLst>
-          </p:cNvPr>
-          <p:cNvSpPr/>
-          <p:nvPr/>
-        </p:nvSpPr>
-        <p:spPr>
-          <a:xfrm rot="5400000">
-            <a:off x="4174943" y="2853385"/>
-            <a:ext cx="771222" cy="151122"/>
-          </a:xfrm>
-          <a:prstGeom prst="rightArrow">
-            <a:avLst/>
-          </a:prstGeom>
-        </p:spPr>
-        <p:style>
-          <a:lnRef idx="2">
-            <a:schemeClr val="accent1">
-              <a:shade val="50000"/>
-            </a:schemeClr>
-          </a:lnRef>
-          <a:fillRef idx="1">
-            <a:schemeClr val="accent1"/>
-          </a:fillRef>
-          <a:effectRef idx="0">
-            <a:schemeClr val="accent1"/>
-          </a:effectRef>
-          <a:fontRef idx="minor">
-            <a:schemeClr val="lt1"/>
-          </a:fontRef>
-        </p:style>
-        <p:txBody>
-          <a:bodyPr rtlCol="0" anchor="ctr"/>
-          <a:lstStyle/>
-          <a:p>
-            <a:pPr algn="ctr"/>
-            <a:endParaRPr lang="de-DE" sz="800" dirty="0"/>
-          </a:p>
-        </p:txBody>
-      </p:sp>
-      <p:sp>
-        <p:nvSpPr>
-          <p:cNvPr id="5" name="Rechteck 4">
-            <a:extLst>
-              <a:ext uri="{FF2B5EF4-FFF2-40B4-BE49-F238E27FC236}">
-                <a16:creationId xmlns:a16="http://schemas.microsoft.com/office/drawing/2014/main" id="{E5B760D7-F582-4F1A-9DCE-C6FAA7168128}"/>
-              </a:ext>
-            </a:extLst>
-          </p:cNvPr>
-          <p:cNvSpPr/>
-          <p:nvPr/>
-        </p:nvSpPr>
-        <p:spPr>
-          <a:xfrm>
-            <a:off x="610948" y="3693939"/>
-            <a:ext cx="1673465" cy="826676"/>
-          </a:xfrm>
-          <a:prstGeom prst="rect">
-            <a:avLst/>
-          </a:prstGeom>
-        </p:spPr>
-        <p:style>
-          <a:lnRef idx="2">
-            <a:schemeClr val="accent1">
-              <a:shade val="50000"/>
-            </a:schemeClr>
-          </a:lnRef>
-          <a:fillRef idx="1">
-            <a:schemeClr val="accent1"/>
-          </a:fillRef>
-          <a:effectRef idx="0">
-            <a:schemeClr val="accent1"/>
-          </a:effectRef>
-          <a:fontRef idx="minor">
-            <a:schemeClr val="lt1"/>
-          </a:fontRef>
-        </p:style>
-        <p:txBody>
-          <a:bodyPr rtlCol="0" anchor="ctr"/>
-          <a:lstStyle/>
-          <a:p>
-            <a:pPr algn="ctr"/>
-            <a:r>
-              <a:rPr lang="de-DE" dirty="0"/>
-              <a:t>Level 1</a:t>
-            </a:r>
-          </a:p>
-        </p:txBody>
-      </p:sp>
-      <p:sp>
-        <p:nvSpPr>
-          <p:cNvPr id="12" name="Pfeil: nach rechts 11">
-            <a:extLst>
-              <a:ext uri="{FF2B5EF4-FFF2-40B4-BE49-F238E27FC236}">
-                <a16:creationId xmlns:a16="http://schemas.microsoft.com/office/drawing/2014/main" id="{0C84DD65-DF4A-4776-9F83-26AD767A1B04}"/>
-              </a:ext>
-            </a:extLst>
-          </p:cNvPr>
-          <p:cNvSpPr/>
-          <p:nvPr/>
-        </p:nvSpPr>
-        <p:spPr>
-          <a:xfrm rot="16200000">
-            <a:off x="974929" y="3005328"/>
-            <a:ext cx="944264" cy="219626"/>
-          </a:xfrm>
-          <a:prstGeom prst="rightArrow">
-            <a:avLst/>
-          </a:prstGeom>
-        </p:spPr>
-        <p:style>
-          <a:lnRef idx="2">
-            <a:schemeClr val="accent1">
-              <a:shade val="50000"/>
-            </a:schemeClr>
-          </a:lnRef>
-          <a:fillRef idx="1">
-            <a:schemeClr val="accent1"/>
-          </a:fillRef>
-          <a:effectRef idx="0">
-            <a:schemeClr val="accent1"/>
-          </a:effectRef>
-          <a:fontRef idx="minor">
-            <a:schemeClr val="lt1"/>
-          </a:fontRef>
-        </p:style>
-        <p:txBody>
-          <a:bodyPr rtlCol="0" anchor="ctr"/>
-          <a:lstStyle/>
-          <a:p>
-            <a:pPr algn="ctr"/>
-            <a:endParaRPr lang="de-DE"/>
-          </a:p>
-        </p:txBody>
-      </p:sp>
-      <p:pic>
-        <p:nvPicPr>
-          <p:cNvPr id="17" name="Grafik 16">
-            <a:extLst>
-              <a:ext uri="{FF2B5EF4-FFF2-40B4-BE49-F238E27FC236}">
-                <a16:creationId xmlns:a16="http://schemas.microsoft.com/office/drawing/2014/main" id="{5361A510-900F-4FC5-8250-EF83F431B3C8}"/>
+          <p:cNvPr id="3" name="Grafik 2">
+            <a:extLst>
+              <a:ext uri="{FF2B5EF4-FFF2-40B4-BE49-F238E27FC236}">
+                <a16:creationId xmlns:a16="http://schemas.microsoft.com/office/drawing/2014/main" id="{2085AF3C-CBA1-4388-97B1-93312FF712A2}"/>
               </a:ext>
             </a:extLst>
           </p:cNvPr>
@@ -21594,448 +22271,25 @@
           <p:nvPr/>
         </p:nvPicPr>
         <p:blipFill>
-          <a:blip r:embed="rId4"/>
+          <a:blip r:embed="rId2"/>
           <a:stretch>
             <a:fillRect/>
           </a:stretch>
         </p:blipFill>
         <p:spPr>
           <a:xfrm>
-            <a:off x="6770282" y="1494682"/>
-            <a:ext cx="1564513" cy="509984"/>
+            <a:off x="533223" y="794626"/>
+            <a:ext cx="7987553" cy="2603701"/>
           </a:xfrm>
           <a:prstGeom prst="rect">
             <a:avLst/>
           </a:prstGeom>
         </p:spPr>
       </p:pic>
-      <p:pic>
-        <p:nvPicPr>
-          <p:cNvPr id="15" name="Grafik 14">
-            <a:extLst>
-              <a:ext uri="{FF2B5EF4-FFF2-40B4-BE49-F238E27FC236}">
-                <a16:creationId xmlns:a16="http://schemas.microsoft.com/office/drawing/2014/main" id="{E9008DE7-6FED-4C72-838F-CC621D94AEF6}"/>
-              </a:ext>
-            </a:extLst>
-          </p:cNvPr>
-          <p:cNvPicPr>
-            <a:picLocks noChangeAspect="1"/>
-          </p:cNvPicPr>
-          <p:nvPr/>
-        </p:nvPicPr>
-        <p:blipFill>
-          <a:blip r:embed="rId5"/>
-          <a:stretch>
-            <a:fillRect/>
-          </a:stretch>
-        </p:blipFill>
-        <p:spPr>
-          <a:xfrm>
-            <a:off x="7718206" y="1387802"/>
-            <a:ext cx="723743" cy="723743"/>
-          </a:xfrm>
-          <a:prstGeom prst="rect">
-            <a:avLst/>
-          </a:prstGeom>
-        </p:spPr>
-      </p:pic>
-      <p:pic>
-        <p:nvPicPr>
-          <p:cNvPr id="21" name="Grafik 20">
-            <a:extLst>
-              <a:ext uri="{FF2B5EF4-FFF2-40B4-BE49-F238E27FC236}">
-                <a16:creationId xmlns:a16="http://schemas.microsoft.com/office/drawing/2014/main" id="{A1E97A2B-AD92-4E14-A086-85EEDA33CCAC}"/>
-              </a:ext>
-            </a:extLst>
-          </p:cNvPr>
-          <p:cNvPicPr>
-            <a:picLocks noChangeAspect="1"/>
-          </p:cNvPicPr>
-          <p:nvPr/>
-        </p:nvPicPr>
-        <p:blipFill>
-          <a:blip r:embed="rId6"/>
-          <a:stretch>
-            <a:fillRect/>
-          </a:stretch>
-        </p:blipFill>
-        <p:spPr>
-          <a:xfrm>
-            <a:off x="3978988" y="3376030"/>
-            <a:ext cx="1149174" cy="1149174"/>
-          </a:xfrm>
-          <a:prstGeom prst="rect">
-            <a:avLst/>
-          </a:prstGeom>
-        </p:spPr>
-      </p:pic>
-      <p:pic>
-        <p:nvPicPr>
-          <p:cNvPr id="27" name="Grafik 26">
-            <a:extLst>
-              <a:ext uri="{FF2B5EF4-FFF2-40B4-BE49-F238E27FC236}">
-                <a16:creationId xmlns:a16="http://schemas.microsoft.com/office/drawing/2014/main" id="{8AEAB48A-CB67-407D-8054-3E3F11B246A8}"/>
-              </a:ext>
-            </a:extLst>
-          </p:cNvPr>
-          <p:cNvPicPr>
-            <a:picLocks noChangeAspect="1"/>
-          </p:cNvPicPr>
-          <p:nvPr/>
-        </p:nvPicPr>
-        <p:blipFill>
-          <a:blip r:embed="rId7"/>
-          <a:stretch>
-            <a:fillRect/>
-          </a:stretch>
-        </p:blipFill>
-        <p:spPr>
-          <a:xfrm>
-            <a:off x="3978988" y="1215296"/>
-            <a:ext cx="1154424" cy="1154424"/>
-          </a:xfrm>
-          <a:prstGeom prst="rect">
-            <a:avLst/>
-          </a:prstGeom>
-        </p:spPr>
-      </p:pic>
-      <p:sp>
-        <p:nvSpPr>
-          <p:cNvPr id="2" name="Textfeld 1">
-            <a:extLst>
-              <a:ext uri="{FF2B5EF4-FFF2-40B4-BE49-F238E27FC236}">
-                <a16:creationId xmlns:a16="http://schemas.microsoft.com/office/drawing/2014/main" id="{685FCCA7-0B34-18FD-2C05-C4053B2CFA4C}"/>
-              </a:ext>
-            </a:extLst>
-          </p:cNvPr>
-          <p:cNvSpPr txBox="1"/>
-          <p:nvPr/>
-        </p:nvSpPr>
-        <p:spPr>
-          <a:xfrm>
-            <a:off x="4085905" y="978923"/>
-            <a:ext cx="949299" cy="338554"/>
-          </a:xfrm>
-          <a:prstGeom prst="rect">
-            <a:avLst/>
-          </a:prstGeom>
-          <a:solidFill>
-            <a:schemeClr val="bg1"/>
-          </a:solidFill>
-          <a:ln>
-            <a:solidFill>
-              <a:schemeClr val="tx1"/>
-            </a:solidFill>
-          </a:ln>
-        </p:spPr>
-        <p:txBody>
-          <a:bodyPr wrap="none" rtlCol="0">
-            <a:spAutoFit/>
-          </a:bodyPr>
-          <a:lstStyle/>
-          <a:p>
-            <a:r>
-              <a:rPr lang="en-GB" sz="1600" b="1" dirty="0" err="1">
-                <a:solidFill>
-                  <a:srgbClr val="FF0000"/>
-                </a:solidFill>
-              </a:rPr>
-              <a:t>AlarmIT</a:t>
-            </a:r>
-            <a:endParaRPr lang="de-DE" sz="1600" b="1" dirty="0">
-              <a:solidFill>
-                <a:srgbClr val="FF0000"/>
-              </a:solidFill>
-            </a:endParaRPr>
-          </a:p>
-        </p:txBody>
-      </p:sp>
-      <p:sp>
-        <p:nvSpPr>
-          <p:cNvPr id="3" name="Textfeld 2">
-            <a:extLst>
-              <a:ext uri="{FF2B5EF4-FFF2-40B4-BE49-F238E27FC236}">
-                <a16:creationId xmlns:a16="http://schemas.microsoft.com/office/drawing/2014/main" id="{57A23D42-6108-AC50-BA9C-0D4EC2978F79}"/>
-              </a:ext>
-            </a:extLst>
-          </p:cNvPr>
-          <p:cNvSpPr txBox="1"/>
-          <p:nvPr/>
-        </p:nvSpPr>
-        <p:spPr>
-          <a:xfrm>
-            <a:off x="4029792" y="4432788"/>
-            <a:ext cx="1047565" cy="307777"/>
-          </a:xfrm>
-          <a:prstGeom prst="rect">
-            <a:avLst/>
-          </a:prstGeom>
-          <a:noFill/>
-        </p:spPr>
-        <p:txBody>
-          <a:bodyPr wrap="square" rtlCol="0">
-            <a:spAutoFit/>
-          </a:bodyPr>
-          <a:lstStyle/>
-          <a:p>
-            <a:r>
-              <a:rPr lang="en-GB" dirty="0" err="1"/>
-              <a:t>Datenbank</a:t>
-            </a:r>
-            <a:endParaRPr lang="de-DE" dirty="0"/>
-          </a:p>
-        </p:txBody>
-      </p:sp>
-      <p:sp>
-        <p:nvSpPr>
-          <p:cNvPr id="10" name="Textfeld 9">
-            <a:extLst>
-              <a:ext uri="{FF2B5EF4-FFF2-40B4-BE49-F238E27FC236}">
-                <a16:creationId xmlns:a16="http://schemas.microsoft.com/office/drawing/2014/main" id="{FC0B0197-0490-57AF-9C73-0A5F0C88D92E}"/>
-              </a:ext>
-            </a:extLst>
-          </p:cNvPr>
-          <p:cNvSpPr txBox="1"/>
-          <p:nvPr/>
-        </p:nvSpPr>
-        <p:spPr>
-          <a:xfrm>
-            <a:off x="7288427" y="1163588"/>
-            <a:ext cx="528222" cy="307777"/>
-          </a:xfrm>
-          <a:prstGeom prst="rect">
-            <a:avLst/>
-          </a:prstGeom>
-          <a:noFill/>
-        </p:spPr>
-        <p:txBody>
-          <a:bodyPr wrap="square" rtlCol="0">
-            <a:spAutoFit/>
-          </a:bodyPr>
-          <a:lstStyle/>
-          <a:p>
-            <a:r>
-              <a:rPr lang="en-GB" dirty="0"/>
-              <a:t>GUI</a:t>
-            </a:r>
-            <a:endParaRPr lang="de-DE" dirty="0"/>
-          </a:p>
-        </p:txBody>
-      </p:sp>
-      <p:sp>
-        <p:nvSpPr>
-          <p:cNvPr id="11" name="Pfeil: nach links 10">
-            <a:extLst>
-              <a:ext uri="{FF2B5EF4-FFF2-40B4-BE49-F238E27FC236}">
-                <a16:creationId xmlns:a16="http://schemas.microsoft.com/office/drawing/2014/main" id="{7317D837-D5B6-1269-97AF-FF4F71F1E705}"/>
-              </a:ext>
-            </a:extLst>
-          </p:cNvPr>
-          <p:cNvSpPr/>
-          <p:nvPr/>
-        </p:nvSpPr>
-        <p:spPr>
-          <a:xfrm>
-            <a:off x="5309625" y="1642963"/>
-            <a:ext cx="1291701" cy="246221"/>
-          </a:xfrm>
-          <a:prstGeom prst="leftArrow">
-            <a:avLst/>
-          </a:prstGeom>
-          <a:solidFill>
-            <a:srgbClr val="00B050"/>
-          </a:solidFill>
-          <a:ln>
-            <a:solidFill>
-              <a:srgbClr val="00B050"/>
-            </a:solidFill>
-          </a:ln>
-        </p:spPr>
-        <p:style>
-          <a:lnRef idx="2">
-            <a:schemeClr val="accent1">
-              <a:shade val="50000"/>
-            </a:schemeClr>
-          </a:lnRef>
-          <a:fillRef idx="1">
-            <a:schemeClr val="accent1"/>
-          </a:fillRef>
-          <a:effectRef idx="0">
-            <a:schemeClr val="accent1"/>
-          </a:effectRef>
-          <a:fontRef idx="minor">
-            <a:schemeClr val="lt1"/>
-          </a:fontRef>
-        </p:style>
-        <p:txBody>
-          <a:bodyPr rtlCol="0" anchor="ctr"/>
-          <a:lstStyle/>
-          <a:p>
-            <a:pPr algn="ctr"/>
-            <a:endParaRPr lang="de-DE" sz="800" dirty="0">
-              <a:solidFill>
-                <a:srgbClr val="FF0000"/>
-              </a:solidFill>
-            </a:endParaRPr>
-          </a:p>
-        </p:txBody>
-      </p:sp>
-      <p:sp>
-        <p:nvSpPr>
-          <p:cNvPr id="13" name="Textfeld 12">
-            <a:extLst>
-              <a:ext uri="{FF2B5EF4-FFF2-40B4-BE49-F238E27FC236}">
-                <a16:creationId xmlns:a16="http://schemas.microsoft.com/office/drawing/2014/main" id="{7046A8E8-14A2-9E54-9DAA-3EC102C47A13}"/>
-              </a:ext>
-            </a:extLst>
-          </p:cNvPr>
-          <p:cNvSpPr txBox="1"/>
-          <p:nvPr/>
-        </p:nvSpPr>
-        <p:spPr>
-          <a:xfrm>
-            <a:off x="2213393" y="1443007"/>
-            <a:ext cx="1470841" cy="246221"/>
-          </a:xfrm>
-          <a:prstGeom prst="rect">
-            <a:avLst/>
-          </a:prstGeom>
-          <a:noFill/>
-        </p:spPr>
-        <p:txBody>
-          <a:bodyPr wrap="square" rtlCol="0">
-            <a:spAutoFit/>
-          </a:bodyPr>
-          <a:lstStyle/>
-          <a:p>
-            <a:r>
-              <a:rPr lang="de-DE" sz="1000" dirty="0"/>
-              <a:t>Asynchrone Nachricht</a:t>
-            </a:r>
-          </a:p>
-        </p:txBody>
-      </p:sp>
-      <p:sp>
-        <p:nvSpPr>
-          <p:cNvPr id="20" name="Textfeld 19">
-            <a:extLst>
-              <a:ext uri="{FF2B5EF4-FFF2-40B4-BE49-F238E27FC236}">
-                <a16:creationId xmlns:a16="http://schemas.microsoft.com/office/drawing/2014/main" id="{5854757A-45AB-D4BE-A8F6-AA1896BFDF67}"/>
-              </a:ext>
-            </a:extLst>
-          </p:cNvPr>
-          <p:cNvSpPr txBox="1"/>
-          <p:nvPr/>
-        </p:nvSpPr>
-        <p:spPr>
-          <a:xfrm>
-            <a:off x="5302368" y="1411607"/>
-            <a:ext cx="1470841" cy="246221"/>
-          </a:xfrm>
-          <a:prstGeom prst="rect">
-            <a:avLst/>
-          </a:prstGeom>
-          <a:noFill/>
-        </p:spPr>
-        <p:txBody>
-          <a:bodyPr wrap="square" rtlCol="0">
-            <a:spAutoFit/>
-          </a:bodyPr>
-          <a:lstStyle/>
-          <a:p>
-            <a:r>
-              <a:rPr lang="de-DE" sz="1000" dirty="0"/>
-              <a:t>Synchrone Nachricht</a:t>
-            </a:r>
-          </a:p>
-        </p:txBody>
-      </p:sp>
-      <p:sp>
-        <p:nvSpPr>
-          <p:cNvPr id="24" name="Textfeld 23">
-            <a:extLst>
-              <a:ext uri="{FF2B5EF4-FFF2-40B4-BE49-F238E27FC236}">
-                <a16:creationId xmlns:a16="http://schemas.microsoft.com/office/drawing/2014/main" id="{8CB31109-E659-A156-061B-AC36C42193CF}"/>
-              </a:ext>
-            </a:extLst>
-          </p:cNvPr>
-          <p:cNvSpPr txBox="1"/>
-          <p:nvPr/>
-        </p:nvSpPr>
-        <p:spPr>
-          <a:xfrm>
-            <a:off x="1518701" y="2915086"/>
-            <a:ext cx="870484" cy="400110"/>
-          </a:xfrm>
-          <a:prstGeom prst="rect">
-            <a:avLst/>
-          </a:prstGeom>
-          <a:noFill/>
-        </p:spPr>
-        <p:txBody>
-          <a:bodyPr wrap="square" rtlCol="0">
-            <a:spAutoFit/>
-          </a:bodyPr>
-          <a:lstStyle/>
-          <a:p>
-            <a:r>
-              <a:rPr lang="de-DE" sz="1000" dirty="0"/>
-              <a:t>Asynchrone </a:t>
-            </a:r>
-          </a:p>
-          <a:p>
-            <a:r>
-              <a:rPr lang="de-DE" sz="1000" dirty="0"/>
-              <a:t>Nachricht</a:t>
-            </a:r>
-          </a:p>
-        </p:txBody>
-      </p:sp>
-      <p:sp>
-        <p:nvSpPr>
-          <p:cNvPr id="28" name="Textfeld 27">
-            <a:extLst>
-              <a:ext uri="{FF2B5EF4-FFF2-40B4-BE49-F238E27FC236}">
-                <a16:creationId xmlns:a16="http://schemas.microsoft.com/office/drawing/2014/main" id="{4C7D5CB9-0DB9-3D8F-DCE9-A1C8D584CEE3}"/>
-              </a:ext>
-            </a:extLst>
-          </p:cNvPr>
-          <p:cNvSpPr txBox="1"/>
-          <p:nvPr/>
-        </p:nvSpPr>
-        <p:spPr>
-          <a:xfrm>
-            <a:off x="4572000" y="2720589"/>
-            <a:ext cx="870484" cy="400110"/>
-          </a:xfrm>
-          <a:prstGeom prst="rect">
-            <a:avLst/>
-          </a:prstGeom>
-          <a:noFill/>
-        </p:spPr>
-        <p:txBody>
-          <a:bodyPr wrap="square" rtlCol="0">
-            <a:spAutoFit/>
-          </a:bodyPr>
-          <a:lstStyle/>
-          <a:p>
-            <a:r>
-              <a:rPr lang="de-DE" sz="1000" dirty="0"/>
-              <a:t>Asynchrone </a:t>
-            </a:r>
-          </a:p>
-          <a:p>
-            <a:r>
-              <a:rPr lang="de-DE" sz="1000" dirty="0"/>
-              <a:t>Nachricht</a:t>
-            </a:r>
-          </a:p>
-        </p:txBody>
-      </p:sp>
     </p:spTree>
     <p:extLst>
       <p:ext uri="{BB962C8B-B14F-4D97-AF65-F5344CB8AC3E}">
-        <p14:creationId xmlns:p14="http://schemas.microsoft.com/office/powerpoint/2010/main" val="2005823095"/>
+        <p14:creationId xmlns:p14="http://schemas.microsoft.com/office/powerpoint/2010/main" val="3317306197"/>
       </p:ext>
     </p:extLst>
   </p:cSld>
@@ -22114,8 +22368,12 @@
           <a:lstStyle/>
           <a:p>
             <a:r>
+              <a:rPr lang="de-DE" dirty="0" err="1"/>
+              <a:t>AlarmIT</a:t>
+            </a:r>
+            <a:r>
               <a:rPr lang="de-DE" dirty="0"/>
-              <a:t>Abgrenzung des Kontextes durch Docker</a:t>
+              <a:t> ist ein einfaches verteiltes System</a:t>
             </a:r>
           </a:p>
         </p:txBody>
@@ -22143,7 +22401,7 @@
           <a:p>
             <a:fld id="{F6737BBE-2145-4442-A559-CD3E1292DF16}" type="datetime1">
               <a:rPr lang="de-DE" smtClean="0"/>
-              <a:t>15.09.2022</a:t>
+              <a:t>16.09.2022</a:t>
             </a:fld>
             <a:endParaRPr lang="de-DE" dirty="0"/>
           </a:p>
@@ -22203,7 +22461,7 @@
         </p:blipFill>
         <p:spPr bwMode="auto">
           <a:xfrm>
-            <a:off x="648375" y="1361267"/>
+            <a:off x="610948" y="1084058"/>
             <a:ext cx="1673465" cy="1364032"/>
           </a:xfrm>
           <a:prstGeom prst="rect">
@@ -22235,7 +22493,7 @@
         </p:nvSpPr>
         <p:spPr>
           <a:xfrm>
-            <a:off x="2501151" y="2011581"/>
+            <a:off x="2292981" y="1657828"/>
             <a:ext cx="1337676" cy="218906"/>
           </a:xfrm>
           <a:prstGeom prst="rightArrow">
@@ -22279,9 +22537,9 @@
           <p:nvPr/>
         </p:nvSpPr>
         <p:spPr>
-          <a:xfrm rot="478914">
-            <a:off x="5321548" y="2342862"/>
-            <a:ext cx="1284421" cy="261346"/>
+          <a:xfrm rot="5400000">
+            <a:off x="4174943" y="2853385"/>
+            <a:ext cx="771222" cy="151122"/>
           </a:xfrm>
           <a:prstGeom prst="rightArrow">
             <a:avLst/>
@@ -22326,7 +22584,7 @@
         </p:nvSpPr>
         <p:spPr>
           <a:xfrm>
-            <a:off x="610948" y="3801274"/>
+            <a:off x="610948" y="3693939"/>
             <a:ext cx="1673465" cy="826676"/>
           </a:xfrm>
           <a:prstGeom prst="rect">
@@ -22375,7 +22633,7 @@
         </p:nvSpPr>
         <p:spPr>
           <a:xfrm rot="16200000">
-            <a:off x="939641" y="3199579"/>
+            <a:off x="974929" y="3005328"/>
             <a:ext cx="944264" cy="219626"/>
           </a:xfrm>
           <a:prstGeom prst="rightArrow">
@@ -22429,7 +22687,7 @@
         </p:blipFill>
         <p:spPr>
           <a:xfrm>
-            <a:off x="6787713" y="1293681"/>
+            <a:off x="6770282" y="1494682"/>
             <a:ext cx="1564513" cy="509984"/>
           </a:xfrm>
           <a:prstGeom prst="rect">
@@ -22459,7 +22717,7 @@
         </p:blipFill>
         <p:spPr>
           <a:xfrm>
-            <a:off x="7735637" y="1186801"/>
+            <a:off x="7718206" y="1387802"/>
             <a:ext cx="723743" cy="723743"/>
           </a:xfrm>
           <a:prstGeom prst="rect">
@@ -22489,7 +22747,7 @@
         </p:blipFill>
         <p:spPr>
           <a:xfrm>
-            <a:off x="6657578" y="1981835"/>
+            <a:off x="3978988" y="3376030"/>
             <a:ext cx="1149174" cy="1149174"/>
           </a:xfrm>
           <a:prstGeom prst="rect">
@@ -22519,7 +22777,7 @@
         </p:blipFill>
         <p:spPr>
           <a:xfrm>
-            <a:off x="3997014" y="1597640"/>
+            <a:off x="3978988" y="1215296"/>
             <a:ext cx="1154424" cy="1154424"/>
           </a:xfrm>
           <a:prstGeom prst="rect">
@@ -22541,7 +22799,7 @@
         </p:nvSpPr>
         <p:spPr>
           <a:xfrm>
-            <a:off x="4103931" y="1361267"/>
+            <a:off x="4085905" y="978923"/>
             <a:ext cx="949299" cy="338554"/>
           </a:xfrm>
           <a:prstGeom prst="rect">
@@ -22592,7 +22850,7 @@
         </p:nvSpPr>
         <p:spPr>
           <a:xfrm>
-            <a:off x="6708382" y="3038593"/>
+            <a:off x="4029792" y="4432788"/>
             <a:ext cx="1047565" cy="307777"/>
           </a:xfrm>
           <a:prstGeom prst="rect">
@@ -22628,7 +22886,7 @@
         </p:nvSpPr>
         <p:spPr>
           <a:xfrm>
-            <a:off x="7305858" y="962587"/>
+            <a:off x="7288427" y="1163588"/>
             <a:ext cx="528222" cy="307777"/>
           </a:xfrm>
           <a:prstGeom prst="rect">
@@ -22663,7 +22921,7 @@
           <p:nvPr/>
         </p:nvSpPr>
         <p:spPr>
-          <a:xfrm rot="21065994">
+          <a:xfrm>
             <a:off x="5309625" y="1642963"/>
             <a:ext cx="1291701" cy="246221"/>
           </a:xfrm>
@@ -22710,65 +22968,160 @@
       </p:sp>
       <p:sp>
         <p:nvSpPr>
-          <p:cNvPr id="14" name="Rechteck 13">
-            <a:extLst>
-              <a:ext uri="{FF2B5EF4-FFF2-40B4-BE49-F238E27FC236}">
-                <a16:creationId xmlns:a16="http://schemas.microsoft.com/office/drawing/2014/main" id="{E9A8B80C-0976-5D56-17EE-E03F57CA6691}"/>
-              </a:ext>
-            </a:extLst>
-          </p:cNvPr>
-          <p:cNvSpPr/>
+          <p:cNvPr id="13" name="Textfeld 12">
+            <a:extLst>
+              <a:ext uri="{FF2B5EF4-FFF2-40B4-BE49-F238E27FC236}">
+                <a16:creationId xmlns:a16="http://schemas.microsoft.com/office/drawing/2014/main" id="{7046A8E8-14A2-9E54-9DAA-3EC102C47A13}"/>
+              </a:ext>
+            </a:extLst>
+          </p:cNvPr>
+          <p:cNvSpPr txBox="1"/>
           <p:nvPr/>
         </p:nvSpPr>
         <p:spPr>
           <a:xfrm>
-            <a:off x="539749" y="859715"/>
-            <a:ext cx="8106019" cy="2727558"/>
+            <a:off x="2213393" y="1443007"/>
+            <a:ext cx="1470841" cy="246221"/>
           </a:xfrm>
           <a:prstGeom prst="rect">
             <a:avLst/>
           </a:prstGeom>
           <a:noFill/>
-          <a:ln w="38100" cap="flat" cmpd="sng" algn="ctr">
-            <a:solidFill>
-              <a:schemeClr val="accent2">
-                <a:lumMod val="60000"/>
-                <a:lumOff val="40000"/>
-              </a:schemeClr>
-            </a:solidFill>
-            <a:prstDash val="solid"/>
-            <a:round/>
-            <a:headEnd type="none" w="med" len="med"/>
-            <a:tailEnd type="none" w="med" len="med"/>
-          </a:ln>
-        </p:spPr>
-        <p:style>
-          <a:lnRef idx="0">
-            <a:scrgbClr r="0" g="0" b="0"/>
-          </a:lnRef>
-          <a:fillRef idx="0">
-            <a:scrgbClr r="0" g="0" b="0"/>
-          </a:fillRef>
-          <a:effectRef idx="0">
-            <a:scrgbClr r="0" g="0" b="0"/>
-          </a:effectRef>
-          <a:fontRef idx="minor">
-            <a:schemeClr val="dk1"/>
-          </a:fontRef>
-        </p:style>
-        <p:txBody>
-          <a:bodyPr rtlCol="0" anchor="ctr"/>
+        </p:spPr>
+        <p:txBody>
+          <a:bodyPr wrap="square" rtlCol="0">
+            <a:spAutoFit/>
+          </a:bodyPr>
           <a:lstStyle/>
           <a:p>
-            <a:pPr algn="ctr"/>
-            <a:endParaRPr lang="de-DE"/>
+            <a:r>
+              <a:rPr lang="de-DE" sz="1000" dirty="0"/>
+              <a:t>Asynchrone Nachricht</a:t>
+            </a:r>
+          </a:p>
+        </p:txBody>
+      </p:sp>
+      <p:sp>
+        <p:nvSpPr>
+          <p:cNvPr id="20" name="Textfeld 19">
+            <a:extLst>
+              <a:ext uri="{FF2B5EF4-FFF2-40B4-BE49-F238E27FC236}">
+                <a16:creationId xmlns:a16="http://schemas.microsoft.com/office/drawing/2014/main" id="{5854757A-45AB-D4BE-A8F6-AA1896BFDF67}"/>
+              </a:ext>
+            </a:extLst>
+          </p:cNvPr>
+          <p:cNvSpPr txBox="1"/>
+          <p:nvPr/>
+        </p:nvSpPr>
+        <p:spPr>
+          <a:xfrm>
+            <a:off x="5302368" y="1411607"/>
+            <a:ext cx="1470841" cy="246221"/>
+          </a:xfrm>
+          <a:prstGeom prst="rect">
+            <a:avLst/>
+          </a:prstGeom>
+          <a:noFill/>
+        </p:spPr>
+        <p:txBody>
+          <a:bodyPr wrap="square" rtlCol="0">
+            <a:spAutoFit/>
+          </a:bodyPr>
+          <a:lstStyle/>
+          <a:p>
+            <a:r>
+              <a:rPr lang="de-DE" sz="1000" dirty="0"/>
+              <a:t>Synchrone Nachricht</a:t>
+            </a:r>
+          </a:p>
+        </p:txBody>
+      </p:sp>
+      <p:sp>
+        <p:nvSpPr>
+          <p:cNvPr id="24" name="Textfeld 23">
+            <a:extLst>
+              <a:ext uri="{FF2B5EF4-FFF2-40B4-BE49-F238E27FC236}">
+                <a16:creationId xmlns:a16="http://schemas.microsoft.com/office/drawing/2014/main" id="{8CB31109-E659-A156-061B-AC36C42193CF}"/>
+              </a:ext>
+            </a:extLst>
+          </p:cNvPr>
+          <p:cNvSpPr txBox="1"/>
+          <p:nvPr/>
+        </p:nvSpPr>
+        <p:spPr>
+          <a:xfrm>
+            <a:off x="1518701" y="2915086"/>
+            <a:ext cx="870484" cy="400110"/>
+          </a:xfrm>
+          <a:prstGeom prst="rect">
+            <a:avLst/>
+          </a:prstGeom>
+          <a:noFill/>
+        </p:spPr>
+        <p:txBody>
+          <a:bodyPr wrap="square" rtlCol="0">
+            <a:spAutoFit/>
+          </a:bodyPr>
+          <a:lstStyle/>
+          <a:p>
+            <a:r>
+              <a:rPr lang="de-DE" sz="1000" dirty="0"/>
+              <a:t>Asynchrone </a:t>
+            </a:r>
+          </a:p>
+          <a:p>
+            <a:r>
+              <a:rPr lang="de-DE" sz="1000" dirty="0"/>
+              <a:t>Nachricht</a:t>
+            </a:r>
+          </a:p>
+        </p:txBody>
+      </p:sp>
+      <p:sp>
+        <p:nvSpPr>
+          <p:cNvPr id="28" name="Textfeld 27">
+            <a:extLst>
+              <a:ext uri="{FF2B5EF4-FFF2-40B4-BE49-F238E27FC236}">
+                <a16:creationId xmlns:a16="http://schemas.microsoft.com/office/drawing/2014/main" id="{4C7D5CB9-0DB9-3D8F-DCE9-A1C8D584CEE3}"/>
+              </a:ext>
+            </a:extLst>
+          </p:cNvPr>
+          <p:cNvSpPr txBox="1"/>
+          <p:nvPr/>
+        </p:nvSpPr>
+        <p:spPr>
+          <a:xfrm>
+            <a:off x="4572000" y="2720589"/>
+            <a:ext cx="870484" cy="400110"/>
+          </a:xfrm>
+          <a:prstGeom prst="rect">
+            <a:avLst/>
+          </a:prstGeom>
+          <a:noFill/>
+        </p:spPr>
+        <p:txBody>
+          <a:bodyPr wrap="square" rtlCol="0">
+            <a:spAutoFit/>
+          </a:bodyPr>
+          <a:lstStyle/>
+          <a:p>
+            <a:r>
+              <a:rPr lang="de-DE" sz="1000" dirty="0"/>
+              <a:t>Asynchrone </a:t>
+            </a:r>
+          </a:p>
+          <a:p>
+            <a:r>
+              <a:rPr lang="de-DE" sz="1000" dirty="0"/>
+              <a:t>Nachricht</a:t>
+            </a:r>
           </a:p>
         </p:txBody>
       </p:sp>
     </p:spTree>
     <p:extLst>
       <p:ext uri="{BB962C8B-B14F-4D97-AF65-F5344CB8AC3E}">
-        <p14:creationId xmlns:p14="http://schemas.microsoft.com/office/powerpoint/2010/main" val="3358623857"/>
+        <p14:creationId xmlns:p14="http://schemas.microsoft.com/office/powerpoint/2010/main" val="2005823095"/>
       </p:ext>
     </p:extLst>
   </p:cSld>
@@ -22848,6 +23201,739 @@
           <a:p>
             <a:r>
               <a:rPr lang="de-DE" dirty="0"/>
+              <a:t>Abgrenzung des Kontextes durch Docker</a:t>
+            </a:r>
+          </a:p>
+        </p:txBody>
+      </p:sp>
+      <p:sp>
+        <p:nvSpPr>
+          <p:cNvPr id="8" name="Datumsplatzhalter 7">
+            <a:extLst>
+              <a:ext uri="{FF2B5EF4-FFF2-40B4-BE49-F238E27FC236}">
+                <a16:creationId xmlns:a16="http://schemas.microsoft.com/office/drawing/2014/main" id="{AA78F7BF-BC09-4451-99A2-5CFC28999A75}"/>
+              </a:ext>
+            </a:extLst>
+          </p:cNvPr>
+          <p:cNvSpPr>
+            <a:spLocks noGrp="1"/>
+          </p:cNvSpPr>
+          <p:nvPr>
+            <p:ph type="dt" sz="half" idx="18"/>
+          </p:nvPr>
+        </p:nvSpPr>
+        <p:spPr/>
+        <p:txBody>
+          <a:bodyPr/>
+          <a:lstStyle/>
+          <a:p>
+            <a:fld id="{F6737BBE-2145-4442-A559-CD3E1292DF16}" type="datetime1">
+              <a:rPr lang="de-DE" smtClean="0"/>
+              <a:t>16.09.2022</a:t>
+            </a:fld>
+            <a:endParaRPr lang="de-DE" dirty="0"/>
+          </a:p>
+        </p:txBody>
+      </p:sp>
+      <p:sp>
+        <p:nvSpPr>
+          <p:cNvPr id="9" name="Fußzeilenplatzhalter 8">
+            <a:extLst>
+              <a:ext uri="{FF2B5EF4-FFF2-40B4-BE49-F238E27FC236}">
+                <a16:creationId xmlns:a16="http://schemas.microsoft.com/office/drawing/2014/main" id="{F91C395A-F014-4C53-B3A5-0E1FD5D11BB1}"/>
+              </a:ext>
+            </a:extLst>
+          </p:cNvPr>
+          <p:cNvSpPr>
+            <a:spLocks noGrp="1"/>
+          </p:cNvSpPr>
+          <p:nvPr>
+            <p:ph type="ftr" sz="quarter" idx="3"/>
+          </p:nvPr>
+        </p:nvSpPr>
+        <p:spPr/>
+        <p:txBody>
+          <a:bodyPr/>
+          <a:lstStyle/>
+          <a:p>
+            <a:endParaRPr lang="de-DE" dirty="0"/>
+          </a:p>
+        </p:txBody>
+      </p:sp>
+      <p:pic>
+        <p:nvPicPr>
+          <p:cNvPr id="3078" name="Picture 6" descr="Apache ActiveMQ – Wikipedia">
+            <a:extLst>
+              <a:ext uri="{FF2B5EF4-FFF2-40B4-BE49-F238E27FC236}">
+                <a16:creationId xmlns:a16="http://schemas.microsoft.com/office/drawing/2014/main" id="{6DE69F25-DC43-4FCD-A47E-1D39321723CD}"/>
+              </a:ext>
+            </a:extLst>
+          </p:cNvPr>
+          <p:cNvPicPr>
+            <a:picLocks noChangeAspect="1" noChangeArrowheads="1"/>
+          </p:cNvPicPr>
+          <p:nvPr/>
+        </p:nvPicPr>
+        <p:blipFill>
+          <a:blip r:embed="rId3">
+            <a:extLst>
+              <a:ext uri="{28A0092B-C50C-407E-A947-70E740481C1C}">
+                <a14:useLocalDpi xmlns:a14="http://schemas.microsoft.com/office/drawing/2010/main" val="0"/>
+              </a:ext>
+            </a:extLst>
+          </a:blip>
+          <a:srcRect/>
+          <a:stretch>
+            <a:fillRect/>
+          </a:stretch>
+        </p:blipFill>
+        <p:spPr bwMode="auto">
+          <a:xfrm>
+            <a:off x="648375" y="1361267"/>
+            <a:ext cx="1673465" cy="1364032"/>
+          </a:xfrm>
+          <a:prstGeom prst="rect">
+            <a:avLst/>
+          </a:prstGeom>
+          <a:noFill/>
+          <a:extLst>
+            <a:ext uri="{909E8E84-426E-40DD-AFC4-6F175D3DCCD1}">
+              <a14:hiddenFill xmlns:a14="http://schemas.microsoft.com/office/drawing/2010/main">
+                <a:solidFill>
+                  <a:srgbClr val="FFFFFF"/>
+                </a:solidFill>
+              </a14:hiddenFill>
+            </a:ext>
+          </a:extLst>
+        </p:spPr>
+      </p:pic>
+      <p:sp>
+        <p:nvSpPr>
+          <p:cNvPr id="19" name="Pfeil: nach rechts 18">
+            <a:extLst>
+              <a:ext uri="{FF2B5EF4-FFF2-40B4-BE49-F238E27FC236}">
+                <a16:creationId xmlns:a16="http://schemas.microsoft.com/office/drawing/2014/main" id="{53B88DBC-6C2B-4124-902A-601728AE7BE1}"/>
+              </a:ext>
+            </a:extLst>
+          </p:cNvPr>
+          <p:cNvSpPr/>
+          <p:nvPr/>
+        </p:nvSpPr>
+        <p:spPr>
+          <a:xfrm>
+            <a:off x="2501151" y="2011581"/>
+            <a:ext cx="1337676" cy="218906"/>
+          </a:xfrm>
+          <a:prstGeom prst="rightArrow">
+            <a:avLst/>
+          </a:prstGeom>
+        </p:spPr>
+        <p:style>
+          <a:lnRef idx="2">
+            <a:schemeClr val="accent1">
+              <a:shade val="50000"/>
+            </a:schemeClr>
+          </a:lnRef>
+          <a:fillRef idx="1">
+            <a:schemeClr val="accent1"/>
+          </a:fillRef>
+          <a:effectRef idx="0">
+            <a:schemeClr val="accent1"/>
+          </a:effectRef>
+          <a:fontRef idx="minor">
+            <a:schemeClr val="lt1"/>
+          </a:fontRef>
+        </p:style>
+        <p:txBody>
+          <a:bodyPr rtlCol="0" anchor="ctr"/>
+          <a:lstStyle/>
+          <a:p>
+            <a:endParaRPr lang="de-DE" sz="800" dirty="0"/>
+          </a:p>
+        </p:txBody>
+      </p:sp>
+      <p:sp>
+        <p:nvSpPr>
+          <p:cNvPr id="25" name="Pfeil: nach rechts 24">
+            <a:extLst>
+              <a:ext uri="{FF2B5EF4-FFF2-40B4-BE49-F238E27FC236}">
+                <a16:creationId xmlns:a16="http://schemas.microsoft.com/office/drawing/2014/main" id="{329C0C9A-4CD9-4A63-A672-ECFC764A9E5A}"/>
+              </a:ext>
+            </a:extLst>
+          </p:cNvPr>
+          <p:cNvSpPr/>
+          <p:nvPr/>
+        </p:nvSpPr>
+        <p:spPr>
+          <a:xfrm rot="478914">
+            <a:off x="5321548" y="2342862"/>
+            <a:ext cx="1284421" cy="261346"/>
+          </a:xfrm>
+          <a:prstGeom prst="rightArrow">
+            <a:avLst/>
+          </a:prstGeom>
+        </p:spPr>
+        <p:style>
+          <a:lnRef idx="2">
+            <a:schemeClr val="accent1">
+              <a:shade val="50000"/>
+            </a:schemeClr>
+          </a:lnRef>
+          <a:fillRef idx="1">
+            <a:schemeClr val="accent1"/>
+          </a:fillRef>
+          <a:effectRef idx="0">
+            <a:schemeClr val="accent1"/>
+          </a:effectRef>
+          <a:fontRef idx="minor">
+            <a:schemeClr val="lt1"/>
+          </a:fontRef>
+        </p:style>
+        <p:txBody>
+          <a:bodyPr rtlCol="0" anchor="ctr"/>
+          <a:lstStyle/>
+          <a:p>
+            <a:pPr algn="ctr"/>
+            <a:endParaRPr lang="de-DE" sz="800" dirty="0"/>
+          </a:p>
+        </p:txBody>
+      </p:sp>
+      <p:sp>
+        <p:nvSpPr>
+          <p:cNvPr id="5" name="Rechteck 4">
+            <a:extLst>
+              <a:ext uri="{FF2B5EF4-FFF2-40B4-BE49-F238E27FC236}">
+                <a16:creationId xmlns:a16="http://schemas.microsoft.com/office/drawing/2014/main" id="{E5B760D7-F582-4F1A-9DCE-C6FAA7168128}"/>
+              </a:ext>
+            </a:extLst>
+          </p:cNvPr>
+          <p:cNvSpPr/>
+          <p:nvPr/>
+        </p:nvSpPr>
+        <p:spPr>
+          <a:xfrm>
+            <a:off x="610948" y="3801274"/>
+            <a:ext cx="1673465" cy="826676"/>
+          </a:xfrm>
+          <a:prstGeom prst="rect">
+            <a:avLst/>
+          </a:prstGeom>
+        </p:spPr>
+        <p:style>
+          <a:lnRef idx="2">
+            <a:schemeClr val="accent1">
+              <a:shade val="50000"/>
+            </a:schemeClr>
+          </a:lnRef>
+          <a:fillRef idx="1">
+            <a:schemeClr val="accent1"/>
+          </a:fillRef>
+          <a:effectRef idx="0">
+            <a:schemeClr val="accent1"/>
+          </a:effectRef>
+          <a:fontRef idx="minor">
+            <a:schemeClr val="lt1"/>
+          </a:fontRef>
+        </p:style>
+        <p:txBody>
+          <a:bodyPr rtlCol="0" anchor="ctr"/>
+          <a:lstStyle/>
+          <a:p>
+            <a:pPr algn="ctr"/>
+            <a:r>
+              <a:rPr lang="de-DE" dirty="0"/>
+              <a:t>Level 1</a:t>
+            </a:r>
+          </a:p>
+        </p:txBody>
+      </p:sp>
+      <p:sp>
+        <p:nvSpPr>
+          <p:cNvPr id="12" name="Pfeil: nach rechts 11">
+            <a:extLst>
+              <a:ext uri="{FF2B5EF4-FFF2-40B4-BE49-F238E27FC236}">
+                <a16:creationId xmlns:a16="http://schemas.microsoft.com/office/drawing/2014/main" id="{0C84DD65-DF4A-4776-9F83-26AD767A1B04}"/>
+              </a:ext>
+            </a:extLst>
+          </p:cNvPr>
+          <p:cNvSpPr/>
+          <p:nvPr/>
+        </p:nvSpPr>
+        <p:spPr>
+          <a:xfrm rot="16200000">
+            <a:off x="939641" y="3199579"/>
+            <a:ext cx="944264" cy="219626"/>
+          </a:xfrm>
+          <a:prstGeom prst="rightArrow">
+            <a:avLst/>
+          </a:prstGeom>
+        </p:spPr>
+        <p:style>
+          <a:lnRef idx="2">
+            <a:schemeClr val="accent1">
+              <a:shade val="50000"/>
+            </a:schemeClr>
+          </a:lnRef>
+          <a:fillRef idx="1">
+            <a:schemeClr val="accent1"/>
+          </a:fillRef>
+          <a:effectRef idx="0">
+            <a:schemeClr val="accent1"/>
+          </a:effectRef>
+          <a:fontRef idx="minor">
+            <a:schemeClr val="lt1"/>
+          </a:fontRef>
+        </p:style>
+        <p:txBody>
+          <a:bodyPr rtlCol="0" anchor="ctr"/>
+          <a:lstStyle/>
+          <a:p>
+            <a:pPr algn="ctr"/>
+            <a:endParaRPr lang="de-DE"/>
+          </a:p>
+        </p:txBody>
+      </p:sp>
+      <p:pic>
+        <p:nvPicPr>
+          <p:cNvPr id="17" name="Grafik 16">
+            <a:extLst>
+              <a:ext uri="{FF2B5EF4-FFF2-40B4-BE49-F238E27FC236}">
+                <a16:creationId xmlns:a16="http://schemas.microsoft.com/office/drawing/2014/main" id="{5361A510-900F-4FC5-8250-EF83F431B3C8}"/>
+              </a:ext>
+            </a:extLst>
+          </p:cNvPr>
+          <p:cNvPicPr>
+            <a:picLocks noChangeAspect="1"/>
+          </p:cNvPicPr>
+          <p:nvPr/>
+        </p:nvPicPr>
+        <p:blipFill>
+          <a:blip r:embed="rId4"/>
+          <a:stretch>
+            <a:fillRect/>
+          </a:stretch>
+        </p:blipFill>
+        <p:spPr>
+          <a:xfrm>
+            <a:off x="6787713" y="1293681"/>
+            <a:ext cx="1564513" cy="509984"/>
+          </a:xfrm>
+          <a:prstGeom prst="rect">
+            <a:avLst/>
+          </a:prstGeom>
+        </p:spPr>
+      </p:pic>
+      <p:pic>
+        <p:nvPicPr>
+          <p:cNvPr id="15" name="Grafik 14">
+            <a:extLst>
+              <a:ext uri="{FF2B5EF4-FFF2-40B4-BE49-F238E27FC236}">
+                <a16:creationId xmlns:a16="http://schemas.microsoft.com/office/drawing/2014/main" id="{E9008DE7-6FED-4C72-838F-CC621D94AEF6}"/>
+              </a:ext>
+            </a:extLst>
+          </p:cNvPr>
+          <p:cNvPicPr>
+            <a:picLocks noChangeAspect="1"/>
+          </p:cNvPicPr>
+          <p:nvPr/>
+        </p:nvPicPr>
+        <p:blipFill>
+          <a:blip r:embed="rId5"/>
+          <a:stretch>
+            <a:fillRect/>
+          </a:stretch>
+        </p:blipFill>
+        <p:spPr>
+          <a:xfrm>
+            <a:off x="7735637" y="1186801"/>
+            <a:ext cx="723743" cy="723743"/>
+          </a:xfrm>
+          <a:prstGeom prst="rect">
+            <a:avLst/>
+          </a:prstGeom>
+        </p:spPr>
+      </p:pic>
+      <p:pic>
+        <p:nvPicPr>
+          <p:cNvPr id="21" name="Grafik 20">
+            <a:extLst>
+              <a:ext uri="{FF2B5EF4-FFF2-40B4-BE49-F238E27FC236}">
+                <a16:creationId xmlns:a16="http://schemas.microsoft.com/office/drawing/2014/main" id="{A1E97A2B-AD92-4E14-A086-85EEDA33CCAC}"/>
+              </a:ext>
+            </a:extLst>
+          </p:cNvPr>
+          <p:cNvPicPr>
+            <a:picLocks noChangeAspect="1"/>
+          </p:cNvPicPr>
+          <p:nvPr/>
+        </p:nvPicPr>
+        <p:blipFill>
+          <a:blip r:embed="rId6"/>
+          <a:stretch>
+            <a:fillRect/>
+          </a:stretch>
+        </p:blipFill>
+        <p:spPr>
+          <a:xfrm>
+            <a:off x="6657578" y="1981835"/>
+            <a:ext cx="1149174" cy="1149174"/>
+          </a:xfrm>
+          <a:prstGeom prst="rect">
+            <a:avLst/>
+          </a:prstGeom>
+        </p:spPr>
+      </p:pic>
+      <p:pic>
+        <p:nvPicPr>
+          <p:cNvPr id="27" name="Grafik 26">
+            <a:extLst>
+              <a:ext uri="{FF2B5EF4-FFF2-40B4-BE49-F238E27FC236}">
+                <a16:creationId xmlns:a16="http://schemas.microsoft.com/office/drawing/2014/main" id="{8AEAB48A-CB67-407D-8054-3E3F11B246A8}"/>
+              </a:ext>
+            </a:extLst>
+          </p:cNvPr>
+          <p:cNvPicPr>
+            <a:picLocks noChangeAspect="1"/>
+          </p:cNvPicPr>
+          <p:nvPr/>
+        </p:nvPicPr>
+        <p:blipFill>
+          <a:blip r:embed="rId7"/>
+          <a:stretch>
+            <a:fillRect/>
+          </a:stretch>
+        </p:blipFill>
+        <p:spPr>
+          <a:xfrm>
+            <a:off x="3997014" y="1597640"/>
+            <a:ext cx="1154424" cy="1154424"/>
+          </a:xfrm>
+          <a:prstGeom prst="rect">
+            <a:avLst/>
+          </a:prstGeom>
+        </p:spPr>
+      </p:pic>
+      <p:sp>
+        <p:nvSpPr>
+          <p:cNvPr id="2" name="Textfeld 1">
+            <a:extLst>
+              <a:ext uri="{FF2B5EF4-FFF2-40B4-BE49-F238E27FC236}">
+                <a16:creationId xmlns:a16="http://schemas.microsoft.com/office/drawing/2014/main" id="{685FCCA7-0B34-18FD-2C05-C4053B2CFA4C}"/>
+              </a:ext>
+            </a:extLst>
+          </p:cNvPr>
+          <p:cNvSpPr txBox="1"/>
+          <p:nvPr/>
+        </p:nvSpPr>
+        <p:spPr>
+          <a:xfrm>
+            <a:off x="4103931" y="1361267"/>
+            <a:ext cx="949299" cy="338554"/>
+          </a:xfrm>
+          <a:prstGeom prst="rect">
+            <a:avLst/>
+          </a:prstGeom>
+          <a:solidFill>
+            <a:schemeClr val="bg1"/>
+          </a:solidFill>
+          <a:ln>
+            <a:solidFill>
+              <a:schemeClr val="tx1"/>
+            </a:solidFill>
+          </a:ln>
+        </p:spPr>
+        <p:txBody>
+          <a:bodyPr wrap="none" rtlCol="0">
+            <a:spAutoFit/>
+          </a:bodyPr>
+          <a:lstStyle/>
+          <a:p>
+            <a:r>
+              <a:rPr lang="en-GB" sz="1600" b="1" dirty="0" err="1">
+                <a:solidFill>
+                  <a:srgbClr val="FF0000"/>
+                </a:solidFill>
+              </a:rPr>
+              <a:t>AlarmIT</a:t>
+            </a:r>
+            <a:endParaRPr lang="de-DE" sz="1600" b="1" dirty="0">
+              <a:solidFill>
+                <a:srgbClr val="FF0000"/>
+              </a:solidFill>
+            </a:endParaRPr>
+          </a:p>
+        </p:txBody>
+      </p:sp>
+      <p:sp>
+        <p:nvSpPr>
+          <p:cNvPr id="3" name="Textfeld 2">
+            <a:extLst>
+              <a:ext uri="{FF2B5EF4-FFF2-40B4-BE49-F238E27FC236}">
+                <a16:creationId xmlns:a16="http://schemas.microsoft.com/office/drawing/2014/main" id="{57A23D42-6108-AC50-BA9C-0D4EC2978F79}"/>
+              </a:ext>
+            </a:extLst>
+          </p:cNvPr>
+          <p:cNvSpPr txBox="1"/>
+          <p:nvPr/>
+        </p:nvSpPr>
+        <p:spPr>
+          <a:xfrm>
+            <a:off x="6708382" y="3038593"/>
+            <a:ext cx="1047565" cy="307777"/>
+          </a:xfrm>
+          <a:prstGeom prst="rect">
+            <a:avLst/>
+          </a:prstGeom>
+          <a:noFill/>
+        </p:spPr>
+        <p:txBody>
+          <a:bodyPr wrap="square" rtlCol="0">
+            <a:spAutoFit/>
+          </a:bodyPr>
+          <a:lstStyle/>
+          <a:p>
+            <a:r>
+              <a:rPr lang="en-GB" dirty="0" err="1"/>
+              <a:t>Datenbank</a:t>
+            </a:r>
+            <a:endParaRPr lang="de-DE" dirty="0"/>
+          </a:p>
+        </p:txBody>
+      </p:sp>
+      <p:sp>
+        <p:nvSpPr>
+          <p:cNvPr id="10" name="Textfeld 9">
+            <a:extLst>
+              <a:ext uri="{FF2B5EF4-FFF2-40B4-BE49-F238E27FC236}">
+                <a16:creationId xmlns:a16="http://schemas.microsoft.com/office/drawing/2014/main" id="{FC0B0197-0490-57AF-9C73-0A5F0C88D92E}"/>
+              </a:ext>
+            </a:extLst>
+          </p:cNvPr>
+          <p:cNvSpPr txBox="1"/>
+          <p:nvPr/>
+        </p:nvSpPr>
+        <p:spPr>
+          <a:xfrm>
+            <a:off x="7305858" y="962587"/>
+            <a:ext cx="528222" cy="307777"/>
+          </a:xfrm>
+          <a:prstGeom prst="rect">
+            <a:avLst/>
+          </a:prstGeom>
+          <a:noFill/>
+        </p:spPr>
+        <p:txBody>
+          <a:bodyPr wrap="square" rtlCol="0">
+            <a:spAutoFit/>
+          </a:bodyPr>
+          <a:lstStyle/>
+          <a:p>
+            <a:r>
+              <a:rPr lang="en-GB" dirty="0"/>
+              <a:t>GUI</a:t>
+            </a:r>
+            <a:endParaRPr lang="de-DE" dirty="0"/>
+          </a:p>
+        </p:txBody>
+      </p:sp>
+      <p:sp>
+        <p:nvSpPr>
+          <p:cNvPr id="11" name="Pfeil: nach links 10">
+            <a:extLst>
+              <a:ext uri="{FF2B5EF4-FFF2-40B4-BE49-F238E27FC236}">
+                <a16:creationId xmlns:a16="http://schemas.microsoft.com/office/drawing/2014/main" id="{7317D837-D5B6-1269-97AF-FF4F71F1E705}"/>
+              </a:ext>
+            </a:extLst>
+          </p:cNvPr>
+          <p:cNvSpPr/>
+          <p:nvPr/>
+        </p:nvSpPr>
+        <p:spPr>
+          <a:xfrm rot="21065994">
+            <a:off x="5309625" y="1642963"/>
+            <a:ext cx="1291701" cy="246221"/>
+          </a:xfrm>
+          <a:prstGeom prst="leftArrow">
+            <a:avLst/>
+          </a:prstGeom>
+          <a:solidFill>
+            <a:srgbClr val="00B050"/>
+          </a:solidFill>
+          <a:ln>
+            <a:solidFill>
+              <a:srgbClr val="00B050"/>
+            </a:solidFill>
+          </a:ln>
+        </p:spPr>
+        <p:style>
+          <a:lnRef idx="2">
+            <a:schemeClr val="accent1">
+              <a:shade val="50000"/>
+            </a:schemeClr>
+          </a:lnRef>
+          <a:fillRef idx="1">
+            <a:schemeClr val="accent1"/>
+          </a:fillRef>
+          <a:effectRef idx="0">
+            <a:schemeClr val="accent1"/>
+          </a:effectRef>
+          <a:fontRef idx="minor">
+            <a:schemeClr val="lt1"/>
+          </a:fontRef>
+        </p:style>
+        <p:txBody>
+          <a:bodyPr rtlCol="0" anchor="ctr"/>
+          <a:lstStyle/>
+          <a:p>
+            <a:pPr algn="ctr"/>
+            <a:endParaRPr lang="de-DE" sz="800" dirty="0">
+              <a:solidFill>
+                <a:srgbClr val="FF0000"/>
+              </a:solidFill>
+            </a:endParaRPr>
+          </a:p>
+        </p:txBody>
+      </p:sp>
+      <p:sp>
+        <p:nvSpPr>
+          <p:cNvPr id="14" name="Rechteck 13">
+            <a:extLst>
+              <a:ext uri="{FF2B5EF4-FFF2-40B4-BE49-F238E27FC236}">
+                <a16:creationId xmlns:a16="http://schemas.microsoft.com/office/drawing/2014/main" id="{E9A8B80C-0976-5D56-17EE-E03F57CA6691}"/>
+              </a:ext>
+            </a:extLst>
+          </p:cNvPr>
+          <p:cNvSpPr/>
+          <p:nvPr/>
+        </p:nvSpPr>
+        <p:spPr>
+          <a:xfrm>
+            <a:off x="539749" y="859715"/>
+            <a:ext cx="8106019" cy="2727558"/>
+          </a:xfrm>
+          <a:prstGeom prst="rect">
+            <a:avLst/>
+          </a:prstGeom>
+          <a:noFill/>
+          <a:ln w="38100" cap="flat" cmpd="sng" algn="ctr">
+            <a:solidFill>
+              <a:schemeClr val="accent2">
+                <a:lumMod val="60000"/>
+                <a:lumOff val="40000"/>
+              </a:schemeClr>
+            </a:solidFill>
+            <a:prstDash val="solid"/>
+            <a:round/>
+            <a:headEnd type="none" w="med" len="med"/>
+            <a:tailEnd type="none" w="med" len="med"/>
+          </a:ln>
+        </p:spPr>
+        <p:style>
+          <a:lnRef idx="0">
+            <a:scrgbClr r="0" g="0" b="0"/>
+          </a:lnRef>
+          <a:fillRef idx="0">
+            <a:scrgbClr r="0" g="0" b="0"/>
+          </a:fillRef>
+          <a:effectRef idx="0">
+            <a:scrgbClr r="0" g="0" b="0"/>
+          </a:effectRef>
+          <a:fontRef idx="minor">
+            <a:schemeClr val="dk1"/>
+          </a:fontRef>
+        </p:style>
+        <p:txBody>
+          <a:bodyPr rtlCol="0" anchor="ctr"/>
+          <a:lstStyle/>
+          <a:p>
+            <a:pPr algn="ctr"/>
+            <a:endParaRPr lang="de-DE"/>
+          </a:p>
+        </p:txBody>
+      </p:sp>
+    </p:spTree>
+    <p:extLst>
+      <p:ext uri="{BB962C8B-B14F-4D97-AF65-F5344CB8AC3E}">
+        <p14:creationId xmlns:p14="http://schemas.microsoft.com/office/powerpoint/2010/main" val="3358623857"/>
+      </p:ext>
+    </p:extLst>
+  </p:cSld>
+  <p:clrMapOvr>
+    <a:masterClrMapping/>
+  </p:clrMapOvr>
+</p:sld>
+</file>
+
+<file path=ppt/slides/slide6.xml><?xml version="1.0" encoding="utf-8"?>
+<p:sld xmlns:a="http://schemas.openxmlformats.org/drawingml/2006/main" xmlns:r="http://schemas.openxmlformats.org/officeDocument/2006/relationships" xmlns:p="http://schemas.openxmlformats.org/presentationml/2006/main">
+  <p:cSld>
+    <p:spTree>
+      <p:nvGrpSpPr>
+        <p:cNvPr id="1" name=""/>
+        <p:cNvGrpSpPr/>
+        <p:nvPr/>
+      </p:nvGrpSpPr>
+      <p:grpSpPr>
+        <a:xfrm>
+          <a:off x="0" y="0"/>
+          <a:ext cx="0" cy="0"/>
+          <a:chOff x="0" y="0"/>
+          <a:chExt cx="0" cy="0"/>
+        </a:xfrm>
+      </p:grpSpPr>
+      <p:sp>
+        <p:nvSpPr>
+          <p:cNvPr id="6" name="Foliennummernplatzhalter 5">
+            <a:extLst>
+              <a:ext uri="{FF2B5EF4-FFF2-40B4-BE49-F238E27FC236}">
+                <a16:creationId xmlns:a16="http://schemas.microsoft.com/office/drawing/2014/main" id="{800E83D9-A63F-4861-86A3-C8B6A79B0466}"/>
+              </a:ext>
+            </a:extLst>
+          </p:cNvPr>
+          <p:cNvSpPr>
+            <a:spLocks noGrp="1"/>
+          </p:cNvSpPr>
+          <p:nvPr>
+            <p:ph type="sldNum" sz="quarter" idx="17"/>
+          </p:nvPr>
+        </p:nvSpPr>
+        <p:spPr/>
+        <p:txBody>
+          <a:bodyPr/>
+          <a:lstStyle/>
+          <a:p>
+            <a:fld id="{8B97E1D9-0739-E445-A7FF-39998847AB6F}" type="slidenum">
+              <a:rPr lang="de-DE" smtClean="0"/>
+              <a:pPr/>
+              <a:t>6</a:t>
+            </a:fld>
+            <a:endParaRPr lang="de-DE" dirty="0"/>
+          </a:p>
+        </p:txBody>
+      </p:sp>
+      <p:sp>
+        <p:nvSpPr>
+          <p:cNvPr id="7" name="Titel 6">
+            <a:extLst>
+              <a:ext uri="{FF2B5EF4-FFF2-40B4-BE49-F238E27FC236}">
+                <a16:creationId xmlns:a16="http://schemas.microsoft.com/office/drawing/2014/main" id="{28669BB4-C76C-4C17-AC96-B44FB0B30A6D}"/>
+              </a:ext>
+            </a:extLst>
+          </p:cNvPr>
+          <p:cNvSpPr>
+            <a:spLocks noGrp="1"/>
+          </p:cNvSpPr>
+          <p:nvPr>
+            <p:ph type="title"/>
+          </p:nvPr>
+        </p:nvSpPr>
+        <p:spPr/>
+        <p:txBody>
+          <a:bodyPr/>
+          <a:lstStyle/>
+          <a:p>
+            <a:r>
+              <a:rPr lang="de-DE" dirty="0"/>
               <a:t>Besondere Eigenschaft von </a:t>
             </a:r>
             <a:r>
@@ -22881,7 +23967,7 @@
           <a:p>
             <a:fld id="{F6737BBE-2145-4442-A559-CD3E1292DF16}" type="datetime1">
               <a:rPr lang="de-DE" smtClean="0"/>
-              <a:t>15.09.2022</a:t>
+              <a:t>16.09.2022</a:t>
             </a:fld>
             <a:endParaRPr lang="de-DE" dirty="0"/>
           </a:p>
@@ -23960,7 +25046,7 @@
 </p:sld>
 </file>
 
-<file path=ppt/slides/slide6.xml><?xml version="1.0" encoding="utf-8"?>
+<file path=ppt/slides/slide7.xml><?xml version="1.0" encoding="utf-8"?>
 <p:sld xmlns:a="http://schemas.openxmlformats.org/drawingml/2006/main" xmlns:r="http://schemas.openxmlformats.org/officeDocument/2006/relationships" xmlns:p="http://schemas.openxmlformats.org/presentationml/2006/main">
   <p:cSld>
     <p:spTree>
@@ -24102,7 +25188,7 @@
             <a:fld id="{8B97E1D9-0739-E445-A7FF-39998847AB6F}" type="slidenum">
               <a:rPr lang="de-DE" smtClean="0"/>
               <a:pPr/>
-              <a:t>6</a:t>
+              <a:t>7</a:t>
             </a:fld>
             <a:endParaRPr lang="de-DE" dirty="0"/>
           </a:p>
@@ -24159,7 +25245,7 @@
           <a:p>
             <a:fld id="{F6737BBE-2145-4442-A559-CD3E1292DF16}" type="datetime1">
               <a:rPr lang="de-DE" smtClean="0"/>
-              <a:t>15.09.2022</a:t>
+              <a:t>16.09.2022</a:t>
             </a:fld>
             <a:endParaRPr lang="de-DE" dirty="0"/>
           </a:p>
@@ -24203,7 +25289,7 @@
 </p:sld>
 </file>
 
-<file path=ppt/slides/slide7.xml><?xml version="1.0" encoding="utf-8"?>
+<file path=ppt/slides/slide8.xml><?xml version="1.0" encoding="utf-8"?>
 <p:sld xmlns:a="http://schemas.openxmlformats.org/drawingml/2006/main" xmlns:r="http://schemas.openxmlformats.org/officeDocument/2006/relationships" xmlns:p="http://schemas.openxmlformats.org/presentationml/2006/main">
   <p:cSld>
     <p:spTree>
@@ -24280,7 +25366,7 @@
             <a:fld id="{8B97E1D9-0739-E445-A7FF-39998847AB6F}" type="slidenum">
               <a:rPr lang="de-DE" smtClean="0"/>
               <a:pPr/>
-              <a:t>7</a:t>
+              <a:t>8</a:t>
             </a:fld>
             <a:endParaRPr lang="de-DE" dirty="0"/>
           </a:p>
@@ -24337,7 +25423,7 @@
           <a:p>
             <a:fld id="{F6737BBE-2145-4442-A559-CD3E1292DF16}" type="datetime1">
               <a:rPr lang="de-DE" smtClean="0"/>
-              <a:t>15.09.2022</a:t>
+              <a:t>16.09.2022</a:t>
             </a:fld>
             <a:endParaRPr lang="de-DE" dirty="0"/>
           </a:p>
@@ -24997,7 +26083,7 @@
 </p:sld>
 </file>
 
-<file path=ppt/slides/slide8.xml><?xml version="1.0" encoding="utf-8"?>
+<file path=ppt/slides/slide9.xml><?xml version="1.0" encoding="utf-8"?>
 <p:sld xmlns:a="http://schemas.openxmlformats.org/drawingml/2006/main" xmlns:r="http://schemas.openxmlformats.org/officeDocument/2006/relationships" xmlns:p="http://schemas.openxmlformats.org/presentationml/2006/main">
   <p:cSld>
     <p:spTree>
@@ -25038,7 +26124,7 @@
             <a:fld id="{8B97E1D9-0739-E445-A7FF-39998847AB6F}" type="slidenum">
               <a:rPr lang="de-DE" smtClean="0"/>
               <a:pPr/>
-              <a:t>8</a:t>
+              <a:t>9</a:t>
             </a:fld>
             <a:endParaRPr lang="de-DE" dirty="0"/>
           </a:p>
@@ -25095,7 +26181,7 @@
           <a:p>
             <a:fld id="{F6737BBE-2145-4442-A559-CD3E1292DF16}" type="datetime1">
               <a:rPr lang="de-DE" smtClean="0"/>
-              <a:t>15.09.2022</a:t>
+              <a:t>16.09.2022</a:t>
             </a:fld>
             <a:endParaRPr lang="de-DE" dirty="0"/>
           </a:p>
@@ -25957,927 +27043,6 @@
       <p:bldP spid="15" grpId="0" animBg="1"/>
       <p:bldP spid="17" grpId="0" animBg="1"/>
       <p:bldP spid="19" grpId="0" animBg="1"/>
-    </p:bldLst>
-  </p:timing>
-</p:sld>
-</file>
-
-<file path=ppt/slides/slide9.xml><?xml version="1.0" encoding="utf-8"?>
-<p:sld xmlns:a="http://schemas.openxmlformats.org/drawingml/2006/main" xmlns:r="http://schemas.openxmlformats.org/officeDocument/2006/relationships" xmlns:p="http://schemas.openxmlformats.org/presentationml/2006/main">
-  <p:cSld>
-    <p:spTree>
-      <p:nvGrpSpPr>
-        <p:cNvPr id="1" name=""/>
-        <p:cNvGrpSpPr/>
-        <p:nvPr/>
-      </p:nvGrpSpPr>
-      <p:grpSpPr>
-        <a:xfrm>
-          <a:off x="0" y="0"/>
-          <a:ext cx="0" cy="0"/>
-          <a:chOff x="0" y="0"/>
-          <a:chExt cx="0" cy="0"/>
-        </a:xfrm>
-      </p:grpSpPr>
-      <p:sp>
-        <p:nvSpPr>
-          <p:cNvPr id="6" name="Foliennummernplatzhalter 5">
-            <a:extLst>
-              <a:ext uri="{FF2B5EF4-FFF2-40B4-BE49-F238E27FC236}">
-                <a16:creationId xmlns:a16="http://schemas.microsoft.com/office/drawing/2014/main" id="{54AAAD84-FC90-4559-8CE0-B98D073B6549}"/>
-              </a:ext>
-            </a:extLst>
-          </p:cNvPr>
-          <p:cNvSpPr>
-            <a:spLocks noGrp="1"/>
-          </p:cNvSpPr>
-          <p:nvPr>
-            <p:ph type="sldNum" sz="quarter" idx="17"/>
-          </p:nvPr>
-        </p:nvSpPr>
-        <p:spPr/>
-        <p:txBody>
-          <a:bodyPr/>
-          <a:lstStyle/>
-          <a:p>
-            <a:fld id="{8B97E1D9-0739-E445-A7FF-39998847AB6F}" type="slidenum">
-              <a:rPr lang="de-DE" smtClean="0"/>
-              <a:pPr/>
-              <a:t>9</a:t>
-            </a:fld>
-            <a:endParaRPr lang="de-DE" dirty="0"/>
-          </a:p>
-        </p:txBody>
-      </p:sp>
-      <p:sp>
-        <p:nvSpPr>
-          <p:cNvPr id="7" name="Titel 6">
-            <a:extLst>
-              <a:ext uri="{FF2B5EF4-FFF2-40B4-BE49-F238E27FC236}">
-                <a16:creationId xmlns:a16="http://schemas.microsoft.com/office/drawing/2014/main" id="{9625CF7A-744B-4D16-9849-4EFCC831D6A9}"/>
-              </a:ext>
-            </a:extLst>
-          </p:cNvPr>
-          <p:cNvSpPr>
-            <a:spLocks noGrp="1"/>
-          </p:cNvSpPr>
-          <p:nvPr>
-            <p:ph type="title"/>
-          </p:nvPr>
-        </p:nvSpPr>
-        <p:spPr/>
-        <p:txBody>
-          <a:bodyPr/>
-          <a:lstStyle/>
-          <a:p>
-            <a:r>
-              <a:rPr lang="de-DE" dirty="0"/>
-              <a:t>Asynchrone Kommunikation : </a:t>
-            </a:r>
-            <a:r>
-              <a:rPr lang="de-DE" dirty="0" err="1"/>
-              <a:t>point</a:t>
-            </a:r>
-            <a:r>
-              <a:rPr lang="de-DE" dirty="0"/>
-              <a:t>-</a:t>
-            </a:r>
-            <a:r>
-              <a:rPr lang="de-DE" dirty="0" err="1"/>
-              <a:t>to</a:t>
-            </a:r>
-            <a:r>
-              <a:rPr lang="de-DE" dirty="0"/>
-              <a:t>-point</a:t>
-            </a:r>
-          </a:p>
-        </p:txBody>
-      </p:sp>
-      <p:sp>
-        <p:nvSpPr>
-          <p:cNvPr id="8" name="Datumsplatzhalter 7">
-            <a:extLst>
-              <a:ext uri="{FF2B5EF4-FFF2-40B4-BE49-F238E27FC236}">
-                <a16:creationId xmlns:a16="http://schemas.microsoft.com/office/drawing/2014/main" id="{5200AEFB-9967-45DA-8A70-5DB0DE921B0F}"/>
-              </a:ext>
-            </a:extLst>
-          </p:cNvPr>
-          <p:cNvSpPr>
-            <a:spLocks noGrp="1"/>
-          </p:cNvSpPr>
-          <p:nvPr>
-            <p:ph type="dt" sz="half" idx="18"/>
-          </p:nvPr>
-        </p:nvSpPr>
-        <p:spPr/>
-        <p:txBody>
-          <a:bodyPr/>
-          <a:lstStyle/>
-          <a:p>
-            <a:fld id="{F6737BBE-2145-4442-A559-CD3E1292DF16}" type="datetime1">
-              <a:rPr lang="de-DE" smtClean="0"/>
-              <a:t>15.09.2022</a:t>
-            </a:fld>
-            <a:endParaRPr lang="de-DE" dirty="0"/>
-          </a:p>
-        </p:txBody>
-      </p:sp>
-      <p:sp>
-        <p:nvSpPr>
-          <p:cNvPr id="9" name="Fußzeilenplatzhalter 8">
-            <a:extLst>
-              <a:ext uri="{FF2B5EF4-FFF2-40B4-BE49-F238E27FC236}">
-                <a16:creationId xmlns:a16="http://schemas.microsoft.com/office/drawing/2014/main" id="{4FB570F9-91F6-4813-9B0A-9B89BAC606AE}"/>
-              </a:ext>
-            </a:extLst>
-          </p:cNvPr>
-          <p:cNvSpPr>
-            <a:spLocks noGrp="1"/>
-          </p:cNvSpPr>
-          <p:nvPr>
-            <p:ph type="ftr" sz="quarter" idx="3"/>
-          </p:nvPr>
-        </p:nvSpPr>
-        <p:spPr/>
-        <p:txBody>
-          <a:bodyPr/>
-          <a:lstStyle/>
-          <a:p>
-            <a:endParaRPr lang="de-DE" dirty="0"/>
-          </a:p>
-        </p:txBody>
-      </p:sp>
-      <p:sp>
-        <p:nvSpPr>
-          <p:cNvPr id="12" name="Rechteck 11">
-            <a:extLst>
-              <a:ext uri="{FF2B5EF4-FFF2-40B4-BE49-F238E27FC236}">
-                <a16:creationId xmlns:a16="http://schemas.microsoft.com/office/drawing/2014/main" id="{EC87BBAA-6FA5-4AAF-B603-766955BEC8F3}"/>
-              </a:ext>
-            </a:extLst>
-          </p:cNvPr>
-          <p:cNvSpPr/>
-          <p:nvPr/>
-        </p:nvSpPr>
-        <p:spPr>
-          <a:xfrm>
-            <a:off x="1409700" y="1486689"/>
-            <a:ext cx="4244340" cy="2742411"/>
-          </a:xfrm>
-          <a:prstGeom prst="rect">
-            <a:avLst/>
-          </a:prstGeom>
-          <a:noFill/>
-          <a:ln w="38100" cap="flat" cmpd="sng" algn="ctr">
-            <a:solidFill>
-              <a:schemeClr val="accent2">
-                <a:lumMod val="60000"/>
-                <a:lumOff val="40000"/>
-              </a:schemeClr>
-            </a:solidFill>
-            <a:prstDash val="solid"/>
-            <a:round/>
-            <a:headEnd type="none" w="med" len="med"/>
-            <a:tailEnd type="none" w="med" len="med"/>
-          </a:ln>
-        </p:spPr>
-        <p:style>
-          <a:lnRef idx="0">
-            <a:scrgbClr r="0" g="0" b="0"/>
-          </a:lnRef>
-          <a:fillRef idx="0">
-            <a:scrgbClr r="0" g="0" b="0"/>
-          </a:fillRef>
-          <a:effectRef idx="0">
-            <a:scrgbClr r="0" g="0" b="0"/>
-          </a:effectRef>
-          <a:fontRef idx="minor">
-            <a:schemeClr val="dk1"/>
-          </a:fontRef>
-        </p:style>
-        <p:txBody>
-          <a:bodyPr rtlCol="0" anchor="ctr"/>
-          <a:lstStyle/>
-          <a:p>
-            <a:pPr algn="ctr"/>
-            <a:endParaRPr lang="de-DE"/>
-          </a:p>
-        </p:txBody>
-      </p:sp>
-      <p:sp>
-        <p:nvSpPr>
-          <p:cNvPr id="17" name="Pfeil: nach links 16">
-            <a:extLst>
-              <a:ext uri="{FF2B5EF4-FFF2-40B4-BE49-F238E27FC236}">
-                <a16:creationId xmlns:a16="http://schemas.microsoft.com/office/drawing/2014/main" id="{CAC0CE91-EECD-4914-8DF3-EEDC898C42E4}"/>
-              </a:ext>
-            </a:extLst>
-          </p:cNvPr>
-          <p:cNvSpPr/>
-          <p:nvPr/>
-        </p:nvSpPr>
-        <p:spPr>
-          <a:xfrm>
-            <a:off x="5571340" y="2623791"/>
-            <a:ext cx="891540" cy="327660"/>
-          </a:xfrm>
-          <a:prstGeom prst="leftArrow">
-            <a:avLst/>
-          </a:prstGeom>
-          <a:solidFill>
-            <a:srgbClr val="FF0000"/>
-          </a:solidFill>
-          <a:ln>
-            <a:solidFill>
-              <a:srgbClr val="C00000"/>
-            </a:solidFill>
-          </a:ln>
-        </p:spPr>
-        <p:style>
-          <a:lnRef idx="1">
-            <a:schemeClr val="accent1"/>
-          </a:lnRef>
-          <a:fillRef idx="3">
-            <a:schemeClr val="accent1"/>
-          </a:fillRef>
-          <a:effectRef idx="2">
-            <a:schemeClr val="accent1"/>
-          </a:effectRef>
-          <a:fontRef idx="minor">
-            <a:schemeClr val="lt1"/>
-          </a:fontRef>
-        </p:style>
-        <p:txBody>
-          <a:bodyPr rtlCol="0" anchor="ctr"/>
-          <a:lstStyle/>
-          <a:p>
-            <a:pPr algn="ctr"/>
-            <a:r>
-              <a:rPr lang="de-DE" sz="1200" dirty="0"/>
-              <a:t>Queue</a:t>
-            </a:r>
-          </a:p>
-        </p:txBody>
-      </p:sp>
-      <p:sp>
-        <p:nvSpPr>
-          <p:cNvPr id="10" name="Textfeld 9">
-            <a:extLst>
-              <a:ext uri="{FF2B5EF4-FFF2-40B4-BE49-F238E27FC236}">
-                <a16:creationId xmlns:a16="http://schemas.microsoft.com/office/drawing/2014/main" id="{465E413E-938D-4A69-BCE6-9F74C150BEC9}"/>
-              </a:ext>
-            </a:extLst>
-          </p:cNvPr>
-          <p:cNvSpPr txBox="1"/>
-          <p:nvPr/>
-        </p:nvSpPr>
-        <p:spPr>
-          <a:xfrm>
-            <a:off x="1806575" y="1855580"/>
-            <a:ext cx="1784350" cy="830997"/>
-          </a:xfrm>
-          <a:prstGeom prst="rect">
-            <a:avLst/>
-          </a:prstGeom>
-          <a:solidFill>
-            <a:srgbClr val="2C00E6"/>
-          </a:solidFill>
-          <a:ln w="50800" cap="rnd">
-            <a:solidFill>
-              <a:srgbClr val="2800D2"/>
-            </a:solidFill>
-          </a:ln>
-        </p:spPr>
-        <p:txBody>
-          <a:bodyPr wrap="square" rtlCol="0">
-            <a:spAutoFit/>
-          </a:bodyPr>
-          <a:lstStyle/>
-          <a:p>
-            <a:pPr algn="ctr"/>
-            <a:r>
-              <a:rPr lang="de-DE" dirty="0" err="1">
-                <a:solidFill>
-                  <a:schemeClr val="bg1"/>
-                </a:solidFill>
-              </a:rPr>
-              <a:t>AlarmIT</a:t>
-            </a:r>
-            <a:endParaRPr lang="de-DE" dirty="0">
-              <a:solidFill>
-                <a:schemeClr val="bg1"/>
-              </a:solidFill>
-            </a:endParaRPr>
-          </a:p>
-          <a:p>
-            <a:pPr algn="ctr"/>
-            <a:r>
-              <a:rPr lang="de-DE" sz="2000" dirty="0">
-                <a:solidFill>
-                  <a:schemeClr val="bg1"/>
-                </a:solidFill>
-              </a:rPr>
-              <a:t>Instanz 1</a:t>
-            </a:r>
-          </a:p>
-          <a:p>
-            <a:pPr algn="ctr"/>
-            <a:endParaRPr lang="de-DE" dirty="0">
-              <a:solidFill>
-                <a:schemeClr val="bg1"/>
-              </a:solidFill>
-            </a:endParaRPr>
-          </a:p>
-        </p:txBody>
-      </p:sp>
-      <p:sp>
-        <p:nvSpPr>
-          <p:cNvPr id="11" name="Textfeld 10">
-            <a:extLst>
-              <a:ext uri="{FF2B5EF4-FFF2-40B4-BE49-F238E27FC236}">
-                <a16:creationId xmlns:a16="http://schemas.microsoft.com/office/drawing/2014/main" id="{11040457-F383-4E65-8B52-884373FE2801}"/>
-              </a:ext>
-            </a:extLst>
-          </p:cNvPr>
-          <p:cNvSpPr txBox="1"/>
-          <p:nvPr/>
-        </p:nvSpPr>
-        <p:spPr>
-          <a:xfrm>
-            <a:off x="1784927" y="3055468"/>
-            <a:ext cx="1784350" cy="830997"/>
-          </a:xfrm>
-          <a:prstGeom prst="rect">
-            <a:avLst/>
-          </a:prstGeom>
-          <a:solidFill>
-            <a:srgbClr val="2C00E6"/>
-          </a:solidFill>
-          <a:ln w="50800" cap="rnd">
-            <a:solidFill>
-              <a:srgbClr val="2800D2"/>
-            </a:solidFill>
-          </a:ln>
-        </p:spPr>
-        <p:txBody>
-          <a:bodyPr wrap="square" rtlCol="0">
-            <a:spAutoFit/>
-          </a:bodyPr>
-          <a:lstStyle/>
-          <a:p>
-            <a:pPr algn="ctr"/>
-            <a:r>
-              <a:rPr lang="de-DE" dirty="0" err="1">
-                <a:solidFill>
-                  <a:schemeClr val="bg1"/>
-                </a:solidFill>
-              </a:rPr>
-              <a:t>AlarmIT</a:t>
-            </a:r>
-            <a:endParaRPr lang="de-DE" dirty="0">
-              <a:solidFill>
-                <a:schemeClr val="bg1"/>
-              </a:solidFill>
-            </a:endParaRPr>
-          </a:p>
-          <a:p>
-            <a:pPr algn="ctr"/>
-            <a:r>
-              <a:rPr lang="de-DE" sz="2000" dirty="0">
-                <a:solidFill>
-                  <a:schemeClr val="bg1"/>
-                </a:solidFill>
-              </a:rPr>
-              <a:t>Instanz 2</a:t>
-            </a:r>
-          </a:p>
-          <a:p>
-            <a:pPr algn="ctr"/>
-            <a:endParaRPr lang="de-DE" dirty="0">
-              <a:solidFill>
-                <a:schemeClr val="bg1"/>
-              </a:solidFill>
-            </a:endParaRPr>
-          </a:p>
-        </p:txBody>
-      </p:sp>
-      <p:pic>
-        <p:nvPicPr>
-          <p:cNvPr id="21" name="Picture 6" descr="Was ist Docker? | AWS">
-            <a:extLst>
-              <a:ext uri="{FF2B5EF4-FFF2-40B4-BE49-F238E27FC236}">
-                <a16:creationId xmlns:a16="http://schemas.microsoft.com/office/drawing/2014/main" id="{3CF49483-D8B6-4C58-A610-0051DF2F38A8}"/>
-              </a:ext>
-            </a:extLst>
-          </p:cNvPr>
-          <p:cNvPicPr>
-            <a:picLocks noChangeAspect="1" noChangeArrowheads="1"/>
-          </p:cNvPicPr>
-          <p:nvPr/>
-        </p:nvPicPr>
-        <p:blipFill>
-          <a:blip r:embed="rId2">
-            <a:extLst>
-              <a:ext uri="{28A0092B-C50C-407E-A947-70E740481C1C}">
-                <a14:useLocalDpi xmlns:a14="http://schemas.microsoft.com/office/drawing/2010/main" val="0"/>
-              </a:ext>
-            </a:extLst>
-          </a:blip>
-          <a:srcRect/>
-          <a:stretch>
-            <a:fillRect/>
-          </a:stretch>
-        </p:blipFill>
-        <p:spPr bwMode="auto">
-          <a:xfrm>
-            <a:off x="115544" y="1504289"/>
-            <a:ext cx="1272061" cy="597276"/>
-          </a:xfrm>
-          <a:prstGeom prst="rect">
-            <a:avLst/>
-          </a:prstGeom>
-          <a:noFill/>
-          <a:ln w="38100">
-            <a:solidFill>
-              <a:schemeClr val="accent2">
-                <a:lumMod val="60000"/>
-                <a:lumOff val="40000"/>
-              </a:schemeClr>
-            </a:solidFill>
-          </a:ln>
-          <a:extLst>
-            <a:ext uri="{909E8E84-426E-40DD-AFC4-6F175D3DCCD1}">
-              <a14:hiddenFill xmlns:a14="http://schemas.microsoft.com/office/drawing/2010/main">
-                <a:solidFill>
-                  <a:srgbClr val="FFFFFF"/>
-                </a:solidFill>
-              </a14:hiddenFill>
-            </a:ext>
-          </a:extLst>
-        </p:spPr>
-      </p:pic>
-      <p:pic>
-        <p:nvPicPr>
-          <p:cNvPr id="25" name="Picture 6" descr="Apache ActiveMQ – Wikipedia">
-            <a:extLst>
-              <a:ext uri="{FF2B5EF4-FFF2-40B4-BE49-F238E27FC236}">
-                <a16:creationId xmlns:a16="http://schemas.microsoft.com/office/drawing/2014/main" id="{3492889B-2052-4FE3-81D4-203355532B6A}"/>
-              </a:ext>
-            </a:extLst>
-          </p:cNvPr>
-          <p:cNvPicPr>
-            <a:picLocks noChangeAspect="1" noChangeArrowheads="1"/>
-          </p:cNvPicPr>
-          <p:nvPr/>
-        </p:nvPicPr>
-        <p:blipFill>
-          <a:blip r:embed="rId3">
-            <a:extLst>
-              <a:ext uri="{28A0092B-C50C-407E-A947-70E740481C1C}">
-                <a14:useLocalDpi xmlns:a14="http://schemas.microsoft.com/office/drawing/2010/main" val="0"/>
-              </a:ext>
-            </a:extLst>
-          </a:blip>
-          <a:srcRect/>
-          <a:stretch>
-            <a:fillRect/>
-          </a:stretch>
-        </p:blipFill>
-        <p:spPr bwMode="auto">
-          <a:xfrm>
-            <a:off x="4368272" y="2400864"/>
-            <a:ext cx="1200169" cy="978251"/>
-          </a:xfrm>
-          <a:prstGeom prst="rect">
-            <a:avLst/>
-          </a:prstGeom>
-          <a:noFill/>
-          <a:extLst>
-            <a:ext uri="{909E8E84-426E-40DD-AFC4-6F175D3DCCD1}">
-              <a14:hiddenFill xmlns:a14="http://schemas.microsoft.com/office/drawing/2010/main">
-                <a:solidFill>
-                  <a:srgbClr val="FFFFFF"/>
-                </a:solidFill>
-              </a14:hiddenFill>
-            </a:ext>
-          </a:extLst>
-        </p:spPr>
-      </p:pic>
-      <p:sp>
-        <p:nvSpPr>
-          <p:cNvPr id="27" name="Rechteck 26">
-            <a:extLst>
-              <a:ext uri="{FF2B5EF4-FFF2-40B4-BE49-F238E27FC236}">
-                <a16:creationId xmlns:a16="http://schemas.microsoft.com/office/drawing/2014/main" id="{90978F04-0B16-48DA-B0ED-1AC480427DD1}"/>
-              </a:ext>
-            </a:extLst>
-          </p:cNvPr>
-          <p:cNvSpPr/>
-          <p:nvPr/>
-        </p:nvSpPr>
-        <p:spPr>
-          <a:xfrm>
-            <a:off x="6706158" y="2400864"/>
-            <a:ext cx="1673465" cy="826676"/>
-          </a:xfrm>
-          <a:prstGeom prst="rect">
-            <a:avLst/>
-          </a:prstGeom>
-        </p:spPr>
-        <p:style>
-          <a:lnRef idx="2">
-            <a:schemeClr val="accent1">
-              <a:shade val="50000"/>
-            </a:schemeClr>
-          </a:lnRef>
-          <a:fillRef idx="1">
-            <a:schemeClr val="accent1"/>
-          </a:fillRef>
-          <a:effectRef idx="0">
-            <a:schemeClr val="accent1"/>
-          </a:effectRef>
-          <a:fontRef idx="minor">
-            <a:schemeClr val="lt1"/>
-          </a:fontRef>
-        </p:style>
-        <p:txBody>
-          <a:bodyPr rtlCol="0" anchor="ctr"/>
-          <a:lstStyle/>
-          <a:p>
-            <a:pPr algn="ctr"/>
-            <a:r>
-              <a:rPr lang="de-DE" dirty="0"/>
-              <a:t>Level 1</a:t>
-            </a:r>
-          </a:p>
-        </p:txBody>
-      </p:sp>
-      <p:sp>
-        <p:nvSpPr>
-          <p:cNvPr id="28" name="Pfeil: nach unten 27">
-            <a:extLst>
-              <a:ext uri="{FF2B5EF4-FFF2-40B4-BE49-F238E27FC236}">
-                <a16:creationId xmlns:a16="http://schemas.microsoft.com/office/drawing/2014/main" id="{EBF16410-41CA-46F5-A01F-C274C8D468B5}"/>
-              </a:ext>
-            </a:extLst>
-          </p:cNvPr>
-          <p:cNvSpPr/>
-          <p:nvPr/>
-        </p:nvSpPr>
-        <p:spPr>
-          <a:xfrm rot="3678140">
-            <a:off x="3912867" y="2864426"/>
-            <a:ext cx="162206" cy="764639"/>
-          </a:xfrm>
-          <a:prstGeom prst="downArrow">
-            <a:avLst/>
-          </a:prstGeom>
-          <a:solidFill>
-            <a:srgbClr val="FF0000"/>
-          </a:solidFill>
-        </p:spPr>
-        <p:style>
-          <a:lnRef idx="2">
-            <a:schemeClr val="accent1">
-              <a:shade val="50000"/>
-            </a:schemeClr>
-          </a:lnRef>
-          <a:fillRef idx="1">
-            <a:schemeClr val="accent1"/>
-          </a:fillRef>
-          <a:effectRef idx="0">
-            <a:schemeClr val="accent1"/>
-          </a:effectRef>
-          <a:fontRef idx="minor">
-            <a:schemeClr val="lt1"/>
-          </a:fontRef>
-        </p:style>
-        <p:txBody>
-          <a:bodyPr rtlCol="0" anchor="ctr"/>
-          <a:lstStyle/>
-          <a:p>
-            <a:pPr algn="ctr"/>
-            <a:endParaRPr lang="de-DE"/>
-          </a:p>
-        </p:txBody>
-      </p:sp>
-      <p:sp>
-        <p:nvSpPr>
-          <p:cNvPr id="29" name="Pfeil: nach unten 28">
-            <a:extLst>
-              <a:ext uri="{FF2B5EF4-FFF2-40B4-BE49-F238E27FC236}">
-                <a16:creationId xmlns:a16="http://schemas.microsoft.com/office/drawing/2014/main" id="{83D60591-6201-403F-8170-69EC6AFFA5B3}"/>
-              </a:ext>
-            </a:extLst>
-          </p:cNvPr>
-          <p:cNvSpPr/>
-          <p:nvPr/>
-        </p:nvSpPr>
-        <p:spPr>
-          <a:xfrm rot="6874408">
-            <a:off x="3912866" y="2080784"/>
-            <a:ext cx="162206" cy="764639"/>
-          </a:xfrm>
-          <a:prstGeom prst="downArrow">
-            <a:avLst/>
-          </a:prstGeom>
-          <a:solidFill>
-            <a:srgbClr val="FF0000"/>
-          </a:solidFill>
-        </p:spPr>
-        <p:style>
-          <a:lnRef idx="2">
-            <a:schemeClr val="accent1">
-              <a:shade val="50000"/>
-            </a:schemeClr>
-          </a:lnRef>
-          <a:fillRef idx="1">
-            <a:schemeClr val="accent1"/>
-          </a:fillRef>
-          <a:effectRef idx="0">
-            <a:schemeClr val="accent1"/>
-          </a:effectRef>
-          <a:fontRef idx="minor">
-            <a:schemeClr val="lt1"/>
-          </a:fontRef>
-        </p:style>
-        <p:txBody>
-          <a:bodyPr rtlCol="0" anchor="ctr"/>
-          <a:lstStyle/>
-          <a:p>
-            <a:pPr algn="ctr"/>
-            <a:endParaRPr lang="de-DE"/>
-          </a:p>
-        </p:txBody>
-      </p:sp>
-    </p:spTree>
-    <p:extLst>
-      <p:ext uri="{BB962C8B-B14F-4D97-AF65-F5344CB8AC3E}">
-        <p14:creationId xmlns:p14="http://schemas.microsoft.com/office/powerpoint/2010/main" val="2064385012"/>
-      </p:ext>
-    </p:extLst>
-  </p:cSld>
-  <p:clrMapOvr>
-    <a:masterClrMapping/>
-  </p:clrMapOvr>
-  <p:timing>
-    <p:tnLst>
-      <p:par>
-        <p:cTn id="1" dur="indefinite" restart="never" nodeType="tmRoot">
-          <p:childTnLst>
-            <p:seq concurrent="1" nextAc="seek">
-              <p:cTn id="2" dur="indefinite" nodeType="mainSeq">
-                <p:childTnLst>
-                  <p:par>
-                    <p:cTn id="3" fill="hold">
-                      <p:stCondLst>
-                        <p:cond delay="indefinite"/>
-                      </p:stCondLst>
-                      <p:childTnLst>
-                        <p:par>
-                          <p:cTn id="4" fill="hold">
-                            <p:stCondLst>
-                              <p:cond delay="0"/>
-                            </p:stCondLst>
-                            <p:childTnLst>
-                              <p:par>
-                                <p:cTn id="5" presetID="1" presetClass="entr" presetSubtype="0" fill="hold" grpId="0" nodeType="clickEffect">
-                                  <p:stCondLst>
-                                    <p:cond delay="0"/>
-                                  </p:stCondLst>
-                                  <p:childTnLst>
-                                    <p:set>
-                                      <p:cBhvr>
-                                        <p:cTn id="6" dur="1" fill="hold">
-                                          <p:stCondLst>
-                                            <p:cond delay="0"/>
-                                          </p:stCondLst>
-                                        </p:cTn>
-                                        <p:tgtEl>
-                                          <p:spTgt spid="11"/>
-                                        </p:tgtEl>
-                                        <p:attrNameLst>
-                                          <p:attrName>style.visibility</p:attrName>
-                                        </p:attrNameLst>
-                                      </p:cBhvr>
-                                      <p:to>
-                                        <p:strVal val="visible"/>
-                                      </p:to>
-                                    </p:set>
-                                  </p:childTnLst>
-                                </p:cTn>
-                              </p:par>
-                              <p:par>
-                                <p:cTn id="7" presetID="1" presetClass="entr" presetSubtype="0" fill="hold" grpId="0" nodeType="withEffect">
-                                  <p:stCondLst>
-                                    <p:cond delay="0"/>
-                                  </p:stCondLst>
-                                  <p:childTnLst>
-                                    <p:set>
-                                      <p:cBhvr>
-                                        <p:cTn id="8" dur="1" fill="hold">
-                                          <p:stCondLst>
-                                            <p:cond delay="0"/>
-                                          </p:stCondLst>
-                                        </p:cTn>
-                                        <p:tgtEl>
-                                          <p:spTgt spid="12"/>
-                                        </p:tgtEl>
-                                        <p:attrNameLst>
-                                          <p:attrName>style.visibility</p:attrName>
-                                        </p:attrNameLst>
-                                      </p:cBhvr>
-                                      <p:to>
-                                        <p:strVal val="visible"/>
-                                      </p:to>
-                                    </p:set>
-                                  </p:childTnLst>
-                                </p:cTn>
-                              </p:par>
-                              <p:par>
-                                <p:cTn id="9" presetID="1" presetClass="entr" presetSubtype="0" fill="hold" grpId="0" nodeType="withEffect">
-                                  <p:stCondLst>
-                                    <p:cond delay="0"/>
-                                  </p:stCondLst>
-                                  <p:childTnLst>
-                                    <p:set>
-                                      <p:cBhvr>
-                                        <p:cTn id="10" dur="1" fill="hold">
-                                          <p:stCondLst>
-                                            <p:cond delay="0"/>
-                                          </p:stCondLst>
-                                        </p:cTn>
-                                        <p:tgtEl>
-                                          <p:spTgt spid="10"/>
-                                        </p:tgtEl>
-                                        <p:attrNameLst>
-                                          <p:attrName>style.visibility</p:attrName>
-                                        </p:attrNameLst>
-                                      </p:cBhvr>
-                                      <p:to>
-                                        <p:strVal val="visible"/>
-                                      </p:to>
-                                    </p:set>
-                                  </p:childTnLst>
-                                </p:cTn>
-                              </p:par>
-                              <p:par>
-                                <p:cTn id="11" presetID="1" presetClass="entr" presetSubtype="0" fill="hold" nodeType="withEffect">
-                                  <p:stCondLst>
-                                    <p:cond delay="0"/>
-                                  </p:stCondLst>
-                                  <p:childTnLst>
-                                    <p:set>
-                                      <p:cBhvr>
-                                        <p:cTn id="12" dur="1" fill="hold">
-                                          <p:stCondLst>
-                                            <p:cond delay="0"/>
-                                          </p:stCondLst>
-                                        </p:cTn>
-                                        <p:tgtEl>
-                                          <p:spTgt spid="21"/>
-                                        </p:tgtEl>
-                                        <p:attrNameLst>
-                                          <p:attrName>style.visibility</p:attrName>
-                                        </p:attrNameLst>
-                                      </p:cBhvr>
-                                      <p:to>
-                                        <p:strVal val="visible"/>
-                                      </p:to>
-                                    </p:set>
-                                  </p:childTnLst>
-                                </p:cTn>
-                              </p:par>
-                            </p:childTnLst>
-                          </p:cTn>
-                        </p:par>
-                      </p:childTnLst>
-                    </p:cTn>
-                  </p:par>
-                  <p:par>
-                    <p:cTn id="13" fill="hold">
-                      <p:stCondLst>
-                        <p:cond delay="indefinite"/>
-                      </p:stCondLst>
-                      <p:childTnLst>
-                        <p:par>
-                          <p:cTn id="14" fill="hold">
-                            <p:stCondLst>
-                              <p:cond delay="0"/>
-                            </p:stCondLst>
-                            <p:childTnLst>
-                              <p:par>
-                                <p:cTn id="15" presetID="1" presetClass="entr" presetSubtype="0" fill="hold" grpId="0" nodeType="clickEffect">
-                                  <p:stCondLst>
-                                    <p:cond delay="0"/>
-                                  </p:stCondLst>
-                                  <p:childTnLst>
-                                    <p:set>
-                                      <p:cBhvr>
-                                        <p:cTn id="16" dur="1" fill="hold">
-                                          <p:stCondLst>
-                                            <p:cond delay="0"/>
-                                          </p:stCondLst>
-                                        </p:cTn>
-                                        <p:tgtEl>
-                                          <p:spTgt spid="17"/>
-                                        </p:tgtEl>
-                                        <p:attrNameLst>
-                                          <p:attrName>style.visibility</p:attrName>
-                                        </p:attrNameLst>
-                                      </p:cBhvr>
-                                      <p:to>
-                                        <p:strVal val="visible"/>
-                                      </p:to>
-                                    </p:set>
-                                  </p:childTnLst>
-                                </p:cTn>
-                              </p:par>
-                            </p:childTnLst>
-                          </p:cTn>
-                        </p:par>
-                      </p:childTnLst>
-                    </p:cTn>
-                  </p:par>
-                  <p:par>
-                    <p:cTn id="17" fill="hold">
-                      <p:stCondLst>
-                        <p:cond delay="indefinite"/>
-                      </p:stCondLst>
-                      <p:childTnLst>
-                        <p:par>
-                          <p:cTn id="18" fill="hold">
-                            <p:stCondLst>
-                              <p:cond delay="0"/>
-                            </p:stCondLst>
-                            <p:childTnLst>
-                              <p:par>
-                                <p:cTn id="19" presetID="10" presetClass="entr" presetSubtype="0" fill="hold" nodeType="clickEffect">
-                                  <p:stCondLst>
-                                    <p:cond delay="0"/>
-                                  </p:stCondLst>
-                                  <p:childTnLst>
-                                    <p:set>
-                                      <p:cBhvr>
-                                        <p:cTn id="20" dur="1" fill="hold">
-                                          <p:stCondLst>
-                                            <p:cond delay="0"/>
-                                          </p:stCondLst>
-                                        </p:cTn>
-                                        <p:tgtEl>
-                                          <p:spTgt spid="25"/>
-                                        </p:tgtEl>
-                                        <p:attrNameLst>
-                                          <p:attrName>style.visibility</p:attrName>
-                                        </p:attrNameLst>
-                                      </p:cBhvr>
-                                      <p:to>
-                                        <p:strVal val="visible"/>
-                                      </p:to>
-                                    </p:set>
-                                    <p:animEffect transition="in" filter="fade">
-                                      <p:cBhvr>
-                                        <p:cTn id="21" dur="500"/>
-                                        <p:tgtEl>
-                                          <p:spTgt spid="25"/>
-                                        </p:tgtEl>
-                                      </p:cBhvr>
-                                    </p:animEffect>
-                                  </p:childTnLst>
-                                </p:cTn>
-                              </p:par>
-                            </p:childTnLst>
-                          </p:cTn>
-                        </p:par>
-                      </p:childTnLst>
-                    </p:cTn>
-                  </p:par>
-                </p:childTnLst>
-              </p:cTn>
-              <p:prevCondLst>
-                <p:cond evt="onPrev" delay="0">
-                  <p:tgtEl>
-                    <p:sldTgt/>
-                  </p:tgtEl>
-                </p:cond>
-              </p:prevCondLst>
-              <p:nextCondLst>
-                <p:cond evt="onNext" delay="0">
-                  <p:tgtEl>
-                    <p:sldTgt/>
-                  </p:tgtEl>
-                </p:cond>
-              </p:nextCondLst>
-            </p:seq>
-          </p:childTnLst>
-        </p:cTn>
-      </p:par>
-    </p:tnLst>
-    <p:bldLst>
-      <p:bldP spid="12" grpId="0" animBg="1"/>
-      <p:bldP spid="17" grpId="0" animBg="1"/>
-      <p:bldP spid="10" grpId="0" animBg="1"/>
-      <p:bldP spid="11" grpId="0" animBg="1"/>
     </p:bldLst>
   </p:timing>
 </p:sld>
